--- a/Day 2 - Digital Logic and Operations/Digital Logic and Operations.pptx
+++ b/Day 2 - Digital Logic and Operations/Digital Logic and Operations.pptx
@@ -162,7 +162,7 @@
           <p:cNvPr id="2" name="Title 1">
             <a:extLst>
               <a:ext uri="{FF2B5EF4-FFF2-40B4-BE49-F238E27FC236}">
-                <a16:creationId xmlns="" xmlns:a16="http://schemas.microsoft.com/office/drawing/2014/main" id="{81555A63-69C3-4FA6-A41A-09FD3CCC39A7}"/>
+                <a16:creationId xmlns:a16="http://schemas.microsoft.com/office/drawing/2014/main" xmlns="" id="{81555A63-69C3-4FA6-A41A-09FD3CCC39A7}"/>
               </a:ext>
             </a:extLst>
           </p:cNvPr>
@@ -199,7 +199,7 @@
           <p:cNvPr id="3" name="Subtitle 2">
             <a:extLst>
               <a:ext uri="{FF2B5EF4-FFF2-40B4-BE49-F238E27FC236}">
-                <a16:creationId xmlns="" xmlns:a16="http://schemas.microsoft.com/office/drawing/2014/main" id="{21D123A1-5C77-48BA-B277-138A233A1205}"/>
+                <a16:creationId xmlns:a16="http://schemas.microsoft.com/office/drawing/2014/main" xmlns="" id="{21D123A1-5C77-48BA-B277-138A233A1205}"/>
               </a:ext>
             </a:extLst>
           </p:cNvPr>
@@ -269,7 +269,7 @@
           <p:cNvPr id="4" name="Date Placeholder 3">
             <a:extLst>
               <a:ext uri="{FF2B5EF4-FFF2-40B4-BE49-F238E27FC236}">
-                <a16:creationId xmlns="" xmlns:a16="http://schemas.microsoft.com/office/drawing/2014/main" id="{C1C57C32-0E06-4921-A144-3421B96FEE36}"/>
+                <a16:creationId xmlns:a16="http://schemas.microsoft.com/office/drawing/2014/main" xmlns="" id="{C1C57C32-0E06-4921-A144-3421B96FEE36}"/>
               </a:ext>
             </a:extLst>
           </p:cNvPr>
@@ -287,7 +287,7 @@
           <a:p>
             <a:fld id="{96F8FDAF-70E1-4658-93D8-51FF92779D9A}" type="datetimeFigureOut">
               <a:rPr lang="en-US" smtClean="0"/>
-              <a:t>4/10/2018</a:t>
+              <a:t>4/12/2018</a:t>
             </a:fld>
             <a:endParaRPr lang="en-US"/>
           </a:p>
@@ -298,7 +298,7 @@
           <p:cNvPr id="5" name="Footer Placeholder 4">
             <a:extLst>
               <a:ext uri="{FF2B5EF4-FFF2-40B4-BE49-F238E27FC236}">
-                <a16:creationId xmlns="" xmlns:a16="http://schemas.microsoft.com/office/drawing/2014/main" id="{38B17E26-3C3A-438B-A350-5E7557221D9D}"/>
+                <a16:creationId xmlns:a16="http://schemas.microsoft.com/office/drawing/2014/main" xmlns="" id="{38B17E26-3C3A-438B-A350-5E7557221D9D}"/>
               </a:ext>
             </a:extLst>
           </p:cNvPr>
@@ -323,7 +323,7 @@
           <p:cNvPr id="6" name="Slide Number Placeholder 5">
             <a:extLst>
               <a:ext uri="{FF2B5EF4-FFF2-40B4-BE49-F238E27FC236}">
-                <a16:creationId xmlns="" xmlns:a16="http://schemas.microsoft.com/office/drawing/2014/main" id="{351C08BF-8F47-49F1-8BBC-C85B3FAA5312}"/>
+                <a16:creationId xmlns:a16="http://schemas.microsoft.com/office/drawing/2014/main" xmlns="" id="{351C08BF-8F47-49F1-8BBC-C85B3FAA5312}"/>
               </a:ext>
             </a:extLst>
           </p:cNvPr>
@@ -382,7 +382,7 @@
           <p:cNvPr id="2" name="Title 1">
             <a:extLst>
               <a:ext uri="{FF2B5EF4-FFF2-40B4-BE49-F238E27FC236}">
-                <a16:creationId xmlns="" xmlns:a16="http://schemas.microsoft.com/office/drawing/2014/main" id="{E45D3F37-C919-412F-A452-1264CC784AE0}"/>
+                <a16:creationId xmlns:a16="http://schemas.microsoft.com/office/drawing/2014/main" xmlns="" id="{E45D3F37-C919-412F-A452-1264CC784AE0}"/>
               </a:ext>
             </a:extLst>
           </p:cNvPr>
@@ -410,7 +410,7 @@
           <p:cNvPr id="3" name="Vertical Text Placeholder 2">
             <a:extLst>
               <a:ext uri="{FF2B5EF4-FFF2-40B4-BE49-F238E27FC236}">
-                <a16:creationId xmlns="" xmlns:a16="http://schemas.microsoft.com/office/drawing/2014/main" id="{1F532BA8-C2B4-4B5D-BE71-E95D4ECBC758}"/>
+                <a16:creationId xmlns:a16="http://schemas.microsoft.com/office/drawing/2014/main" xmlns="" id="{1F532BA8-C2B4-4B5D-BE71-E95D4ECBC758}"/>
               </a:ext>
             </a:extLst>
           </p:cNvPr>
@@ -467,7 +467,7 @@
           <p:cNvPr id="4" name="Date Placeholder 3">
             <a:extLst>
               <a:ext uri="{FF2B5EF4-FFF2-40B4-BE49-F238E27FC236}">
-                <a16:creationId xmlns="" xmlns:a16="http://schemas.microsoft.com/office/drawing/2014/main" id="{410F2166-4F9B-443C-B1CC-B079BF11BD5D}"/>
+                <a16:creationId xmlns:a16="http://schemas.microsoft.com/office/drawing/2014/main" xmlns="" id="{410F2166-4F9B-443C-B1CC-B079BF11BD5D}"/>
               </a:ext>
             </a:extLst>
           </p:cNvPr>
@@ -485,7 +485,7 @@
           <a:p>
             <a:fld id="{96F8FDAF-70E1-4658-93D8-51FF92779D9A}" type="datetimeFigureOut">
               <a:rPr lang="en-US" smtClean="0"/>
-              <a:t>4/10/2018</a:t>
+              <a:t>4/12/2018</a:t>
             </a:fld>
             <a:endParaRPr lang="en-US"/>
           </a:p>
@@ -496,7 +496,7 @@
           <p:cNvPr id="5" name="Footer Placeholder 4">
             <a:extLst>
               <a:ext uri="{FF2B5EF4-FFF2-40B4-BE49-F238E27FC236}">
-                <a16:creationId xmlns="" xmlns:a16="http://schemas.microsoft.com/office/drawing/2014/main" id="{2F620AB0-AF21-49E1-8302-1ADF5FA30A0A}"/>
+                <a16:creationId xmlns:a16="http://schemas.microsoft.com/office/drawing/2014/main" xmlns="" id="{2F620AB0-AF21-49E1-8302-1ADF5FA30A0A}"/>
               </a:ext>
             </a:extLst>
           </p:cNvPr>
@@ -521,7 +521,7 @@
           <p:cNvPr id="6" name="Slide Number Placeholder 5">
             <a:extLst>
               <a:ext uri="{FF2B5EF4-FFF2-40B4-BE49-F238E27FC236}">
-                <a16:creationId xmlns="" xmlns:a16="http://schemas.microsoft.com/office/drawing/2014/main" id="{36121CB4-96D4-4F2D-B6AA-3532528CD3A2}"/>
+                <a16:creationId xmlns:a16="http://schemas.microsoft.com/office/drawing/2014/main" xmlns="" id="{36121CB4-96D4-4F2D-B6AA-3532528CD3A2}"/>
               </a:ext>
             </a:extLst>
           </p:cNvPr>
@@ -580,7 +580,7 @@
           <p:cNvPr id="2" name="Vertical Title 1">
             <a:extLst>
               <a:ext uri="{FF2B5EF4-FFF2-40B4-BE49-F238E27FC236}">
-                <a16:creationId xmlns="" xmlns:a16="http://schemas.microsoft.com/office/drawing/2014/main" id="{B583F993-BB6E-4DBE-B50B-B34D094F5950}"/>
+                <a16:creationId xmlns:a16="http://schemas.microsoft.com/office/drawing/2014/main" xmlns="" id="{B583F993-BB6E-4DBE-B50B-B34D094F5950}"/>
               </a:ext>
             </a:extLst>
           </p:cNvPr>
@@ -613,7 +613,7 @@
           <p:cNvPr id="3" name="Vertical Text Placeholder 2">
             <a:extLst>
               <a:ext uri="{FF2B5EF4-FFF2-40B4-BE49-F238E27FC236}">
-                <a16:creationId xmlns="" xmlns:a16="http://schemas.microsoft.com/office/drawing/2014/main" id="{F4F70B15-CBD7-4528-8604-EE12B29276EB}"/>
+                <a16:creationId xmlns:a16="http://schemas.microsoft.com/office/drawing/2014/main" xmlns="" id="{F4F70B15-CBD7-4528-8604-EE12B29276EB}"/>
               </a:ext>
             </a:extLst>
           </p:cNvPr>
@@ -675,7 +675,7 @@
           <p:cNvPr id="4" name="Date Placeholder 3">
             <a:extLst>
               <a:ext uri="{FF2B5EF4-FFF2-40B4-BE49-F238E27FC236}">
-                <a16:creationId xmlns="" xmlns:a16="http://schemas.microsoft.com/office/drawing/2014/main" id="{191452D5-B422-4063-AA4F-A99E7A778BA0}"/>
+                <a16:creationId xmlns:a16="http://schemas.microsoft.com/office/drawing/2014/main" xmlns="" id="{191452D5-B422-4063-AA4F-A99E7A778BA0}"/>
               </a:ext>
             </a:extLst>
           </p:cNvPr>
@@ -693,7 +693,7 @@
           <a:p>
             <a:fld id="{96F8FDAF-70E1-4658-93D8-51FF92779D9A}" type="datetimeFigureOut">
               <a:rPr lang="en-US" smtClean="0"/>
-              <a:t>4/10/2018</a:t>
+              <a:t>4/12/2018</a:t>
             </a:fld>
             <a:endParaRPr lang="en-US"/>
           </a:p>
@@ -704,7 +704,7 @@
           <p:cNvPr id="5" name="Footer Placeholder 4">
             <a:extLst>
               <a:ext uri="{FF2B5EF4-FFF2-40B4-BE49-F238E27FC236}">
-                <a16:creationId xmlns="" xmlns:a16="http://schemas.microsoft.com/office/drawing/2014/main" id="{25907ABC-5414-4E73-9821-A8A98C1F22A3}"/>
+                <a16:creationId xmlns:a16="http://schemas.microsoft.com/office/drawing/2014/main" xmlns="" id="{25907ABC-5414-4E73-9821-A8A98C1F22A3}"/>
               </a:ext>
             </a:extLst>
           </p:cNvPr>
@@ -729,7 +729,7 @@
           <p:cNvPr id="6" name="Slide Number Placeholder 5">
             <a:extLst>
               <a:ext uri="{FF2B5EF4-FFF2-40B4-BE49-F238E27FC236}">
-                <a16:creationId xmlns="" xmlns:a16="http://schemas.microsoft.com/office/drawing/2014/main" id="{2890E9A0-D688-4AC7-AB26-AB842396E3CD}"/>
+                <a16:creationId xmlns:a16="http://schemas.microsoft.com/office/drawing/2014/main" xmlns="" id="{2890E9A0-D688-4AC7-AB26-AB842396E3CD}"/>
               </a:ext>
             </a:extLst>
           </p:cNvPr>
@@ -788,7 +788,7 @@
           <p:cNvPr id="2" name="Title 1">
             <a:extLst>
               <a:ext uri="{FF2B5EF4-FFF2-40B4-BE49-F238E27FC236}">
-                <a16:creationId xmlns="" xmlns:a16="http://schemas.microsoft.com/office/drawing/2014/main" id="{0B75B19F-C4B5-4EA3-96B5-38C65A568A11}"/>
+                <a16:creationId xmlns:a16="http://schemas.microsoft.com/office/drawing/2014/main" xmlns="" id="{0B75B19F-C4B5-4EA3-96B5-38C65A568A11}"/>
               </a:ext>
             </a:extLst>
           </p:cNvPr>
@@ -816,7 +816,7 @@
           <p:cNvPr id="3" name="Content Placeholder 2">
             <a:extLst>
               <a:ext uri="{FF2B5EF4-FFF2-40B4-BE49-F238E27FC236}">
-                <a16:creationId xmlns="" xmlns:a16="http://schemas.microsoft.com/office/drawing/2014/main" id="{5EF70E57-D323-4CDC-8238-19FCE1D7C673}"/>
+                <a16:creationId xmlns:a16="http://schemas.microsoft.com/office/drawing/2014/main" xmlns="" id="{5EF70E57-D323-4CDC-8238-19FCE1D7C673}"/>
               </a:ext>
             </a:extLst>
           </p:cNvPr>
@@ -873,7 +873,7 @@
           <p:cNvPr id="4" name="Date Placeholder 3">
             <a:extLst>
               <a:ext uri="{FF2B5EF4-FFF2-40B4-BE49-F238E27FC236}">
-                <a16:creationId xmlns="" xmlns:a16="http://schemas.microsoft.com/office/drawing/2014/main" id="{41325290-DD43-48F6-AF87-DC284B513242}"/>
+                <a16:creationId xmlns:a16="http://schemas.microsoft.com/office/drawing/2014/main" xmlns="" id="{41325290-DD43-48F6-AF87-DC284B513242}"/>
               </a:ext>
             </a:extLst>
           </p:cNvPr>
@@ -891,7 +891,7 @@
           <a:p>
             <a:fld id="{96F8FDAF-70E1-4658-93D8-51FF92779D9A}" type="datetimeFigureOut">
               <a:rPr lang="en-US" smtClean="0"/>
-              <a:t>4/10/2018</a:t>
+              <a:t>4/12/2018</a:t>
             </a:fld>
             <a:endParaRPr lang="en-US"/>
           </a:p>
@@ -902,7 +902,7 @@
           <p:cNvPr id="5" name="Footer Placeholder 4">
             <a:extLst>
               <a:ext uri="{FF2B5EF4-FFF2-40B4-BE49-F238E27FC236}">
-                <a16:creationId xmlns="" xmlns:a16="http://schemas.microsoft.com/office/drawing/2014/main" id="{A1851655-7684-44DB-97A2-CAD9B43B022B}"/>
+                <a16:creationId xmlns:a16="http://schemas.microsoft.com/office/drawing/2014/main" xmlns="" id="{A1851655-7684-44DB-97A2-CAD9B43B022B}"/>
               </a:ext>
             </a:extLst>
           </p:cNvPr>
@@ -927,7 +927,7 @@
           <p:cNvPr id="6" name="Slide Number Placeholder 5">
             <a:extLst>
               <a:ext uri="{FF2B5EF4-FFF2-40B4-BE49-F238E27FC236}">
-                <a16:creationId xmlns="" xmlns:a16="http://schemas.microsoft.com/office/drawing/2014/main" id="{A6B05755-01AC-406F-9384-86BFAE38269A}"/>
+                <a16:creationId xmlns:a16="http://schemas.microsoft.com/office/drawing/2014/main" xmlns="" id="{A6B05755-01AC-406F-9384-86BFAE38269A}"/>
               </a:ext>
             </a:extLst>
           </p:cNvPr>
@@ -986,7 +986,7 @@
           <p:cNvPr id="2" name="Title 1">
             <a:extLst>
               <a:ext uri="{FF2B5EF4-FFF2-40B4-BE49-F238E27FC236}">
-                <a16:creationId xmlns="" xmlns:a16="http://schemas.microsoft.com/office/drawing/2014/main" id="{419E6B2B-393B-46BD-9917-5191C6710144}"/>
+                <a16:creationId xmlns:a16="http://schemas.microsoft.com/office/drawing/2014/main" xmlns="" id="{419E6B2B-393B-46BD-9917-5191C6710144}"/>
               </a:ext>
             </a:extLst>
           </p:cNvPr>
@@ -1023,7 +1023,7 @@
           <p:cNvPr id="3" name="Text Placeholder 2">
             <a:extLst>
               <a:ext uri="{FF2B5EF4-FFF2-40B4-BE49-F238E27FC236}">
-                <a16:creationId xmlns="" xmlns:a16="http://schemas.microsoft.com/office/drawing/2014/main" id="{8EF33683-E880-4ABC-81FE-4310F283FCB8}"/>
+                <a16:creationId xmlns:a16="http://schemas.microsoft.com/office/drawing/2014/main" xmlns="" id="{8EF33683-E880-4ABC-81FE-4310F283FCB8}"/>
               </a:ext>
             </a:extLst>
           </p:cNvPr>
@@ -1148,7 +1148,7 @@
           <p:cNvPr id="4" name="Date Placeholder 3">
             <a:extLst>
               <a:ext uri="{FF2B5EF4-FFF2-40B4-BE49-F238E27FC236}">
-                <a16:creationId xmlns="" xmlns:a16="http://schemas.microsoft.com/office/drawing/2014/main" id="{B345FC5E-10AC-4F13-8F81-A1560B6C2DBD}"/>
+                <a16:creationId xmlns:a16="http://schemas.microsoft.com/office/drawing/2014/main" xmlns="" id="{B345FC5E-10AC-4F13-8F81-A1560B6C2DBD}"/>
               </a:ext>
             </a:extLst>
           </p:cNvPr>
@@ -1166,7 +1166,7 @@
           <a:p>
             <a:fld id="{96F8FDAF-70E1-4658-93D8-51FF92779D9A}" type="datetimeFigureOut">
               <a:rPr lang="en-US" smtClean="0"/>
-              <a:t>4/10/2018</a:t>
+              <a:t>4/12/2018</a:t>
             </a:fld>
             <a:endParaRPr lang="en-US"/>
           </a:p>
@@ -1177,7 +1177,7 @@
           <p:cNvPr id="5" name="Footer Placeholder 4">
             <a:extLst>
               <a:ext uri="{FF2B5EF4-FFF2-40B4-BE49-F238E27FC236}">
-                <a16:creationId xmlns="" xmlns:a16="http://schemas.microsoft.com/office/drawing/2014/main" id="{356904B2-B358-44F6-B536-25795610605D}"/>
+                <a16:creationId xmlns:a16="http://schemas.microsoft.com/office/drawing/2014/main" xmlns="" id="{356904B2-B358-44F6-B536-25795610605D}"/>
               </a:ext>
             </a:extLst>
           </p:cNvPr>
@@ -1202,7 +1202,7 @@
           <p:cNvPr id="6" name="Slide Number Placeholder 5">
             <a:extLst>
               <a:ext uri="{FF2B5EF4-FFF2-40B4-BE49-F238E27FC236}">
-                <a16:creationId xmlns="" xmlns:a16="http://schemas.microsoft.com/office/drawing/2014/main" id="{E21589FF-8E71-4AD6-AC0F-75196CD138AD}"/>
+                <a16:creationId xmlns:a16="http://schemas.microsoft.com/office/drawing/2014/main" xmlns="" id="{E21589FF-8E71-4AD6-AC0F-75196CD138AD}"/>
               </a:ext>
             </a:extLst>
           </p:cNvPr>
@@ -1261,7 +1261,7 @@
           <p:cNvPr id="2" name="Title 1">
             <a:extLst>
               <a:ext uri="{FF2B5EF4-FFF2-40B4-BE49-F238E27FC236}">
-                <a16:creationId xmlns="" xmlns:a16="http://schemas.microsoft.com/office/drawing/2014/main" id="{F29FA62F-7565-4FD1-9A02-566B7A5C58EE}"/>
+                <a16:creationId xmlns:a16="http://schemas.microsoft.com/office/drawing/2014/main" xmlns="" id="{F29FA62F-7565-4FD1-9A02-566B7A5C58EE}"/>
               </a:ext>
             </a:extLst>
           </p:cNvPr>
@@ -1289,7 +1289,7 @@
           <p:cNvPr id="3" name="Content Placeholder 2">
             <a:extLst>
               <a:ext uri="{FF2B5EF4-FFF2-40B4-BE49-F238E27FC236}">
-                <a16:creationId xmlns="" xmlns:a16="http://schemas.microsoft.com/office/drawing/2014/main" id="{ECE108B3-6356-4C1E-9A75-5C7093E384E1}"/>
+                <a16:creationId xmlns:a16="http://schemas.microsoft.com/office/drawing/2014/main" xmlns="" id="{ECE108B3-6356-4C1E-9A75-5C7093E384E1}"/>
               </a:ext>
             </a:extLst>
           </p:cNvPr>
@@ -1351,7 +1351,7 @@
           <p:cNvPr id="4" name="Content Placeholder 3">
             <a:extLst>
               <a:ext uri="{FF2B5EF4-FFF2-40B4-BE49-F238E27FC236}">
-                <a16:creationId xmlns="" xmlns:a16="http://schemas.microsoft.com/office/drawing/2014/main" id="{B8B47841-F4D1-4653-A10D-7FE8FA116A8E}"/>
+                <a16:creationId xmlns:a16="http://schemas.microsoft.com/office/drawing/2014/main" xmlns="" id="{B8B47841-F4D1-4653-A10D-7FE8FA116A8E}"/>
               </a:ext>
             </a:extLst>
           </p:cNvPr>
@@ -1413,7 +1413,7 @@
           <p:cNvPr id="5" name="Date Placeholder 4">
             <a:extLst>
               <a:ext uri="{FF2B5EF4-FFF2-40B4-BE49-F238E27FC236}">
-                <a16:creationId xmlns="" xmlns:a16="http://schemas.microsoft.com/office/drawing/2014/main" id="{0B5E1BD5-72F9-40C5-B032-B20565ECC425}"/>
+                <a16:creationId xmlns:a16="http://schemas.microsoft.com/office/drawing/2014/main" xmlns="" id="{0B5E1BD5-72F9-40C5-B032-B20565ECC425}"/>
               </a:ext>
             </a:extLst>
           </p:cNvPr>
@@ -1431,7 +1431,7 @@
           <a:p>
             <a:fld id="{96F8FDAF-70E1-4658-93D8-51FF92779D9A}" type="datetimeFigureOut">
               <a:rPr lang="en-US" smtClean="0"/>
-              <a:t>4/10/2018</a:t>
+              <a:t>4/12/2018</a:t>
             </a:fld>
             <a:endParaRPr lang="en-US"/>
           </a:p>
@@ -1442,7 +1442,7 @@
           <p:cNvPr id="6" name="Footer Placeholder 5">
             <a:extLst>
               <a:ext uri="{FF2B5EF4-FFF2-40B4-BE49-F238E27FC236}">
-                <a16:creationId xmlns="" xmlns:a16="http://schemas.microsoft.com/office/drawing/2014/main" id="{105736AD-1405-4DD4-8485-7C0B2FAA377A}"/>
+                <a16:creationId xmlns:a16="http://schemas.microsoft.com/office/drawing/2014/main" xmlns="" id="{105736AD-1405-4DD4-8485-7C0B2FAA377A}"/>
               </a:ext>
             </a:extLst>
           </p:cNvPr>
@@ -1467,7 +1467,7 @@
           <p:cNvPr id="7" name="Slide Number Placeholder 6">
             <a:extLst>
               <a:ext uri="{FF2B5EF4-FFF2-40B4-BE49-F238E27FC236}">
-                <a16:creationId xmlns="" xmlns:a16="http://schemas.microsoft.com/office/drawing/2014/main" id="{BF957EB7-DBFC-4F59-961A-92482EBB4424}"/>
+                <a16:creationId xmlns:a16="http://schemas.microsoft.com/office/drawing/2014/main" xmlns="" id="{BF957EB7-DBFC-4F59-961A-92482EBB4424}"/>
               </a:ext>
             </a:extLst>
           </p:cNvPr>
@@ -1526,7 +1526,7 @@
           <p:cNvPr id="2" name="Title 1">
             <a:extLst>
               <a:ext uri="{FF2B5EF4-FFF2-40B4-BE49-F238E27FC236}">
-                <a16:creationId xmlns="" xmlns:a16="http://schemas.microsoft.com/office/drawing/2014/main" id="{B8FDF365-9746-4BE8-B97D-6D8401231049}"/>
+                <a16:creationId xmlns:a16="http://schemas.microsoft.com/office/drawing/2014/main" xmlns="" id="{B8FDF365-9746-4BE8-B97D-6D8401231049}"/>
               </a:ext>
             </a:extLst>
           </p:cNvPr>
@@ -1559,7 +1559,7 @@
           <p:cNvPr id="3" name="Text Placeholder 2">
             <a:extLst>
               <a:ext uri="{FF2B5EF4-FFF2-40B4-BE49-F238E27FC236}">
-                <a16:creationId xmlns="" xmlns:a16="http://schemas.microsoft.com/office/drawing/2014/main" id="{554FEDA4-7274-4B00-9C77-AB7838B4CA95}"/>
+                <a16:creationId xmlns:a16="http://schemas.microsoft.com/office/drawing/2014/main" xmlns="" id="{554FEDA4-7274-4B00-9C77-AB7838B4CA95}"/>
               </a:ext>
             </a:extLst>
           </p:cNvPr>
@@ -1630,7 +1630,7 @@
           <p:cNvPr id="4" name="Content Placeholder 3">
             <a:extLst>
               <a:ext uri="{FF2B5EF4-FFF2-40B4-BE49-F238E27FC236}">
-                <a16:creationId xmlns="" xmlns:a16="http://schemas.microsoft.com/office/drawing/2014/main" id="{8E759D05-E5B1-435F-B565-2825656CC145}"/>
+                <a16:creationId xmlns:a16="http://schemas.microsoft.com/office/drawing/2014/main" xmlns="" id="{8E759D05-E5B1-435F-B565-2825656CC145}"/>
               </a:ext>
             </a:extLst>
           </p:cNvPr>
@@ -1692,7 +1692,7 @@
           <p:cNvPr id="5" name="Text Placeholder 4">
             <a:extLst>
               <a:ext uri="{FF2B5EF4-FFF2-40B4-BE49-F238E27FC236}">
-                <a16:creationId xmlns="" xmlns:a16="http://schemas.microsoft.com/office/drawing/2014/main" id="{11768715-484D-44EF-ABCC-161FC65237B5}"/>
+                <a16:creationId xmlns:a16="http://schemas.microsoft.com/office/drawing/2014/main" xmlns="" id="{11768715-484D-44EF-ABCC-161FC65237B5}"/>
               </a:ext>
             </a:extLst>
           </p:cNvPr>
@@ -1763,7 +1763,7 @@
           <p:cNvPr id="6" name="Content Placeholder 5">
             <a:extLst>
               <a:ext uri="{FF2B5EF4-FFF2-40B4-BE49-F238E27FC236}">
-                <a16:creationId xmlns="" xmlns:a16="http://schemas.microsoft.com/office/drawing/2014/main" id="{D7DE7B3B-520B-4C0F-8B6D-E6354FC4FA2F}"/>
+                <a16:creationId xmlns:a16="http://schemas.microsoft.com/office/drawing/2014/main" xmlns="" id="{D7DE7B3B-520B-4C0F-8B6D-E6354FC4FA2F}"/>
               </a:ext>
             </a:extLst>
           </p:cNvPr>
@@ -1825,7 +1825,7 @@
           <p:cNvPr id="7" name="Date Placeholder 6">
             <a:extLst>
               <a:ext uri="{FF2B5EF4-FFF2-40B4-BE49-F238E27FC236}">
-                <a16:creationId xmlns="" xmlns:a16="http://schemas.microsoft.com/office/drawing/2014/main" id="{21A544CA-964D-46CC-86E5-F684EE105400}"/>
+                <a16:creationId xmlns:a16="http://schemas.microsoft.com/office/drawing/2014/main" xmlns="" id="{21A544CA-964D-46CC-86E5-F684EE105400}"/>
               </a:ext>
             </a:extLst>
           </p:cNvPr>
@@ -1843,7 +1843,7 @@
           <a:p>
             <a:fld id="{96F8FDAF-70E1-4658-93D8-51FF92779D9A}" type="datetimeFigureOut">
               <a:rPr lang="en-US" smtClean="0"/>
-              <a:t>4/10/2018</a:t>
+              <a:t>4/12/2018</a:t>
             </a:fld>
             <a:endParaRPr lang="en-US"/>
           </a:p>
@@ -1854,7 +1854,7 @@
           <p:cNvPr id="8" name="Footer Placeholder 7">
             <a:extLst>
               <a:ext uri="{FF2B5EF4-FFF2-40B4-BE49-F238E27FC236}">
-                <a16:creationId xmlns="" xmlns:a16="http://schemas.microsoft.com/office/drawing/2014/main" id="{99045DAA-2FB8-48C7-9C58-33774B3C707D}"/>
+                <a16:creationId xmlns:a16="http://schemas.microsoft.com/office/drawing/2014/main" xmlns="" id="{99045DAA-2FB8-48C7-9C58-33774B3C707D}"/>
               </a:ext>
             </a:extLst>
           </p:cNvPr>
@@ -1879,7 +1879,7 @@
           <p:cNvPr id="9" name="Slide Number Placeholder 8">
             <a:extLst>
               <a:ext uri="{FF2B5EF4-FFF2-40B4-BE49-F238E27FC236}">
-                <a16:creationId xmlns="" xmlns:a16="http://schemas.microsoft.com/office/drawing/2014/main" id="{7F9A62C1-B25D-445A-A34D-F06693242693}"/>
+                <a16:creationId xmlns:a16="http://schemas.microsoft.com/office/drawing/2014/main" xmlns="" id="{7F9A62C1-B25D-445A-A34D-F06693242693}"/>
               </a:ext>
             </a:extLst>
           </p:cNvPr>
@@ -1938,7 +1938,7 @@
           <p:cNvPr id="2" name="Title 1">
             <a:extLst>
               <a:ext uri="{FF2B5EF4-FFF2-40B4-BE49-F238E27FC236}">
-                <a16:creationId xmlns="" xmlns:a16="http://schemas.microsoft.com/office/drawing/2014/main" id="{8C937246-2F1B-4CA5-8339-83FF80CC6F65}"/>
+                <a16:creationId xmlns:a16="http://schemas.microsoft.com/office/drawing/2014/main" xmlns="" id="{8C937246-2F1B-4CA5-8339-83FF80CC6F65}"/>
               </a:ext>
             </a:extLst>
           </p:cNvPr>
@@ -1966,7 +1966,7 @@
           <p:cNvPr id="3" name="Date Placeholder 2">
             <a:extLst>
               <a:ext uri="{FF2B5EF4-FFF2-40B4-BE49-F238E27FC236}">
-                <a16:creationId xmlns="" xmlns:a16="http://schemas.microsoft.com/office/drawing/2014/main" id="{AA1127E0-1261-4BDD-9136-8C74CA015746}"/>
+                <a16:creationId xmlns:a16="http://schemas.microsoft.com/office/drawing/2014/main" xmlns="" id="{AA1127E0-1261-4BDD-9136-8C74CA015746}"/>
               </a:ext>
             </a:extLst>
           </p:cNvPr>
@@ -1984,7 +1984,7 @@
           <a:p>
             <a:fld id="{96F8FDAF-70E1-4658-93D8-51FF92779D9A}" type="datetimeFigureOut">
               <a:rPr lang="en-US" smtClean="0"/>
-              <a:t>4/10/2018</a:t>
+              <a:t>4/12/2018</a:t>
             </a:fld>
             <a:endParaRPr lang="en-US"/>
           </a:p>
@@ -1995,7 +1995,7 @@
           <p:cNvPr id="4" name="Footer Placeholder 3">
             <a:extLst>
               <a:ext uri="{FF2B5EF4-FFF2-40B4-BE49-F238E27FC236}">
-                <a16:creationId xmlns="" xmlns:a16="http://schemas.microsoft.com/office/drawing/2014/main" id="{81953EE3-7AC0-4B90-AF21-28C51ACFC7D4}"/>
+                <a16:creationId xmlns:a16="http://schemas.microsoft.com/office/drawing/2014/main" xmlns="" id="{81953EE3-7AC0-4B90-AF21-28C51ACFC7D4}"/>
               </a:ext>
             </a:extLst>
           </p:cNvPr>
@@ -2020,7 +2020,7 @@
           <p:cNvPr id="5" name="Slide Number Placeholder 4">
             <a:extLst>
               <a:ext uri="{FF2B5EF4-FFF2-40B4-BE49-F238E27FC236}">
-                <a16:creationId xmlns="" xmlns:a16="http://schemas.microsoft.com/office/drawing/2014/main" id="{9FE58A81-F76F-4B35-AB3F-DB6F8BDD197E}"/>
+                <a16:creationId xmlns:a16="http://schemas.microsoft.com/office/drawing/2014/main" xmlns="" id="{9FE58A81-F76F-4B35-AB3F-DB6F8BDD197E}"/>
               </a:ext>
             </a:extLst>
           </p:cNvPr>
@@ -2079,7 +2079,7 @@
           <p:cNvPr id="2" name="Date Placeholder 1">
             <a:extLst>
               <a:ext uri="{FF2B5EF4-FFF2-40B4-BE49-F238E27FC236}">
-                <a16:creationId xmlns="" xmlns:a16="http://schemas.microsoft.com/office/drawing/2014/main" id="{F7C55795-1AA3-4CBE-960A-CA6C2FEBE942}"/>
+                <a16:creationId xmlns:a16="http://schemas.microsoft.com/office/drawing/2014/main" xmlns="" id="{F7C55795-1AA3-4CBE-960A-CA6C2FEBE942}"/>
               </a:ext>
             </a:extLst>
           </p:cNvPr>
@@ -2097,7 +2097,7 @@
           <a:p>
             <a:fld id="{96F8FDAF-70E1-4658-93D8-51FF92779D9A}" type="datetimeFigureOut">
               <a:rPr lang="en-US" smtClean="0"/>
-              <a:t>4/10/2018</a:t>
+              <a:t>4/12/2018</a:t>
             </a:fld>
             <a:endParaRPr lang="en-US"/>
           </a:p>
@@ -2108,7 +2108,7 @@
           <p:cNvPr id="3" name="Footer Placeholder 2">
             <a:extLst>
               <a:ext uri="{FF2B5EF4-FFF2-40B4-BE49-F238E27FC236}">
-                <a16:creationId xmlns="" xmlns:a16="http://schemas.microsoft.com/office/drawing/2014/main" id="{7235FA61-BD05-47C2-AA63-5C18C9AF2A7F}"/>
+                <a16:creationId xmlns:a16="http://schemas.microsoft.com/office/drawing/2014/main" xmlns="" id="{7235FA61-BD05-47C2-AA63-5C18C9AF2A7F}"/>
               </a:ext>
             </a:extLst>
           </p:cNvPr>
@@ -2133,7 +2133,7 @@
           <p:cNvPr id="4" name="Slide Number Placeholder 3">
             <a:extLst>
               <a:ext uri="{FF2B5EF4-FFF2-40B4-BE49-F238E27FC236}">
-                <a16:creationId xmlns="" xmlns:a16="http://schemas.microsoft.com/office/drawing/2014/main" id="{4E7E0DA1-9BD2-4904-817B-F3C413982411}"/>
+                <a16:creationId xmlns:a16="http://schemas.microsoft.com/office/drawing/2014/main" xmlns="" id="{4E7E0DA1-9BD2-4904-817B-F3C413982411}"/>
               </a:ext>
             </a:extLst>
           </p:cNvPr>
@@ -2192,7 +2192,7 @@
           <p:cNvPr id="2" name="Title 1">
             <a:extLst>
               <a:ext uri="{FF2B5EF4-FFF2-40B4-BE49-F238E27FC236}">
-                <a16:creationId xmlns="" xmlns:a16="http://schemas.microsoft.com/office/drawing/2014/main" id="{DE06548A-07DA-4B39-854B-ABCA8A776BCD}"/>
+                <a16:creationId xmlns:a16="http://schemas.microsoft.com/office/drawing/2014/main" xmlns="" id="{DE06548A-07DA-4B39-854B-ABCA8A776BCD}"/>
               </a:ext>
             </a:extLst>
           </p:cNvPr>
@@ -2229,7 +2229,7 @@
           <p:cNvPr id="3" name="Content Placeholder 2">
             <a:extLst>
               <a:ext uri="{FF2B5EF4-FFF2-40B4-BE49-F238E27FC236}">
-                <a16:creationId xmlns="" xmlns:a16="http://schemas.microsoft.com/office/drawing/2014/main" id="{8AD91F98-486C-4397-9B3E-FA66C71E41B9}"/>
+                <a16:creationId xmlns:a16="http://schemas.microsoft.com/office/drawing/2014/main" xmlns="" id="{8AD91F98-486C-4397-9B3E-FA66C71E41B9}"/>
               </a:ext>
             </a:extLst>
           </p:cNvPr>
@@ -2319,7 +2319,7 @@
           <p:cNvPr id="4" name="Text Placeholder 3">
             <a:extLst>
               <a:ext uri="{FF2B5EF4-FFF2-40B4-BE49-F238E27FC236}">
-                <a16:creationId xmlns="" xmlns:a16="http://schemas.microsoft.com/office/drawing/2014/main" id="{7729D843-C50E-40C2-B1D7-80C30B588CB6}"/>
+                <a16:creationId xmlns:a16="http://schemas.microsoft.com/office/drawing/2014/main" xmlns="" id="{7729D843-C50E-40C2-B1D7-80C30B588CB6}"/>
               </a:ext>
             </a:extLst>
           </p:cNvPr>
@@ -2390,7 +2390,7 @@
           <p:cNvPr id="5" name="Date Placeholder 4">
             <a:extLst>
               <a:ext uri="{FF2B5EF4-FFF2-40B4-BE49-F238E27FC236}">
-                <a16:creationId xmlns="" xmlns:a16="http://schemas.microsoft.com/office/drawing/2014/main" id="{32537BE7-7D77-4A75-A96F-59FB2CF03344}"/>
+                <a16:creationId xmlns:a16="http://schemas.microsoft.com/office/drawing/2014/main" xmlns="" id="{32537BE7-7D77-4A75-A96F-59FB2CF03344}"/>
               </a:ext>
             </a:extLst>
           </p:cNvPr>
@@ -2408,7 +2408,7 @@
           <a:p>
             <a:fld id="{96F8FDAF-70E1-4658-93D8-51FF92779D9A}" type="datetimeFigureOut">
               <a:rPr lang="en-US" smtClean="0"/>
-              <a:t>4/10/2018</a:t>
+              <a:t>4/12/2018</a:t>
             </a:fld>
             <a:endParaRPr lang="en-US"/>
           </a:p>
@@ -2419,7 +2419,7 @@
           <p:cNvPr id="6" name="Footer Placeholder 5">
             <a:extLst>
               <a:ext uri="{FF2B5EF4-FFF2-40B4-BE49-F238E27FC236}">
-                <a16:creationId xmlns="" xmlns:a16="http://schemas.microsoft.com/office/drawing/2014/main" id="{B80FB7E4-4260-4BA3-B002-A3864DC76853}"/>
+                <a16:creationId xmlns:a16="http://schemas.microsoft.com/office/drawing/2014/main" xmlns="" id="{B80FB7E4-4260-4BA3-B002-A3864DC76853}"/>
               </a:ext>
             </a:extLst>
           </p:cNvPr>
@@ -2444,7 +2444,7 @@
           <p:cNvPr id="7" name="Slide Number Placeholder 6">
             <a:extLst>
               <a:ext uri="{FF2B5EF4-FFF2-40B4-BE49-F238E27FC236}">
-                <a16:creationId xmlns="" xmlns:a16="http://schemas.microsoft.com/office/drawing/2014/main" id="{8967F5E0-D04F-4A27-B26B-4ADAB8CDCEC4}"/>
+                <a16:creationId xmlns:a16="http://schemas.microsoft.com/office/drawing/2014/main" xmlns="" id="{8967F5E0-D04F-4A27-B26B-4ADAB8CDCEC4}"/>
               </a:ext>
             </a:extLst>
           </p:cNvPr>
@@ -2503,7 +2503,7 @@
           <p:cNvPr id="2" name="Title 1">
             <a:extLst>
               <a:ext uri="{FF2B5EF4-FFF2-40B4-BE49-F238E27FC236}">
-                <a16:creationId xmlns="" xmlns:a16="http://schemas.microsoft.com/office/drawing/2014/main" id="{2FA23FC2-F954-4886-8D76-B169898D631C}"/>
+                <a16:creationId xmlns:a16="http://schemas.microsoft.com/office/drawing/2014/main" xmlns="" id="{2FA23FC2-F954-4886-8D76-B169898D631C}"/>
               </a:ext>
             </a:extLst>
           </p:cNvPr>
@@ -2540,7 +2540,7 @@
           <p:cNvPr id="3" name="Picture Placeholder 2">
             <a:extLst>
               <a:ext uri="{FF2B5EF4-FFF2-40B4-BE49-F238E27FC236}">
-                <a16:creationId xmlns="" xmlns:a16="http://schemas.microsoft.com/office/drawing/2014/main" id="{F9C727F8-1854-4A8D-B02E-2FFB3BFA350F}"/>
+                <a16:creationId xmlns:a16="http://schemas.microsoft.com/office/drawing/2014/main" xmlns="" id="{F9C727F8-1854-4A8D-B02E-2FFB3BFA350F}"/>
               </a:ext>
             </a:extLst>
           </p:cNvPr>
@@ -2607,7 +2607,7 @@
           <p:cNvPr id="4" name="Text Placeholder 3">
             <a:extLst>
               <a:ext uri="{FF2B5EF4-FFF2-40B4-BE49-F238E27FC236}">
-                <a16:creationId xmlns="" xmlns:a16="http://schemas.microsoft.com/office/drawing/2014/main" id="{D860AF71-817C-4B0B-BCA0-1E41ABBFA4FD}"/>
+                <a16:creationId xmlns:a16="http://schemas.microsoft.com/office/drawing/2014/main" xmlns="" id="{D860AF71-817C-4B0B-BCA0-1E41ABBFA4FD}"/>
               </a:ext>
             </a:extLst>
           </p:cNvPr>
@@ -2678,7 +2678,7 @@
           <p:cNvPr id="5" name="Date Placeholder 4">
             <a:extLst>
               <a:ext uri="{FF2B5EF4-FFF2-40B4-BE49-F238E27FC236}">
-                <a16:creationId xmlns="" xmlns:a16="http://schemas.microsoft.com/office/drawing/2014/main" id="{44E7BAB2-983A-4ED0-B12A-FD886F20DF8D}"/>
+                <a16:creationId xmlns:a16="http://schemas.microsoft.com/office/drawing/2014/main" xmlns="" id="{44E7BAB2-983A-4ED0-B12A-FD886F20DF8D}"/>
               </a:ext>
             </a:extLst>
           </p:cNvPr>
@@ -2696,7 +2696,7 @@
           <a:p>
             <a:fld id="{96F8FDAF-70E1-4658-93D8-51FF92779D9A}" type="datetimeFigureOut">
               <a:rPr lang="en-US" smtClean="0"/>
-              <a:t>4/10/2018</a:t>
+              <a:t>4/12/2018</a:t>
             </a:fld>
             <a:endParaRPr lang="en-US"/>
           </a:p>
@@ -2707,7 +2707,7 @@
           <p:cNvPr id="6" name="Footer Placeholder 5">
             <a:extLst>
               <a:ext uri="{FF2B5EF4-FFF2-40B4-BE49-F238E27FC236}">
-                <a16:creationId xmlns="" xmlns:a16="http://schemas.microsoft.com/office/drawing/2014/main" id="{3BE090A9-96F5-4FED-A7E4-FDD121FE1972}"/>
+                <a16:creationId xmlns:a16="http://schemas.microsoft.com/office/drawing/2014/main" xmlns="" id="{3BE090A9-96F5-4FED-A7E4-FDD121FE1972}"/>
               </a:ext>
             </a:extLst>
           </p:cNvPr>
@@ -2732,7 +2732,7 @@
           <p:cNvPr id="7" name="Slide Number Placeholder 6">
             <a:extLst>
               <a:ext uri="{FF2B5EF4-FFF2-40B4-BE49-F238E27FC236}">
-                <a16:creationId xmlns="" xmlns:a16="http://schemas.microsoft.com/office/drawing/2014/main" id="{B255F445-E4AF-497A-8D51-6B48B9E0D7F9}"/>
+                <a16:creationId xmlns:a16="http://schemas.microsoft.com/office/drawing/2014/main" xmlns="" id="{B255F445-E4AF-497A-8D51-6B48B9E0D7F9}"/>
               </a:ext>
             </a:extLst>
           </p:cNvPr>
@@ -2796,7 +2796,7 @@
           <p:cNvPr id="2" name="Title Placeholder 1">
             <a:extLst>
               <a:ext uri="{FF2B5EF4-FFF2-40B4-BE49-F238E27FC236}">
-                <a16:creationId xmlns="" xmlns:a16="http://schemas.microsoft.com/office/drawing/2014/main" id="{C9843254-4CC3-437E-947E-DD3EB3E19D5F}"/>
+                <a16:creationId xmlns:a16="http://schemas.microsoft.com/office/drawing/2014/main" xmlns="" id="{C9843254-4CC3-437E-947E-DD3EB3E19D5F}"/>
               </a:ext>
             </a:extLst>
           </p:cNvPr>
@@ -2834,7 +2834,7 @@
           <p:cNvPr id="3" name="Text Placeholder 2">
             <a:extLst>
               <a:ext uri="{FF2B5EF4-FFF2-40B4-BE49-F238E27FC236}">
-                <a16:creationId xmlns="" xmlns:a16="http://schemas.microsoft.com/office/drawing/2014/main" id="{4999E38E-203C-416A-BE72-C1040CA2A01E}"/>
+                <a16:creationId xmlns:a16="http://schemas.microsoft.com/office/drawing/2014/main" xmlns="" id="{4999E38E-203C-416A-BE72-C1040CA2A01E}"/>
               </a:ext>
             </a:extLst>
           </p:cNvPr>
@@ -2901,7 +2901,7 @@
           <p:cNvPr id="4" name="Date Placeholder 3">
             <a:extLst>
               <a:ext uri="{FF2B5EF4-FFF2-40B4-BE49-F238E27FC236}">
-                <a16:creationId xmlns="" xmlns:a16="http://schemas.microsoft.com/office/drawing/2014/main" id="{7A9BE643-DE00-4490-BCA0-3199716C3D65}"/>
+                <a16:creationId xmlns:a16="http://schemas.microsoft.com/office/drawing/2014/main" xmlns="" id="{7A9BE643-DE00-4490-BCA0-3199716C3D65}"/>
               </a:ext>
             </a:extLst>
           </p:cNvPr>
@@ -2937,7 +2937,7 @@
           <a:p>
             <a:fld id="{96F8FDAF-70E1-4658-93D8-51FF92779D9A}" type="datetimeFigureOut">
               <a:rPr lang="en-US" smtClean="0"/>
-              <a:t>4/10/2018</a:t>
+              <a:t>4/12/2018</a:t>
             </a:fld>
             <a:endParaRPr lang="en-US"/>
           </a:p>
@@ -2948,7 +2948,7 @@
           <p:cNvPr id="5" name="Footer Placeholder 4">
             <a:extLst>
               <a:ext uri="{FF2B5EF4-FFF2-40B4-BE49-F238E27FC236}">
-                <a16:creationId xmlns="" xmlns:a16="http://schemas.microsoft.com/office/drawing/2014/main" id="{9C9515A2-BC45-40E6-8DBF-3B71AF8F4AE5}"/>
+                <a16:creationId xmlns:a16="http://schemas.microsoft.com/office/drawing/2014/main" xmlns="" id="{9C9515A2-BC45-40E6-8DBF-3B71AF8F4AE5}"/>
               </a:ext>
             </a:extLst>
           </p:cNvPr>
@@ -2991,7 +2991,7 @@
           <p:cNvPr id="6" name="Slide Number Placeholder 5">
             <a:extLst>
               <a:ext uri="{FF2B5EF4-FFF2-40B4-BE49-F238E27FC236}">
-                <a16:creationId xmlns="" xmlns:a16="http://schemas.microsoft.com/office/drawing/2014/main" id="{8DA9C5EE-7439-47F0-8DA6-63CB2FDF3C97}"/>
+                <a16:creationId xmlns:a16="http://schemas.microsoft.com/office/drawing/2014/main" xmlns="" id="{8DA9C5EE-7439-47F0-8DA6-63CB2FDF3C97}"/>
               </a:ext>
             </a:extLst>
           </p:cNvPr>
@@ -3370,7 +3370,7 @@
           <p:cNvPr id="23" name="Rectangle 22">
             <a:extLst>
               <a:ext uri="{FF2B5EF4-FFF2-40B4-BE49-F238E27FC236}">
-                <a16:creationId xmlns="" xmlns:a16="http://schemas.microsoft.com/office/drawing/2014/main" id="{EE1FC7B4-E4A7-4452-B413-1A623E3A7230}"/>
+                <a16:creationId xmlns:a16="http://schemas.microsoft.com/office/drawing/2014/main" xmlns="" id="{EE1FC7B4-E4A7-4452-B413-1A623E3A7230}"/>
               </a:ext>
             </a:extLst>
           </p:cNvPr>
@@ -3380,7 +3380,7 @@
           <p:nvPr>
             <p:extLst>
               <p:ext uri="{386F3935-93C4-4BCD-93E2-E3B085C9AB24}">
-                <p16:designElem xmlns="" xmlns:p16="http://schemas.microsoft.com/office/powerpoint/2015/main" val="1"/>
+                <p16:designElem xmlns:p16="http://schemas.microsoft.com/office/powerpoint/2015/main" xmlns="" val="1"/>
               </p:ext>
             </p:extLst>
           </p:nvPr>
@@ -3461,7 +3461,7 @@
           <p:cNvPr id="25" name="Freeform 13">
             <a:extLst>
               <a:ext uri="{FF2B5EF4-FFF2-40B4-BE49-F238E27FC236}">
-                <a16:creationId xmlns="" xmlns:a16="http://schemas.microsoft.com/office/drawing/2014/main" id="{E0709AF0-24F0-4486-B189-BE6386BDB198}"/>
+                <a16:creationId xmlns:a16="http://schemas.microsoft.com/office/drawing/2014/main" xmlns="" id="{E0709AF0-24F0-4486-B189-BE6386BDB198}"/>
               </a:ext>
             </a:extLst>
           </p:cNvPr>
@@ -3471,7 +3471,7 @@
           <p:nvPr>
             <p:extLst>
               <p:ext uri="{386F3935-93C4-4BCD-93E2-E3B085C9AB24}">
-                <p16:designElem xmlns="" xmlns:p16="http://schemas.microsoft.com/office/powerpoint/2015/main" val="1"/>
+                <p16:designElem xmlns:p16="http://schemas.microsoft.com/office/powerpoint/2015/main" xmlns="" val="1"/>
               </p:ext>
             </p:extLst>
           </p:nvPr>
@@ -3595,7 +3595,7 @@
           <p:cNvPr id="27" name="Freeform 11">
             <a:extLst>
               <a:ext uri="{FF2B5EF4-FFF2-40B4-BE49-F238E27FC236}">
-                <a16:creationId xmlns="" xmlns:a16="http://schemas.microsoft.com/office/drawing/2014/main" id="{FBE3B62F-5853-4A3C-B050-6186351A7176}"/>
+                <a16:creationId xmlns:a16="http://schemas.microsoft.com/office/drawing/2014/main" xmlns="" id="{FBE3B62F-5853-4A3C-B050-6186351A7176}"/>
               </a:ext>
             </a:extLst>
           </p:cNvPr>
@@ -3605,7 +3605,7 @@
           <p:nvPr>
             <p:extLst>
               <p:ext uri="{386F3935-93C4-4BCD-93E2-E3B085C9AB24}">
-                <p16:designElem xmlns="" xmlns:p16="http://schemas.microsoft.com/office/powerpoint/2015/main" val="1"/>
+                <p16:designElem xmlns:p16="http://schemas.microsoft.com/office/powerpoint/2015/main" xmlns="" val="1"/>
               </p:ext>
             </p:extLst>
           </p:nvPr>
@@ -3731,7 +3731,7 @@
           <p:cNvPr id="15" name="Title 1">
             <a:extLst>
               <a:ext uri="{FF2B5EF4-FFF2-40B4-BE49-F238E27FC236}">
-                <a16:creationId xmlns="" xmlns:a16="http://schemas.microsoft.com/office/drawing/2014/main" id="{48EC109C-56A4-422C-9F35-8567F8D624CE}"/>
+                <a16:creationId xmlns:a16="http://schemas.microsoft.com/office/drawing/2014/main" xmlns="" id="{48EC109C-56A4-422C-9F35-8567F8D624CE}"/>
               </a:ext>
             </a:extLst>
           </p:cNvPr>
@@ -3788,7 +3788,7 @@
           <p:cNvPr id="16" name="Picture 15">
             <a:extLst>
               <a:ext uri="{FF2B5EF4-FFF2-40B4-BE49-F238E27FC236}">
-                <a16:creationId xmlns="" xmlns:a16="http://schemas.microsoft.com/office/drawing/2014/main" id="{F6726E6B-363C-4E50-8446-79407E2AEB25}"/>
+                <a16:creationId xmlns:a16="http://schemas.microsoft.com/office/drawing/2014/main" xmlns="" id="{F6726E6B-363C-4E50-8446-79407E2AEB25}"/>
               </a:ext>
             </a:extLst>
           </p:cNvPr>
@@ -3824,7 +3824,7 @@
           <p:cNvPr id="19" name="TextBox 18">
             <a:extLst>
               <a:ext uri="{FF2B5EF4-FFF2-40B4-BE49-F238E27FC236}">
-                <a16:creationId xmlns="" xmlns:a16="http://schemas.microsoft.com/office/drawing/2014/main" id="{0853C66F-B064-4E12-9E48-5D11B374C147}"/>
+                <a16:creationId xmlns:a16="http://schemas.microsoft.com/office/drawing/2014/main" xmlns="" id="{0853C66F-B064-4E12-9E48-5D11B374C147}"/>
               </a:ext>
             </a:extLst>
           </p:cNvPr>
@@ -3911,7 +3911,7 @@
           <p:cNvPr id="23" name="Rectangle 22">
             <a:extLst>
               <a:ext uri="{FF2B5EF4-FFF2-40B4-BE49-F238E27FC236}">
-                <a16:creationId xmlns="" xmlns:a16="http://schemas.microsoft.com/office/drawing/2014/main" id="{EE1FC7B4-E4A7-4452-B413-1A623E3A7230}"/>
+                <a16:creationId xmlns:a16="http://schemas.microsoft.com/office/drawing/2014/main" xmlns="" id="{EE1FC7B4-E4A7-4452-B413-1A623E3A7230}"/>
               </a:ext>
             </a:extLst>
           </p:cNvPr>
@@ -3921,7 +3921,7 @@
           <p:nvPr>
             <p:extLst>
               <p:ext uri="{386F3935-93C4-4BCD-93E2-E3B085C9AB24}">
-                <p16:designElem xmlns="" xmlns:p16="http://schemas.microsoft.com/office/powerpoint/2015/main" val="1"/>
+                <p16:designElem xmlns:p16="http://schemas.microsoft.com/office/powerpoint/2015/main" xmlns="" val="1"/>
               </p:ext>
             </p:extLst>
           </p:nvPr>
@@ -4002,7 +4002,7 @@
           <p:cNvPr id="25" name="Freeform 13">
             <a:extLst>
               <a:ext uri="{FF2B5EF4-FFF2-40B4-BE49-F238E27FC236}">
-                <a16:creationId xmlns="" xmlns:a16="http://schemas.microsoft.com/office/drawing/2014/main" id="{E0709AF0-24F0-4486-B189-BE6386BDB198}"/>
+                <a16:creationId xmlns:a16="http://schemas.microsoft.com/office/drawing/2014/main" xmlns="" id="{E0709AF0-24F0-4486-B189-BE6386BDB198}"/>
               </a:ext>
             </a:extLst>
           </p:cNvPr>
@@ -4012,7 +4012,7 @@
           <p:nvPr>
             <p:extLst>
               <p:ext uri="{386F3935-93C4-4BCD-93E2-E3B085C9AB24}">
-                <p16:designElem xmlns="" xmlns:p16="http://schemas.microsoft.com/office/powerpoint/2015/main" val="1"/>
+                <p16:designElem xmlns:p16="http://schemas.microsoft.com/office/powerpoint/2015/main" xmlns="" val="1"/>
               </p:ext>
             </p:extLst>
           </p:nvPr>
@@ -4136,7 +4136,7 @@
           <p:cNvPr id="27" name="Freeform 11">
             <a:extLst>
               <a:ext uri="{FF2B5EF4-FFF2-40B4-BE49-F238E27FC236}">
-                <a16:creationId xmlns="" xmlns:a16="http://schemas.microsoft.com/office/drawing/2014/main" id="{FBE3B62F-5853-4A3C-B050-6186351A7176}"/>
+                <a16:creationId xmlns:a16="http://schemas.microsoft.com/office/drawing/2014/main" xmlns="" id="{FBE3B62F-5853-4A3C-B050-6186351A7176}"/>
               </a:ext>
             </a:extLst>
           </p:cNvPr>
@@ -4146,7 +4146,7 @@
           <p:nvPr>
             <p:extLst>
               <p:ext uri="{386F3935-93C4-4BCD-93E2-E3B085C9AB24}">
-                <p16:designElem xmlns="" xmlns:p16="http://schemas.microsoft.com/office/powerpoint/2015/main" val="1"/>
+                <p16:designElem xmlns:p16="http://schemas.microsoft.com/office/powerpoint/2015/main" xmlns="" val="1"/>
               </p:ext>
             </p:extLst>
           </p:nvPr>
@@ -4272,7 +4272,7 @@
           <p:cNvPr id="2" name="Title 1">
             <a:extLst>
               <a:ext uri="{FF2B5EF4-FFF2-40B4-BE49-F238E27FC236}">
-                <a16:creationId xmlns="" xmlns:a16="http://schemas.microsoft.com/office/drawing/2014/main" id="{A5F6196D-B07E-499E-92C0-6953CE9F25D4}"/>
+                <a16:creationId xmlns:a16="http://schemas.microsoft.com/office/drawing/2014/main" xmlns="" id="{A5F6196D-B07E-499E-92C0-6953CE9F25D4}"/>
               </a:ext>
             </a:extLst>
           </p:cNvPr>
@@ -4297,11 +4297,7 @@
           <a:p>
             <a:r>
               <a:rPr lang="en-US" b="1" dirty="0" smtClean="0"/>
-              <a:t>Counting</a:t>
-            </a:r>
-            <a:r>
-              <a:rPr lang="en-US" b="1" dirty="0" smtClean="0"/>
-              <a:t>… (Signed)</a:t>
+              <a:t>Counting… (Signed)</a:t>
             </a:r>
             <a:endParaRPr lang="en-US" b="1" dirty="0"/>
           </a:p>
@@ -4312,7 +4308,7 @@
           <p:cNvPr id="15" name="Content Placeholder 16">
             <a:extLst>
               <a:ext uri="{FF2B5EF4-FFF2-40B4-BE49-F238E27FC236}">
-                <a16:creationId xmlns="" xmlns:a16="http://schemas.microsoft.com/office/drawing/2014/main" id="{5FDBA27F-9676-4EE6-B75A-C35B42A0CD81}"/>
+                <a16:creationId xmlns:a16="http://schemas.microsoft.com/office/drawing/2014/main" xmlns="" id="{5FDBA27F-9676-4EE6-B75A-C35B42A0CD81}"/>
               </a:ext>
             </a:extLst>
           </p:cNvPr>
@@ -4508,7 +4504,7 @@
           <p:cNvPr id="18" name="Content Placeholder 16">
             <a:extLst>
               <a:ext uri="{FF2B5EF4-FFF2-40B4-BE49-F238E27FC236}">
-                <a16:creationId xmlns="" xmlns:a16="http://schemas.microsoft.com/office/drawing/2014/main" id="{5FDBA27F-9676-4EE6-B75A-C35B42A0CD81}"/>
+                <a16:creationId xmlns:a16="http://schemas.microsoft.com/office/drawing/2014/main" xmlns="" id="{5FDBA27F-9676-4EE6-B75A-C35B42A0CD81}"/>
               </a:ext>
             </a:extLst>
           </p:cNvPr>
@@ -5158,7 +5154,7 @@
           <p:cNvPr id="23" name="Rectangle 22">
             <a:extLst>
               <a:ext uri="{FF2B5EF4-FFF2-40B4-BE49-F238E27FC236}">
-                <a16:creationId xmlns="" xmlns:a16="http://schemas.microsoft.com/office/drawing/2014/main" id="{EE1FC7B4-E4A7-4452-B413-1A623E3A7230}"/>
+                <a16:creationId xmlns:a16="http://schemas.microsoft.com/office/drawing/2014/main" xmlns="" id="{EE1FC7B4-E4A7-4452-B413-1A623E3A7230}"/>
               </a:ext>
             </a:extLst>
           </p:cNvPr>
@@ -5168,7 +5164,7 @@
           <p:nvPr>
             <p:extLst>
               <p:ext uri="{386F3935-93C4-4BCD-93E2-E3B085C9AB24}">
-                <p16:designElem xmlns="" xmlns:p16="http://schemas.microsoft.com/office/powerpoint/2015/main" val="1"/>
+                <p16:designElem xmlns:p16="http://schemas.microsoft.com/office/powerpoint/2015/main" xmlns="" val="1"/>
               </p:ext>
             </p:extLst>
           </p:nvPr>
@@ -5249,7 +5245,7 @@
           <p:cNvPr id="25" name="Freeform 13">
             <a:extLst>
               <a:ext uri="{FF2B5EF4-FFF2-40B4-BE49-F238E27FC236}">
-                <a16:creationId xmlns="" xmlns:a16="http://schemas.microsoft.com/office/drawing/2014/main" id="{E0709AF0-24F0-4486-B189-BE6386BDB198}"/>
+                <a16:creationId xmlns:a16="http://schemas.microsoft.com/office/drawing/2014/main" xmlns="" id="{E0709AF0-24F0-4486-B189-BE6386BDB198}"/>
               </a:ext>
             </a:extLst>
           </p:cNvPr>
@@ -5259,7 +5255,7 @@
           <p:nvPr>
             <p:extLst>
               <p:ext uri="{386F3935-93C4-4BCD-93E2-E3B085C9AB24}">
-                <p16:designElem xmlns="" xmlns:p16="http://schemas.microsoft.com/office/powerpoint/2015/main" val="1"/>
+                <p16:designElem xmlns:p16="http://schemas.microsoft.com/office/powerpoint/2015/main" xmlns="" val="1"/>
               </p:ext>
             </p:extLst>
           </p:nvPr>
@@ -5383,7 +5379,7 @@
           <p:cNvPr id="27" name="Freeform 11">
             <a:extLst>
               <a:ext uri="{FF2B5EF4-FFF2-40B4-BE49-F238E27FC236}">
-                <a16:creationId xmlns="" xmlns:a16="http://schemas.microsoft.com/office/drawing/2014/main" id="{FBE3B62F-5853-4A3C-B050-6186351A7176}"/>
+                <a16:creationId xmlns:a16="http://schemas.microsoft.com/office/drawing/2014/main" xmlns="" id="{FBE3B62F-5853-4A3C-B050-6186351A7176}"/>
               </a:ext>
             </a:extLst>
           </p:cNvPr>
@@ -5393,7 +5389,7 @@
           <p:nvPr>
             <p:extLst>
               <p:ext uri="{386F3935-93C4-4BCD-93E2-E3B085C9AB24}">
-                <p16:designElem xmlns="" xmlns:p16="http://schemas.microsoft.com/office/powerpoint/2015/main" val="1"/>
+                <p16:designElem xmlns:p16="http://schemas.microsoft.com/office/powerpoint/2015/main" xmlns="" val="1"/>
               </p:ext>
             </p:extLst>
           </p:nvPr>
@@ -5519,7 +5515,7 @@
           <p:cNvPr id="2" name="Title 1">
             <a:extLst>
               <a:ext uri="{FF2B5EF4-FFF2-40B4-BE49-F238E27FC236}">
-                <a16:creationId xmlns="" xmlns:a16="http://schemas.microsoft.com/office/drawing/2014/main" id="{A5F6196D-B07E-499E-92C0-6953CE9F25D4}"/>
+                <a16:creationId xmlns:a16="http://schemas.microsoft.com/office/drawing/2014/main" xmlns="" id="{A5F6196D-B07E-499E-92C0-6953CE9F25D4}"/>
               </a:ext>
             </a:extLst>
           </p:cNvPr>
@@ -5544,11 +5540,7 @@
           <a:p>
             <a:r>
               <a:rPr lang="en-US" b="1" dirty="0" smtClean="0"/>
-              <a:t>Counting</a:t>
-            </a:r>
-            <a:r>
-              <a:rPr lang="en-US" b="1" dirty="0" smtClean="0"/>
-              <a:t>… (Signed)</a:t>
+              <a:t>Counting… (Signed)</a:t>
             </a:r>
             <a:endParaRPr lang="en-US" b="1" dirty="0"/>
           </a:p>
@@ -5559,7 +5551,7 @@
           <p:cNvPr id="15" name="Content Placeholder 16">
             <a:extLst>
               <a:ext uri="{FF2B5EF4-FFF2-40B4-BE49-F238E27FC236}">
-                <a16:creationId xmlns="" xmlns:a16="http://schemas.microsoft.com/office/drawing/2014/main" id="{5FDBA27F-9676-4EE6-B75A-C35B42A0CD81}"/>
+                <a16:creationId xmlns:a16="http://schemas.microsoft.com/office/drawing/2014/main" xmlns="" id="{5FDBA27F-9676-4EE6-B75A-C35B42A0CD81}"/>
               </a:ext>
             </a:extLst>
           </p:cNvPr>
@@ -5755,7 +5747,7 @@
           <p:cNvPr id="18" name="Content Placeholder 16">
             <a:extLst>
               <a:ext uri="{FF2B5EF4-FFF2-40B4-BE49-F238E27FC236}">
-                <a16:creationId xmlns="" xmlns:a16="http://schemas.microsoft.com/office/drawing/2014/main" id="{5FDBA27F-9676-4EE6-B75A-C35B42A0CD81}"/>
+                <a16:creationId xmlns:a16="http://schemas.microsoft.com/office/drawing/2014/main" xmlns="" id="{5FDBA27F-9676-4EE6-B75A-C35B42A0CD81}"/>
               </a:ext>
             </a:extLst>
           </p:cNvPr>
@@ -6659,7 +6651,7 @@
           <p:cNvPr id="23" name="Rectangle 22">
             <a:extLst>
               <a:ext uri="{FF2B5EF4-FFF2-40B4-BE49-F238E27FC236}">
-                <a16:creationId xmlns="" xmlns:a16="http://schemas.microsoft.com/office/drawing/2014/main" id="{EE1FC7B4-E4A7-4452-B413-1A623E3A7230}"/>
+                <a16:creationId xmlns:a16="http://schemas.microsoft.com/office/drawing/2014/main" xmlns="" id="{EE1FC7B4-E4A7-4452-B413-1A623E3A7230}"/>
               </a:ext>
             </a:extLst>
           </p:cNvPr>
@@ -6669,7 +6661,7 @@
           <p:nvPr>
             <p:extLst>
               <p:ext uri="{386F3935-93C4-4BCD-93E2-E3B085C9AB24}">
-                <p16:designElem xmlns="" xmlns:p16="http://schemas.microsoft.com/office/powerpoint/2015/main" val="1"/>
+                <p16:designElem xmlns:p16="http://schemas.microsoft.com/office/powerpoint/2015/main" xmlns="" val="1"/>
               </p:ext>
             </p:extLst>
           </p:nvPr>
@@ -6750,7 +6742,7 @@
           <p:cNvPr id="25" name="Freeform 13">
             <a:extLst>
               <a:ext uri="{FF2B5EF4-FFF2-40B4-BE49-F238E27FC236}">
-                <a16:creationId xmlns="" xmlns:a16="http://schemas.microsoft.com/office/drawing/2014/main" id="{E0709AF0-24F0-4486-B189-BE6386BDB198}"/>
+                <a16:creationId xmlns:a16="http://schemas.microsoft.com/office/drawing/2014/main" xmlns="" id="{E0709AF0-24F0-4486-B189-BE6386BDB198}"/>
               </a:ext>
             </a:extLst>
           </p:cNvPr>
@@ -6760,7 +6752,7 @@
           <p:nvPr>
             <p:extLst>
               <p:ext uri="{386F3935-93C4-4BCD-93E2-E3B085C9AB24}">
-                <p16:designElem xmlns="" xmlns:p16="http://schemas.microsoft.com/office/powerpoint/2015/main" val="1"/>
+                <p16:designElem xmlns:p16="http://schemas.microsoft.com/office/powerpoint/2015/main" xmlns="" val="1"/>
               </p:ext>
             </p:extLst>
           </p:nvPr>
@@ -6884,7 +6876,7 @@
           <p:cNvPr id="27" name="Freeform 11">
             <a:extLst>
               <a:ext uri="{FF2B5EF4-FFF2-40B4-BE49-F238E27FC236}">
-                <a16:creationId xmlns="" xmlns:a16="http://schemas.microsoft.com/office/drawing/2014/main" id="{FBE3B62F-5853-4A3C-B050-6186351A7176}"/>
+                <a16:creationId xmlns:a16="http://schemas.microsoft.com/office/drawing/2014/main" xmlns="" id="{FBE3B62F-5853-4A3C-B050-6186351A7176}"/>
               </a:ext>
             </a:extLst>
           </p:cNvPr>
@@ -6894,7 +6886,7 @@
           <p:nvPr>
             <p:extLst>
               <p:ext uri="{386F3935-93C4-4BCD-93E2-E3B085C9AB24}">
-                <p16:designElem xmlns="" xmlns:p16="http://schemas.microsoft.com/office/powerpoint/2015/main" val="1"/>
+                <p16:designElem xmlns:p16="http://schemas.microsoft.com/office/powerpoint/2015/main" xmlns="" val="1"/>
               </p:ext>
             </p:extLst>
           </p:nvPr>
@@ -7020,7 +7012,7 @@
           <p:cNvPr id="2" name="Title 1">
             <a:extLst>
               <a:ext uri="{FF2B5EF4-FFF2-40B4-BE49-F238E27FC236}">
-                <a16:creationId xmlns="" xmlns:a16="http://schemas.microsoft.com/office/drawing/2014/main" id="{A5F6196D-B07E-499E-92C0-6953CE9F25D4}"/>
+                <a16:creationId xmlns:a16="http://schemas.microsoft.com/office/drawing/2014/main" xmlns="" id="{A5F6196D-B07E-499E-92C0-6953CE9F25D4}"/>
               </a:ext>
             </a:extLst>
           </p:cNvPr>
@@ -7057,7 +7049,7 @@
           <p:cNvPr id="17" name="Content Placeholder 16">
             <a:extLst>
               <a:ext uri="{FF2B5EF4-FFF2-40B4-BE49-F238E27FC236}">
-                <a16:creationId xmlns="" xmlns:a16="http://schemas.microsoft.com/office/drawing/2014/main" id="{5FDBA27F-9676-4EE6-B75A-C35B42A0CD81}"/>
+                <a16:creationId xmlns:a16="http://schemas.microsoft.com/office/drawing/2014/main" xmlns="" id="{5FDBA27F-9676-4EE6-B75A-C35B42A0CD81}"/>
               </a:ext>
             </a:extLst>
           </p:cNvPr>
@@ -7098,7 +7090,7 @@
           <p:cNvPr id="15" name="Content Placeholder 16">
             <a:extLst>
               <a:ext uri="{FF2B5EF4-FFF2-40B4-BE49-F238E27FC236}">
-                <a16:creationId xmlns="" xmlns:a16="http://schemas.microsoft.com/office/drawing/2014/main" id="{5FDBA27F-9676-4EE6-B75A-C35B42A0CD81}"/>
+                <a16:creationId xmlns:a16="http://schemas.microsoft.com/office/drawing/2014/main" xmlns="" id="{5FDBA27F-9676-4EE6-B75A-C35B42A0CD81}"/>
               </a:ext>
             </a:extLst>
           </p:cNvPr>
@@ -7294,7 +7286,7 @@
           <p:cNvPr id="18" name="Content Placeholder 16">
             <a:extLst>
               <a:ext uri="{FF2B5EF4-FFF2-40B4-BE49-F238E27FC236}">
-                <a16:creationId xmlns="" xmlns:a16="http://schemas.microsoft.com/office/drawing/2014/main" id="{5FDBA27F-9676-4EE6-B75A-C35B42A0CD81}"/>
+                <a16:creationId xmlns:a16="http://schemas.microsoft.com/office/drawing/2014/main" xmlns="" id="{5FDBA27F-9676-4EE6-B75A-C35B42A0CD81}"/>
               </a:ext>
             </a:extLst>
           </p:cNvPr>
@@ -7515,7 +7507,6 @@
               <a:rPr lang="en-US" dirty="0"/>
               <a:t>http://www.mathcs.emory.edu</a:t>
             </a:r>
-            <a:endParaRPr lang="en-US" dirty="0"/>
           </a:p>
         </p:txBody>
       </p:sp>
@@ -7596,7 +7587,7 @@
           <p:cNvPr id="23" name="Rectangle 22">
             <a:extLst>
               <a:ext uri="{FF2B5EF4-FFF2-40B4-BE49-F238E27FC236}">
-                <a16:creationId xmlns="" xmlns:a16="http://schemas.microsoft.com/office/drawing/2014/main" id="{EE1FC7B4-E4A7-4452-B413-1A623E3A7230}"/>
+                <a16:creationId xmlns:a16="http://schemas.microsoft.com/office/drawing/2014/main" xmlns="" id="{EE1FC7B4-E4A7-4452-B413-1A623E3A7230}"/>
               </a:ext>
             </a:extLst>
           </p:cNvPr>
@@ -7606,7 +7597,7 @@
           <p:nvPr>
             <p:extLst>
               <p:ext uri="{386F3935-93C4-4BCD-93E2-E3B085C9AB24}">
-                <p16:designElem xmlns="" xmlns:p16="http://schemas.microsoft.com/office/powerpoint/2015/main" val="1"/>
+                <p16:designElem xmlns:p16="http://schemas.microsoft.com/office/powerpoint/2015/main" xmlns="" val="1"/>
               </p:ext>
             </p:extLst>
           </p:nvPr>
@@ -7687,7 +7678,7 @@
           <p:cNvPr id="25" name="Freeform 13">
             <a:extLst>
               <a:ext uri="{FF2B5EF4-FFF2-40B4-BE49-F238E27FC236}">
-                <a16:creationId xmlns="" xmlns:a16="http://schemas.microsoft.com/office/drawing/2014/main" id="{E0709AF0-24F0-4486-B189-BE6386BDB198}"/>
+                <a16:creationId xmlns:a16="http://schemas.microsoft.com/office/drawing/2014/main" xmlns="" id="{E0709AF0-24F0-4486-B189-BE6386BDB198}"/>
               </a:ext>
             </a:extLst>
           </p:cNvPr>
@@ -7697,7 +7688,7 @@
           <p:nvPr>
             <p:extLst>
               <p:ext uri="{386F3935-93C4-4BCD-93E2-E3B085C9AB24}">
-                <p16:designElem xmlns="" xmlns:p16="http://schemas.microsoft.com/office/powerpoint/2015/main" val="1"/>
+                <p16:designElem xmlns:p16="http://schemas.microsoft.com/office/powerpoint/2015/main" xmlns="" val="1"/>
               </p:ext>
             </p:extLst>
           </p:nvPr>
@@ -7821,7 +7812,7 @@
           <p:cNvPr id="27" name="Freeform 11">
             <a:extLst>
               <a:ext uri="{FF2B5EF4-FFF2-40B4-BE49-F238E27FC236}">
-                <a16:creationId xmlns="" xmlns:a16="http://schemas.microsoft.com/office/drawing/2014/main" id="{FBE3B62F-5853-4A3C-B050-6186351A7176}"/>
+                <a16:creationId xmlns:a16="http://schemas.microsoft.com/office/drawing/2014/main" xmlns="" id="{FBE3B62F-5853-4A3C-B050-6186351A7176}"/>
               </a:ext>
             </a:extLst>
           </p:cNvPr>
@@ -7831,7 +7822,7 @@
           <p:nvPr>
             <p:extLst>
               <p:ext uri="{386F3935-93C4-4BCD-93E2-E3B085C9AB24}">
-                <p16:designElem xmlns="" xmlns:p16="http://schemas.microsoft.com/office/powerpoint/2015/main" val="1"/>
+                <p16:designElem xmlns:p16="http://schemas.microsoft.com/office/powerpoint/2015/main" xmlns="" val="1"/>
               </p:ext>
             </p:extLst>
           </p:nvPr>
@@ -7957,7 +7948,7 @@
           <p:cNvPr id="2" name="Title 1">
             <a:extLst>
               <a:ext uri="{FF2B5EF4-FFF2-40B4-BE49-F238E27FC236}">
-                <a16:creationId xmlns="" xmlns:a16="http://schemas.microsoft.com/office/drawing/2014/main" id="{A5F6196D-B07E-499E-92C0-6953CE9F25D4}"/>
+                <a16:creationId xmlns:a16="http://schemas.microsoft.com/office/drawing/2014/main" xmlns="" id="{A5F6196D-B07E-499E-92C0-6953CE9F25D4}"/>
               </a:ext>
             </a:extLst>
           </p:cNvPr>
@@ -7994,7 +7985,7 @@
           <p:cNvPr id="17" name="Content Placeholder 16">
             <a:extLst>
               <a:ext uri="{FF2B5EF4-FFF2-40B4-BE49-F238E27FC236}">
-                <a16:creationId xmlns="" xmlns:a16="http://schemas.microsoft.com/office/drawing/2014/main" id="{5FDBA27F-9676-4EE6-B75A-C35B42A0CD81}"/>
+                <a16:creationId xmlns:a16="http://schemas.microsoft.com/office/drawing/2014/main" xmlns="" id="{5FDBA27F-9676-4EE6-B75A-C35B42A0CD81}"/>
               </a:ext>
             </a:extLst>
           </p:cNvPr>
@@ -8041,7 +8032,7 @@
           <p:cNvPr id="15" name="Content Placeholder 16">
             <a:extLst>
               <a:ext uri="{FF2B5EF4-FFF2-40B4-BE49-F238E27FC236}">
-                <a16:creationId xmlns="" xmlns:a16="http://schemas.microsoft.com/office/drawing/2014/main" id="{5FDBA27F-9676-4EE6-B75A-C35B42A0CD81}"/>
+                <a16:creationId xmlns:a16="http://schemas.microsoft.com/office/drawing/2014/main" xmlns="" id="{5FDBA27F-9676-4EE6-B75A-C35B42A0CD81}"/>
               </a:ext>
             </a:extLst>
           </p:cNvPr>
@@ -8237,7 +8228,7 @@
           <p:cNvPr id="18" name="Content Placeholder 16">
             <a:extLst>
               <a:ext uri="{FF2B5EF4-FFF2-40B4-BE49-F238E27FC236}">
-                <a16:creationId xmlns="" xmlns:a16="http://schemas.microsoft.com/office/drawing/2014/main" id="{5FDBA27F-9676-4EE6-B75A-C35B42A0CD81}"/>
+                <a16:creationId xmlns:a16="http://schemas.microsoft.com/office/drawing/2014/main" xmlns="" id="{5FDBA27F-9676-4EE6-B75A-C35B42A0CD81}"/>
               </a:ext>
             </a:extLst>
           </p:cNvPr>
@@ -8541,7 +8532,7 @@
           <p:cNvPr id="23" name="Rectangle 22">
             <a:extLst>
               <a:ext uri="{FF2B5EF4-FFF2-40B4-BE49-F238E27FC236}">
-                <a16:creationId xmlns="" xmlns:a16="http://schemas.microsoft.com/office/drawing/2014/main" id="{EE1FC7B4-E4A7-4452-B413-1A623E3A7230}"/>
+                <a16:creationId xmlns:a16="http://schemas.microsoft.com/office/drawing/2014/main" xmlns="" id="{EE1FC7B4-E4A7-4452-B413-1A623E3A7230}"/>
               </a:ext>
             </a:extLst>
           </p:cNvPr>
@@ -8551,7 +8542,7 @@
           <p:nvPr>
             <p:extLst>
               <p:ext uri="{386F3935-93C4-4BCD-93E2-E3B085C9AB24}">
-                <p16:designElem xmlns="" xmlns:p16="http://schemas.microsoft.com/office/powerpoint/2015/main" val="1"/>
+                <p16:designElem xmlns:p16="http://schemas.microsoft.com/office/powerpoint/2015/main" xmlns="" val="1"/>
               </p:ext>
             </p:extLst>
           </p:nvPr>
@@ -8632,7 +8623,7 @@
           <p:cNvPr id="25" name="Freeform 13">
             <a:extLst>
               <a:ext uri="{FF2B5EF4-FFF2-40B4-BE49-F238E27FC236}">
-                <a16:creationId xmlns="" xmlns:a16="http://schemas.microsoft.com/office/drawing/2014/main" id="{E0709AF0-24F0-4486-B189-BE6386BDB198}"/>
+                <a16:creationId xmlns:a16="http://schemas.microsoft.com/office/drawing/2014/main" xmlns="" id="{E0709AF0-24F0-4486-B189-BE6386BDB198}"/>
               </a:ext>
             </a:extLst>
           </p:cNvPr>
@@ -8642,7 +8633,7 @@
           <p:nvPr>
             <p:extLst>
               <p:ext uri="{386F3935-93C4-4BCD-93E2-E3B085C9AB24}">
-                <p16:designElem xmlns="" xmlns:p16="http://schemas.microsoft.com/office/powerpoint/2015/main" val="1"/>
+                <p16:designElem xmlns:p16="http://schemas.microsoft.com/office/powerpoint/2015/main" xmlns="" val="1"/>
               </p:ext>
             </p:extLst>
           </p:nvPr>
@@ -8766,7 +8757,7 @@
           <p:cNvPr id="27" name="Freeform 11">
             <a:extLst>
               <a:ext uri="{FF2B5EF4-FFF2-40B4-BE49-F238E27FC236}">
-                <a16:creationId xmlns="" xmlns:a16="http://schemas.microsoft.com/office/drawing/2014/main" id="{FBE3B62F-5853-4A3C-B050-6186351A7176}"/>
+                <a16:creationId xmlns:a16="http://schemas.microsoft.com/office/drawing/2014/main" xmlns="" id="{FBE3B62F-5853-4A3C-B050-6186351A7176}"/>
               </a:ext>
             </a:extLst>
           </p:cNvPr>
@@ -8776,7 +8767,7 @@
           <p:nvPr>
             <p:extLst>
               <p:ext uri="{386F3935-93C4-4BCD-93E2-E3B085C9AB24}">
-                <p16:designElem xmlns="" xmlns:p16="http://schemas.microsoft.com/office/powerpoint/2015/main" val="1"/>
+                <p16:designElem xmlns:p16="http://schemas.microsoft.com/office/powerpoint/2015/main" xmlns="" val="1"/>
               </p:ext>
             </p:extLst>
           </p:nvPr>
@@ -8902,7 +8893,7 @@
           <p:cNvPr id="2" name="Title 1">
             <a:extLst>
               <a:ext uri="{FF2B5EF4-FFF2-40B4-BE49-F238E27FC236}">
-                <a16:creationId xmlns="" xmlns:a16="http://schemas.microsoft.com/office/drawing/2014/main" id="{A5F6196D-B07E-499E-92C0-6953CE9F25D4}"/>
+                <a16:creationId xmlns:a16="http://schemas.microsoft.com/office/drawing/2014/main" xmlns="" id="{A5F6196D-B07E-499E-92C0-6953CE9F25D4}"/>
               </a:ext>
             </a:extLst>
           </p:cNvPr>
@@ -8939,7 +8930,7 @@
           <p:cNvPr id="17" name="Content Placeholder 16">
             <a:extLst>
               <a:ext uri="{FF2B5EF4-FFF2-40B4-BE49-F238E27FC236}">
-                <a16:creationId xmlns="" xmlns:a16="http://schemas.microsoft.com/office/drawing/2014/main" id="{5FDBA27F-9676-4EE6-B75A-C35B42A0CD81}"/>
+                <a16:creationId xmlns:a16="http://schemas.microsoft.com/office/drawing/2014/main" xmlns="" id="{5FDBA27F-9676-4EE6-B75A-C35B42A0CD81}"/>
               </a:ext>
             </a:extLst>
           </p:cNvPr>
@@ -8986,7 +8977,7 @@
           <p:cNvPr id="15" name="Content Placeholder 16">
             <a:extLst>
               <a:ext uri="{FF2B5EF4-FFF2-40B4-BE49-F238E27FC236}">
-                <a16:creationId xmlns="" xmlns:a16="http://schemas.microsoft.com/office/drawing/2014/main" id="{5FDBA27F-9676-4EE6-B75A-C35B42A0CD81}"/>
+                <a16:creationId xmlns:a16="http://schemas.microsoft.com/office/drawing/2014/main" xmlns="" id="{5FDBA27F-9676-4EE6-B75A-C35B42A0CD81}"/>
               </a:ext>
             </a:extLst>
           </p:cNvPr>
@@ -9182,7 +9173,7 @@
           <p:cNvPr id="18" name="Content Placeholder 16">
             <a:extLst>
               <a:ext uri="{FF2B5EF4-FFF2-40B4-BE49-F238E27FC236}">
-                <a16:creationId xmlns="" xmlns:a16="http://schemas.microsoft.com/office/drawing/2014/main" id="{5FDBA27F-9676-4EE6-B75A-C35B42A0CD81}"/>
+                <a16:creationId xmlns:a16="http://schemas.microsoft.com/office/drawing/2014/main" xmlns="" id="{5FDBA27F-9676-4EE6-B75A-C35B42A0CD81}"/>
               </a:ext>
             </a:extLst>
           </p:cNvPr>
@@ -9480,7 +9471,7 @@
           <p:cNvPr id="23" name="Rectangle 22">
             <a:extLst>
               <a:ext uri="{FF2B5EF4-FFF2-40B4-BE49-F238E27FC236}">
-                <a16:creationId xmlns="" xmlns:a16="http://schemas.microsoft.com/office/drawing/2014/main" id="{EE1FC7B4-E4A7-4452-B413-1A623E3A7230}"/>
+                <a16:creationId xmlns:a16="http://schemas.microsoft.com/office/drawing/2014/main" xmlns="" id="{EE1FC7B4-E4A7-4452-B413-1A623E3A7230}"/>
               </a:ext>
             </a:extLst>
           </p:cNvPr>
@@ -9490,7 +9481,7 @@
           <p:nvPr>
             <p:extLst>
               <p:ext uri="{386F3935-93C4-4BCD-93E2-E3B085C9AB24}">
-                <p16:designElem xmlns="" xmlns:p16="http://schemas.microsoft.com/office/powerpoint/2015/main" val="1"/>
+                <p16:designElem xmlns:p16="http://schemas.microsoft.com/office/powerpoint/2015/main" xmlns="" val="1"/>
               </p:ext>
             </p:extLst>
           </p:nvPr>
@@ -9571,7 +9562,7 @@
           <p:cNvPr id="25" name="Freeform 13">
             <a:extLst>
               <a:ext uri="{FF2B5EF4-FFF2-40B4-BE49-F238E27FC236}">
-                <a16:creationId xmlns="" xmlns:a16="http://schemas.microsoft.com/office/drawing/2014/main" id="{E0709AF0-24F0-4486-B189-BE6386BDB198}"/>
+                <a16:creationId xmlns:a16="http://schemas.microsoft.com/office/drawing/2014/main" xmlns="" id="{E0709AF0-24F0-4486-B189-BE6386BDB198}"/>
               </a:ext>
             </a:extLst>
           </p:cNvPr>
@@ -9581,7 +9572,7 @@
           <p:nvPr>
             <p:extLst>
               <p:ext uri="{386F3935-93C4-4BCD-93E2-E3B085C9AB24}">
-                <p16:designElem xmlns="" xmlns:p16="http://schemas.microsoft.com/office/powerpoint/2015/main" val="1"/>
+                <p16:designElem xmlns:p16="http://schemas.microsoft.com/office/powerpoint/2015/main" xmlns="" val="1"/>
               </p:ext>
             </p:extLst>
           </p:nvPr>
@@ -9705,7 +9696,7 @@
           <p:cNvPr id="27" name="Freeform 11">
             <a:extLst>
               <a:ext uri="{FF2B5EF4-FFF2-40B4-BE49-F238E27FC236}">
-                <a16:creationId xmlns="" xmlns:a16="http://schemas.microsoft.com/office/drawing/2014/main" id="{FBE3B62F-5853-4A3C-B050-6186351A7176}"/>
+                <a16:creationId xmlns:a16="http://schemas.microsoft.com/office/drawing/2014/main" xmlns="" id="{FBE3B62F-5853-4A3C-B050-6186351A7176}"/>
               </a:ext>
             </a:extLst>
           </p:cNvPr>
@@ -9715,7 +9706,7 @@
           <p:nvPr>
             <p:extLst>
               <p:ext uri="{386F3935-93C4-4BCD-93E2-E3B085C9AB24}">
-                <p16:designElem xmlns="" xmlns:p16="http://schemas.microsoft.com/office/powerpoint/2015/main" val="1"/>
+                <p16:designElem xmlns:p16="http://schemas.microsoft.com/office/powerpoint/2015/main" xmlns="" val="1"/>
               </p:ext>
             </p:extLst>
           </p:nvPr>
@@ -9841,7 +9832,7 @@
           <p:cNvPr id="2" name="Title 1">
             <a:extLst>
               <a:ext uri="{FF2B5EF4-FFF2-40B4-BE49-F238E27FC236}">
-                <a16:creationId xmlns="" xmlns:a16="http://schemas.microsoft.com/office/drawing/2014/main" id="{A5F6196D-B07E-499E-92C0-6953CE9F25D4}"/>
+                <a16:creationId xmlns:a16="http://schemas.microsoft.com/office/drawing/2014/main" xmlns="" id="{A5F6196D-B07E-499E-92C0-6953CE9F25D4}"/>
               </a:ext>
             </a:extLst>
           </p:cNvPr>
@@ -9880,7 +9871,7 @@
               <p:cNvPr id="17" name="Content Placeholder 16">
                 <a:extLst>
                   <a:ext uri="{FF2B5EF4-FFF2-40B4-BE49-F238E27FC236}">
-                    <a16:creationId xmlns="" xmlns:a16="http://schemas.microsoft.com/office/drawing/2014/main" id="{5FDBA27F-9676-4EE6-B75A-C35B42A0CD81}"/>
+                    <a16:creationId xmlns:a16="http://schemas.microsoft.com/office/drawing/2014/main" xmlns="" id="{5FDBA27F-9676-4EE6-B75A-C35B42A0CD81}"/>
                   </a:ext>
                 </a:extLst>
               </p:cNvPr>
@@ -9998,7 +9989,7 @@
           <p:cNvPr id="15" name="Content Placeholder 16">
             <a:extLst>
               <a:ext uri="{FF2B5EF4-FFF2-40B4-BE49-F238E27FC236}">
-                <a16:creationId xmlns="" xmlns:a16="http://schemas.microsoft.com/office/drawing/2014/main" id="{5FDBA27F-9676-4EE6-B75A-C35B42A0CD81}"/>
+                <a16:creationId xmlns:a16="http://schemas.microsoft.com/office/drawing/2014/main" xmlns="" id="{5FDBA27F-9676-4EE6-B75A-C35B42A0CD81}"/>
               </a:ext>
             </a:extLst>
           </p:cNvPr>
@@ -10194,7 +10185,7 @@
           <p:cNvPr id="18" name="Content Placeholder 16">
             <a:extLst>
               <a:ext uri="{FF2B5EF4-FFF2-40B4-BE49-F238E27FC236}">
-                <a16:creationId xmlns="" xmlns:a16="http://schemas.microsoft.com/office/drawing/2014/main" id="{5FDBA27F-9676-4EE6-B75A-C35B42A0CD81}"/>
+                <a16:creationId xmlns:a16="http://schemas.microsoft.com/office/drawing/2014/main" xmlns="" id="{5FDBA27F-9676-4EE6-B75A-C35B42A0CD81}"/>
               </a:ext>
             </a:extLst>
           </p:cNvPr>
@@ -10498,7 +10489,7 @@
           <p:cNvPr id="23" name="Rectangle 22">
             <a:extLst>
               <a:ext uri="{FF2B5EF4-FFF2-40B4-BE49-F238E27FC236}">
-                <a16:creationId xmlns="" xmlns:a16="http://schemas.microsoft.com/office/drawing/2014/main" id="{EE1FC7B4-E4A7-4452-B413-1A623E3A7230}"/>
+                <a16:creationId xmlns:a16="http://schemas.microsoft.com/office/drawing/2014/main" xmlns="" id="{EE1FC7B4-E4A7-4452-B413-1A623E3A7230}"/>
               </a:ext>
             </a:extLst>
           </p:cNvPr>
@@ -10508,7 +10499,7 @@
           <p:nvPr>
             <p:extLst>
               <p:ext uri="{386F3935-93C4-4BCD-93E2-E3B085C9AB24}">
-                <p16:designElem xmlns="" xmlns:p16="http://schemas.microsoft.com/office/powerpoint/2015/main" val="1"/>
+                <p16:designElem xmlns:p16="http://schemas.microsoft.com/office/powerpoint/2015/main" xmlns="" val="1"/>
               </p:ext>
             </p:extLst>
           </p:nvPr>
@@ -10589,7 +10580,7 @@
           <p:cNvPr id="25" name="Freeform 13">
             <a:extLst>
               <a:ext uri="{FF2B5EF4-FFF2-40B4-BE49-F238E27FC236}">
-                <a16:creationId xmlns="" xmlns:a16="http://schemas.microsoft.com/office/drawing/2014/main" id="{E0709AF0-24F0-4486-B189-BE6386BDB198}"/>
+                <a16:creationId xmlns:a16="http://schemas.microsoft.com/office/drawing/2014/main" xmlns="" id="{E0709AF0-24F0-4486-B189-BE6386BDB198}"/>
               </a:ext>
             </a:extLst>
           </p:cNvPr>
@@ -10599,7 +10590,7 @@
           <p:nvPr>
             <p:extLst>
               <p:ext uri="{386F3935-93C4-4BCD-93E2-E3B085C9AB24}">
-                <p16:designElem xmlns="" xmlns:p16="http://schemas.microsoft.com/office/powerpoint/2015/main" val="1"/>
+                <p16:designElem xmlns:p16="http://schemas.microsoft.com/office/powerpoint/2015/main" xmlns="" val="1"/>
               </p:ext>
             </p:extLst>
           </p:nvPr>
@@ -10723,7 +10714,7 @@
           <p:cNvPr id="27" name="Freeform 11">
             <a:extLst>
               <a:ext uri="{FF2B5EF4-FFF2-40B4-BE49-F238E27FC236}">
-                <a16:creationId xmlns="" xmlns:a16="http://schemas.microsoft.com/office/drawing/2014/main" id="{FBE3B62F-5853-4A3C-B050-6186351A7176}"/>
+                <a16:creationId xmlns:a16="http://schemas.microsoft.com/office/drawing/2014/main" xmlns="" id="{FBE3B62F-5853-4A3C-B050-6186351A7176}"/>
               </a:ext>
             </a:extLst>
           </p:cNvPr>
@@ -10733,7 +10724,7 @@
           <p:nvPr>
             <p:extLst>
               <p:ext uri="{386F3935-93C4-4BCD-93E2-E3B085C9AB24}">
-                <p16:designElem xmlns="" xmlns:p16="http://schemas.microsoft.com/office/powerpoint/2015/main" val="1"/>
+                <p16:designElem xmlns:p16="http://schemas.microsoft.com/office/powerpoint/2015/main" xmlns="" val="1"/>
               </p:ext>
             </p:extLst>
           </p:nvPr>
@@ -10859,7 +10850,7 @@
           <p:cNvPr id="2" name="Title 1">
             <a:extLst>
               <a:ext uri="{FF2B5EF4-FFF2-40B4-BE49-F238E27FC236}">
-                <a16:creationId xmlns="" xmlns:a16="http://schemas.microsoft.com/office/drawing/2014/main" id="{A5F6196D-B07E-499E-92C0-6953CE9F25D4}"/>
+                <a16:creationId xmlns:a16="http://schemas.microsoft.com/office/drawing/2014/main" xmlns="" id="{A5F6196D-B07E-499E-92C0-6953CE9F25D4}"/>
               </a:ext>
             </a:extLst>
           </p:cNvPr>
@@ -10898,7 +10889,7 @@
               <p:cNvPr id="17" name="Content Placeholder 16">
                 <a:extLst>
                   <a:ext uri="{FF2B5EF4-FFF2-40B4-BE49-F238E27FC236}">
-                    <a16:creationId xmlns="" xmlns:a16="http://schemas.microsoft.com/office/drawing/2014/main" id="{5FDBA27F-9676-4EE6-B75A-C35B42A0CD81}"/>
+                    <a16:creationId xmlns:a16="http://schemas.microsoft.com/office/drawing/2014/main" xmlns="" id="{5FDBA27F-9676-4EE6-B75A-C35B42A0CD81}"/>
                   </a:ext>
                 </a:extLst>
               </p:cNvPr>
@@ -11016,7 +11007,7 @@
           <p:cNvPr id="15" name="Content Placeholder 16">
             <a:extLst>
               <a:ext uri="{FF2B5EF4-FFF2-40B4-BE49-F238E27FC236}">
-                <a16:creationId xmlns="" xmlns:a16="http://schemas.microsoft.com/office/drawing/2014/main" id="{5FDBA27F-9676-4EE6-B75A-C35B42A0CD81}"/>
+                <a16:creationId xmlns:a16="http://schemas.microsoft.com/office/drawing/2014/main" xmlns="" id="{5FDBA27F-9676-4EE6-B75A-C35B42A0CD81}"/>
               </a:ext>
             </a:extLst>
           </p:cNvPr>
@@ -11212,7 +11203,7 @@
           <p:cNvPr id="18" name="Content Placeholder 16">
             <a:extLst>
               <a:ext uri="{FF2B5EF4-FFF2-40B4-BE49-F238E27FC236}">
-                <a16:creationId xmlns="" xmlns:a16="http://schemas.microsoft.com/office/drawing/2014/main" id="{5FDBA27F-9676-4EE6-B75A-C35B42A0CD81}"/>
+                <a16:creationId xmlns:a16="http://schemas.microsoft.com/office/drawing/2014/main" xmlns="" id="{5FDBA27F-9676-4EE6-B75A-C35B42A0CD81}"/>
               </a:ext>
             </a:extLst>
           </p:cNvPr>
@@ -11621,7 +11612,7 @@
           <p:cNvPr id="23" name="Rectangle 22">
             <a:extLst>
               <a:ext uri="{FF2B5EF4-FFF2-40B4-BE49-F238E27FC236}">
-                <a16:creationId xmlns="" xmlns:a16="http://schemas.microsoft.com/office/drawing/2014/main" id="{EE1FC7B4-E4A7-4452-B413-1A623E3A7230}"/>
+                <a16:creationId xmlns:a16="http://schemas.microsoft.com/office/drawing/2014/main" xmlns="" id="{EE1FC7B4-E4A7-4452-B413-1A623E3A7230}"/>
               </a:ext>
             </a:extLst>
           </p:cNvPr>
@@ -11631,7 +11622,7 @@
           <p:nvPr>
             <p:extLst>
               <p:ext uri="{386F3935-93C4-4BCD-93E2-E3B085C9AB24}">
-                <p16:designElem xmlns="" xmlns:p16="http://schemas.microsoft.com/office/powerpoint/2015/main" val="1"/>
+                <p16:designElem xmlns:p16="http://schemas.microsoft.com/office/powerpoint/2015/main" xmlns="" val="1"/>
               </p:ext>
             </p:extLst>
           </p:nvPr>
@@ -11712,7 +11703,7 @@
           <p:cNvPr id="25" name="Freeform 13">
             <a:extLst>
               <a:ext uri="{FF2B5EF4-FFF2-40B4-BE49-F238E27FC236}">
-                <a16:creationId xmlns="" xmlns:a16="http://schemas.microsoft.com/office/drawing/2014/main" id="{E0709AF0-24F0-4486-B189-BE6386BDB198}"/>
+                <a16:creationId xmlns:a16="http://schemas.microsoft.com/office/drawing/2014/main" xmlns="" id="{E0709AF0-24F0-4486-B189-BE6386BDB198}"/>
               </a:ext>
             </a:extLst>
           </p:cNvPr>
@@ -11722,7 +11713,7 @@
           <p:nvPr>
             <p:extLst>
               <p:ext uri="{386F3935-93C4-4BCD-93E2-E3B085C9AB24}">
-                <p16:designElem xmlns="" xmlns:p16="http://schemas.microsoft.com/office/powerpoint/2015/main" val="1"/>
+                <p16:designElem xmlns:p16="http://schemas.microsoft.com/office/powerpoint/2015/main" xmlns="" val="1"/>
               </p:ext>
             </p:extLst>
           </p:nvPr>
@@ -11846,7 +11837,7 @@
           <p:cNvPr id="27" name="Freeform 11">
             <a:extLst>
               <a:ext uri="{FF2B5EF4-FFF2-40B4-BE49-F238E27FC236}">
-                <a16:creationId xmlns="" xmlns:a16="http://schemas.microsoft.com/office/drawing/2014/main" id="{FBE3B62F-5853-4A3C-B050-6186351A7176}"/>
+                <a16:creationId xmlns:a16="http://schemas.microsoft.com/office/drawing/2014/main" xmlns="" id="{FBE3B62F-5853-4A3C-B050-6186351A7176}"/>
               </a:ext>
             </a:extLst>
           </p:cNvPr>
@@ -11856,7 +11847,7 @@
           <p:nvPr>
             <p:extLst>
               <p:ext uri="{386F3935-93C4-4BCD-93E2-E3B085C9AB24}">
-                <p16:designElem xmlns="" xmlns:p16="http://schemas.microsoft.com/office/powerpoint/2015/main" val="1"/>
+                <p16:designElem xmlns:p16="http://schemas.microsoft.com/office/powerpoint/2015/main" xmlns="" val="1"/>
               </p:ext>
             </p:extLst>
           </p:nvPr>
@@ -11982,7 +11973,7 @@
           <p:cNvPr id="2" name="Title 1">
             <a:extLst>
               <a:ext uri="{FF2B5EF4-FFF2-40B4-BE49-F238E27FC236}">
-                <a16:creationId xmlns="" xmlns:a16="http://schemas.microsoft.com/office/drawing/2014/main" id="{A5F6196D-B07E-499E-92C0-6953CE9F25D4}"/>
+                <a16:creationId xmlns:a16="http://schemas.microsoft.com/office/drawing/2014/main" xmlns="" id="{A5F6196D-B07E-499E-92C0-6953CE9F25D4}"/>
               </a:ext>
             </a:extLst>
           </p:cNvPr>
@@ -12021,7 +12012,7 @@
               <p:cNvPr id="17" name="Content Placeholder 16">
                 <a:extLst>
                   <a:ext uri="{FF2B5EF4-FFF2-40B4-BE49-F238E27FC236}">
-                    <a16:creationId xmlns="" xmlns:a16="http://schemas.microsoft.com/office/drawing/2014/main" id="{5FDBA27F-9676-4EE6-B75A-C35B42A0CD81}"/>
+                    <a16:creationId xmlns:a16="http://schemas.microsoft.com/office/drawing/2014/main" xmlns="" id="{5FDBA27F-9676-4EE6-B75A-C35B42A0CD81}"/>
                   </a:ext>
                 </a:extLst>
               </p:cNvPr>
@@ -12139,7 +12130,7 @@
           <p:cNvPr id="15" name="Content Placeholder 16">
             <a:extLst>
               <a:ext uri="{FF2B5EF4-FFF2-40B4-BE49-F238E27FC236}">
-                <a16:creationId xmlns="" xmlns:a16="http://schemas.microsoft.com/office/drawing/2014/main" id="{5FDBA27F-9676-4EE6-B75A-C35B42A0CD81}"/>
+                <a16:creationId xmlns:a16="http://schemas.microsoft.com/office/drawing/2014/main" xmlns="" id="{5FDBA27F-9676-4EE6-B75A-C35B42A0CD81}"/>
               </a:ext>
             </a:extLst>
           </p:cNvPr>
@@ -12335,7 +12326,7 @@
           <p:cNvPr id="18" name="Content Placeholder 16">
             <a:extLst>
               <a:ext uri="{FF2B5EF4-FFF2-40B4-BE49-F238E27FC236}">
-                <a16:creationId xmlns="" xmlns:a16="http://schemas.microsoft.com/office/drawing/2014/main" id="{5FDBA27F-9676-4EE6-B75A-C35B42A0CD81}"/>
+                <a16:creationId xmlns:a16="http://schemas.microsoft.com/office/drawing/2014/main" xmlns="" id="{5FDBA27F-9676-4EE6-B75A-C35B42A0CD81}"/>
               </a:ext>
             </a:extLst>
           </p:cNvPr>
@@ -13118,7 +13109,7 @@
           <p:cNvPr id="23" name="Rectangle 22">
             <a:extLst>
               <a:ext uri="{FF2B5EF4-FFF2-40B4-BE49-F238E27FC236}">
-                <a16:creationId xmlns="" xmlns:a16="http://schemas.microsoft.com/office/drawing/2014/main" id="{EE1FC7B4-E4A7-4452-B413-1A623E3A7230}"/>
+                <a16:creationId xmlns:a16="http://schemas.microsoft.com/office/drawing/2014/main" xmlns="" id="{EE1FC7B4-E4A7-4452-B413-1A623E3A7230}"/>
               </a:ext>
             </a:extLst>
           </p:cNvPr>
@@ -13128,7 +13119,7 @@
           <p:nvPr>
             <p:extLst>
               <p:ext uri="{386F3935-93C4-4BCD-93E2-E3B085C9AB24}">
-                <p16:designElem xmlns="" xmlns:p16="http://schemas.microsoft.com/office/powerpoint/2015/main" val="1"/>
+                <p16:designElem xmlns:p16="http://schemas.microsoft.com/office/powerpoint/2015/main" xmlns="" val="1"/>
               </p:ext>
             </p:extLst>
           </p:nvPr>
@@ -13209,7 +13200,7 @@
           <p:cNvPr id="25" name="Freeform 13">
             <a:extLst>
               <a:ext uri="{FF2B5EF4-FFF2-40B4-BE49-F238E27FC236}">
-                <a16:creationId xmlns="" xmlns:a16="http://schemas.microsoft.com/office/drawing/2014/main" id="{E0709AF0-24F0-4486-B189-BE6386BDB198}"/>
+                <a16:creationId xmlns:a16="http://schemas.microsoft.com/office/drawing/2014/main" xmlns="" id="{E0709AF0-24F0-4486-B189-BE6386BDB198}"/>
               </a:ext>
             </a:extLst>
           </p:cNvPr>
@@ -13219,7 +13210,7 @@
           <p:nvPr>
             <p:extLst>
               <p:ext uri="{386F3935-93C4-4BCD-93E2-E3B085C9AB24}">
-                <p16:designElem xmlns="" xmlns:p16="http://schemas.microsoft.com/office/powerpoint/2015/main" val="1"/>
+                <p16:designElem xmlns:p16="http://schemas.microsoft.com/office/powerpoint/2015/main" xmlns="" val="1"/>
               </p:ext>
             </p:extLst>
           </p:nvPr>
@@ -13343,7 +13334,7 @@
           <p:cNvPr id="27" name="Freeform 11">
             <a:extLst>
               <a:ext uri="{FF2B5EF4-FFF2-40B4-BE49-F238E27FC236}">
-                <a16:creationId xmlns="" xmlns:a16="http://schemas.microsoft.com/office/drawing/2014/main" id="{FBE3B62F-5853-4A3C-B050-6186351A7176}"/>
+                <a16:creationId xmlns:a16="http://schemas.microsoft.com/office/drawing/2014/main" xmlns="" id="{FBE3B62F-5853-4A3C-B050-6186351A7176}"/>
               </a:ext>
             </a:extLst>
           </p:cNvPr>
@@ -13353,7 +13344,7 @@
           <p:nvPr>
             <p:extLst>
               <p:ext uri="{386F3935-93C4-4BCD-93E2-E3B085C9AB24}">
-                <p16:designElem xmlns="" xmlns:p16="http://schemas.microsoft.com/office/powerpoint/2015/main" val="1"/>
+                <p16:designElem xmlns:p16="http://schemas.microsoft.com/office/powerpoint/2015/main" xmlns="" val="1"/>
               </p:ext>
             </p:extLst>
           </p:nvPr>
@@ -13479,7 +13470,7 @@
           <p:cNvPr id="2" name="Title 1">
             <a:extLst>
               <a:ext uri="{FF2B5EF4-FFF2-40B4-BE49-F238E27FC236}">
-                <a16:creationId xmlns="" xmlns:a16="http://schemas.microsoft.com/office/drawing/2014/main" id="{A5F6196D-B07E-499E-92C0-6953CE9F25D4}"/>
+                <a16:creationId xmlns:a16="http://schemas.microsoft.com/office/drawing/2014/main" xmlns="" id="{A5F6196D-B07E-499E-92C0-6953CE9F25D4}"/>
               </a:ext>
             </a:extLst>
           </p:cNvPr>
@@ -13516,7 +13507,7 @@
           <p:cNvPr id="15" name="Content Placeholder 16">
             <a:extLst>
               <a:ext uri="{FF2B5EF4-FFF2-40B4-BE49-F238E27FC236}">
-                <a16:creationId xmlns="" xmlns:a16="http://schemas.microsoft.com/office/drawing/2014/main" id="{5FDBA27F-9676-4EE6-B75A-C35B42A0CD81}"/>
+                <a16:creationId xmlns:a16="http://schemas.microsoft.com/office/drawing/2014/main" xmlns="" id="{5FDBA27F-9676-4EE6-B75A-C35B42A0CD81}"/>
               </a:ext>
             </a:extLst>
           </p:cNvPr>
@@ -13712,7 +13703,7 @@
           <p:cNvPr id="18" name="Content Placeholder 16">
             <a:extLst>
               <a:ext uri="{FF2B5EF4-FFF2-40B4-BE49-F238E27FC236}">
-                <a16:creationId xmlns="" xmlns:a16="http://schemas.microsoft.com/office/drawing/2014/main" id="{5FDBA27F-9676-4EE6-B75A-C35B42A0CD81}"/>
+                <a16:creationId xmlns:a16="http://schemas.microsoft.com/office/drawing/2014/main" xmlns="" id="{5FDBA27F-9676-4EE6-B75A-C35B42A0CD81}"/>
               </a:ext>
             </a:extLst>
           </p:cNvPr>
@@ -13983,7 +13974,7 @@
           <p:cNvPr id="39" name="Freeform: Shape 38">
             <a:extLst>
               <a:ext uri="{FF2B5EF4-FFF2-40B4-BE49-F238E27FC236}">
-                <a16:creationId xmlns="" xmlns:a16="http://schemas.microsoft.com/office/drawing/2014/main" id="{64965EAE-E41A-435F-B993-07E824B6C977}"/>
+                <a16:creationId xmlns:a16="http://schemas.microsoft.com/office/drawing/2014/main" xmlns="" id="{64965EAE-E41A-435F-B993-07E824B6C977}"/>
               </a:ext>
             </a:extLst>
           </p:cNvPr>
@@ -13993,7 +13984,7 @@
           <p:nvPr>
             <p:extLst>
               <p:ext uri="{386F3935-93C4-4BCD-93E2-E3B085C9AB24}">
-                <p16:designElem xmlns="" xmlns:p16="http://schemas.microsoft.com/office/powerpoint/2015/main" val="1"/>
+                <p16:designElem xmlns:p16="http://schemas.microsoft.com/office/powerpoint/2015/main" xmlns="" val="1"/>
               </p:ext>
             </p:extLst>
           </p:nvPr>
@@ -14092,7 +14083,7 @@
           <p:cNvPr id="41" name="Freeform: Shape 40">
             <a:extLst>
               <a:ext uri="{FF2B5EF4-FFF2-40B4-BE49-F238E27FC236}">
-                <a16:creationId xmlns="" xmlns:a16="http://schemas.microsoft.com/office/drawing/2014/main" id="{152F8994-E6D4-4311-9548-C3607BC43645}"/>
+                <a16:creationId xmlns:a16="http://schemas.microsoft.com/office/drawing/2014/main" xmlns="" id="{152F8994-E6D4-4311-9548-C3607BC43645}"/>
               </a:ext>
             </a:extLst>
           </p:cNvPr>
@@ -14102,7 +14093,7 @@
           <p:nvPr>
             <p:extLst>
               <p:ext uri="{386F3935-93C4-4BCD-93E2-E3B085C9AB24}">
-                <p16:designElem xmlns="" xmlns:p16="http://schemas.microsoft.com/office/powerpoint/2015/main" val="1"/>
+                <p16:designElem xmlns:p16="http://schemas.microsoft.com/office/powerpoint/2015/main" xmlns="" val="1"/>
               </p:ext>
             </p:extLst>
           </p:nvPr>
@@ -14200,7 +14191,7 @@
           <p:cNvPr id="2" name="Title 1">
             <a:extLst>
               <a:ext uri="{FF2B5EF4-FFF2-40B4-BE49-F238E27FC236}">
-                <a16:creationId xmlns="" xmlns:a16="http://schemas.microsoft.com/office/drawing/2014/main" id="{A5F6196D-B07E-499E-92C0-6953CE9F25D4}"/>
+                <a16:creationId xmlns:a16="http://schemas.microsoft.com/office/drawing/2014/main" xmlns="" id="{A5F6196D-B07E-499E-92C0-6953CE9F25D4}"/>
               </a:ext>
             </a:extLst>
           </p:cNvPr>
@@ -14244,7 +14235,7 @@
           <p:cNvPr id="17" name="Content Placeholder 16">
             <a:extLst>
               <a:ext uri="{FF2B5EF4-FFF2-40B4-BE49-F238E27FC236}">
-                <a16:creationId xmlns="" xmlns:a16="http://schemas.microsoft.com/office/drawing/2014/main" id="{5FDBA27F-9676-4EE6-B75A-C35B42A0CD81}"/>
+                <a16:creationId xmlns:a16="http://schemas.microsoft.com/office/drawing/2014/main" xmlns="" id="{5FDBA27F-9676-4EE6-B75A-C35B42A0CD81}"/>
               </a:ext>
             </a:extLst>
           </p:cNvPr>
@@ -14473,7 +14464,7 @@
           <p:cNvPr id="16" name="Title 1">
             <a:extLst>
               <a:ext uri="{FF2B5EF4-FFF2-40B4-BE49-F238E27FC236}">
-                <a16:creationId xmlns="" xmlns:a16="http://schemas.microsoft.com/office/drawing/2014/main" id="{A5F6196D-B07E-499E-92C0-6953CE9F25D4}"/>
+                <a16:creationId xmlns:a16="http://schemas.microsoft.com/office/drawing/2014/main" xmlns="" id="{A5F6196D-B07E-499E-92C0-6953CE9F25D4}"/>
               </a:ext>
             </a:extLst>
           </p:cNvPr>
@@ -14536,7 +14527,7 @@
           <p:cNvPr id="18" name="Content Placeholder 16">
             <a:extLst>
               <a:ext uri="{FF2B5EF4-FFF2-40B4-BE49-F238E27FC236}">
-                <a16:creationId xmlns="" xmlns:a16="http://schemas.microsoft.com/office/drawing/2014/main" id="{5FDBA27F-9676-4EE6-B75A-C35B42A0CD81}"/>
+                <a16:creationId xmlns:a16="http://schemas.microsoft.com/office/drawing/2014/main" xmlns="" id="{5FDBA27F-9676-4EE6-B75A-C35B42A0CD81}"/>
               </a:ext>
             </a:extLst>
           </p:cNvPr>
@@ -14801,7 +14792,7 @@
           <p:cNvPr id="23" name="Rectangle 22">
             <a:extLst>
               <a:ext uri="{FF2B5EF4-FFF2-40B4-BE49-F238E27FC236}">
-                <a16:creationId xmlns="" xmlns:a16="http://schemas.microsoft.com/office/drawing/2014/main" id="{EE1FC7B4-E4A7-4452-B413-1A623E3A7230}"/>
+                <a16:creationId xmlns:a16="http://schemas.microsoft.com/office/drawing/2014/main" xmlns="" id="{EE1FC7B4-E4A7-4452-B413-1A623E3A7230}"/>
               </a:ext>
             </a:extLst>
           </p:cNvPr>
@@ -14811,7 +14802,7 @@
           <p:nvPr>
             <p:extLst>
               <p:ext uri="{386F3935-93C4-4BCD-93E2-E3B085C9AB24}">
-                <p16:designElem xmlns="" xmlns:p16="http://schemas.microsoft.com/office/powerpoint/2015/main" val="1"/>
+                <p16:designElem xmlns:p16="http://schemas.microsoft.com/office/powerpoint/2015/main" xmlns="" val="1"/>
               </p:ext>
             </p:extLst>
           </p:nvPr>
@@ -14892,7 +14883,7 @@
           <p:cNvPr id="25" name="Freeform 13">
             <a:extLst>
               <a:ext uri="{FF2B5EF4-FFF2-40B4-BE49-F238E27FC236}">
-                <a16:creationId xmlns="" xmlns:a16="http://schemas.microsoft.com/office/drawing/2014/main" id="{E0709AF0-24F0-4486-B189-BE6386BDB198}"/>
+                <a16:creationId xmlns:a16="http://schemas.microsoft.com/office/drawing/2014/main" xmlns="" id="{E0709AF0-24F0-4486-B189-BE6386BDB198}"/>
               </a:ext>
             </a:extLst>
           </p:cNvPr>
@@ -14902,7 +14893,7 @@
           <p:nvPr>
             <p:extLst>
               <p:ext uri="{386F3935-93C4-4BCD-93E2-E3B085C9AB24}">
-                <p16:designElem xmlns="" xmlns:p16="http://schemas.microsoft.com/office/powerpoint/2015/main" val="1"/>
+                <p16:designElem xmlns:p16="http://schemas.microsoft.com/office/powerpoint/2015/main" xmlns="" val="1"/>
               </p:ext>
             </p:extLst>
           </p:nvPr>
@@ -15026,7 +15017,7 @@
           <p:cNvPr id="27" name="Freeform 11">
             <a:extLst>
               <a:ext uri="{FF2B5EF4-FFF2-40B4-BE49-F238E27FC236}">
-                <a16:creationId xmlns="" xmlns:a16="http://schemas.microsoft.com/office/drawing/2014/main" id="{FBE3B62F-5853-4A3C-B050-6186351A7176}"/>
+                <a16:creationId xmlns:a16="http://schemas.microsoft.com/office/drawing/2014/main" xmlns="" id="{FBE3B62F-5853-4A3C-B050-6186351A7176}"/>
               </a:ext>
             </a:extLst>
           </p:cNvPr>
@@ -15036,7 +15027,7 @@
           <p:nvPr>
             <p:extLst>
               <p:ext uri="{386F3935-93C4-4BCD-93E2-E3B085C9AB24}">
-                <p16:designElem xmlns="" xmlns:p16="http://schemas.microsoft.com/office/powerpoint/2015/main" val="1"/>
+                <p16:designElem xmlns:p16="http://schemas.microsoft.com/office/powerpoint/2015/main" xmlns="" val="1"/>
               </p:ext>
             </p:extLst>
           </p:nvPr>
@@ -15162,7 +15153,7 @@
           <p:cNvPr id="15" name="Title 1">
             <a:extLst>
               <a:ext uri="{FF2B5EF4-FFF2-40B4-BE49-F238E27FC236}">
-                <a16:creationId xmlns="" xmlns:a16="http://schemas.microsoft.com/office/drawing/2014/main" id="{48EC109C-56A4-422C-9F35-8567F8D624CE}"/>
+                <a16:creationId xmlns:a16="http://schemas.microsoft.com/office/drawing/2014/main" xmlns="" id="{48EC109C-56A4-422C-9F35-8567F8D624CE}"/>
               </a:ext>
             </a:extLst>
           </p:cNvPr>
@@ -15246,7 +15237,7 @@
           <p:cNvPr id="16" name="Picture 15">
             <a:extLst>
               <a:ext uri="{FF2B5EF4-FFF2-40B4-BE49-F238E27FC236}">
-                <a16:creationId xmlns="" xmlns:a16="http://schemas.microsoft.com/office/drawing/2014/main" id="{F6726E6B-363C-4E50-8446-79407E2AEB25}"/>
+                <a16:creationId xmlns:a16="http://schemas.microsoft.com/office/drawing/2014/main" xmlns="" id="{F6726E6B-363C-4E50-8446-79407E2AEB25}"/>
               </a:ext>
             </a:extLst>
           </p:cNvPr>
@@ -15282,7 +15273,7 @@
           <p:cNvPr id="19" name="TextBox 18">
             <a:extLst>
               <a:ext uri="{FF2B5EF4-FFF2-40B4-BE49-F238E27FC236}">
-                <a16:creationId xmlns="" xmlns:a16="http://schemas.microsoft.com/office/drawing/2014/main" id="{0853C66F-B064-4E12-9E48-5D11B374C147}"/>
+                <a16:creationId xmlns:a16="http://schemas.microsoft.com/office/drawing/2014/main" xmlns="" id="{0853C66F-B064-4E12-9E48-5D11B374C147}"/>
               </a:ext>
             </a:extLst>
           </p:cNvPr>
@@ -15347,7 +15338,7 @@
           <p:cNvPr id="7" name="Rectangle 6">
             <a:extLst>
               <a:ext uri="{FF2B5EF4-FFF2-40B4-BE49-F238E27FC236}">
-                <a16:creationId xmlns="" xmlns:a16="http://schemas.microsoft.com/office/drawing/2014/main" id="{7605F2D1-1EC6-46B5-9601-DA1C25DA0B7A}"/>
+                <a16:creationId xmlns:a16="http://schemas.microsoft.com/office/drawing/2014/main" xmlns="" id="{7605F2D1-1EC6-46B5-9601-DA1C25DA0B7A}"/>
               </a:ext>
             </a:extLst>
           </p:cNvPr>
@@ -15490,7 +15481,7 @@
           <p:cNvPr id="23" name="Rectangle 22">
             <a:extLst>
               <a:ext uri="{FF2B5EF4-FFF2-40B4-BE49-F238E27FC236}">
-                <a16:creationId xmlns="" xmlns:a16="http://schemas.microsoft.com/office/drawing/2014/main" id="{EE1FC7B4-E4A7-4452-B413-1A623E3A7230}"/>
+                <a16:creationId xmlns:a16="http://schemas.microsoft.com/office/drawing/2014/main" xmlns="" id="{EE1FC7B4-E4A7-4452-B413-1A623E3A7230}"/>
               </a:ext>
             </a:extLst>
           </p:cNvPr>
@@ -15500,7 +15491,7 @@
           <p:nvPr>
             <p:extLst>
               <p:ext uri="{386F3935-93C4-4BCD-93E2-E3B085C9AB24}">
-                <p16:designElem xmlns="" xmlns:p16="http://schemas.microsoft.com/office/powerpoint/2015/main" val="1"/>
+                <p16:designElem xmlns:p16="http://schemas.microsoft.com/office/powerpoint/2015/main" xmlns="" val="1"/>
               </p:ext>
             </p:extLst>
           </p:nvPr>
@@ -15581,7 +15572,7 @@
           <p:cNvPr id="25" name="Freeform 13">
             <a:extLst>
               <a:ext uri="{FF2B5EF4-FFF2-40B4-BE49-F238E27FC236}">
-                <a16:creationId xmlns="" xmlns:a16="http://schemas.microsoft.com/office/drawing/2014/main" id="{E0709AF0-24F0-4486-B189-BE6386BDB198}"/>
+                <a16:creationId xmlns:a16="http://schemas.microsoft.com/office/drawing/2014/main" xmlns="" id="{E0709AF0-24F0-4486-B189-BE6386BDB198}"/>
               </a:ext>
             </a:extLst>
           </p:cNvPr>
@@ -15591,7 +15582,7 @@
           <p:nvPr>
             <p:extLst>
               <p:ext uri="{386F3935-93C4-4BCD-93E2-E3B085C9AB24}">
-                <p16:designElem xmlns="" xmlns:p16="http://schemas.microsoft.com/office/powerpoint/2015/main" val="1"/>
+                <p16:designElem xmlns:p16="http://schemas.microsoft.com/office/powerpoint/2015/main" xmlns="" val="1"/>
               </p:ext>
             </p:extLst>
           </p:nvPr>
@@ -15715,7 +15706,7 @@
           <p:cNvPr id="27" name="Freeform 11">
             <a:extLst>
               <a:ext uri="{FF2B5EF4-FFF2-40B4-BE49-F238E27FC236}">
-                <a16:creationId xmlns="" xmlns:a16="http://schemas.microsoft.com/office/drawing/2014/main" id="{FBE3B62F-5853-4A3C-B050-6186351A7176}"/>
+                <a16:creationId xmlns:a16="http://schemas.microsoft.com/office/drawing/2014/main" xmlns="" id="{FBE3B62F-5853-4A3C-B050-6186351A7176}"/>
               </a:ext>
             </a:extLst>
           </p:cNvPr>
@@ -15725,7 +15716,7 @@
           <p:nvPr>
             <p:extLst>
               <p:ext uri="{386F3935-93C4-4BCD-93E2-E3B085C9AB24}">
-                <p16:designElem xmlns="" xmlns:p16="http://schemas.microsoft.com/office/powerpoint/2015/main" val="1"/>
+                <p16:designElem xmlns:p16="http://schemas.microsoft.com/office/powerpoint/2015/main" xmlns="" val="1"/>
               </p:ext>
             </p:extLst>
           </p:nvPr>
@@ -15851,7 +15842,7 @@
           <p:cNvPr id="2" name="Title 1">
             <a:extLst>
               <a:ext uri="{FF2B5EF4-FFF2-40B4-BE49-F238E27FC236}">
-                <a16:creationId xmlns="" xmlns:a16="http://schemas.microsoft.com/office/drawing/2014/main" id="{A5F6196D-B07E-499E-92C0-6953CE9F25D4}"/>
+                <a16:creationId xmlns:a16="http://schemas.microsoft.com/office/drawing/2014/main" xmlns="" id="{A5F6196D-B07E-499E-92C0-6953CE9F25D4}"/>
               </a:ext>
             </a:extLst>
           </p:cNvPr>
@@ -15888,7 +15879,7 @@
           <p:cNvPr id="18" name="Content Placeholder 16">
             <a:extLst>
               <a:ext uri="{FF2B5EF4-FFF2-40B4-BE49-F238E27FC236}">
-                <a16:creationId xmlns="" xmlns:a16="http://schemas.microsoft.com/office/drawing/2014/main" id="{5FDBA27F-9676-4EE6-B75A-C35B42A0CD81}"/>
+                <a16:creationId xmlns:a16="http://schemas.microsoft.com/office/drawing/2014/main" xmlns="" id="{5FDBA27F-9676-4EE6-B75A-C35B42A0CD81}"/>
               </a:ext>
             </a:extLst>
           </p:cNvPr>
@@ -16402,7 +16393,7 @@
           <p:cNvPr id="23" name="Rectangle 22">
             <a:extLst>
               <a:ext uri="{FF2B5EF4-FFF2-40B4-BE49-F238E27FC236}">
-                <a16:creationId xmlns="" xmlns:a16="http://schemas.microsoft.com/office/drawing/2014/main" id="{EE1FC7B4-E4A7-4452-B413-1A623E3A7230}"/>
+                <a16:creationId xmlns:a16="http://schemas.microsoft.com/office/drawing/2014/main" xmlns="" id="{EE1FC7B4-E4A7-4452-B413-1A623E3A7230}"/>
               </a:ext>
             </a:extLst>
           </p:cNvPr>
@@ -16412,7 +16403,7 @@
           <p:nvPr>
             <p:extLst>
               <p:ext uri="{386F3935-93C4-4BCD-93E2-E3B085C9AB24}">
-                <p16:designElem xmlns="" xmlns:p16="http://schemas.microsoft.com/office/powerpoint/2015/main" val="1"/>
+                <p16:designElem xmlns:p16="http://schemas.microsoft.com/office/powerpoint/2015/main" xmlns="" val="1"/>
               </p:ext>
             </p:extLst>
           </p:nvPr>
@@ -16493,7 +16484,7 @@
           <p:cNvPr id="25" name="Freeform 13">
             <a:extLst>
               <a:ext uri="{FF2B5EF4-FFF2-40B4-BE49-F238E27FC236}">
-                <a16:creationId xmlns="" xmlns:a16="http://schemas.microsoft.com/office/drawing/2014/main" id="{E0709AF0-24F0-4486-B189-BE6386BDB198}"/>
+                <a16:creationId xmlns:a16="http://schemas.microsoft.com/office/drawing/2014/main" xmlns="" id="{E0709AF0-24F0-4486-B189-BE6386BDB198}"/>
               </a:ext>
             </a:extLst>
           </p:cNvPr>
@@ -16503,7 +16494,7 @@
           <p:nvPr>
             <p:extLst>
               <p:ext uri="{386F3935-93C4-4BCD-93E2-E3B085C9AB24}">
-                <p16:designElem xmlns="" xmlns:p16="http://schemas.microsoft.com/office/powerpoint/2015/main" val="1"/>
+                <p16:designElem xmlns:p16="http://schemas.microsoft.com/office/powerpoint/2015/main" xmlns="" val="1"/>
               </p:ext>
             </p:extLst>
           </p:nvPr>
@@ -16627,7 +16618,7 @@
           <p:cNvPr id="27" name="Freeform 11">
             <a:extLst>
               <a:ext uri="{FF2B5EF4-FFF2-40B4-BE49-F238E27FC236}">
-                <a16:creationId xmlns="" xmlns:a16="http://schemas.microsoft.com/office/drawing/2014/main" id="{FBE3B62F-5853-4A3C-B050-6186351A7176}"/>
+                <a16:creationId xmlns:a16="http://schemas.microsoft.com/office/drawing/2014/main" xmlns="" id="{FBE3B62F-5853-4A3C-B050-6186351A7176}"/>
               </a:ext>
             </a:extLst>
           </p:cNvPr>
@@ -16637,7 +16628,7 @@
           <p:nvPr>
             <p:extLst>
               <p:ext uri="{386F3935-93C4-4BCD-93E2-E3B085C9AB24}">
-                <p16:designElem xmlns="" xmlns:p16="http://schemas.microsoft.com/office/powerpoint/2015/main" val="1"/>
+                <p16:designElem xmlns:p16="http://schemas.microsoft.com/office/powerpoint/2015/main" xmlns="" val="1"/>
               </p:ext>
             </p:extLst>
           </p:nvPr>
@@ -16763,7 +16754,7 @@
           <p:cNvPr id="2" name="Title 1">
             <a:extLst>
               <a:ext uri="{FF2B5EF4-FFF2-40B4-BE49-F238E27FC236}">
-                <a16:creationId xmlns="" xmlns:a16="http://schemas.microsoft.com/office/drawing/2014/main" id="{A5F6196D-B07E-499E-92C0-6953CE9F25D4}"/>
+                <a16:creationId xmlns:a16="http://schemas.microsoft.com/office/drawing/2014/main" xmlns="" id="{A5F6196D-B07E-499E-92C0-6953CE9F25D4}"/>
               </a:ext>
             </a:extLst>
           </p:cNvPr>
@@ -16800,7 +16791,7 @@
           <p:cNvPr id="15" name="Content Placeholder 16">
             <a:extLst>
               <a:ext uri="{FF2B5EF4-FFF2-40B4-BE49-F238E27FC236}">
-                <a16:creationId xmlns="" xmlns:a16="http://schemas.microsoft.com/office/drawing/2014/main" id="{5FDBA27F-9676-4EE6-B75A-C35B42A0CD81}"/>
+                <a16:creationId xmlns:a16="http://schemas.microsoft.com/office/drawing/2014/main" xmlns="" id="{5FDBA27F-9676-4EE6-B75A-C35B42A0CD81}"/>
               </a:ext>
             </a:extLst>
           </p:cNvPr>
@@ -16996,7 +16987,7 @@
           <p:cNvPr id="18" name="Content Placeholder 16">
             <a:extLst>
               <a:ext uri="{FF2B5EF4-FFF2-40B4-BE49-F238E27FC236}">
-                <a16:creationId xmlns="" xmlns:a16="http://schemas.microsoft.com/office/drawing/2014/main" id="{5FDBA27F-9676-4EE6-B75A-C35B42A0CD81}"/>
+                <a16:creationId xmlns:a16="http://schemas.microsoft.com/office/drawing/2014/main" xmlns="" id="{5FDBA27F-9676-4EE6-B75A-C35B42A0CD81}"/>
               </a:ext>
             </a:extLst>
           </p:cNvPr>
@@ -18315,7 +18306,7 @@
           <p:cNvPr id="23" name="Rectangle 22">
             <a:extLst>
               <a:ext uri="{FF2B5EF4-FFF2-40B4-BE49-F238E27FC236}">
-                <a16:creationId xmlns="" xmlns:a16="http://schemas.microsoft.com/office/drawing/2014/main" id="{EE1FC7B4-E4A7-4452-B413-1A623E3A7230}"/>
+                <a16:creationId xmlns:a16="http://schemas.microsoft.com/office/drawing/2014/main" xmlns="" id="{EE1FC7B4-E4A7-4452-B413-1A623E3A7230}"/>
               </a:ext>
             </a:extLst>
           </p:cNvPr>
@@ -18325,7 +18316,7 @@
           <p:nvPr>
             <p:extLst>
               <p:ext uri="{386F3935-93C4-4BCD-93E2-E3B085C9AB24}">
-                <p16:designElem xmlns="" xmlns:p16="http://schemas.microsoft.com/office/powerpoint/2015/main" val="1"/>
+                <p16:designElem xmlns:p16="http://schemas.microsoft.com/office/powerpoint/2015/main" xmlns="" val="1"/>
               </p:ext>
             </p:extLst>
           </p:nvPr>
@@ -18406,7 +18397,7 @@
           <p:cNvPr id="25" name="Freeform 13">
             <a:extLst>
               <a:ext uri="{FF2B5EF4-FFF2-40B4-BE49-F238E27FC236}">
-                <a16:creationId xmlns="" xmlns:a16="http://schemas.microsoft.com/office/drawing/2014/main" id="{E0709AF0-24F0-4486-B189-BE6386BDB198}"/>
+                <a16:creationId xmlns:a16="http://schemas.microsoft.com/office/drawing/2014/main" xmlns="" id="{E0709AF0-24F0-4486-B189-BE6386BDB198}"/>
               </a:ext>
             </a:extLst>
           </p:cNvPr>
@@ -18416,7 +18407,7 @@
           <p:nvPr>
             <p:extLst>
               <p:ext uri="{386F3935-93C4-4BCD-93E2-E3B085C9AB24}">
-                <p16:designElem xmlns="" xmlns:p16="http://schemas.microsoft.com/office/powerpoint/2015/main" val="1"/>
+                <p16:designElem xmlns:p16="http://schemas.microsoft.com/office/powerpoint/2015/main" xmlns="" val="1"/>
               </p:ext>
             </p:extLst>
           </p:nvPr>
@@ -18540,7 +18531,7 @@
           <p:cNvPr id="27" name="Freeform 11">
             <a:extLst>
               <a:ext uri="{FF2B5EF4-FFF2-40B4-BE49-F238E27FC236}">
-                <a16:creationId xmlns="" xmlns:a16="http://schemas.microsoft.com/office/drawing/2014/main" id="{FBE3B62F-5853-4A3C-B050-6186351A7176}"/>
+                <a16:creationId xmlns:a16="http://schemas.microsoft.com/office/drawing/2014/main" xmlns="" id="{FBE3B62F-5853-4A3C-B050-6186351A7176}"/>
               </a:ext>
             </a:extLst>
           </p:cNvPr>
@@ -18550,7 +18541,7 @@
           <p:nvPr>
             <p:extLst>
               <p:ext uri="{386F3935-93C4-4BCD-93E2-E3B085C9AB24}">
-                <p16:designElem xmlns="" xmlns:p16="http://schemas.microsoft.com/office/powerpoint/2015/main" val="1"/>
+                <p16:designElem xmlns:p16="http://schemas.microsoft.com/office/powerpoint/2015/main" xmlns="" val="1"/>
               </p:ext>
             </p:extLst>
           </p:nvPr>
@@ -18676,7 +18667,7 @@
           <p:cNvPr id="2" name="Title 1">
             <a:extLst>
               <a:ext uri="{FF2B5EF4-FFF2-40B4-BE49-F238E27FC236}">
-                <a16:creationId xmlns="" xmlns:a16="http://schemas.microsoft.com/office/drawing/2014/main" id="{A5F6196D-B07E-499E-92C0-6953CE9F25D4}"/>
+                <a16:creationId xmlns:a16="http://schemas.microsoft.com/office/drawing/2014/main" xmlns="" id="{A5F6196D-B07E-499E-92C0-6953CE9F25D4}"/>
               </a:ext>
             </a:extLst>
           </p:cNvPr>
@@ -18713,7 +18704,7 @@
           <p:cNvPr id="15" name="Content Placeholder 16">
             <a:extLst>
               <a:ext uri="{FF2B5EF4-FFF2-40B4-BE49-F238E27FC236}">
-                <a16:creationId xmlns="" xmlns:a16="http://schemas.microsoft.com/office/drawing/2014/main" id="{5FDBA27F-9676-4EE6-B75A-C35B42A0CD81}"/>
+                <a16:creationId xmlns:a16="http://schemas.microsoft.com/office/drawing/2014/main" xmlns="" id="{5FDBA27F-9676-4EE6-B75A-C35B42A0CD81}"/>
               </a:ext>
             </a:extLst>
           </p:cNvPr>
@@ -18909,7 +18900,7 @@
           <p:cNvPr id="18" name="Content Placeholder 16">
             <a:extLst>
               <a:ext uri="{FF2B5EF4-FFF2-40B4-BE49-F238E27FC236}">
-                <a16:creationId xmlns="" xmlns:a16="http://schemas.microsoft.com/office/drawing/2014/main" id="{5FDBA27F-9676-4EE6-B75A-C35B42A0CD81}"/>
+                <a16:creationId xmlns:a16="http://schemas.microsoft.com/office/drawing/2014/main" xmlns="" id="{5FDBA27F-9676-4EE6-B75A-C35B42A0CD81}"/>
               </a:ext>
             </a:extLst>
           </p:cNvPr>
@@ -20533,7 +20524,7 @@
           <p:cNvPr id="23" name="Rectangle 22">
             <a:extLst>
               <a:ext uri="{FF2B5EF4-FFF2-40B4-BE49-F238E27FC236}">
-                <a16:creationId xmlns="" xmlns:a16="http://schemas.microsoft.com/office/drawing/2014/main" id="{EE1FC7B4-E4A7-4452-B413-1A623E3A7230}"/>
+                <a16:creationId xmlns:a16="http://schemas.microsoft.com/office/drawing/2014/main" xmlns="" id="{EE1FC7B4-E4A7-4452-B413-1A623E3A7230}"/>
               </a:ext>
             </a:extLst>
           </p:cNvPr>
@@ -20543,7 +20534,7 @@
           <p:nvPr>
             <p:extLst>
               <p:ext uri="{386F3935-93C4-4BCD-93E2-E3B085C9AB24}">
-                <p16:designElem xmlns="" xmlns:p16="http://schemas.microsoft.com/office/powerpoint/2015/main" val="1"/>
+                <p16:designElem xmlns:p16="http://schemas.microsoft.com/office/powerpoint/2015/main" xmlns="" val="1"/>
               </p:ext>
             </p:extLst>
           </p:nvPr>
@@ -20624,7 +20615,7 @@
           <p:cNvPr id="25" name="Freeform 13">
             <a:extLst>
               <a:ext uri="{FF2B5EF4-FFF2-40B4-BE49-F238E27FC236}">
-                <a16:creationId xmlns="" xmlns:a16="http://schemas.microsoft.com/office/drawing/2014/main" id="{E0709AF0-24F0-4486-B189-BE6386BDB198}"/>
+                <a16:creationId xmlns:a16="http://schemas.microsoft.com/office/drawing/2014/main" xmlns="" id="{E0709AF0-24F0-4486-B189-BE6386BDB198}"/>
               </a:ext>
             </a:extLst>
           </p:cNvPr>
@@ -20634,7 +20625,7 @@
           <p:nvPr>
             <p:extLst>
               <p:ext uri="{386F3935-93C4-4BCD-93E2-E3B085C9AB24}">
-                <p16:designElem xmlns="" xmlns:p16="http://schemas.microsoft.com/office/powerpoint/2015/main" val="1"/>
+                <p16:designElem xmlns:p16="http://schemas.microsoft.com/office/powerpoint/2015/main" xmlns="" val="1"/>
               </p:ext>
             </p:extLst>
           </p:nvPr>
@@ -20758,7 +20749,7 @@
           <p:cNvPr id="27" name="Freeform 11">
             <a:extLst>
               <a:ext uri="{FF2B5EF4-FFF2-40B4-BE49-F238E27FC236}">
-                <a16:creationId xmlns="" xmlns:a16="http://schemas.microsoft.com/office/drawing/2014/main" id="{FBE3B62F-5853-4A3C-B050-6186351A7176}"/>
+                <a16:creationId xmlns:a16="http://schemas.microsoft.com/office/drawing/2014/main" xmlns="" id="{FBE3B62F-5853-4A3C-B050-6186351A7176}"/>
               </a:ext>
             </a:extLst>
           </p:cNvPr>
@@ -20768,7 +20759,7 @@
           <p:nvPr>
             <p:extLst>
               <p:ext uri="{386F3935-93C4-4BCD-93E2-E3B085C9AB24}">
-                <p16:designElem xmlns="" xmlns:p16="http://schemas.microsoft.com/office/powerpoint/2015/main" val="1"/>
+                <p16:designElem xmlns:p16="http://schemas.microsoft.com/office/powerpoint/2015/main" xmlns="" val="1"/>
               </p:ext>
             </p:extLst>
           </p:nvPr>
@@ -20894,7 +20885,7 @@
           <p:cNvPr id="2" name="Title 1">
             <a:extLst>
               <a:ext uri="{FF2B5EF4-FFF2-40B4-BE49-F238E27FC236}">
-                <a16:creationId xmlns="" xmlns:a16="http://schemas.microsoft.com/office/drawing/2014/main" id="{A5F6196D-B07E-499E-92C0-6953CE9F25D4}"/>
+                <a16:creationId xmlns:a16="http://schemas.microsoft.com/office/drawing/2014/main" xmlns="" id="{A5F6196D-B07E-499E-92C0-6953CE9F25D4}"/>
               </a:ext>
             </a:extLst>
           </p:cNvPr>
@@ -20931,7 +20922,7 @@
           <p:cNvPr id="15" name="Content Placeholder 16">
             <a:extLst>
               <a:ext uri="{FF2B5EF4-FFF2-40B4-BE49-F238E27FC236}">
-                <a16:creationId xmlns="" xmlns:a16="http://schemas.microsoft.com/office/drawing/2014/main" id="{5FDBA27F-9676-4EE6-B75A-C35B42A0CD81}"/>
+                <a16:creationId xmlns:a16="http://schemas.microsoft.com/office/drawing/2014/main" xmlns="" id="{5FDBA27F-9676-4EE6-B75A-C35B42A0CD81}"/>
               </a:ext>
             </a:extLst>
           </p:cNvPr>
@@ -21127,7 +21118,7 @@
           <p:cNvPr id="18" name="Content Placeholder 16">
             <a:extLst>
               <a:ext uri="{FF2B5EF4-FFF2-40B4-BE49-F238E27FC236}">
-                <a16:creationId xmlns="" xmlns:a16="http://schemas.microsoft.com/office/drawing/2014/main" id="{5FDBA27F-9676-4EE6-B75A-C35B42A0CD81}"/>
+                <a16:creationId xmlns:a16="http://schemas.microsoft.com/office/drawing/2014/main" xmlns="" id="{5FDBA27F-9676-4EE6-B75A-C35B42A0CD81}"/>
               </a:ext>
             </a:extLst>
           </p:cNvPr>
@@ -22809,7 +22800,7 @@
           <p:cNvPr id="23" name="Rectangle 22">
             <a:extLst>
               <a:ext uri="{FF2B5EF4-FFF2-40B4-BE49-F238E27FC236}">
-                <a16:creationId xmlns="" xmlns:a16="http://schemas.microsoft.com/office/drawing/2014/main" id="{EE1FC7B4-E4A7-4452-B413-1A623E3A7230}"/>
+                <a16:creationId xmlns:a16="http://schemas.microsoft.com/office/drawing/2014/main" xmlns="" id="{EE1FC7B4-E4A7-4452-B413-1A623E3A7230}"/>
               </a:ext>
             </a:extLst>
           </p:cNvPr>
@@ -22819,7 +22810,7 @@
           <p:nvPr>
             <p:extLst>
               <p:ext uri="{386F3935-93C4-4BCD-93E2-E3B085C9AB24}">
-                <p16:designElem xmlns="" xmlns:p16="http://schemas.microsoft.com/office/powerpoint/2015/main" val="1"/>
+                <p16:designElem xmlns:p16="http://schemas.microsoft.com/office/powerpoint/2015/main" xmlns="" val="1"/>
               </p:ext>
             </p:extLst>
           </p:nvPr>
@@ -22900,7 +22891,7 @@
           <p:cNvPr id="25" name="Freeform 13">
             <a:extLst>
               <a:ext uri="{FF2B5EF4-FFF2-40B4-BE49-F238E27FC236}">
-                <a16:creationId xmlns="" xmlns:a16="http://schemas.microsoft.com/office/drawing/2014/main" id="{E0709AF0-24F0-4486-B189-BE6386BDB198}"/>
+                <a16:creationId xmlns:a16="http://schemas.microsoft.com/office/drawing/2014/main" xmlns="" id="{E0709AF0-24F0-4486-B189-BE6386BDB198}"/>
               </a:ext>
             </a:extLst>
           </p:cNvPr>
@@ -22910,7 +22901,7 @@
           <p:nvPr>
             <p:extLst>
               <p:ext uri="{386F3935-93C4-4BCD-93E2-E3B085C9AB24}">
-                <p16:designElem xmlns="" xmlns:p16="http://schemas.microsoft.com/office/powerpoint/2015/main" val="1"/>
+                <p16:designElem xmlns:p16="http://schemas.microsoft.com/office/powerpoint/2015/main" xmlns="" val="1"/>
               </p:ext>
             </p:extLst>
           </p:nvPr>
@@ -23034,7 +23025,7 @@
           <p:cNvPr id="27" name="Freeform 11">
             <a:extLst>
               <a:ext uri="{FF2B5EF4-FFF2-40B4-BE49-F238E27FC236}">
-                <a16:creationId xmlns="" xmlns:a16="http://schemas.microsoft.com/office/drawing/2014/main" id="{FBE3B62F-5853-4A3C-B050-6186351A7176}"/>
+                <a16:creationId xmlns:a16="http://schemas.microsoft.com/office/drawing/2014/main" xmlns="" id="{FBE3B62F-5853-4A3C-B050-6186351A7176}"/>
               </a:ext>
             </a:extLst>
           </p:cNvPr>
@@ -23044,7 +23035,7 @@
           <p:nvPr>
             <p:extLst>
               <p:ext uri="{386F3935-93C4-4BCD-93E2-E3B085C9AB24}">
-                <p16:designElem xmlns="" xmlns:p16="http://schemas.microsoft.com/office/powerpoint/2015/main" val="1"/>
+                <p16:designElem xmlns:p16="http://schemas.microsoft.com/office/powerpoint/2015/main" xmlns="" val="1"/>
               </p:ext>
             </p:extLst>
           </p:nvPr>
@@ -23170,7 +23161,7 @@
           <p:cNvPr id="2" name="Title 1">
             <a:extLst>
               <a:ext uri="{FF2B5EF4-FFF2-40B4-BE49-F238E27FC236}">
-                <a16:creationId xmlns="" xmlns:a16="http://schemas.microsoft.com/office/drawing/2014/main" id="{A5F6196D-B07E-499E-92C0-6953CE9F25D4}"/>
+                <a16:creationId xmlns:a16="http://schemas.microsoft.com/office/drawing/2014/main" xmlns="" id="{A5F6196D-B07E-499E-92C0-6953CE9F25D4}"/>
               </a:ext>
             </a:extLst>
           </p:cNvPr>
@@ -23207,7 +23198,7 @@
           <p:cNvPr id="15" name="Content Placeholder 16">
             <a:extLst>
               <a:ext uri="{FF2B5EF4-FFF2-40B4-BE49-F238E27FC236}">
-                <a16:creationId xmlns="" xmlns:a16="http://schemas.microsoft.com/office/drawing/2014/main" id="{5FDBA27F-9676-4EE6-B75A-C35B42A0CD81}"/>
+                <a16:creationId xmlns:a16="http://schemas.microsoft.com/office/drawing/2014/main" xmlns="" id="{5FDBA27F-9676-4EE6-B75A-C35B42A0CD81}"/>
               </a:ext>
             </a:extLst>
           </p:cNvPr>
@@ -23403,7 +23394,7 @@
           <p:cNvPr id="18" name="Content Placeholder 16">
             <a:extLst>
               <a:ext uri="{FF2B5EF4-FFF2-40B4-BE49-F238E27FC236}">
-                <a16:creationId xmlns="" xmlns:a16="http://schemas.microsoft.com/office/drawing/2014/main" id="{5FDBA27F-9676-4EE6-B75A-C35B42A0CD81}"/>
+                <a16:creationId xmlns:a16="http://schemas.microsoft.com/office/drawing/2014/main" xmlns="" id="{5FDBA27F-9676-4EE6-B75A-C35B42A0CD81}"/>
               </a:ext>
             </a:extLst>
           </p:cNvPr>
@@ -23843,7 +23834,7 @@
           <p:cNvPr id="23" name="Rectangle 22">
             <a:extLst>
               <a:ext uri="{FF2B5EF4-FFF2-40B4-BE49-F238E27FC236}">
-                <a16:creationId xmlns="" xmlns:a16="http://schemas.microsoft.com/office/drawing/2014/main" id="{EE1FC7B4-E4A7-4452-B413-1A623E3A7230}"/>
+                <a16:creationId xmlns:a16="http://schemas.microsoft.com/office/drawing/2014/main" xmlns="" id="{EE1FC7B4-E4A7-4452-B413-1A623E3A7230}"/>
               </a:ext>
             </a:extLst>
           </p:cNvPr>
@@ -23853,7 +23844,7 @@
           <p:nvPr>
             <p:extLst>
               <p:ext uri="{386F3935-93C4-4BCD-93E2-E3B085C9AB24}">
-                <p16:designElem xmlns="" xmlns:p16="http://schemas.microsoft.com/office/powerpoint/2015/main" val="1"/>
+                <p16:designElem xmlns:p16="http://schemas.microsoft.com/office/powerpoint/2015/main" xmlns="" val="1"/>
               </p:ext>
             </p:extLst>
           </p:nvPr>
@@ -23934,7 +23925,7 @@
           <p:cNvPr id="25" name="Freeform 13">
             <a:extLst>
               <a:ext uri="{FF2B5EF4-FFF2-40B4-BE49-F238E27FC236}">
-                <a16:creationId xmlns="" xmlns:a16="http://schemas.microsoft.com/office/drawing/2014/main" id="{E0709AF0-24F0-4486-B189-BE6386BDB198}"/>
+                <a16:creationId xmlns:a16="http://schemas.microsoft.com/office/drawing/2014/main" xmlns="" id="{E0709AF0-24F0-4486-B189-BE6386BDB198}"/>
               </a:ext>
             </a:extLst>
           </p:cNvPr>
@@ -23944,7 +23935,7 @@
           <p:nvPr>
             <p:extLst>
               <p:ext uri="{386F3935-93C4-4BCD-93E2-E3B085C9AB24}">
-                <p16:designElem xmlns="" xmlns:p16="http://schemas.microsoft.com/office/powerpoint/2015/main" val="1"/>
+                <p16:designElem xmlns:p16="http://schemas.microsoft.com/office/powerpoint/2015/main" xmlns="" val="1"/>
               </p:ext>
             </p:extLst>
           </p:nvPr>
@@ -24068,7 +24059,7 @@
           <p:cNvPr id="27" name="Freeform 11">
             <a:extLst>
               <a:ext uri="{FF2B5EF4-FFF2-40B4-BE49-F238E27FC236}">
-                <a16:creationId xmlns="" xmlns:a16="http://schemas.microsoft.com/office/drawing/2014/main" id="{FBE3B62F-5853-4A3C-B050-6186351A7176}"/>
+                <a16:creationId xmlns:a16="http://schemas.microsoft.com/office/drawing/2014/main" xmlns="" id="{FBE3B62F-5853-4A3C-B050-6186351A7176}"/>
               </a:ext>
             </a:extLst>
           </p:cNvPr>
@@ -24078,7 +24069,7 @@
           <p:nvPr>
             <p:extLst>
               <p:ext uri="{386F3935-93C4-4BCD-93E2-E3B085C9AB24}">
-                <p16:designElem xmlns="" xmlns:p16="http://schemas.microsoft.com/office/powerpoint/2015/main" val="1"/>
+                <p16:designElem xmlns:p16="http://schemas.microsoft.com/office/powerpoint/2015/main" xmlns="" val="1"/>
               </p:ext>
             </p:extLst>
           </p:nvPr>
@@ -24204,7 +24195,7 @@
           <p:cNvPr id="2" name="Title 1">
             <a:extLst>
               <a:ext uri="{FF2B5EF4-FFF2-40B4-BE49-F238E27FC236}">
-                <a16:creationId xmlns="" xmlns:a16="http://schemas.microsoft.com/office/drawing/2014/main" id="{A5F6196D-B07E-499E-92C0-6953CE9F25D4}"/>
+                <a16:creationId xmlns:a16="http://schemas.microsoft.com/office/drawing/2014/main" xmlns="" id="{A5F6196D-B07E-499E-92C0-6953CE9F25D4}"/>
               </a:ext>
             </a:extLst>
           </p:cNvPr>
@@ -24233,8 +24224,8 @@
               <a:t>Arduino </a:t>
             </a:r>
             <a:r>
-              <a:rPr lang="en-US" b="1" dirty="0" err="1" smtClean="0"/>
-              <a:t>Excercises</a:t>
+              <a:rPr lang="en-US" b="1" dirty="0" smtClean="0"/>
+              <a:t>Exercises</a:t>
             </a:r>
             <a:endParaRPr lang="en-US" b="1" dirty="0"/>
           </a:p>
@@ -24293,7 +24284,7 @@
           <p:cNvPr id="23" name="Rectangle 22">
             <a:extLst>
               <a:ext uri="{FF2B5EF4-FFF2-40B4-BE49-F238E27FC236}">
-                <a16:creationId xmlns="" xmlns:a16="http://schemas.microsoft.com/office/drawing/2014/main" id="{EE1FC7B4-E4A7-4452-B413-1A623E3A7230}"/>
+                <a16:creationId xmlns:a16="http://schemas.microsoft.com/office/drawing/2014/main" xmlns="" id="{EE1FC7B4-E4A7-4452-B413-1A623E3A7230}"/>
               </a:ext>
             </a:extLst>
           </p:cNvPr>
@@ -24303,7 +24294,7 @@
           <p:nvPr>
             <p:extLst>
               <p:ext uri="{386F3935-93C4-4BCD-93E2-E3B085C9AB24}">
-                <p16:designElem xmlns="" xmlns:p16="http://schemas.microsoft.com/office/powerpoint/2015/main" val="1"/>
+                <p16:designElem xmlns:p16="http://schemas.microsoft.com/office/powerpoint/2015/main" xmlns="" val="1"/>
               </p:ext>
             </p:extLst>
           </p:nvPr>
@@ -24355,7 +24346,7 @@
           <p:cNvPr id="25" name="Freeform 13">
             <a:extLst>
               <a:ext uri="{FF2B5EF4-FFF2-40B4-BE49-F238E27FC236}">
-                <a16:creationId xmlns="" xmlns:a16="http://schemas.microsoft.com/office/drawing/2014/main" id="{E0709AF0-24F0-4486-B189-BE6386BDB198}"/>
+                <a16:creationId xmlns:a16="http://schemas.microsoft.com/office/drawing/2014/main" xmlns="" id="{E0709AF0-24F0-4486-B189-BE6386BDB198}"/>
               </a:ext>
             </a:extLst>
           </p:cNvPr>
@@ -24365,7 +24356,7 @@
           <p:nvPr>
             <p:extLst>
               <p:ext uri="{386F3935-93C4-4BCD-93E2-E3B085C9AB24}">
-                <p16:designElem xmlns="" xmlns:p16="http://schemas.microsoft.com/office/powerpoint/2015/main" val="1"/>
+                <p16:designElem xmlns:p16="http://schemas.microsoft.com/office/powerpoint/2015/main" xmlns="" val="1"/>
               </p:ext>
             </p:extLst>
           </p:nvPr>
@@ -24460,7 +24451,7 @@
           <p:cNvPr id="27" name="Freeform 11">
             <a:extLst>
               <a:ext uri="{FF2B5EF4-FFF2-40B4-BE49-F238E27FC236}">
-                <a16:creationId xmlns="" xmlns:a16="http://schemas.microsoft.com/office/drawing/2014/main" id="{FBE3B62F-5853-4A3C-B050-6186351A7176}"/>
+                <a16:creationId xmlns:a16="http://schemas.microsoft.com/office/drawing/2014/main" xmlns="" id="{FBE3B62F-5853-4A3C-B050-6186351A7176}"/>
               </a:ext>
             </a:extLst>
           </p:cNvPr>
@@ -24470,7 +24461,7 @@
           <p:nvPr>
             <p:extLst>
               <p:ext uri="{386F3935-93C4-4BCD-93E2-E3B085C9AB24}">
-                <p16:designElem xmlns="" xmlns:p16="http://schemas.microsoft.com/office/powerpoint/2015/main" val="1"/>
+                <p16:designElem xmlns:p16="http://schemas.microsoft.com/office/powerpoint/2015/main" xmlns="" val="1"/>
               </p:ext>
             </p:extLst>
           </p:nvPr>
@@ -24567,7 +24558,7 @@
           <p:cNvPr id="2" name="Title 1">
             <a:extLst>
               <a:ext uri="{FF2B5EF4-FFF2-40B4-BE49-F238E27FC236}">
-                <a16:creationId xmlns="" xmlns:a16="http://schemas.microsoft.com/office/drawing/2014/main" id="{A5F6196D-B07E-499E-92C0-6953CE9F25D4}"/>
+                <a16:creationId xmlns:a16="http://schemas.microsoft.com/office/drawing/2014/main" xmlns="" id="{A5F6196D-B07E-499E-92C0-6953CE9F25D4}"/>
               </a:ext>
             </a:extLst>
           </p:cNvPr>
@@ -24603,7 +24594,7 @@
           <p:cNvPr id="17" name="Content Placeholder 16">
             <a:extLst>
               <a:ext uri="{FF2B5EF4-FFF2-40B4-BE49-F238E27FC236}">
-                <a16:creationId xmlns="" xmlns:a16="http://schemas.microsoft.com/office/drawing/2014/main" id="{5FDBA27F-9676-4EE6-B75A-C35B42A0CD81}"/>
+                <a16:creationId xmlns:a16="http://schemas.microsoft.com/office/drawing/2014/main" xmlns="" id="{5FDBA27F-9676-4EE6-B75A-C35B42A0CD81}"/>
               </a:ext>
             </a:extLst>
           </p:cNvPr>
@@ -24825,7 +24816,7 @@
           <p:cNvPr id="23" name="Rectangle 22">
             <a:extLst>
               <a:ext uri="{FF2B5EF4-FFF2-40B4-BE49-F238E27FC236}">
-                <a16:creationId xmlns="" xmlns:a16="http://schemas.microsoft.com/office/drawing/2014/main" id="{EE1FC7B4-E4A7-4452-B413-1A623E3A7230}"/>
+                <a16:creationId xmlns:a16="http://schemas.microsoft.com/office/drawing/2014/main" xmlns="" id="{EE1FC7B4-E4A7-4452-B413-1A623E3A7230}"/>
               </a:ext>
             </a:extLst>
           </p:cNvPr>
@@ -24835,7 +24826,7 @@
           <p:nvPr>
             <p:extLst>
               <p:ext uri="{386F3935-93C4-4BCD-93E2-E3B085C9AB24}">
-                <p16:designElem xmlns="" xmlns:p16="http://schemas.microsoft.com/office/powerpoint/2015/main" val="1"/>
+                <p16:designElem xmlns:p16="http://schemas.microsoft.com/office/powerpoint/2015/main" xmlns="" val="1"/>
               </p:ext>
             </p:extLst>
           </p:nvPr>
@@ -24916,7 +24907,7 @@
           <p:cNvPr id="25" name="Freeform 13">
             <a:extLst>
               <a:ext uri="{FF2B5EF4-FFF2-40B4-BE49-F238E27FC236}">
-                <a16:creationId xmlns="" xmlns:a16="http://schemas.microsoft.com/office/drawing/2014/main" id="{E0709AF0-24F0-4486-B189-BE6386BDB198}"/>
+                <a16:creationId xmlns:a16="http://schemas.microsoft.com/office/drawing/2014/main" xmlns="" id="{E0709AF0-24F0-4486-B189-BE6386BDB198}"/>
               </a:ext>
             </a:extLst>
           </p:cNvPr>
@@ -24926,7 +24917,7 @@
           <p:nvPr>
             <p:extLst>
               <p:ext uri="{386F3935-93C4-4BCD-93E2-E3B085C9AB24}">
-                <p16:designElem xmlns="" xmlns:p16="http://schemas.microsoft.com/office/powerpoint/2015/main" val="1"/>
+                <p16:designElem xmlns:p16="http://schemas.microsoft.com/office/powerpoint/2015/main" xmlns="" val="1"/>
               </p:ext>
             </p:extLst>
           </p:nvPr>
@@ -25050,7 +25041,7 @@
           <p:cNvPr id="27" name="Freeform 11">
             <a:extLst>
               <a:ext uri="{FF2B5EF4-FFF2-40B4-BE49-F238E27FC236}">
-                <a16:creationId xmlns="" xmlns:a16="http://schemas.microsoft.com/office/drawing/2014/main" id="{FBE3B62F-5853-4A3C-B050-6186351A7176}"/>
+                <a16:creationId xmlns:a16="http://schemas.microsoft.com/office/drawing/2014/main" xmlns="" id="{FBE3B62F-5853-4A3C-B050-6186351A7176}"/>
               </a:ext>
             </a:extLst>
           </p:cNvPr>
@@ -25060,7 +25051,7 @@
           <p:nvPr>
             <p:extLst>
               <p:ext uri="{386F3935-93C4-4BCD-93E2-E3B085C9AB24}">
-                <p16:designElem xmlns="" xmlns:p16="http://schemas.microsoft.com/office/powerpoint/2015/main" val="1"/>
+                <p16:designElem xmlns:p16="http://schemas.microsoft.com/office/powerpoint/2015/main" xmlns="" val="1"/>
               </p:ext>
             </p:extLst>
           </p:nvPr>
@@ -25186,7 +25177,7 @@
           <p:cNvPr id="2" name="Title 1">
             <a:extLst>
               <a:ext uri="{FF2B5EF4-FFF2-40B4-BE49-F238E27FC236}">
-                <a16:creationId xmlns="" xmlns:a16="http://schemas.microsoft.com/office/drawing/2014/main" id="{A5F6196D-B07E-499E-92C0-6953CE9F25D4}"/>
+                <a16:creationId xmlns:a16="http://schemas.microsoft.com/office/drawing/2014/main" xmlns="" id="{A5F6196D-B07E-499E-92C0-6953CE9F25D4}"/>
               </a:ext>
             </a:extLst>
           </p:cNvPr>
@@ -25222,7 +25213,7 @@
           <p:cNvPr id="17" name="Content Placeholder 16">
             <a:extLst>
               <a:ext uri="{FF2B5EF4-FFF2-40B4-BE49-F238E27FC236}">
-                <a16:creationId xmlns="" xmlns:a16="http://schemas.microsoft.com/office/drawing/2014/main" id="{5FDBA27F-9676-4EE6-B75A-C35B42A0CD81}"/>
+                <a16:creationId xmlns:a16="http://schemas.microsoft.com/office/drawing/2014/main" xmlns="" id="{5FDBA27F-9676-4EE6-B75A-C35B42A0CD81}"/>
               </a:ext>
             </a:extLst>
           </p:cNvPr>
@@ -25312,7 +25303,7 @@
           <p:cNvPr id="23" name="Rectangle 22">
             <a:extLst>
               <a:ext uri="{FF2B5EF4-FFF2-40B4-BE49-F238E27FC236}">
-                <a16:creationId xmlns="" xmlns:a16="http://schemas.microsoft.com/office/drawing/2014/main" id="{EE1FC7B4-E4A7-4452-B413-1A623E3A7230}"/>
+                <a16:creationId xmlns:a16="http://schemas.microsoft.com/office/drawing/2014/main" xmlns="" id="{EE1FC7B4-E4A7-4452-B413-1A623E3A7230}"/>
               </a:ext>
             </a:extLst>
           </p:cNvPr>
@@ -25322,7 +25313,7 @@
           <p:nvPr>
             <p:extLst>
               <p:ext uri="{386F3935-93C4-4BCD-93E2-E3B085C9AB24}">
-                <p16:designElem xmlns="" xmlns:p16="http://schemas.microsoft.com/office/powerpoint/2015/main" val="1"/>
+                <p16:designElem xmlns:p16="http://schemas.microsoft.com/office/powerpoint/2015/main" xmlns="" val="1"/>
               </p:ext>
             </p:extLst>
           </p:nvPr>
@@ -25403,7 +25394,7 @@
           <p:cNvPr id="25" name="Freeform 13">
             <a:extLst>
               <a:ext uri="{FF2B5EF4-FFF2-40B4-BE49-F238E27FC236}">
-                <a16:creationId xmlns="" xmlns:a16="http://schemas.microsoft.com/office/drawing/2014/main" id="{E0709AF0-24F0-4486-B189-BE6386BDB198}"/>
+                <a16:creationId xmlns:a16="http://schemas.microsoft.com/office/drawing/2014/main" xmlns="" id="{E0709AF0-24F0-4486-B189-BE6386BDB198}"/>
               </a:ext>
             </a:extLst>
           </p:cNvPr>
@@ -25413,7 +25404,7 @@
           <p:nvPr>
             <p:extLst>
               <p:ext uri="{386F3935-93C4-4BCD-93E2-E3B085C9AB24}">
-                <p16:designElem xmlns="" xmlns:p16="http://schemas.microsoft.com/office/powerpoint/2015/main" val="1"/>
+                <p16:designElem xmlns:p16="http://schemas.microsoft.com/office/powerpoint/2015/main" xmlns="" val="1"/>
               </p:ext>
             </p:extLst>
           </p:nvPr>
@@ -25537,7 +25528,7 @@
           <p:cNvPr id="27" name="Freeform 11">
             <a:extLst>
               <a:ext uri="{FF2B5EF4-FFF2-40B4-BE49-F238E27FC236}">
-                <a16:creationId xmlns="" xmlns:a16="http://schemas.microsoft.com/office/drawing/2014/main" id="{FBE3B62F-5853-4A3C-B050-6186351A7176}"/>
+                <a16:creationId xmlns:a16="http://schemas.microsoft.com/office/drawing/2014/main" xmlns="" id="{FBE3B62F-5853-4A3C-B050-6186351A7176}"/>
               </a:ext>
             </a:extLst>
           </p:cNvPr>
@@ -25547,7 +25538,7 @@
           <p:nvPr>
             <p:extLst>
               <p:ext uri="{386F3935-93C4-4BCD-93E2-E3B085C9AB24}">
-                <p16:designElem xmlns="" xmlns:p16="http://schemas.microsoft.com/office/powerpoint/2015/main" val="1"/>
+                <p16:designElem xmlns:p16="http://schemas.microsoft.com/office/powerpoint/2015/main" xmlns="" val="1"/>
               </p:ext>
             </p:extLst>
           </p:nvPr>
@@ -25673,7 +25664,7 @@
           <p:cNvPr id="2" name="Title 1">
             <a:extLst>
               <a:ext uri="{FF2B5EF4-FFF2-40B4-BE49-F238E27FC236}">
-                <a16:creationId xmlns="" xmlns:a16="http://schemas.microsoft.com/office/drawing/2014/main" id="{A5F6196D-B07E-499E-92C0-6953CE9F25D4}"/>
+                <a16:creationId xmlns:a16="http://schemas.microsoft.com/office/drawing/2014/main" xmlns="" id="{A5F6196D-B07E-499E-92C0-6953CE9F25D4}"/>
               </a:ext>
             </a:extLst>
           </p:cNvPr>
@@ -25709,7 +25700,7 @@
           <p:cNvPr id="17" name="Content Placeholder 16">
             <a:extLst>
               <a:ext uri="{FF2B5EF4-FFF2-40B4-BE49-F238E27FC236}">
-                <a16:creationId xmlns="" xmlns:a16="http://schemas.microsoft.com/office/drawing/2014/main" id="{5FDBA27F-9676-4EE6-B75A-C35B42A0CD81}"/>
+                <a16:creationId xmlns:a16="http://schemas.microsoft.com/office/drawing/2014/main" xmlns="" id="{5FDBA27F-9676-4EE6-B75A-C35B42A0CD81}"/>
               </a:ext>
             </a:extLst>
           </p:cNvPr>
@@ -25883,7 +25874,7 @@
           <p:cNvPr id="23" name="Rectangle 22">
             <a:extLst>
               <a:ext uri="{FF2B5EF4-FFF2-40B4-BE49-F238E27FC236}">
-                <a16:creationId xmlns="" xmlns:a16="http://schemas.microsoft.com/office/drawing/2014/main" id="{EE1FC7B4-E4A7-4452-B413-1A623E3A7230}"/>
+                <a16:creationId xmlns:a16="http://schemas.microsoft.com/office/drawing/2014/main" xmlns="" id="{EE1FC7B4-E4A7-4452-B413-1A623E3A7230}"/>
               </a:ext>
             </a:extLst>
           </p:cNvPr>
@@ -25893,7 +25884,7 @@
           <p:nvPr>
             <p:extLst>
               <p:ext uri="{386F3935-93C4-4BCD-93E2-E3B085C9AB24}">
-                <p16:designElem xmlns="" xmlns:p16="http://schemas.microsoft.com/office/powerpoint/2015/main" val="1"/>
+                <p16:designElem xmlns:p16="http://schemas.microsoft.com/office/powerpoint/2015/main" xmlns="" val="1"/>
               </p:ext>
             </p:extLst>
           </p:nvPr>
@@ -25974,7 +25965,7 @@
           <p:cNvPr id="25" name="Freeform 13">
             <a:extLst>
               <a:ext uri="{FF2B5EF4-FFF2-40B4-BE49-F238E27FC236}">
-                <a16:creationId xmlns="" xmlns:a16="http://schemas.microsoft.com/office/drawing/2014/main" id="{E0709AF0-24F0-4486-B189-BE6386BDB198}"/>
+                <a16:creationId xmlns:a16="http://schemas.microsoft.com/office/drawing/2014/main" xmlns="" id="{E0709AF0-24F0-4486-B189-BE6386BDB198}"/>
               </a:ext>
             </a:extLst>
           </p:cNvPr>
@@ -25984,7 +25975,7 @@
           <p:nvPr>
             <p:extLst>
               <p:ext uri="{386F3935-93C4-4BCD-93E2-E3B085C9AB24}">
-                <p16:designElem xmlns="" xmlns:p16="http://schemas.microsoft.com/office/powerpoint/2015/main" val="1"/>
+                <p16:designElem xmlns:p16="http://schemas.microsoft.com/office/powerpoint/2015/main" xmlns="" val="1"/>
               </p:ext>
             </p:extLst>
           </p:nvPr>
@@ -26108,7 +26099,7 @@
           <p:cNvPr id="27" name="Freeform 11">
             <a:extLst>
               <a:ext uri="{FF2B5EF4-FFF2-40B4-BE49-F238E27FC236}">
-                <a16:creationId xmlns="" xmlns:a16="http://schemas.microsoft.com/office/drawing/2014/main" id="{FBE3B62F-5853-4A3C-B050-6186351A7176}"/>
+                <a16:creationId xmlns:a16="http://schemas.microsoft.com/office/drawing/2014/main" xmlns="" id="{FBE3B62F-5853-4A3C-B050-6186351A7176}"/>
               </a:ext>
             </a:extLst>
           </p:cNvPr>
@@ -26118,7 +26109,7 @@
           <p:nvPr>
             <p:extLst>
               <p:ext uri="{386F3935-93C4-4BCD-93E2-E3B085C9AB24}">
-                <p16:designElem xmlns="" xmlns:p16="http://schemas.microsoft.com/office/powerpoint/2015/main" val="1"/>
+                <p16:designElem xmlns:p16="http://schemas.microsoft.com/office/powerpoint/2015/main" xmlns="" val="1"/>
               </p:ext>
             </p:extLst>
           </p:nvPr>
@@ -26244,7 +26235,7 @@
           <p:cNvPr id="2" name="Title 1">
             <a:extLst>
               <a:ext uri="{FF2B5EF4-FFF2-40B4-BE49-F238E27FC236}">
-                <a16:creationId xmlns="" xmlns:a16="http://schemas.microsoft.com/office/drawing/2014/main" id="{A5F6196D-B07E-499E-92C0-6953CE9F25D4}"/>
+                <a16:creationId xmlns:a16="http://schemas.microsoft.com/office/drawing/2014/main" xmlns="" id="{A5F6196D-B07E-499E-92C0-6953CE9F25D4}"/>
               </a:ext>
             </a:extLst>
           </p:cNvPr>
@@ -26280,7 +26271,7 @@
           <p:cNvPr id="17" name="Content Placeholder 16">
             <a:extLst>
               <a:ext uri="{FF2B5EF4-FFF2-40B4-BE49-F238E27FC236}">
-                <a16:creationId xmlns="" xmlns:a16="http://schemas.microsoft.com/office/drawing/2014/main" id="{5FDBA27F-9676-4EE6-B75A-C35B42A0CD81}"/>
+                <a16:creationId xmlns:a16="http://schemas.microsoft.com/office/drawing/2014/main" xmlns="" id="{5FDBA27F-9676-4EE6-B75A-C35B42A0CD81}"/>
               </a:ext>
             </a:extLst>
           </p:cNvPr>
@@ -26440,7 +26431,7 @@
           <p:cNvPr id="15" name="Content Placeholder 16">
             <a:extLst>
               <a:ext uri="{FF2B5EF4-FFF2-40B4-BE49-F238E27FC236}">
-                <a16:creationId xmlns="" xmlns:a16="http://schemas.microsoft.com/office/drawing/2014/main" id="{5FDBA27F-9676-4EE6-B75A-C35B42A0CD81}"/>
+                <a16:creationId xmlns:a16="http://schemas.microsoft.com/office/drawing/2014/main" xmlns="" id="{5FDBA27F-9676-4EE6-B75A-C35B42A0CD81}"/>
               </a:ext>
             </a:extLst>
           </p:cNvPr>
@@ -26655,7 +26646,7 @@
           <p:cNvPr id="18" name="Content Placeholder 16">
             <a:extLst>
               <a:ext uri="{FF2B5EF4-FFF2-40B4-BE49-F238E27FC236}">
-                <a16:creationId xmlns="" xmlns:a16="http://schemas.microsoft.com/office/drawing/2014/main" id="{5FDBA27F-9676-4EE6-B75A-C35B42A0CD81}"/>
+                <a16:creationId xmlns:a16="http://schemas.microsoft.com/office/drawing/2014/main" xmlns="" id="{5FDBA27F-9676-4EE6-B75A-C35B42A0CD81}"/>
               </a:ext>
             </a:extLst>
           </p:cNvPr>
@@ -26918,7 +26909,7 @@
           <p:cNvPr id="20" name="Content Placeholder 16">
             <a:extLst>
               <a:ext uri="{FF2B5EF4-FFF2-40B4-BE49-F238E27FC236}">
-                <a16:creationId xmlns="" xmlns:a16="http://schemas.microsoft.com/office/drawing/2014/main" id="{5FDBA27F-9676-4EE6-B75A-C35B42A0CD81}"/>
+                <a16:creationId xmlns:a16="http://schemas.microsoft.com/office/drawing/2014/main" xmlns="" id="{5FDBA27F-9676-4EE6-B75A-C35B42A0CD81}"/>
               </a:ext>
             </a:extLst>
           </p:cNvPr>
@@ -27122,15 +27113,7 @@
           <a:p>
             <a:r>
               <a:rPr lang="en-US" dirty="0" smtClean="0"/>
-              <a:t>_ _ _                 0</a:t>
-            </a:r>
-            <a:r>
-              <a:rPr lang="en-US" dirty="0" smtClean="0"/>
-              <a:t>…..</a:t>
-            </a:r>
-            <a:r>
-              <a:rPr lang="en-US" dirty="0" smtClean="0"/>
-              <a:t>FFF</a:t>
+              <a:t>_ _ _                 0…..FFF</a:t>
             </a:r>
             <a:endParaRPr lang="en-US" dirty="0"/>
           </a:p>
@@ -27189,7 +27172,7 @@
           <p:cNvPr id="23" name="Rectangle 22">
             <a:extLst>
               <a:ext uri="{FF2B5EF4-FFF2-40B4-BE49-F238E27FC236}">
-                <a16:creationId xmlns="" xmlns:a16="http://schemas.microsoft.com/office/drawing/2014/main" id="{EE1FC7B4-E4A7-4452-B413-1A623E3A7230}"/>
+                <a16:creationId xmlns:a16="http://schemas.microsoft.com/office/drawing/2014/main" xmlns="" id="{EE1FC7B4-E4A7-4452-B413-1A623E3A7230}"/>
               </a:ext>
             </a:extLst>
           </p:cNvPr>
@@ -27199,7 +27182,7 @@
           <p:nvPr>
             <p:extLst>
               <p:ext uri="{386F3935-93C4-4BCD-93E2-E3B085C9AB24}">
-                <p16:designElem xmlns="" xmlns:p16="http://schemas.microsoft.com/office/powerpoint/2015/main" val="1"/>
+                <p16:designElem xmlns:p16="http://schemas.microsoft.com/office/powerpoint/2015/main" xmlns="" val="1"/>
               </p:ext>
             </p:extLst>
           </p:nvPr>
@@ -27280,7 +27263,7 @@
           <p:cNvPr id="25" name="Freeform 13">
             <a:extLst>
               <a:ext uri="{FF2B5EF4-FFF2-40B4-BE49-F238E27FC236}">
-                <a16:creationId xmlns="" xmlns:a16="http://schemas.microsoft.com/office/drawing/2014/main" id="{E0709AF0-24F0-4486-B189-BE6386BDB198}"/>
+                <a16:creationId xmlns:a16="http://schemas.microsoft.com/office/drawing/2014/main" xmlns="" id="{E0709AF0-24F0-4486-B189-BE6386BDB198}"/>
               </a:ext>
             </a:extLst>
           </p:cNvPr>
@@ -27290,7 +27273,7 @@
           <p:nvPr>
             <p:extLst>
               <p:ext uri="{386F3935-93C4-4BCD-93E2-E3B085C9AB24}">
-                <p16:designElem xmlns="" xmlns:p16="http://schemas.microsoft.com/office/powerpoint/2015/main" val="1"/>
+                <p16:designElem xmlns:p16="http://schemas.microsoft.com/office/powerpoint/2015/main" xmlns="" val="1"/>
               </p:ext>
             </p:extLst>
           </p:nvPr>
@@ -27414,7 +27397,7 @@
           <p:cNvPr id="27" name="Freeform 11">
             <a:extLst>
               <a:ext uri="{FF2B5EF4-FFF2-40B4-BE49-F238E27FC236}">
-                <a16:creationId xmlns="" xmlns:a16="http://schemas.microsoft.com/office/drawing/2014/main" id="{FBE3B62F-5853-4A3C-B050-6186351A7176}"/>
+                <a16:creationId xmlns:a16="http://schemas.microsoft.com/office/drawing/2014/main" xmlns="" id="{FBE3B62F-5853-4A3C-B050-6186351A7176}"/>
               </a:ext>
             </a:extLst>
           </p:cNvPr>
@@ -27424,7 +27407,7 @@
           <p:nvPr>
             <p:extLst>
               <p:ext uri="{386F3935-93C4-4BCD-93E2-E3B085C9AB24}">
-                <p16:designElem xmlns="" xmlns:p16="http://schemas.microsoft.com/office/powerpoint/2015/main" val="1"/>
+                <p16:designElem xmlns:p16="http://schemas.microsoft.com/office/powerpoint/2015/main" xmlns="" val="1"/>
               </p:ext>
             </p:extLst>
           </p:nvPr>
@@ -27550,7 +27533,7 @@
           <p:cNvPr id="2" name="Title 1">
             <a:extLst>
               <a:ext uri="{FF2B5EF4-FFF2-40B4-BE49-F238E27FC236}">
-                <a16:creationId xmlns="" xmlns:a16="http://schemas.microsoft.com/office/drawing/2014/main" id="{A5F6196D-B07E-499E-92C0-6953CE9F25D4}"/>
+                <a16:creationId xmlns:a16="http://schemas.microsoft.com/office/drawing/2014/main" xmlns="" id="{A5F6196D-B07E-499E-92C0-6953CE9F25D4}"/>
               </a:ext>
             </a:extLst>
           </p:cNvPr>
@@ -27586,7 +27569,7 @@
           <p:cNvPr id="17" name="Content Placeholder 16">
             <a:extLst>
               <a:ext uri="{FF2B5EF4-FFF2-40B4-BE49-F238E27FC236}">
-                <a16:creationId xmlns="" xmlns:a16="http://schemas.microsoft.com/office/drawing/2014/main" id="{5FDBA27F-9676-4EE6-B75A-C35B42A0CD81}"/>
+                <a16:creationId xmlns:a16="http://schemas.microsoft.com/office/drawing/2014/main" xmlns="" id="{5FDBA27F-9676-4EE6-B75A-C35B42A0CD81}"/>
               </a:ext>
             </a:extLst>
           </p:cNvPr>
@@ -27813,7 +27796,7 @@
           <p:cNvPr id="15" name="Content Placeholder 16">
             <a:extLst>
               <a:ext uri="{FF2B5EF4-FFF2-40B4-BE49-F238E27FC236}">
-                <a16:creationId xmlns="" xmlns:a16="http://schemas.microsoft.com/office/drawing/2014/main" id="{5FDBA27F-9676-4EE6-B75A-C35B42A0CD81}"/>
+                <a16:creationId xmlns:a16="http://schemas.microsoft.com/office/drawing/2014/main" xmlns="" id="{5FDBA27F-9676-4EE6-B75A-C35B42A0CD81}"/>
               </a:ext>
             </a:extLst>
           </p:cNvPr>
@@ -28009,7 +27992,7 @@
           <p:cNvPr id="18" name="Content Placeholder 16">
             <a:extLst>
               <a:ext uri="{FF2B5EF4-FFF2-40B4-BE49-F238E27FC236}">
-                <a16:creationId xmlns="" xmlns:a16="http://schemas.microsoft.com/office/drawing/2014/main" id="{5FDBA27F-9676-4EE6-B75A-C35B42A0CD81}"/>
+                <a16:creationId xmlns:a16="http://schemas.microsoft.com/office/drawing/2014/main" xmlns="" id="{5FDBA27F-9676-4EE6-B75A-C35B42A0CD81}"/>
               </a:ext>
             </a:extLst>
           </p:cNvPr>
@@ -28253,7 +28236,7 @@
           <p:cNvPr id="23" name="Rectangle 22">
             <a:extLst>
               <a:ext uri="{FF2B5EF4-FFF2-40B4-BE49-F238E27FC236}">
-                <a16:creationId xmlns="" xmlns:a16="http://schemas.microsoft.com/office/drawing/2014/main" id="{EE1FC7B4-E4A7-4452-B413-1A623E3A7230}"/>
+                <a16:creationId xmlns:a16="http://schemas.microsoft.com/office/drawing/2014/main" xmlns="" id="{EE1FC7B4-E4A7-4452-B413-1A623E3A7230}"/>
               </a:ext>
             </a:extLst>
           </p:cNvPr>
@@ -28263,7 +28246,7 @@
           <p:nvPr>
             <p:extLst>
               <p:ext uri="{386F3935-93C4-4BCD-93E2-E3B085C9AB24}">
-                <p16:designElem xmlns="" xmlns:p16="http://schemas.microsoft.com/office/powerpoint/2015/main" val="1"/>
+                <p16:designElem xmlns:p16="http://schemas.microsoft.com/office/powerpoint/2015/main" xmlns="" val="1"/>
               </p:ext>
             </p:extLst>
           </p:nvPr>
@@ -28344,7 +28327,7 @@
           <p:cNvPr id="25" name="Freeform 13">
             <a:extLst>
               <a:ext uri="{FF2B5EF4-FFF2-40B4-BE49-F238E27FC236}">
-                <a16:creationId xmlns="" xmlns:a16="http://schemas.microsoft.com/office/drawing/2014/main" id="{E0709AF0-24F0-4486-B189-BE6386BDB198}"/>
+                <a16:creationId xmlns:a16="http://schemas.microsoft.com/office/drawing/2014/main" xmlns="" id="{E0709AF0-24F0-4486-B189-BE6386BDB198}"/>
               </a:ext>
             </a:extLst>
           </p:cNvPr>
@@ -28354,7 +28337,7 @@
           <p:nvPr>
             <p:extLst>
               <p:ext uri="{386F3935-93C4-4BCD-93E2-E3B085C9AB24}">
-                <p16:designElem xmlns="" xmlns:p16="http://schemas.microsoft.com/office/powerpoint/2015/main" val="1"/>
+                <p16:designElem xmlns:p16="http://schemas.microsoft.com/office/powerpoint/2015/main" xmlns="" val="1"/>
               </p:ext>
             </p:extLst>
           </p:nvPr>
@@ -28478,7 +28461,7 @@
           <p:cNvPr id="27" name="Freeform 11">
             <a:extLst>
               <a:ext uri="{FF2B5EF4-FFF2-40B4-BE49-F238E27FC236}">
-                <a16:creationId xmlns="" xmlns:a16="http://schemas.microsoft.com/office/drawing/2014/main" id="{FBE3B62F-5853-4A3C-B050-6186351A7176}"/>
+                <a16:creationId xmlns:a16="http://schemas.microsoft.com/office/drawing/2014/main" xmlns="" id="{FBE3B62F-5853-4A3C-B050-6186351A7176}"/>
               </a:ext>
             </a:extLst>
           </p:cNvPr>
@@ -28488,7 +28471,7 @@
           <p:nvPr>
             <p:extLst>
               <p:ext uri="{386F3935-93C4-4BCD-93E2-E3B085C9AB24}">
-                <p16:designElem xmlns="" xmlns:p16="http://schemas.microsoft.com/office/powerpoint/2015/main" val="1"/>
+                <p16:designElem xmlns:p16="http://schemas.microsoft.com/office/powerpoint/2015/main" xmlns="" val="1"/>
               </p:ext>
             </p:extLst>
           </p:nvPr>
@@ -28614,7 +28597,7 @@
           <p:cNvPr id="2" name="Title 1">
             <a:extLst>
               <a:ext uri="{FF2B5EF4-FFF2-40B4-BE49-F238E27FC236}">
-                <a16:creationId xmlns="" xmlns:a16="http://schemas.microsoft.com/office/drawing/2014/main" id="{A5F6196D-B07E-499E-92C0-6953CE9F25D4}"/>
+                <a16:creationId xmlns:a16="http://schemas.microsoft.com/office/drawing/2014/main" xmlns="" id="{A5F6196D-B07E-499E-92C0-6953CE9F25D4}"/>
               </a:ext>
             </a:extLst>
           </p:cNvPr>
@@ -28639,11 +28622,7 @@
           <a:p>
             <a:r>
               <a:rPr lang="en-US" b="1" dirty="0" smtClean="0"/>
-              <a:t>Counting</a:t>
-            </a:r>
-            <a:r>
-              <a:rPr lang="en-US" b="1" dirty="0" smtClean="0"/>
-              <a:t>… (Unsigned)</a:t>
+              <a:t>Counting… (Unsigned)</a:t>
             </a:r>
             <a:endParaRPr lang="en-US" b="1" dirty="0"/>
           </a:p>
@@ -29003,7 +28982,7 @@
           <p:cNvPr id="15" name="Content Placeholder 16">
             <a:extLst>
               <a:ext uri="{FF2B5EF4-FFF2-40B4-BE49-F238E27FC236}">
-                <a16:creationId xmlns="" xmlns:a16="http://schemas.microsoft.com/office/drawing/2014/main" id="{5FDBA27F-9676-4EE6-B75A-C35B42A0CD81}"/>
+                <a16:creationId xmlns:a16="http://schemas.microsoft.com/office/drawing/2014/main" xmlns="" id="{5FDBA27F-9676-4EE6-B75A-C35B42A0CD81}"/>
               </a:ext>
             </a:extLst>
           </p:cNvPr>
@@ -29199,7 +29178,7 @@
           <p:cNvPr id="18" name="Content Placeholder 16">
             <a:extLst>
               <a:ext uri="{FF2B5EF4-FFF2-40B4-BE49-F238E27FC236}">
-                <a16:creationId xmlns="" xmlns:a16="http://schemas.microsoft.com/office/drawing/2014/main" id="{5FDBA27F-9676-4EE6-B75A-C35B42A0CD81}"/>
+                <a16:creationId xmlns:a16="http://schemas.microsoft.com/office/drawing/2014/main" xmlns="" id="{5FDBA27F-9676-4EE6-B75A-C35B42A0CD81}"/>
               </a:ext>
             </a:extLst>
           </p:cNvPr>
@@ -29563,7 +29542,7 @@
           <p:cNvPr id="23" name="Rectangle 22">
             <a:extLst>
               <a:ext uri="{FF2B5EF4-FFF2-40B4-BE49-F238E27FC236}">
-                <a16:creationId xmlns="" xmlns:a16="http://schemas.microsoft.com/office/drawing/2014/main" id="{EE1FC7B4-E4A7-4452-B413-1A623E3A7230}"/>
+                <a16:creationId xmlns:a16="http://schemas.microsoft.com/office/drawing/2014/main" xmlns="" id="{EE1FC7B4-E4A7-4452-B413-1A623E3A7230}"/>
               </a:ext>
             </a:extLst>
           </p:cNvPr>
@@ -29573,7 +29552,7 @@
           <p:nvPr>
             <p:extLst>
               <p:ext uri="{386F3935-93C4-4BCD-93E2-E3B085C9AB24}">
-                <p16:designElem xmlns="" xmlns:p16="http://schemas.microsoft.com/office/powerpoint/2015/main" val="1"/>
+                <p16:designElem xmlns:p16="http://schemas.microsoft.com/office/powerpoint/2015/main" xmlns="" val="1"/>
               </p:ext>
             </p:extLst>
           </p:nvPr>
@@ -29654,7 +29633,7 @@
           <p:cNvPr id="25" name="Freeform 13">
             <a:extLst>
               <a:ext uri="{FF2B5EF4-FFF2-40B4-BE49-F238E27FC236}">
-                <a16:creationId xmlns="" xmlns:a16="http://schemas.microsoft.com/office/drawing/2014/main" id="{E0709AF0-24F0-4486-B189-BE6386BDB198}"/>
+                <a16:creationId xmlns:a16="http://schemas.microsoft.com/office/drawing/2014/main" xmlns="" id="{E0709AF0-24F0-4486-B189-BE6386BDB198}"/>
               </a:ext>
             </a:extLst>
           </p:cNvPr>
@@ -29664,7 +29643,7 @@
           <p:nvPr>
             <p:extLst>
               <p:ext uri="{386F3935-93C4-4BCD-93E2-E3B085C9AB24}">
-                <p16:designElem xmlns="" xmlns:p16="http://schemas.microsoft.com/office/powerpoint/2015/main" val="1"/>
+                <p16:designElem xmlns:p16="http://schemas.microsoft.com/office/powerpoint/2015/main" xmlns="" val="1"/>
               </p:ext>
             </p:extLst>
           </p:nvPr>
@@ -29788,7 +29767,7 @@
           <p:cNvPr id="27" name="Freeform 11">
             <a:extLst>
               <a:ext uri="{FF2B5EF4-FFF2-40B4-BE49-F238E27FC236}">
-                <a16:creationId xmlns="" xmlns:a16="http://schemas.microsoft.com/office/drawing/2014/main" id="{FBE3B62F-5853-4A3C-B050-6186351A7176}"/>
+                <a16:creationId xmlns:a16="http://schemas.microsoft.com/office/drawing/2014/main" xmlns="" id="{FBE3B62F-5853-4A3C-B050-6186351A7176}"/>
               </a:ext>
             </a:extLst>
           </p:cNvPr>
@@ -29798,7 +29777,7 @@
           <p:nvPr>
             <p:extLst>
               <p:ext uri="{386F3935-93C4-4BCD-93E2-E3B085C9AB24}">
-                <p16:designElem xmlns="" xmlns:p16="http://schemas.microsoft.com/office/powerpoint/2015/main" val="1"/>
+                <p16:designElem xmlns:p16="http://schemas.microsoft.com/office/powerpoint/2015/main" xmlns="" val="1"/>
               </p:ext>
             </p:extLst>
           </p:nvPr>
@@ -29924,7 +29903,7 @@
           <p:cNvPr id="2" name="Title 1">
             <a:extLst>
               <a:ext uri="{FF2B5EF4-FFF2-40B4-BE49-F238E27FC236}">
-                <a16:creationId xmlns="" xmlns:a16="http://schemas.microsoft.com/office/drawing/2014/main" id="{A5F6196D-B07E-499E-92C0-6953CE9F25D4}"/>
+                <a16:creationId xmlns:a16="http://schemas.microsoft.com/office/drawing/2014/main" xmlns="" id="{A5F6196D-B07E-499E-92C0-6953CE9F25D4}"/>
               </a:ext>
             </a:extLst>
           </p:cNvPr>
@@ -29949,11 +29928,7 @@
           <a:p>
             <a:r>
               <a:rPr lang="en-US" b="1" dirty="0" smtClean="0"/>
-              <a:t>Counting</a:t>
-            </a:r>
-            <a:r>
-              <a:rPr lang="en-US" b="1" dirty="0" smtClean="0"/>
-              <a:t>… (Signed)</a:t>
+              <a:t>Counting… (Signed)</a:t>
             </a:r>
             <a:endParaRPr lang="en-US" b="1" dirty="0"/>
           </a:p>
@@ -30313,7 +30288,7 @@
           <p:cNvPr id="15" name="Content Placeholder 16">
             <a:extLst>
               <a:ext uri="{FF2B5EF4-FFF2-40B4-BE49-F238E27FC236}">
-                <a16:creationId xmlns="" xmlns:a16="http://schemas.microsoft.com/office/drawing/2014/main" id="{5FDBA27F-9676-4EE6-B75A-C35B42A0CD81}"/>
+                <a16:creationId xmlns:a16="http://schemas.microsoft.com/office/drawing/2014/main" xmlns="" id="{5FDBA27F-9676-4EE6-B75A-C35B42A0CD81}"/>
               </a:ext>
             </a:extLst>
           </p:cNvPr>
@@ -30509,7 +30484,7 @@
           <p:cNvPr id="18" name="Content Placeholder 16">
             <a:extLst>
               <a:ext uri="{FF2B5EF4-FFF2-40B4-BE49-F238E27FC236}">
-                <a16:creationId xmlns="" xmlns:a16="http://schemas.microsoft.com/office/drawing/2014/main" id="{5FDBA27F-9676-4EE6-B75A-C35B42A0CD81}"/>
+                <a16:creationId xmlns:a16="http://schemas.microsoft.com/office/drawing/2014/main" xmlns="" id="{5FDBA27F-9676-4EE6-B75A-C35B42A0CD81}"/>
               </a:ext>
             </a:extLst>
           </p:cNvPr>

--- a/Day 2 - Digital Logic and Operations/Digital Logic and Operations.pptx
+++ b/Day 2 - Digital Logic and Operations/Digital Logic and Operations.pptx
@@ -30,6 +30,7 @@
     <p:sldId id="296" r:id="rId24"/>
     <p:sldId id="297" r:id="rId25"/>
     <p:sldId id="264" r:id="rId26"/>
+    <p:sldId id="303" r:id="rId27"/>
   </p:sldIdLst>
   <p:sldSz cx="12192000" cy="6858000"/>
   <p:notesSz cx="6858000" cy="9144000"/>
@@ -162,7 +163,7 @@
           <p:cNvPr id="2" name="Title 1">
             <a:extLst>
               <a:ext uri="{FF2B5EF4-FFF2-40B4-BE49-F238E27FC236}">
-                <a16:creationId xmlns:a16="http://schemas.microsoft.com/office/drawing/2014/main" xmlns="" id="{81555A63-69C3-4FA6-A41A-09FD3CCC39A7}"/>
+                <a16:creationId xmlns="" xmlns:a16="http://schemas.microsoft.com/office/drawing/2014/main" id="{81555A63-69C3-4FA6-A41A-09FD3CCC39A7}"/>
               </a:ext>
             </a:extLst>
           </p:cNvPr>
@@ -199,7 +200,7 @@
           <p:cNvPr id="3" name="Subtitle 2">
             <a:extLst>
               <a:ext uri="{FF2B5EF4-FFF2-40B4-BE49-F238E27FC236}">
-                <a16:creationId xmlns:a16="http://schemas.microsoft.com/office/drawing/2014/main" xmlns="" id="{21D123A1-5C77-48BA-B277-138A233A1205}"/>
+                <a16:creationId xmlns="" xmlns:a16="http://schemas.microsoft.com/office/drawing/2014/main" id="{21D123A1-5C77-48BA-B277-138A233A1205}"/>
               </a:ext>
             </a:extLst>
           </p:cNvPr>
@@ -269,7 +270,7 @@
           <p:cNvPr id="4" name="Date Placeholder 3">
             <a:extLst>
               <a:ext uri="{FF2B5EF4-FFF2-40B4-BE49-F238E27FC236}">
-                <a16:creationId xmlns:a16="http://schemas.microsoft.com/office/drawing/2014/main" xmlns="" id="{C1C57C32-0E06-4921-A144-3421B96FEE36}"/>
+                <a16:creationId xmlns="" xmlns:a16="http://schemas.microsoft.com/office/drawing/2014/main" id="{C1C57C32-0E06-4921-A144-3421B96FEE36}"/>
               </a:ext>
             </a:extLst>
           </p:cNvPr>
@@ -298,7 +299,7 @@
           <p:cNvPr id="5" name="Footer Placeholder 4">
             <a:extLst>
               <a:ext uri="{FF2B5EF4-FFF2-40B4-BE49-F238E27FC236}">
-                <a16:creationId xmlns:a16="http://schemas.microsoft.com/office/drawing/2014/main" xmlns="" id="{38B17E26-3C3A-438B-A350-5E7557221D9D}"/>
+                <a16:creationId xmlns="" xmlns:a16="http://schemas.microsoft.com/office/drawing/2014/main" id="{38B17E26-3C3A-438B-A350-5E7557221D9D}"/>
               </a:ext>
             </a:extLst>
           </p:cNvPr>
@@ -323,7 +324,7 @@
           <p:cNvPr id="6" name="Slide Number Placeholder 5">
             <a:extLst>
               <a:ext uri="{FF2B5EF4-FFF2-40B4-BE49-F238E27FC236}">
-                <a16:creationId xmlns:a16="http://schemas.microsoft.com/office/drawing/2014/main" xmlns="" id="{351C08BF-8F47-49F1-8BBC-C85B3FAA5312}"/>
+                <a16:creationId xmlns="" xmlns:a16="http://schemas.microsoft.com/office/drawing/2014/main" id="{351C08BF-8F47-49F1-8BBC-C85B3FAA5312}"/>
               </a:ext>
             </a:extLst>
           </p:cNvPr>
@@ -382,7 +383,7 @@
           <p:cNvPr id="2" name="Title 1">
             <a:extLst>
               <a:ext uri="{FF2B5EF4-FFF2-40B4-BE49-F238E27FC236}">
-                <a16:creationId xmlns:a16="http://schemas.microsoft.com/office/drawing/2014/main" xmlns="" id="{E45D3F37-C919-412F-A452-1264CC784AE0}"/>
+                <a16:creationId xmlns="" xmlns:a16="http://schemas.microsoft.com/office/drawing/2014/main" id="{E45D3F37-C919-412F-A452-1264CC784AE0}"/>
               </a:ext>
             </a:extLst>
           </p:cNvPr>
@@ -410,7 +411,7 @@
           <p:cNvPr id="3" name="Vertical Text Placeholder 2">
             <a:extLst>
               <a:ext uri="{FF2B5EF4-FFF2-40B4-BE49-F238E27FC236}">
-                <a16:creationId xmlns:a16="http://schemas.microsoft.com/office/drawing/2014/main" xmlns="" id="{1F532BA8-C2B4-4B5D-BE71-E95D4ECBC758}"/>
+                <a16:creationId xmlns="" xmlns:a16="http://schemas.microsoft.com/office/drawing/2014/main" id="{1F532BA8-C2B4-4B5D-BE71-E95D4ECBC758}"/>
               </a:ext>
             </a:extLst>
           </p:cNvPr>
@@ -467,7 +468,7 @@
           <p:cNvPr id="4" name="Date Placeholder 3">
             <a:extLst>
               <a:ext uri="{FF2B5EF4-FFF2-40B4-BE49-F238E27FC236}">
-                <a16:creationId xmlns:a16="http://schemas.microsoft.com/office/drawing/2014/main" xmlns="" id="{410F2166-4F9B-443C-B1CC-B079BF11BD5D}"/>
+                <a16:creationId xmlns="" xmlns:a16="http://schemas.microsoft.com/office/drawing/2014/main" id="{410F2166-4F9B-443C-B1CC-B079BF11BD5D}"/>
               </a:ext>
             </a:extLst>
           </p:cNvPr>
@@ -496,7 +497,7 @@
           <p:cNvPr id="5" name="Footer Placeholder 4">
             <a:extLst>
               <a:ext uri="{FF2B5EF4-FFF2-40B4-BE49-F238E27FC236}">
-                <a16:creationId xmlns:a16="http://schemas.microsoft.com/office/drawing/2014/main" xmlns="" id="{2F620AB0-AF21-49E1-8302-1ADF5FA30A0A}"/>
+                <a16:creationId xmlns="" xmlns:a16="http://schemas.microsoft.com/office/drawing/2014/main" id="{2F620AB0-AF21-49E1-8302-1ADF5FA30A0A}"/>
               </a:ext>
             </a:extLst>
           </p:cNvPr>
@@ -521,7 +522,7 @@
           <p:cNvPr id="6" name="Slide Number Placeholder 5">
             <a:extLst>
               <a:ext uri="{FF2B5EF4-FFF2-40B4-BE49-F238E27FC236}">
-                <a16:creationId xmlns:a16="http://schemas.microsoft.com/office/drawing/2014/main" xmlns="" id="{36121CB4-96D4-4F2D-B6AA-3532528CD3A2}"/>
+                <a16:creationId xmlns="" xmlns:a16="http://schemas.microsoft.com/office/drawing/2014/main" id="{36121CB4-96D4-4F2D-B6AA-3532528CD3A2}"/>
               </a:ext>
             </a:extLst>
           </p:cNvPr>
@@ -580,7 +581,7 @@
           <p:cNvPr id="2" name="Vertical Title 1">
             <a:extLst>
               <a:ext uri="{FF2B5EF4-FFF2-40B4-BE49-F238E27FC236}">
-                <a16:creationId xmlns:a16="http://schemas.microsoft.com/office/drawing/2014/main" xmlns="" id="{B583F993-BB6E-4DBE-B50B-B34D094F5950}"/>
+                <a16:creationId xmlns="" xmlns:a16="http://schemas.microsoft.com/office/drawing/2014/main" id="{B583F993-BB6E-4DBE-B50B-B34D094F5950}"/>
               </a:ext>
             </a:extLst>
           </p:cNvPr>
@@ -613,7 +614,7 @@
           <p:cNvPr id="3" name="Vertical Text Placeholder 2">
             <a:extLst>
               <a:ext uri="{FF2B5EF4-FFF2-40B4-BE49-F238E27FC236}">
-                <a16:creationId xmlns:a16="http://schemas.microsoft.com/office/drawing/2014/main" xmlns="" id="{F4F70B15-CBD7-4528-8604-EE12B29276EB}"/>
+                <a16:creationId xmlns="" xmlns:a16="http://schemas.microsoft.com/office/drawing/2014/main" id="{F4F70B15-CBD7-4528-8604-EE12B29276EB}"/>
               </a:ext>
             </a:extLst>
           </p:cNvPr>
@@ -675,7 +676,7 @@
           <p:cNvPr id="4" name="Date Placeholder 3">
             <a:extLst>
               <a:ext uri="{FF2B5EF4-FFF2-40B4-BE49-F238E27FC236}">
-                <a16:creationId xmlns:a16="http://schemas.microsoft.com/office/drawing/2014/main" xmlns="" id="{191452D5-B422-4063-AA4F-A99E7A778BA0}"/>
+                <a16:creationId xmlns="" xmlns:a16="http://schemas.microsoft.com/office/drawing/2014/main" id="{191452D5-B422-4063-AA4F-A99E7A778BA0}"/>
               </a:ext>
             </a:extLst>
           </p:cNvPr>
@@ -704,7 +705,7 @@
           <p:cNvPr id="5" name="Footer Placeholder 4">
             <a:extLst>
               <a:ext uri="{FF2B5EF4-FFF2-40B4-BE49-F238E27FC236}">
-                <a16:creationId xmlns:a16="http://schemas.microsoft.com/office/drawing/2014/main" xmlns="" id="{25907ABC-5414-4E73-9821-A8A98C1F22A3}"/>
+                <a16:creationId xmlns="" xmlns:a16="http://schemas.microsoft.com/office/drawing/2014/main" id="{25907ABC-5414-4E73-9821-A8A98C1F22A3}"/>
               </a:ext>
             </a:extLst>
           </p:cNvPr>
@@ -729,7 +730,7 @@
           <p:cNvPr id="6" name="Slide Number Placeholder 5">
             <a:extLst>
               <a:ext uri="{FF2B5EF4-FFF2-40B4-BE49-F238E27FC236}">
-                <a16:creationId xmlns:a16="http://schemas.microsoft.com/office/drawing/2014/main" xmlns="" id="{2890E9A0-D688-4AC7-AB26-AB842396E3CD}"/>
+                <a16:creationId xmlns="" xmlns:a16="http://schemas.microsoft.com/office/drawing/2014/main" id="{2890E9A0-D688-4AC7-AB26-AB842396E3CD}"/>
               </a:ext>
             </a:extLst>
           </p:cNvPr>
@@ -788,7 +789,7 @@
           <p:cNvPr id="2" name="Title 1">
             <a:extLst>
               <a:ext uri="{FF2B5EF4-FFF2-40B4-BE49-F238E27FC236}">
-                <a16:creationId xmlns:a16="http://schemas.microsoft.com/office/drawing/2014/main" xmlns="" id="{0B75B19F-C4B5-4EA3-96B5-38C65A568A11}"/>
+                <a16:creationId xmlns="" xmlns:a16="http://schemas.microsoft.com/office/drawing/2014/main" id="{0B75B19F-C4B5-4EA3-96B5-38C65A568A11}"/>
               </a:ext>
             </a:extLst>
           </p:cNvPr>
@@ -816,7 +817,7 @@
           <p:cNvPr id="3" name="Content Placeholder 2">
             <a:extLst>
               <a:ext uri="{FF2B5EF4-FFF2-40B4-BE49-F238E27FC236}">
-                <a16:creationId xmlns:a16="http://schemas.microsoft.com/office/drawing/2014/main" xmlns="" id="{5EF70E57-D323-4CDC-8238-19FCE1D7C673}"/>
+                <a16:creationId xmlns="" xmlns:a16="http://schemas.microsoft.com/office/drawing/2014/main" id="{5EF70E57-D323-4CDC-8238-19FCE1D7C673}"/>
               </a:ext>
             </a:extLst>
           </p:cNvPr>
@@ -873,7 +874,7 @@
           <p:cNvPr id="4" name="Date Placeholder 3">
             <a:extLst>
               <a:ext uri="{FF2B5EF4-FFF2-40B4-BE49-F238E27FC236}">
-                <a16:creationId xmlns:a16="http://schemas.microsoft.com/office/drawing/2014/main" xmlns="" id="{41325290-DD43-48F6-AF87-DC284B513242}"/>
+                <a16:creationId xmlns="" xmlns:a16="http://schemas.microsoft.com/office/drawing/2014/main" id="{41325290-DD43-48F6-AF87-DC284B513242}"/>
               </a:ext>
             </a:extLst>
           </p:cNvPr>
@@ -902,7 +903,7 @@
           <p:cNvPr id="5" name="Footer Placeholder 4">
             <a:extLst>
               <a:ext uri="{FF2B5EF4-FFF2-40B4-BE49-F238E27FC236}">
-                <a16:creationId xmlns:a16="http://schemas.microsoft.com/office/drawing/2014/main" xmlns="" id="{A1851655-7684-44DB-97A2-CAD9B43B022B}"/>
+                <a16:creationId xmlns="" xmlns:a16="http://schemas.microsoft.com/office/drawing/2014/main" id="{A1851655-7684-44DB-97A2-CAD9B43B022B}"/>
               </a:ext>
             </a:extLst>
           </p:cNvPr>
@@ -927,7 +928,7 @@
           <p:cNvPr id="6" name="Slide Number Placeholder 5">
             <a:extLst>
               <a:ext uri="{FF2B5EF4-FFF2-40B4-BE49-F238E27FC236}">
-                <a16:creationId xmlns:a16="http://schemas.microsoft.com/office/drawing/2014/main" xmlns="" id="{A6B05755-01AC-406F-9384-86BFAE38269A}"/>
+                <a16:creationId xmlns="" xmlns:a16="http://schemas.microsoft.com/office/drawing/2014/main" id="{A6B05755-01AC-406F-9384-86BFAE38269A}"/>
               </a:ext>
             </a:extLst>
           </p:cNvPr>
@@ -986,7 +987,7 @@
           <p:cNvPr id="2" name="Title 1">
             <a:extLst>
               <a:ext uri="{FF2B5EF4-FFF2-40B4-BE49-F238E27FC236}">
-                <a16:creationId xmlns:a16="http://schemas.microsoft.com/office/drawing/2014/main" xmlns="" id="{419E6B2B-393B-46BD-9917-5191C6710144}"/>
+                <a16:creationId xmlns="" xmlns:a16="http://schemas.microsoft.com/office/drawing/2014/main" id="{419E6B2B-393B-46BD-9917-5191C6710144}"/>
               </a:ext>
             </a:extLst>
           </p:cNvPr>
@@ -1023,7 +1024,7 @@
           <p:cNvPr id="3" name="Text Placeholder 2">
             <a:extLst>
               <a:ext uri="{FF2B5EF4-FFF2-40B4-BE49-F238E27FC236}">
-                <a16:creationId xmlns:a16="http://schemas.microsoft.com/office/drawing/2014/main" xmlns="" id="{8EF33683-E880-4ABC-81FE-4310F283FCB8}"/>
+                <a16:creationId xmlns="" xmlns:a16="http://schemas.microsoft.com/office/drawing/2014/main" id="{8EF33683-E880-4ABC-81FE-4310F283FCB8}"/>
               </a:ext>
             </a:extLst>
           </p:cNvPr>
@@ -1148,7 +1149,7 @@
           <p:cNvPr id="4" name="Date Placeholder 3">
             <a:extLst>
               <a:ext uri="{FF2B5EF4-FFF2-40B4-BE49-F238E27FC236}">
-                <a16:creationId xmlns:a16="http://schemas.microsoft.com/office/drawing/2014/main" xmlns="" id="{B345FC5E-10AC-4F13-8F81-A1560B6C2DBD}"/>
+                <a16:creationId xmlns="" xmlns:a16="http://schemas.microsoft.com/office/drawing/2014/main" id="{B345FC5E-10AC-4F13-8F81-A1560B6C2DBD}"/>
               </a:ext>
             </a:extLst>
           </p:cNvPr>
@@ -1177,7 +1178,7 @@
           <p:cNvPr id="5" name="Footer Placeholder 4">
             <a:extLst>
               <a:ext uri="{FF2B5EF4-FFF2-40B4-BE49-F238E27FC236}">
-                <a16:creationId xmlns:a16="http://schemas.microsoft.com/office/drawing/2014/main" xmlns="" id="{356904B2-B358-44F6-B536-25795610605D}"/>
+                <a16:creationId xmlns="" xmlns:a16="http://schemas.microsoft.com/office/drawing/2014/main" id="{356904B2-B358-44F6-B536-25795610605D}"/>
               </a:ext>
             </a:extLst>
           </p:cNvPr>
@@ -1202,7 +1203,7 @@
           <p:cNvPr id="6" name="Slide Number Placeholder 5">
             <a:extLst>
               <a:ext uri="{FF2B5EF4-FFF2-40B4-BE49-F238E27FC236}">
-                <a16:creationId xmlns:a16="http://schemas.microsoft.com/office/drawing/2014/main" xmlns="" id="{E21589FF-8E71-4AD6-AC0F-75196CD138AD}"/>
+                <a16:creationId xmlns="" xmlns:a16="http://schemas.microsoft.com/office/drawing/2014/main" id="{E21589FF-8E71-4AD6-AC0F-75196CD138AD}"/>
               </a:ext>
             </a:extLst>
           </p:cNvPr>
@@ -1261,7 +1262,7 @@
           <p:cNvPr id="2" name="Title 1">
             <a:extLst>
               <a:ext uri="{FF2B5EF4-FFF2-40B4-BE49-F238E27FC236}">
-                <a16:creationId xmlns:a16="http://schemas.microsoft.com/office/drawing/2014/main" xmlns="" id="{F29FA62F-7565-4FD1-9A02-566B7A5C58EE}"/>
+                <a16:creationId xmlns="" xmlns:a16="http://schemas.microsoft.com/office/drawing/2014/main" id="{F29FA62F-7565-4FD1-9A02-566B7A5C58EE}"/>
               </a:ext>
             </a:extLst>
           </p:cNvPr>
@@ -1289,7 +1290,7 @@
           <p:cNvPr id="3" name="Content Placeholder 2">
             <a:extLst>
               <a:ext uri="{FF2B5EF4-FFF2-40B4-BE49-F238E27FC236}">
-                <a16:creationId xmlns:a16="http://schemas.microsoft.com/office/drawing/2014/main" xmlns="" id="{ECE108B3-6356-4C1E-9A75-5C7093E384E1}"/>
+                <a16:creationId xmlns="" xmlns:a16="http://schemas.microsoft.com/office/drawing/2014/main" id="{ECE108B3-6356-4C1E-9A75-5C7093E384E1}"/>
               </a:ext>
             </a:extLst>
           </p:cNvPr>
@@ -1351,7 +1352,7 @@
           <p:cNvPr id="4" name="Content Placeholder 3">
             <a:extLst>
               <a:ext uri="{FF2B5EF4-FFF2-40B4-BE49-F238E27FC236}">
-                <a16:creationId xmlns:a16="http://schemas.microsoft.com/office/drawing/2014/main" xmlns="" id="{B8B47841-F4D1-4653-A10D-7FE8FA116A8E}"/>
+                <a16:creationId xmlns="" xmlns:a16="http://schemas.microsoft.com/office/drawing/2014/main" id="{B8B47841-F4D1-4653-A10D-7FE8FA116A8E}"/>
               </a:ext>
             </a:extLst>
           </p:cNvPr>
@@ -1413,7 +1414,7 @@
           <p:cNvPr id="5" name="Date Placeholder 4">
             <a:extLst>
               <a:ext uri="{FF2B5EF4-FFF2-40B4-BE49-F238E27FC236}">
-                <a16:creationId xmlns:a16="http://schemas.microsoft.com/office/drawing/2014/main" xmlns="" id="{0B5E1BD5-72F9-40C5-B032-B20565ECC425}"/>
+                <a16:creationId xmlns="" xmlns:a16="http://schemas.microsoft.com/office/drawing/2014/main" id="{0B5E1BD5-72F9-40C5-B032-B20565ECC425}"/>
               </a:ext>
             </a:extLst>
           </p:cNvPr>
@@ -1442,7 +1443,7 @@
           <p:cNvPr id="6" name="Footer Placeholder 5">
             <a:extLst>
               <a:ext uri="{FF2B5EF4-FFF2-40B4-BE49-F238E27FC236}">
-                <a16:creationId xmlns:a16="http://schemas.microsoft.com/office/drawing/2014/main" xmlns="" id="{105736AD-1405-4DD4-8485-7C0B2FAA377A}"/>
+                <a16:creationId xmlns="" xmlns:a16="http://schemas.microsoft.com/office/drawing/2014/main" id="{105736AD-1405-4DD4-8485-7C0B2FAA377A}"/>
               </a:ext>
             </a:extLst>
           </p:cNvPr>
@@ -1467,7 +1468,7 @@
           <p:cNvPr id="7" name="Slide Number Placeholder 6">
             <a:extLst>
               <a:ext uri="{FF2B5EF4-FFF2-40B4-BE49-F238E27FC236}">
-                <a16:creationId xmlns:a16="http://schemas.microsoft.com/office/drawing/2014/main" xmlns="" id="{BF957EB7-DBFC-4F59-961A-92482EBB4424}"/>
+                <a16:creationId xmlns="" xmlns:a16="http://schemas.microsoft.com/office/drawing/2014/main" id="{BF957EB7-DBFC-4F59-961A-92482EBB4424}"/>
               </a:ext>
             </a:extLst>
           </p:cNvPr>
@@ -1526,7 +1527,7 @@
           <p:cNvPr id="2" name="Title 1">
             <a:extLst>
               <a:ext uri="{FF2B5EF4-FFF2-40B4-BE49-F238E27FC236}">
-                <a16:creationId xmlns:a16="http://schemas.microsoft.com/office/drawing/2014/main" xmlns="" id="{B8FDF365-9746-4BE8-B97D-6D8401231049}"/>
+                <a16:creationId xmlns="" xmlns:a16="http://schemas.microsoft.com/office/drawing/2014/main" id="{B8FDF365-9746-4BE8-B97D-6D8401231049}"/>
               </a:ext>
             </a:extLst>
           </p:cNvPr>
@@ -1559,7 +1560,7 @@
           <p:cNvPr id="3" name="Text Placeholder 2">
             <a:extLst>
               <a:ext uri="{FF2B5EF4-FFF2-40B4-BE49-F238E27FC236}">
-                <a16:creationId xmlns:a16="http://schemas.microsoft.com/office/drawing/2014/main" xmlns="" id="{554FEDA4-7274-4B00-9C77-AB7838B4CA95}"/>
+                <a16:creationId xmlns="" xmlns:a16="http://schemas.microsoft.com/office/drawing/2014/main" id="{554FEDA4-7274-4B00-9C77-AB7838B4CA95}"/>
               </a:ext>
             </a:extLst>
           </p:cNvPr>
@@ -1630,7 +1631,7 @@
           <p:cNvPr id="4" name="Content Placeholder 3">
             <a:extLst>
               <a:ext uri="{FF2B5EF4-FFF2-40B4-BE49-F238E27FC236}">
-                <a16:creationId xmlns:a16="http://schemas.microsoft.com/office/drawing/2014/main" xmlns="" id="{8E759D05-E5B1-435F-B565-2825656CC145}"/>
+                <a16:creationId xmlns="" xmlns:a16="http://schemas.microsoft.com/office/drawing/2014/main" id="{8E759D05-E5B1-435F-B565-2825656CC145}"/>
               </a:ext>
             </a:extLst>
           </p:cNvPr>
@@ -1692,7 +1693,7 @@
           <p:cNvPr id="5" name="Text Placeholder 4">
             <a:extLst>
               <a:ext uri="{FF2B5EF4-FFF2-40B4-BE49-F238E27FC236}">
-                <a16:creationId xmlns:a16="http://schemas.microsoft.com/office/drawing/2014/main" xmlns="" id="{11768715-484D-44EF-ABCC-161FC65237B5}"/>
+                <a16:creationId xmlns="" xmlns:a16="http://schemas.microsoft.com/office/drawing/2014/main" id="{11768715-484D-44EF-ABCC-161FC65237B5}"/>
               </a:ext>
             </a:extLst>
           </p:cNvPr>
@@ -1763,7 +1764,7 @@
           <p:cNvPr id="6" name="Content Placeholder 5">
             <a:extLst>
               <a:ext uri="{FF2B5EF4-FFF2-40B4-BE49-F238E27FC236}">
-                <a16:creationId xmlns:a16="http://schemas.microsoft.com/office/drawing/2014/main" xmlns="" id="{D7DE7B3B-520B-4C0F-8B6D-E6354FC4FA2F}"/>
+                <a16:creationId xmlns="" xmlns:a16="http://schemas.microsoft.com/office/drawing/2014/main" id="{D7DE7B3B-520B-4C0F-8B6D-E6354FC4FA2F}"/>
               </a:ext>
             </a:extLst>
           </p:cNvPr>
@@ -1825,7 +1826,7 @@
           <p:cNvPr id="7" name="Date Placeholder 6">
             <a:extLst>
               <a:ext uri="{FF2B5EF4-FFF2-40B4-BE49-F238E27FC236}">
-                <a16:creationId xmlns:a16="http://schemas.microsoft.com/office/drawing/2014/main" xmlns="" id="{21A544CA-964D-46CC-86E5-F684EE105400}"/>
+                <a16:creationId xmlns="" xmlns:a16="http://schemas.microsoft.com/office/drawing/2014/main" id="{21A544CA-964D-46CC-86E5-F684EE105400}"/>
               </a:ext>
             </a:extLst>
           </p:cNvPr>
@@ -1854,7 +1855,7 @@
           <p:cNvPr id="8" name="Footer Placeholder 7">
             <a:extLst>
               <a:ext uri="{FF2B5EF4-FFF2-40B4-BE49-F238E27FC236}">
-                <a16:creationId xmlns:a16="http://schemas.microsoft.com/office/drawing/2014/main" xmlns="" id="{99045DAA-2FB8-48C7-9C58-33774B3C707D}"/>
+                <a16:creationId xmlns="" xmlns:a16="http://schemas.microsoft.com/office/drawing/2014/main" id="{99045DAA-2FB8-48C7-9C58-33774B3C707D}"/>
               </a:ext>
             </a:extLst>
           </p:cNvPr>
@@ -1879,7 +1880,7 @@
           <p:cNvPr id="9" name="Slide Number Placeholder 8">
             <a:extLst>
               <a:ext uri="{FF2B5EF4-FFF2-40B4-BE49-F238E27FC236}">
-                <a16:creationId xmlns:a16="http://schemas.microsoft.com/office/drawing/2014/main" xmlns="" id="{7F9A62C1-B25D-445A-A34D-F06693242693}"/>
+                <a16:creationId xmlns="" xmlns:a16="http://schemas.microsoft.com/office/drawing/2014/main" id="{7F9A62C1-B25D-445A-A34D-F06693242693}"/>
               </a:ext>
             </a:extLst>
           </p:cNvPr>
@@ -1938,7 +1939,7 @@
           <p:cNvPr id="2" name="Title 1">
             <a:extLst>
               <a:ext uri="{FF2B5EF4-FFF2-40B4-BE49-F238E27FC236}">
-                <a16:creationId xmlns:a16="http://schemas.microsoft.com/office/drawing/2014/main" xmlns="" id="{8C937246-2F1B-4CA5-8339-83FF80CC6F65}"/>
+                <a16:creationId xmlns="" xmlns:a16="http://schemas.microsoft.com/office/drawing/2014/main" id="{8C937246-2F1B-4CA5-8339-83FF80CC6F65}"/>
               </a:ext>
             </a:extLst>
           </p:cNvPr>
@@ -1966,7 +1967,7 @@
           <p:cNvPr id="3" name="Date Placeholder 2">
             <a:extLst>
               <a:ext uri="{FF2B5EF4-FFF2-40B4-BE49-F238E27FC236}">
-                <a16:creationId xmlns:a16="http://schemas.microsoft.com/office/drawing/2014/main" xmlns="" id="{AA1127E0-1261-4BDD-9136-8C74CA015746}"/>
+                <a16:creationId xmlns="" xmlns:a16="http://schemas.microsoft.com/office/drawing/2014/main" id="{AA1127E0-1261-4BDD-9136-8C74CA015746}"/>
               </a:ext>
             </a:extLst>
           </p:cNvPr>
@@ -1995,7 +1996,7 @@
           <p:cNvPr id="4" name="Footer Placeholder 3">
             <a:extLst>
               <a:ext uri="{FF2B5EF4-FFF2-40B4-BE49-F238E27FC236}">
-                <a16:creationId xmlns:a16="http://schemas.microsoft.com/office/drawing/2014/main" xmlns="" id="{81953EE3-7AC0-4B90-AF21-28C51ACFC7D4}"/>
+                <a16:creationId xmlns="" xmlns:a16="http://schemas.microsoft.com/office/drawing/2014/main" id="{81953EE3-7AC0-4B90-AF21-28C51ACFC7D4}"/>
               </a:ext>
             </a:extLst>
           </p:cNvPr>
@@ -2020,7 +2021,7 @@
           <p:cNvPr id="5" name="Slide Number Placeholder 4">
             <a:extLst>
               <a:ext uri="{FF2B5EF4-FFF2-40B4-BE49-F238E27FC236}">
-                <a16:creationId xmlns:a16="http://schemas.microsoft.com/office/drawing/2014/main" xmlns="" id="{9FE58A81-F76F-4B35-AB3F-DB6F8BDD197E}"/>
+                <a16:creationId xmlns="" xmlns:a16="http://schemas.microsoft.com/office/drawing/2014/main" id="{9FE58A81-F76F-4B35-AB3F-DB6F8BDD197E}"/>
               </a:ext>
             </a:extLst>
           </p:cNvPr>
@@ -2079,7 +2080,7 @@
           <p:cNvPr id="2" name="Date Placeholder 1">
             <a:extLst>
               <a:ext uri="{FF2B5EF4-FFF2-40B4-BE49-F238E27FC236}">
-                <a16:creationId xmlns:a16="http://schemas.microsoft.com/office/drawing/2014/main" xmlns="" id="{F7C55795-1AA3-4CBE-960A-CA6C2FEBE942}"/>
+                <a16:creationId xmlns="" xmlns:a16="http://schemas.microsoft.com/office/drawing/2014/main" id="{F7C55795-1AA3-4CBE-960A-CA6C2FEBE942}"/>
               </a:ext>
             </a:extLst>
           </p:cNvPr>
@@ -2108,7 +2109,7 @@
           <p:cNvPr id="3" name="Footer Placeholder 2">
             <a:extLst>
               <a:ext uri="{FF2B5EF4-FFF2-40B4-BE49-F238E27FC236}">
-                <a16:creationId xmlns:a16="http://schemas.microsoft.com/office/drawing/2014/main" xmlns="" id="{7235FA61-BD05-47C2-AA63-5C18C9AF2A7F}"/>
+                <a16:creationId xmlns="" xmlns:a16="http://schemas.microsoft.com/office/drawing/2014/main" id="{7235FA61-BD05-47C2-AA63-5C18C9AF2A7F}"/>
               </a:ext>
             </a:extLst>
           </p:cNvPr>
@@ -2133,7 +2134,7 @@
           <p:cNvPr id="4" name="Slide Number Placeholder 3">
             <a:extLst>
               <a:ext uri="{FF2B5EF4-FFF2-40B4-BE49-F238E27FC236}">
-                <a16:creationId xmlns:a16="http://schemas.microsoft.com/office/drawing/2014/main" xmlns="" id="{4E7E0DA1-9BD2-4904-817B-F3C413982411}"/>
+                <a16:creationId xmlns="" xmlns:a16="http://schemas.microsoft.com/office/drawing/2014/main" id="{4E7E0DA1-9BD2-4904-817B-F3C413982411}"/>
               </a:ext>
             </a:extLst>
           </p:cNvPr>
@@ -2192,7 +2193,7 @@
           <p:cNvPr id="2" name="Title 1">
             <a:extLst>
               <a:ext uri="{FF2B5EF4-FFF2-40B4-BE49-F238E27FC236}">
-                <a16:creationId xmlns:a16="http://schemas.microsoft.com/office/drawing/2014/main" xmlns="" id="{DE06548A-07DA-4B39-854B-ABCA8A776BCD}"/>
+                <a16:creationId xmlns="" xmlns:a16="http://schemas.microsoft.com/office/drawing/2014/main" id="{DE06548A-07DA-4B39-854B-ABCA8A776BCD}"/>
               </a:ext>
             </a:extLst>
           </p:cNvPr>
@@ -2229,7 +2230,7 @@
           <p:cNvPr id="3" name="Content Placeholder 2">
             <a:extLst>
               <a:ext uri="{FF2B5EF4-FFF2-40B4-BE49-F238E27FC236}">
-                <a16:creationId xmlns:a16="http://schemas.microsoft.com/office/drawing/2014/main" xmlns="" id="{8AD91F98-486C-4397-9B3E-FA66C71E41B9}"/>
+                <a16:creationId xmlns="" xmlns:a16="http://schemas.microsoft.com/office/drawing/2014/main" id="{8AD91F98-486C-4397-9B3E-FA66C71E41B9}"/>
               </a:ext>
             </a:extLst>
           </p:cNvPr>
@@ -2319,7 +2320,7 @@
           <p:cNvPr id="4" name="Text Placeholder 3">
             <a:extLst>
               <a:ext uri="{FF2B5EF4-FFF2-40B4-BE49-F238E27FC236}">
-                <a16:creationId xmlns:a16="http://schemas.microsoft.com/office/drawing/2014/main" xmlns="" id="{7729D843-C50E-40C2-B1D7-80C30B588CB6}"/>
+                <a16:creationId xmlns="" xmlns:a16="http://schemas.microsoft.com/office/drawing/2014/main" id="{7729D843-C50E-40C2-B1D7-80C30B588CB6}"/>
               </a:ext>
             </a:extLst>
           </p:cNvPr>
@@ -2390,7 +2391,7 @@
           <p:cNvPr id="5" name="Date Placeholder 4">
             <a:extLst>
               <a:ext uri="{FF2B5EF4-FFF2-40B4-BE49-F238E27FC236}">
-                <a16:creationId xmlns:a16="http://schemas.microsoft.com/office/drawing/2014/main" xmlns="" id="{32537BE7-7D77-4A75-A96F-59FB2CF03344}"/>
+                <a16:creationId xmlns="" xmlns:a16="http://schemas.microsoft.com/office/drawing/2014/main" id="{32537BE7-7D77-4A75-A96F-59FB2CF03344}"/>
               </a:ext>
             </a:extLst>
           </p:cNvPr>
@@ -2419,7 +2420,7 @@
           <p:cNvPr id="6" name="Footer Placeholder 5">
             <a:extLst>
               <a:ext uri="{FF2B5EF4-FFF2-40B4-BE49-F238E27FC236}">
-                <a16:creationId xmlns:a16="http://schemas.microsoft.com/office/drawing/2014/main" xmlns="" id="{B80FB7E4-4260-4BA3-B002-A3864DC76853}"/>
+                <a16:creationId xmlns="" xmlns:a16="http://schemas.microsoft.com/office/drawing/2014/main" id="{B80FB7E4-4260-4BA3-B002-A3864DC76853}"/>
               </a:ext>
             </a:extLst>
           </p:cNvPr>
@@ -2444,7 +2445,7 @@
           <p:cNvPr id="7" name="Slide Number Placeholder 6">
             <a:extLst>
               <a:ext uri="{FF2B5EF4-FFF2-40B4-BE49-F238E27FC236}">
-                <a16:creationId xmlns:a16="http://schemas.microsoft.com/office/drawing/2014/main" xmlns="" id="{8967F5E0-D04F-4A27-B26B-4ADAB8CDCEC4}"/>
+                <a16:creationId xmlns="" xmlns:a16="http://schemas.microsoft.com/office/drawing/2014/main" id="{8967F5E0-D04F-4A27-B26B-4ADAB8CDCEC4}"/>
               </a:ext>
             </a:extLst>
           </p:cNvPr>
@@ -2503,7 +2504,7 @@
           <p:cNvPr id="2" name="Title 1">
             <a:extLst>
               <a:ext uri="{FF2B5EF4-FFF2-40B4-BE49-F238E27FC236}">
-                <a16:creationId xmlns:a16="http://schemas.microsoft.com/office/drawing/2014/main" xmlns="" id="{2FA23FC2-F954-4886-8D76-B169898D631C}"/>
+                <a16:creationId xmlns="" xmlns:a16="http://schemas.microsoft.com/office/drawing/2014/main" id="{2FA23FC2-F954-4886-8D76-B169898D631C}"/>
               </a:ext>
             </a:extLst>
           </p:cNvPr>
@@ -2540,7 +2541,7 @@
           <p:cNvPr id="3" name="Picture Placeholder 2">
             <a:extLst>
               <a:ext uri="{FF2B5EF4-FFF2-40B4-BE49-F238E27FC236}">
-                <a16:creationId xmlns:a16="http://schemas.microsoft.com/office/drawing/2014/main" xmlns="" id="{F9C727F8-1854-4A8D-B02E-2FFB3BFA350F}"/>
+                <a16:creationId xmlns="" xmlns:a16="http://schemas.microsoft.com/office/drawing/2014/main" id="{F9C727F8-1854-4A8D-B02E-2FFB3BFA350F}"/>
               </a:ext>
             </a:extLst>
           </p:cNvPr>
@@ -2607,7 +2608,7 @@
           <p:cNvPr id="4" name="Text Placeholder 3">
             <a:extLst>
               <a:ext uri="{FF2B5EF4-FFF2-40B4-BE49-F238E27FC236}">
-                <a16:creationId xmlns:a16="http://schemas.microsoft.com/office/drawing/2014/main" xmlns="" id="{D860AF71-817C-4B0B-BCA0-1E41ABBFA4FD}"/>
+                <a16:creationId xmlns="" xmlns:a16="http://schemas.microsoft.com/office/drawing/2014/main" id="{D860AF71-817C-4B0B-BCA0-1E41ABBFA4FD}"/>
               </a:ext>
             </a:extLst>
           </p:cNvPr>
@@ -2678,7 +2679,7 @@
           <p:cNvPr id="5" name="Date Placeholder 4">
             <a:extLst>
               <a:ext uri="{FF2B5EF4-FFF2-40B4-BE49-F238E27FC236}">
-                <a16:creationId xmlns:a16="http://schemas.microsoft.com/office/drawing/2014/main" xmlns="" id="{44E7BAB2-983A-4ED0-B12A-FD886F20DF8D}"/>
+                <a16:creationId xmlns="" xmlns:a16="http://schemas.microsoft.com/office/drawing/2014/main" id="{44E7BAB2-983A-4ED0-B12A-FD886F20DF8D}"/>
               </a:ext>
             </a:extLst>
           </p:cNvPr>
@@ -2707,7 +2708,7 @@
           <p:cNvPr id="6" name="Footer Placeholder 5">
             <a:extLst>
               <a:ext uri="{FF2B5EF4-FFF2-40B4-BE49-F238E27FC236}">
-                <a16:creationId xmlns:a16="http://schemas.microsoft.com/office/drawing/2014/main" xmlns="" id="{3BE090A9-96F5-4FED-A7E4-FDD121FE1972}"/>
+                <a16:creationId xmlns="" xmlns:a16="http://schemas.microsoft.com/office/drawing/2014/main" id="{3BE090A9-96F5-4FED-A7E4-FDD121FE1972}"/>
               </a:ext>
             </a:extLst>
           </p:cNvPr>
@@ -2732,7 +2733,7 @@
           <p:cNvPr id="7" name="Slide Number Placeholder 6">
             <a:extLst>
               <a:ext uri="{FF2B5EF4-FFF2-40B4-BE49-F238E27FC236}">
-                <a16:creationId xmlns:a16="http://schemas.microsoft.com/office/drawing/2014/main" xmlns="" id="{B255F445-E4AF-497A-8D51-6B48B9E0D7F9}"/>
+                <a16:creationId xmlns="" xmlns:a16="http://schemas.microsoft.com/office/drawing/2014/main" id="{B255F445-E4AF-497A-8D51-6B48B9E0D7F9}"/>
               </a:ext>
             </a:extLst>
           </p:cNvPr>
@@ -2796,7 +2797,7 @@
           <p:cNvPr id="2" name="Title Placeholder 1">
             <a:extLst>
               <a:ext uri="{FF2B5EF4-FFF2-40B4-BE49-F238E27FC236}">
-                <a16:creationId xmlns:a16="http://schemas.microsoft.com/office/drawing/2014/main" xmlns="" id="{C9843254-4CC3-437E-947E-DD3EB3E19D5F}"/>
+                <a16:creationId xmlns="" xmlns:a16="http://schemas.microsoft.com/office/drawing/2014/main" id="{C9843254-4CC3-437E-947E-DD3EB3E19D5F}"/>
               </a:ext>
             </a:extLst>
           </p:cNvPr>
@@ -2834,7 +2835,7 @@
           <p:cNvPr id="3" name="Text Placeholder 2">
             <a:extLst>
               <a:ext uri="{FF2B5EF4-FFF2-40B4-BE49-F238E27FC236}">
-                <a16:creationId xmlns:a16="http://schemas.microsoft.com/office/drawing/2014/main" xmlns="" id="{4999E38E-203C-416A-BE72-C1040CA2A01E}"/>
+                <a16:creationId xmlns="" xmlns:a16="http://schemas.microsoft.com/office/drawing/2014/main" id="{4999E38E-203C-416A-BE72-C1040CA2A01E}"/>
               </a:ext>
             </a:extLst>
           </p:cNvPr>
@@ -2901,7 +2902,7 @@
           <p:cNvPr id="4" name="Date Placeholder 3">
             <a:extLst>
               <a:ext uri="{FF2B5EF4-FFF2-40B4-BE49-F238E27FC236}">
-                <a16:creationId xmlns:a16="http://schemas.microsoft.com/office/drawing/2014/main" xmlns="" id="{7A9BE643-DE00-4490-BCA0-3199716C3D65}"/>
+                <a16:creationId xmlns="" xmlns:a16="http://schemas.microsoft.com/office/drawing/2014/main" id="{7A9BE643-DE00-4490-BCA0-3199716C3D65}"/>
               </a:ext>
             </a:extLst>
           </p:cNvPr>
@@ -2948,7 +2949,7 @@
           <p:cNvPr id="5" name="Footer Placeholder 4">
             <a:extLst>
               <a:ext uri="{FF2B5EF4-FFF2-40B4-BE49-F238E27FC236}">
-                <a16:creationId xmlns:a16="http://schemas.microsoft.com/office/drawing/2014/main" xmlns="" id="{9C9515A2-BC45-40E6-8DBF-3B71AF8F4AE5}"/>
+                <a16:creationId xmlns="" xmlns:a16="http://schemas.microsoft.com/office/drawing/2014/main" id="{9C9515A2-BC45-40E6-8DBF-3B71AF8F4AE5}"/>
               </a:ext>
             </a:extLst>
           </p:cNvPr>
@@ -2991,7 +2992,7 @@
           <p:cNvPr id="6" name="Slide Number Placeholder 5">
             <a:extLst>
               <a:ext uri="{FF2B5EF4-FFF2-40B4-BE49-F238E27FC236}">
-                <a16:creationId xmlns:a16="http://schemas.microsoft.com/office/drawing/2014/main" xmlns="" id="{8DA9C5EE-7439-47F0-8DA6-63CB2FDF3C97}"/>
+                <a16:creationId xmlns="" xmlns:a16="http://schemas.microsoft.com/office/drawing/2014/main" id="{8DA9C5EE-7439-47F0-8DA6-63CB2FDF3C97}"/>
               </a:ext>
             </a:extLst>
           </p:cNvPr>
@@ -3370,7 +3371,7 @@
           <p:cNvPr id="23" name="Rectangle 22">
             <a:extLst>
               <a:ext uri="{FF2B5EF4-FFF2-40B4-BE49-F238E27FC236}">
-                <a16:creationId xmlns:a16="http://schemas.microsoft.com/office/drawing/2014/main" xmlns="" id="{EE1FC7B4-E4A7-4452-B413-1A623E3A7230}"/>
+                <a16:creationId xmlns="" xmlns:a16="http://schemas.microsoft.com/office/drawing/2014/main" id="{EE1FC7B4-E4A7-4452-B413-1A623E3A7230}"/>
               </a:ext>
             </a:extLst>
           </p:cNvPr>
@@ -3380,7 +3381,7 @@
           <p:nvPr>
             <p:extLst>
               <p:ext uri="{386F3935-93C4-4BCD-93E2-E3B085C9AB24}">
-                <p16:designElem xmlns:p16="http://schemas.microsoft.com/office/powerpoint/2015/main" xmlns="" val="1"/>
+                <p16:designElem xmlns="" xmlns:p16="http://schemas.microsoft.com/office/powerpoint/2015/main" val="1"/>
               </p:ext>
             </p:extLst>
           </p:nvPr>
@@ -3461,7 +3462,7 @@
           <p:cNvPr id="25" name="Freeform 13">
             <a:extLst>
               <a:ext uri="{FF2B5EF4-FFF2-40B4-BE49-F238E27FC236}">
-                <a16:creationId xmlns:a16="http://schemas.microsoft.com/office/drawing/2014/main" xmlns="" id="{E0709AF0-24F0-4486-B189-BE6386BDB198}"/>
+                <a16:creationId xmlns="" xmlns:a16="http://schemas.microsoft.com/office/drawing/2014/main" id="{E0709AF0-24F0-4486-B189-BE6386BDB198}"/>
               </a:ext>
             </a:extLst>
           </p:cNvPr>
@@ -3471,7 +3472,7 @@
           <p:nvPr>
             <p:extLst>
               <p:ext uri="{386F3935-93C4-4BCD-93E2-E3B085C9AB24}">
-                <p16:designElem xmlns:p16="http://schemas.microsoft.com/office/powerpoint/2015/main" xmlns="" val="1"/>
+                <p16:designElem xmlns="" xmlns:p16="http://schemas.microsoft.com/office/powerpoint/2015/main" val="1"/>
               </p:ext>
             </p:extLst>
           </p:nvPr>
@@ -3595,7 +3596,7 @@
           <p:cNvPr id="27" name="Freeform 11">
             <a:extLst>
               <a:ext uri="{FF2B5EF4-FFF2-40B4-BE49-F238E27FC236}">
-                <a16:creationId xmlns:a16="http://schemas.microsoft.com/office/drawing/2014/main" xmlns="" id="{FBE3B62F-5853-4A3C-B050-6186351A7176}"/>
+                <a16:creationId xmlns="" xmlns:a16="http://schemas.microsoft.com/office/drawing/2014/main" id="{FBE3B62F-5853-4A3C-B050-6186351A7176}"/>
               </a:ext>
             </a:extLst>
           </p:cNvPr>
@@ -3605,7 +3606,7 @@
           <p:nvPr>
             <p:extLst>
               <p:ext uri="{386F3935-93C4-4BCD-93E2-E3B085C9AB24}">
-                <p16:designElem xmlns:p16="http://schemas.microsoft.com/office/powerpoint/2015/main" xmlns="" val="1"/>
+                <p16:designElem xmlns="" xmlns:p16="http://schemas.microsoft.com/office/powerpoint/2015/main" val="1"/>
               </p:ext>
             </p:extLst>
           </p:nvPr>
@@ -3731,7 +3732,7 @@
           <p:cNvPr id="15" name="Title 1">
             <a:extLst>
               <a:ext uri="{FF2B5EF4-FFF2-40B4-BE49-F238E27FC236}">
-                <a16:creationId xmlns:a16="http://schemas.microsoft.com/office/drawing/2014/main" xmlns="" id="{48EC109C-56A4-422C-9F35-8567F8D624CE}"/>
+                <a16:creationId xmlns="" xmlns:a16="http://schemas.microsoft.com/office/drawing/2014/main" id="{48EC109C-56A4-422C-9F35-8567F8D624CE}"/>
               </a:ext>
             </a:extLst>
           </p:cNvPr>
@@ -3788,7 +3789,7 @@
           <p:cNvPr id="16" name="Picture 15">
             <a:extLst>
               <a:ext uri="{FF2B5EF4-FFF2-40B4-BE49-F238E27FC236}">
-                <a16:creationId xmlns:a16="http://schemas.microsoft.com/office/drawing/2014/main" xmlns="" id="{F6726E6B-363C-4E50-8446-79407E2AEB25}"/>
+                <a16:creationId xmlns="" xmlns:a16="http://schemas.microsoft.com/office/drawing/2014/main" id="{F6726E6B-363C-4E50-8446-79407E2AEB25}"/>
               </a:ext>
             </a:extLst>
           </p:cNvPr>
@@ -3824,7 +3825,7 @@
           <p:cNvPr id="19" name="TextBox 18">
             <a:extLst>
               <a:ext uri="{FF2B5EF4-FFF2-40B4-BE49-F238E27FC236}">
-                <a16:creationId xmlns:a16="http://schemas.microsoft.com/office/drawing/2014/main" xmlns="" id="{0853C66F-B064-4E12-9E48-5D11B374C147}"/>
+                <a16:creationId xmlns="" xmlns:a16="http://schemas.microsoft.com/office/drawing/2014/main" id="{0853C66F-B064-4E12-9E48-5D11B374C147}"/>
               </a:ext>
             </a:extLst>
           </p:cNvPr>
@@ -3911,7 +3912,7 @@
           <p:cNvPr id="23" name="Rectangle 22">
             <a:extLst>
               <a:ext uri="{FF2B5EF4-FFF2-40B4-BE49-F238E27FC236}">
-                <a16:creationId xmlns:a16="http://schemas.microsoft.com/office/drawing/2014/main" xmlns="" id="{EE1FC7B4-E4A7-4452-B413-1A623E3A7230}"/>
+                <a16:creationId xmlns="" xmlns:a16="http://schemas.microsoft.com/office/drawing/2014/main" id="{EE1FC7B4-E4A7-4452-B413-1A623E3A7230}"/>
               </a:ext>
             </a:extLst>
           </p:cNvPr>
@@ -3921,7 +3922,7 @@
           <p:nvPr>
             <p:extLst>
               <p:ext uri="{386F3935-93C4-4BCD-93E2-E3B085C9AB24}">
-                <p16:designElem xmlns:p16="http://schemas.microsoft.com/office/powerpoint/2015/main" xmlns="" val="1"/>
+                <p16:designElem xmlns="" xmlns:p16="http://schemas.microsoft.com/office/powerpoint/2015/main" val="1"/>
               </p:ext>
             </p:extLst>
           </p:nvPr>
@@ -4002,7 +4003,7 @@
           <p:cNvPr id="25" name="Freeform 13">
             <a:extLst>
               <a:ext uri="{FF2B5EF4-FFF2-40B4-BE49-F238E27FC236}">
-                <a16:creationId xmlns:a16="http://schemas.microsoft.com/office/drawing/2014/main" xmlns="" id="{E0709AF0-24F0-4486-B189-BE6386BDB198}"/>
+                <a16:creationId xmlns="" xmlns:a16="http://schemas.microsoft.com/office/drawing/2014/main" id="{E0709AF0-24F0-4486-B189-BE6386BDB198}"/>
               </a:ext>
             </a:extLst>
           </p:cNvPr>
@@ -4012,7 +4013,7 @@
           <p:nvPr>
             <p:extLst>
               <p:ext uri="{386F3935-93C4-4BCD-93E2-E3B085C9AB24}">
-                <p16:designElem xmlns:p16="http://schemas.microsoft.com/office/powerpoint/2015/main" xmlns="" val="1"/>
+                <p16:designElem xmlns="" xmlns:p16="http://schemas.microsoft.com/office/powerpoint/2015/main" val="1"/>
               </p:ext>
             </p:extLst>
           </p:nvPr>
@@ -4136,7 +4137,7 @@
           <p:cNvPr id="27" name="Freeform 11">
             <a:extLst>
               <a:ext uri="{FF2B5EF4-FFF2-40B4-BE49-F238E27FC236}">
-                <a16:creationId xmlns:a16="http://schemas.microsoft.com/office/drawing/2014/main" xmlns="" id="{FBE3B62F-5853-4A3C-B050-6186351A7176}"/>
+                <a16:creationId xmlns="" xmlns:a16="http://schemas.microsoft.com/office/drawing/2014/main" id="{FBE3B62F-5853-4A3C-B050-6186351A7176}"/>
               </a:ext>
             </a:extLst>
           </p:cNvPr>
@@ -4146,7 +4147,7 @@
           <p:nvPr>
             <p:extLst>
               <p:ext uri="{386F3935-93C4-4BCD-93E2-E3B085C9AB24}">
-                <p16:designElem xmlns:p16="http://schemas.microsoft.com/office/powerpoint/2015/main" xmlns="" val="1"/>
+                <p16:designElem xmlns="" xmlns:p16="http://schemas.microsoft.com/office/powerpoint/2015/main" val="1"/>
               </p:ext>
             </p:extLst>
           </p:nvPr>
@@ -4272,7 +4273,7 @@
           <p:cNvPr id="2" name="Title 1">
             <a:extLst>
               <a:ext uri="{FF2B5EF4-FFF2-40B4-BE49-F238E27FC236}">
-                <a16:creationId xmlns:a16="http://schemas.microsoft.com/office/drawing/2014/main" xmlns="" id="{A5F6196D-B07E-499E-92C0-6953CE9F25D4}"/>
+                <a16:creationId xmlns="" xmlns:a16="http://schemas.microsoft.com/office/drawing/2014/main" id="{A5F6196D-B07E-499E-92C0-6953CE9F25D4}"/>
               </a:ext>
             </a:extLst>
           </p:cNvPr>
@@ -4308,7 +4309,7 @@
           <p:cNvPr id="15" name="Content Placeholder 16">
             <a:extLst>
               <a:ext uri="{FF2B5EF4-FFF2-40B4-BE49-F238E27FC236}">
-                <a16:creationId xmlns:a16="http://schemas.microsoft.com/office/drawing/2014/main" xmlns="" id="{5FDBA27F-9676-4EE6-B75A-C35B42A0CD81}"/>
+                <a16:creationId xmlns="" xmlns:a16="http://schemas.microsoft.com/office/drawing/2014/main" id="{5FDBA27F-9676-4EE6-B75A-C35B42A0CD81}"/>
               </a:ext>
             </a:extLst>
           </p:cNvPr>
@@ -4504,7 +4505,7 @@
           <p:cNvPr id="18" name="Content Placeholder 16">
             <a:extLst>
               <a:ext uri="{FF2B5EF4-FFF2-40B4-BE49-F238E27FC236}">
-                <a16:creationId xmlns:a16="http://schemas.microsoft.com/office/drawing/2014/main" xmlns="" id="{5FDBA27F-9676-4EE6-B75A-C35B42A0CD81}"/>
+                <a16:creationId xmlns="" xmlns:a16="http://schemas.microsoft.com/office/drawing/2014/main" id="{5FDBA27F-9676-4EE6-B75A-C35B42A0CD81}"/>
               </a:ext>
             </a:extLst>
           </p:cNvPr>
@@ -5154,7 +5155,7 @@
           <p:cNvPr id="23" name="Rectangle 22">
             <a:extLst>
               <a:ext uri="{FF2B5EF4-FFF2-40B4-BE49-F238E27FC236}">
-                <a16:creationId xmlns:a16="http://schemas.microsoft.com/office/drawing/2014/main" xmlns="" id="{EE1FC7B4-E4A7-4452-B413-1A623E3A7230}"/>
+                <a16:creationId xmlns="" xmlns:a16="http://schemas.microsoft.com/office/drawing/2014/main" id="{EE1FC7B4-E4A7-4452-B413-1A623E3A7230}"/>
               </a:ext>
             </a:extLst>
           </p:cNvPr>
@@ -5164,7 +5165,7 @@
           <p:nvPr>
             <p:extLst>
               <p:ext uri="{386F3935-93C4-4BCD-93E2-E3B085C9AB24}">
-                <p16:designElem xmlns:p16="http://schemas.microsoft.com/office/powerpoint/2015/main" xmlns="" val="1"/>
+                <p16:designElem xmlns="" xmlns:p16="http://schemas.microsoft.com/office/powerpoint/2015/main" val="1"/>
               </p:ext>
             </p:extLst>
           </p:nvPr>
@@ -5245,7 +5246,7 @@
           <p:cNvPr id="25" name="Freeform 13">
             <a:extLst>
               <a:ext uri="{FF2B5EF4-FFF2-40B4-BE49-F238E27FC236}">
-                <a16:creationId xmlns:a16="http://schemas.microsoft.com/office/drawing/2014/main" xmlns="" id="{E0709AF0-24F0-4486-B189-BE6386BDB198}"/>
+                <a16:creationId xmlns="" xmlns:a16="http://schemas.microsoft.com/office/drawing/2014/main" id="{E0709AF0-24F0-4486-B189-BE6386BDB198}"/>
               </a:ext>
             </a:extLst>
           </p:cNvPr>
@@ -5255,7 +5256,7 @@
           <p:nvPr>
             <p:extLst>
               <p:ext uri="{386F3935-93C4-4BCD-93E2-E3B085C9AB24}">
-                <p16:designElem xmlns:p16="http://schemas.microsoft.com/office/powerpoint/2015/main" xmlns="" val="1"/>
+                <p16:designElem xmlns="" xmlns:p16="http://schemas.microsoft.com/office/powerpoint/2015/main" val="1"/>
               </p:ext>
             </p:extLst>
           </p:nvPr>
@@ -5379,7 +5380,7 @@
           <p:cNvPr id="27" name="Freeform 11">
             <a:extLst>
               <a:ext uri="{FF2B5EF4-FFF2-40B4-BE49-F238E27FC236}">
-                <a16:creationId xmlns:a16="http://schemas.microsoft.com/office/drawing/2014/main" xmlns="" id="{FBE3B62F-5853-4A3C-B050-6186351A7176}"/>
+                <a16:creationId xmlns="" xmlns:a16="http://schemas.microsoft.com/office/drawing/2014/main" id="{FBE3B62F-5853-4A3C-B050-6186351A7176}"/>
               </a:ext>
             </a:extLst>
           </p:cNvPr>
@@ -5389,7 +5390,7 @@
           <p:nvPr>
             <p:extLst>
               <p:ext uri="{386F3935-93C4-4BCD-93E2-E3B085C9AB24}">
-                <p16:designElem xmlns:p16="http://schemas.microsoft.com/office/powerpoint/2015/main" xmlns="" val="1"/>
+                <p16:designElem xmlns="" xmlns:p16="http://schemas.microsoft.com/office/powerpoint/2015/main" val="1"/>
               </p:ext>
             </p:extLst>
           </p:nvPr>
@@ -5515,7 +5516,7 @@
           <p:cNvPr id="2" name="Title 1">
             <a:extLst>
               <a:ext uri="{FF2B5EF4-FFF2-40B4-BE49-F238E27FC236}">
-                <a16:creationId xmlns:a16="http://schemas.microsoft.com/office/drawing/2014/main" xmlns="" id="{A5F6196D-B07E-499E-92C0-6953CE9F25D4}"/>
+                <a16:creationId xmlns="" xmlns:a16="http://schemas.microsoft.com/office/drawing/2014/main" id="{A5F6196D-B07E-499E-92C0-6953CE9F25D4}"/>
               </a:ext>
             </a:extLst>
           </p:cNvPr>
@@ -5551,7 +5552,7 @@
           <p:cNvPr id="15" name="Content Placeholder 16">
             <a:extLst>
               <a:ext uri="{FF2B5EF4-FFF2-40B4-BE49-F238E27FC236}">
-                <a16:creationId xmlns:a16="http://schemas.microsoft.com/office/drawing/2014/main" xmlns="" id="{5FDBA27F-9676-4EE6-B75A-C35B42A0CD81}"/>
+                <a16:creationId xmlns="" xmlns:a16="http://schemas.microsoft.com/office/drawing/2014/main" id="{5FDBA27F-9676-4EE6-B75A-C35B42A0CD81}"/>
               </a:ext>
             </a:extLst>
           </p:cNvPr>
@@ -5747,7 +5748,7 @@
           <p:cNvPr id="18" name="Content Placeholder 16">
             <a:extLst>
               <a:ext uri="{FF2B5EF4-FFF2-40B4-BE49-F238E27FC236}">
-                <a16:creationId xmlns:a16="http://schemas.microsoft.com/office/drawing/2014/main" xmlns="" id="{5FDBA27F-9676-4EE6-B75A-C35B42A0CD81}"/>
+                <a16:creationId xmlns="" xmlns:a16="http://schemas.microsoft.com/office/drawing/2014/main" id="{5FDBA27F-9676-4EE6-B75A-C35B42A0CD81}"/>
               </a:ext>
             </a:extLst>
           </p:cNvPr>
@@ -6651,7 +6652,7 @@
           <p:cNvPr id="23" name="Rectangle 22">
             <a:extLst>
               <a:ext uri="{FF2B5EF4-FFF2-40B4-BE49-F238E27FC236}">
-                <a16:creationId xmlns:a16="http://schemas.microsoft.com/office/drawing/2014/main" xmlns="" id="{EE1FC7B4-E4A7-4452-B413-1A623E3A7230}"/>
+                <a16:creationId xmlns="" xmlns:a16="http://schemas.microsoft.com/office/drawing/2014/main" id="{EE1FC7B4-E4A7-4452-B413-1A623E3A7230}"/>
               </a:ext>
             </a:extLst>
           </p:cNvPr>
@@ -6661,7 +6662,7 @@
           <p:nvPr>
             <p:extLst>
               <p:ext uri="{386F3935-93C4-4BCD-93E2-E3B085C9AB24}">
-                <p16:designElem xmlns:p16="http://schemas.microsoft.com/office/powerpoint/2015/main" xmlns="" val="1"/>
+                <p16:designElem xmlns="" xmlns:p16="http://schemas.microsoft.com/office/powerpoint/2015/main" val="1"/>
               </p:ext>
             </p:extLst>
           </p:nvPr>
@@ -6742,7 +6743,7 @@
           <p:cNvPr id="25" name="Freeform 13">
             <a:extLst>
               <a:ext uri="{FF2B5EF4-FFF2-40B4-BE49-F238E27FC236}">
-                <a16:creationId xmlns:a16="http://schemas.microsoft.com/office/drawing/2014/main" xmlns="" id="{E0709AF0-24F0-4486-B189-BE6386BDB198}"/>
+                <a16:creationId xmlns="" xmlns:a16="http://schemas.microsoft.com/office/drawing/2014/main" id="{E0709AF0-24F0-4486-B189-BE6386BDB198}"/>
               </a:ext>
             </a:extLst>
           </p:cNvPr>
@@ -6752,7 +6753,7 @@
           <p:nvPr>
             <p:extLst>
               <p:ext uri="{386F3935-93C4-4BCD-93E2-E3B085C9AB24}">
-                <p16:designElem xmlns:p16="http://schemas.microsoft.com/office/powerpoint/2015/main" xmlns="" val="1"/>
+                <p16:designElem xmlns="" xmlns:p16="http://schemas.microsoft.com/office/powerpoint/2015/main" val="1"/>
               </p:ext>
             </p:extLst>
           </p:nvPr>
@@ -6876,7 +6877,7 @@
           <p:cNvPr id="27" name="Freeform 11">
             <a:extLst>
               <a:ext uri="{FF2B5EF4-FFF2-40B4-BE49-F238E27FC236}">
-                <a16:creationId xmlns:a16="http://schemas.microsoft.com/office/drawing/2014/main" xmlns="" id="{FBE3B62F-5853-4A3C-B050-6186351A7176}"/>
+                <a16:creationId xmlns="" xmlns:a16="http://schemas.microsoft.com/office/drawing/2014/main" id="{FBE3B62F-5853-4A3C-B050-6186351A7176}"/>
               </a:ext>
             </a:extLst>
           </p:cNvPr>
@@ -6886,7 +6887,7 @@
           <p:nvPr>
             <p:extLst>
               <p:ext uri="{386F3935-93C4-4BCD-93E2-E3B085C9AB24}">
-                <p16:designElem xmlns:p16="http://schemas.microsoft.com/office/powerpoint/2015/main" xmlns="" val="1"/>
+                <p16:designElem xmlns="" xmlns:p16="http://schemas.microsoft.com/office/powerpoint/2015/main" val="1"/>
               </p:ext>
             </p:extLst>
           </p:nvPr>
@@ -7012,7 +7013,7 @@
           <p:cNvPr id="2" name="Title 1">
             <a:extLst>
               <a:ext uri="{FF2B5EF4-FFF2-40B4-BE49-F238E27FC236}">
-                <a16:creationId xmlns:a16="http://schemas.microsoft.com/office/drawing/2014/main" xmlns="" id="{A5F6196D-B07E-499E-92C0-6953CE9F25D4}"/>
+                <a16:creationId xmlns="" xmlns:a16="http://schemas.microsoft.com/office/drawing/2014/main" id="{A5F6196D-B07E-499E-92C0-6953CE9F25D4}"/>
               </a:ext>
             </a:extLst>
           </p:cNvPr>
@@ -7049,7 +7050,7 @@
           <p:cNvPr id="17" name="Content Placeholder 16">
             <a:extLst>
               <a:ext uri="{FF2B5EF4-FFF2-40B4-BE49-F238E27FC236}">
-                <a16:creationId xmlns:a16="http://schemas.microsoft.com/office/drawing/2014/main" xmlns="" id="{5FDBA27F-9676-4EE6-B75A-C35B42A0CD81}"/>
+                <a16:creationId xmlns="" xmlns:a16="http://schemas.microsoft.com/office/drawing/2014/main" id="{5FDBA27F-9676-4EE6-B75A-C35B42A0CD81}"/>
               </a:ext>
             </a:extLst>
           </p:cNvPr>
@@ -7090,7 +7091,7 @@
           <p:cNvPr id="15" name="Content Placeholder 16">
             <a:extLst>
               <a:ext uri="{FF2B5EF4-FFF2-40B4-BE49-F238E27FC236}">
-                <a16:creationId xmlns:a16="http://schemas.microsoft.com/office/drawing/2014/main" xmlns="" id="{5FDBA27F-9676-4EE6-B75A-C35B42A0CD81}"/>
+                <a16:creationId xmlns="" xmlns:a16="http://schemas.microsoft.com/office/drawing/2014/main" id="{5FDBA27F-9676-4EE6-B75A-C35B42A0CD81}"/>
               </a:ext>
             </a:extLst>
           </p:cNvPr>
@@ -7286,7 +7287,7 @@
           <p:cNvPr id="18" name="Content Placeholder 16">
             <a:extLst>
               <a:ext uri="{FF2B5EF4-FFF2-40B4-BE49-F238E27FC236}">
-                <a16:creationId xmlns:a16="http://schemas.microsoft.com/office/drawing/2014/main" xmlns="" id="{5FDBA27F-9676-4EE6-B75A-C35B42A0CD81}"/>
+                <a16:creationId xmlns="" xmlns:a16="http://schemas.microsoft.com/office/drawing/2014/main" id="{5FDBA27F-9676-4EE6-B75A-C35B42A0CD81}"/>
               </a:ext>
             </a:extLst>
           </p:cNvPr>
@@ -7587,7 +7588,7 @@
           <p:cNvPr id="23" name="Rectangle 22">
             <a:extLst>
               <a:ext uri="{FF2B5EF4-FFF2-40B4-BE49-F238E27FC236}">
-                <a16:creationId xmlns:a16="http://schemas.microsoft.com/office/drawing/2014/main" xmlns="" id="{EE1FC7B4-E4A7-4452-B413-1A623E3A7230}"/>
+                <a16:creationId xmlns="" xmlns:a16="http://schemas.microsoft.com/office/drawing/2014/main" id="{EE1FC7B4-E4A7-4452-B413-1A623E3A7230}"/>
               </a:ext>
             </a:extLst>
           </p:cNvPr>
@@ -7597,7 +7598,7 @@
           <p:nvPr>
             <p:extLst>
               <p:ext uri="{386F3935-93C4-4BCD-93E2-E3B085C9AB24}">
-                <p16:designElem xmlns:p16="http://schemas.microsoft.com/office/powerpoint/2015/main" xmlns="" val="1"/>
+                <p16:designElem xmlns="" xmlns:p16="http://schemas.microsoft.com/office/powerpoint/2015/main" val="1"/>
               </p:ext>
             </p:extLst>
           </p:nvPr>
@@ -7678,7 +7679,7 @@
           <p:cNvPr id="25" name="Freeform 13">
             <a:extLst>
               <a:ext uri="{FF2B5EF4-FFF2-40B4-BE49-F238E27FC236}">
-                <a16:creationId xmlns:a16="http://schemas.microsoft.com/office/drawing/2014/main" xmlns="" id="{E0709AF0-24F0-4486-B189-BE6386BDB198}"/>
+                <a16:creationId xmlns="" xmlns:a16="http://schemas.microsoft.com/office/drawing/2014/main" id="{E0709AF0-24F0-4486-B189-BE6386BDB198}"/>
               </a:ext>
             </a:extLst>
           </p:cNvPr>
@@ -7688,7 +7689,7 @@
           <p:nvPr>
             <p:extLst>
               <p:ext uri="{386F3935-93C4-4BCD-93E2-E3B085C9AB24}">
-                <p16:designElem xmlns:p16="http://schemas.microsoft.com/office/powerpoint/2015/main" xmlns="" val="1"/>
+                <p16:designElem xmlns="" xmlns:p16="http://schemas.microsoft.com/office/powerpoint/2015/main" val="1"/>
               </p:ext>
             </p:extLst>
           </p:nvPr>
@@ -7812,7 +7813,7 @@
           <p:cNvPr id="27" name="Freeform 11">
             <a:extLst>
               <a:ext uri="{FF2B5EF4-FFF2-40B4-BE49-F238E27FC236}">
-                <a16:creationId xmlns:a16="http://schemas.microsoft.com/office/drawing/2014/main" xmlns="" id="{FBE3B62F-5853-4A3C-B050-6186351A7176}"/>
+                <a16:creationId xmlns="" xmlns:a16="http://schemas.microsoft.com/office/drawing/2014/main" id="{FBE3B62F-5853-4A3C-B050-6186351A7176}"/>
               </a:ext>
             </a:extLst>
           </p:cNvPr>
@@ -7822,7 +7823,7 @@
           <p:nvPr>
             <p:extLst>
               <p:ext uri="{386F3935-93C4-4BCD-93E2-E3B085C9AB24}">
-                <p16:designElem xmlns:p16="http://schemas.microsoft.com/office/powerpoint/2015/main" xmlns="" val="1"/>
+                <p16:designElem xmlns="" xmlns:p16="http://schemas.microsoft.com/office/powerpoint/2015/main" val="1"/>
               </p:ext>
             </p:extLst>
           </p:nvPr>
@@ -7948,7 +7949,7 @@
           <p:cNvPr id="2" name="Title 1">
             <a:extLst>
               <a:ext uri="{FF2B5EF4-FFF2-40B4-BE49-F238E27FC236}">
-                <a16:creationId xmlns:a16="http://schemas.microsoft.com/office/drawing/2014/main" xmlns="" id="{A5F6196D-B07E-499E-92C0-6953CE9F25D4}"/>
+                <a16:creationId xmlns="" xmlns:a16="http://schemas.microsoft.com/office/drawing/2014/main" id="{A5F6196D-B07E-499E-92C0-6953CE9F25D4}"/>
               </a:ext>
             </a:extLst>
           </p:cNvPr>
@@ -7985,7 +7986,7 @@
           <p:cNvPr id="17" name="Content Placeholder 16">
             <a:extLst>
               <a:ext uri="{FF2B5EF4-FFF2-40B4-BE49-F238E27FC236}">
-                <a16:creationId xmlns:a16="http://schemas.microsoft.com/office/drawing/2014/main" xmlns="" id="{5FDBA27F-9676-4EE6-B75A-C35B42A0CD81}"/>
+                <a16:creationId xmlns="" xmlns:a16="http://schemas.microsoft.com/office/drawing/2014/main" id="{5FDBA27F-9676-4EE6-B75A-C35B42A0CD81}"/>
               </a:ext>
             </a:extLst>
           </p:cNvPr>
@@ -8032,7 +8033,7 @@
           <p:cNvPr id="15" name="Content Placeholder 16">
             <a:extLst>
               <a:ext uri="{FF2B5EF4-FFF2-40B4-BE49-F238E27FC236}">
-                <a16:creationId xmlns:a16="http://schemas.microsoft.com/office/drawing/2014/main" xmlns="" id="{5FDBA27F-9676-4EE6-B75A-C35B42A0CD81}"/>
+                <a16:creationId xmlns="" xmlns:a16="http://schemas.microsoft.com/office/drawing/2014/main" id="{5FDBA27F-9676-4EE6-B75A-C35B42A0CD81}"/>
               </a:ext>
             </a:extLst>
           </p:cNvPr>
@@ -8228,7 +8229,7 @@
           <p:cNvPr id="18" name="Content Placeholder 16">
             <a:extLst>
               <a:ext uri="{FF2B5EF4-FFF2-40B4-BE49-F238E27FC236}">
-                <a16:creationId xmlns:a16="http://schemas.microsoft.com/office/drawing/2014/main" xmlns="" id="{5FDBA27F-9676-4EE6-B75A-C35B42A0CD81}"/>
+                <a16:creationId xmlns="" xmlns:a16="http://schemas.microsoft.com/office/drawing/2014/main" id="{5FDBA27F-9676-4EE6-B75A-C35B42A0CD81}"/>
               </a:ext>
             </a:extLst>
           </p:cNvPr>
@@ -8532,7 +8533,7 @@
           <p:cNvPr id="23" name="Rectangle 22">
             <a:extLst>
               <a:ext uri="{FF2B5EF4-FFF2-40B4-BE49-F238E27FC236}">
-                <a16:creationId xmlns:a16="http://schemas.microsoft.com/office/drawing/2014/main" xmlns="" id="{EE1FC7B4-E4A7-4452-B413-1A623E3A7230}"/>
+                <a16:creationId xmlns="" xmlns:a16="http://schemas.microsoft.com/office/drawing/2014/main" id="{EE1FC7B4-E4A7-4452-B413-1A623E3A7230}"/>
               </a:ext>
             </a:extLst>
           </p:cNvPr>
@@ -8542,7 +8543,7 @@
           <p:nvPr>
             <p:extLst>
               <p:ext uri="{386F3935-93C4-4BCD-93E2-E3B085C9AB24}">
-                <p16:designElem xmlns:p16="http://schemas.microsoft.com/office/powerpoint/2015/main" xmlns="" val="1"/>
+                <p16:designElem xmlns="" xmlns:p16="http://schemas.microsoft.com/office/powerpoint/2015/main" val="1"/>
               </p:ext>
             </p:extLst>
           </p:nvPr>
@@ -8623,7 +8624,7 @@
           <p:cNvPr id="25" name="Freeform 13">
             <a:extLst>
               <a:ext uri="{FF2B5EF4-FFF2-40B4-BE49-F238E27FC236}">
-                <a16:creationId xmlns:a16="http://schemas.microsoft.com/office/drawing/2014/main" xmlns="" id="{E0709AF0-24F0-4486-B189-BE6386BDB198}"/>
+                <a16:creationId xmlns="" xmlns:a16="http://schemas.microsoft.com/office/drawing/2014/main" id="{E0709AF0-24F0-4486-B189-BE6386BDB198}"/>
               </a:ext>
             </a:extLst>
           </p:cNvPr>
@@ -8633,7 +8634,7 @@
           <p:nvPr>
             <p:extLst>
               <p:ext uri="{386F3935-93C4-4BCD-93E2-E3B085C9AB24}">
-                <p16:designElem xmlns:p16="http://schemas.microsoft.com/office/powerpoint/2015/main" xmlns="" val="1"/>
+                <p16:designElem xmlns="" xmlns:p16="http://schemas.microsoft.com/office/powerpoint/2015/main" val="1"/>
               </p:ext>
             </p:extLst>
           </p:nvPr>
@@ -8757,7 +8758,7 @@
           <p:cNvPr id="27" name="Freeform 11">
             <a:extLst>
               <a:ext uri="{FF2B5EF4-FFF2-40B4-BE49-F238E27FC236}">
-                <a16:creationId xmlns:a16="http://schemas.microsoft.com/office/drawing/2014/main" xmlns="" id="{FBE3B62F-5853-4A3C-B050-6186351A7176}"/>
+                <a16:creationId xmlns="" xmlns:a16="http://schemas.microsoft.com/office/drawing/2014/main" id="{FBE3B62F-5853-4A3C-B050-6186351A7176}"/>
               </a:ext>
             </a:extLst>
           </p:cNvPr>
@@ -8767,7 +8768,7 @@
           <p:nvPr>
             <p:extLst>
               <p:ext uri="{386F3935-93C4-4BCD-93E2-E3B085C9AB24}">
-                <p16:designElem xmlns:p16="http://schemas.microsoft.com/office/powerpoint/2015/main" xmlns="" val="1"/>
+                <p16:designElem xmlns="" xmlns:p16="http://schemas.microsoft.com/office/powerpoint/2015/main" val="1"/>
               </p:ext>
             </p:extLst>
           </p:nvPr>
@@ -8893,7 +8894,7 @@
           <p:cNvPr id="2" name="Title 1">
             <a:extLst>
               <a:ext uri="{FF2B5EF4-FFF2-40B4-BE49-F238E27FC236}">
-                <a16:creationId xmlns:a16="http://schemas.microsoft.com/office/drawing/2014/main" xmlns="" id="{A5F6196D-B07E-499E-92C0-6953CE9F25D4}"/>
+                <a16:creationId xmlns="" xmlns:a16="http://schemas.microsoft.com/office/drawing/2014/main" id="{A5F6196D-B07E-499E-92C0-6953CE9F25D4}"/>
               </a:ext>
             </a:extLst>
           </p:cNvPr>
@@ -8930,7 +8931,7 @@
           <p:cNvPr id="17" name="Content Placeholder 16">
             <a:extLst>
               <a:ext uri="{FF2B5EF4-FFF2-40B4-BE49-F238E27FC236}">
-                <a16:creationId xmlns:a16="http://schemas.microsoft.com/office/drawing/2014/main" xmlns="" id="{5FDBA27F-9676-4EE6-B75A-C35B42A0CD81}"/>
+                <a16:creationId xmlns="" xmlns:a16="http://schemas.microsoft.com/office/drawing/2014/main" id="{5FDBA27F-9676-4EE6-B75A-C35B42A0CD81}"/>
               </a:ext>
             </a:extLst>
           </p:cNvPr>
@@ -8977,7 +8978,7 @@
           <p:cNvPr id="15" name="Content Placeholder 16">
             <a:extLst>
               <a:ext uri="{FF2B5EF4-FFF2-40B4-BE49-F238E27FC236}">
-                <a16:creationId xmlns:a16="http://schemas.microsoft.com/office/drawing/2014/main" xmlns="" id="{5FDBA27F-9676-4EE6-B75A-C35B42A0CD81}"/>
+                <a16:creationId xmlns="" xmlns:a16="http://schemas.microsoft.com/office/drawing/2014/main" id="{5FDBA27F-9676-4EE6-B75A-C35B42A0CD81}"/>
               </a:ext>
             </a:extLst>
           </p:cNvPr>
@@ -9173,7 +9174,7 @@
           <p:cNvPr id="18" name="Content Placeholder 16">
             <a:extLst>
               <a:ext uri="{FF2B5EF4-FFF2-40B4-BE49-F238E27FC236}">
-                <a16:creationId xmlns:a16="http://schemas.microsoft.com/office/drawing/2014/main" xmlns="" id="{5FDBA27F-9676-4EE6-B75A-C35B42A0CD81}"/>
+                <a16:creationId xmlns="" xmlns:a16="http://schemas.microsoft.com/office/drawing/2014/main" id="{5FDBA27F-9676-4EE6-B75A-C35B42A0CD81}"/>
               </a:ext>
             </a:extLst>
           </p:cNvPr>
@@ -9471,7 +9472,7 @@
           <p:cNvPr id="23" name="Rectangle 22">
             <a:extLst>
               <a:ext uri="{FF2B5EF4-FFF2-40B4-BE49-F238E27FC236}">
-                <a16:creationId xmlns:a16="http://schemas.microsoft.com/office/drawing/2014/main" xmlns="" id="{EE1FC7B4-E4A7-4452-B413-1A623E3A7230}"/>
+                <a16:creationId xmlns="" xmlns:a16="http://schemas.microsoft.com/office/drawing/2014/main" id="{EE1FC7B4-E4A7-4452-B413-1A623E3A7230}"/>
               </a:ext>
             </a:extLst>
           </p:cNvPr>
@@ -9481,7 +9482,7 @@
           <p:nvPr>
             <p:extLst>
               <p:ext uri="{386F3935-93C4-4BCD-93E2-E3B085C9AB24}">
-                <p16:designElem xmlns:p16="http://schemas.microsoft.com/office/powerpoint/2015/main" xmlns="" val="1"/>
+                <p16:designElem xmlns="" xmlns:p16="http://schemas.microsoft.com/office/powerpoint/2015/main" val="1"/>
               </p:ext>
             </p:extLst>
           </p:nvPr>
@@ -9562,7 +9563,7 @@
           <p:cNvPr id="25" name="Freeform 13">
             <a:extLst>
               <a:ext uri="{FF2B5EF4-FFF2-40B4-BE49-F238E27FC236}">
-                <a16:creationId xmlns:a16="http://schemas.microsoft.com/office/drawing/2014/main" xmlns="" id="{E0709AF0-24F0-4486-B189-BE6386BDB198}"/>
+                <a16:creationId xmlns="" xmlns:a16="http://schemas.microsoft.com/office/drawing/2014/main" id="{E0709AF0-24F0-4486-B189-BE6386BDB198}"/>
               </a:ext>
             </a:extLst>
           </p:cNvPr>
@@ -9572,7 +9573,7 @@
           <p:nvPr>
             <p:extLst>
               <p:ext uri="{386F3935-93C4-4BCD-93E2-E3B085C9AB24}">
-                <p16:designElem xmlns:p16="http://schemas.microsoft.com/office/powerpoint/2015/main" xmlns="" val="1"/>
+                <p16:designElem xmlns="" xmlns:p16="http://schemas.microsoft.com/office/powerpoint/2015/main" val="1"/>
               </p:ext>
             </p:extLst>
           </p:nvPr>
@@ -9696,7 +9697,7 @@
           <p:cNvPr id="27" name="Freeform 11">
             <a:extLst>
               <a:ext uri="{FF2B5EF4-FFF2-40B4-BE49-F238E27FC236}">
-                <a16:creationId xmlns:a16="http://schemas.microsoft.com/office/drawing/2014/main" xmlns="" id="{FBE3B62F-5853-4A3C-B050-6186351A7176}"/>
+                <a16:creationId xmlns="" xmlns:a16="http://schemas.microsoft.com/office/drawing/2014/main" id="{FBE3B62F-5853-4A3C-B050-6186351A7176}"/>
               </a:ext>
             </a:extLst>
           </p:cNvPr>
@@ -9706,7 +9707,7 @@
           <p:nvPr>
             <p:extLst>
               <p:ext uri="{386F3935-93C4-4BCD-93E2-E3B085C9AB24}">
-                <p16:designElem xmlns:p16="http://schemas.microsoft.com/office/powerpoint/2015/main" xmlns="" val="1"/>
+                <p16:designElem xmlns="" xmlns:p16="http://schemas.microsoft.com/office/powerpoint/2015/main" val="1"/>
               </p:ext>
             </p:extLst>
           </p:nvPr>
@@ -9832,7 +9833,7 @@
           <p:cNvPr id="2" name="Title 1">
             <a:extLst>
               <a:ext uri="{FF2B5EF4-FFF2-40B4-BE49-F238E27FC236}">
-                <a16:creationId xmlns:a16="http://schemas.microsoft.com/office/drawing/2014/main" xmlns="" id="{A5F6196D-B07E-499E-92C0-6953CE9F25D4}"/>
+                <a16:creationId xmlns="" xmlns:a16="http://schemas.microsoft.com/office/drawing/2014/main" id="{A5F6196D-B07E-499E-92C0-6953CE9F25D4}"/>
               </a:ext>
             </a:extLst>
           </p:cNvPr>
@@ -9871,7 +9872,7 @@
               <p:cNvPr id="17" name="Content Placeholder 16">
                 <a:extLst>
                   <a:ext uri="{FF2B5EF4-FFF2-40B4-BE49-F238E27FC236}">
-                    <a16:creationId xmlns:a16="http://schemas.microsoft.com/office/drawing/2014/main" xmlns="" id="{5FDBA27F-9676-4EE6-B75A-C35B42A0CD81}"/>
+                    <a16:creationId xmlns="" xmlns:a16="http://schemas.microsoft.com/office/drawing/2014/main" id="{5FDBA27F-9676-4EE6-B75A-C35B42A0CD81}"/>
                   </a:ext>
                 </a:extLst>
               </p:cNvPr>
@@ -9989,7 +9990,7 @@
           <p:cNvPr id="15" name="Content Placeholder 16">
             <a:extLst>
               <a:ext uri="{FF2B5EF4-FFF2-40B4-BE49-F238E27FC236}">
-                <a16:creationId xmlns:a16="http://schemas.microsoft.com/office/drawing/2014/main" xmlns="" id="{5FDBA27F-9676-4EE6-B75A-C35B42A0CD81}"/>
+                <a16:creationId xmlns="" xmlns:a16="http://schemas.microsoft.com/office/drawing/2014/main" id="{5FDBA27F-9676-4EE6-B75A-C35B42A0CD81}"/>
               </a:ext>
             </a:extLst>
           </p:cNvPr>
@@ -10185,7 +10186,7 @@
           <p:cNvPr id="18" name="Content Placeholder 16">
             <a:extLst>
               <a:ext uri="{FF2B5EF4-FFF2-40B4-BE49-F238E27FC236}">
-                <a16:creationId xmlns:a16="http://schemas.microsoft.com/office/drawing/2014/main" xmlns="" id="{5FDBA27F-9676-4EE6-B75A-C35B42A0CD81}"/>
+                <a16:creationId xmlns="" xmlns:a16="http://schemas.microsoft.com/office/drawing/2014/main" id="{5FDBA27F-9676-4EE6-B75A-C35B42A0CD81}"/>
               </a:ext>
             </a:extLst>
           </p:cNvPr>
@@ -10489,7 +10490,7 @@
           <p:cNvPr id="23" name="Rectangle 22">
             <a:extLst>
               <a:ext uri="{FF2B5EF4-FFF2-40B4-BE49-F238E27FC236}">
-                <a16:creationId xmlns:a16="http://schemas.microsoft.com/office/drawing/2014/main" xmlns="" id="{EE1FC7B4-E4A7-4452-B413-1A623E3A7230}"/>
+                <a16:creationId xmlns="" xmlns:a16="http://schemas.microsoft.com/office/drawing/2014/main" id="{EE1FC7B4-E4A7-4452-B413-1A623E3A7230}"/>
               </a:ext>
             </a:extLst>
           </p:cNvPr>
@@ -10499,7 +10500,7 @@
           <p:nvPr>
             <p:extLst>
               <p:ext uri="{386F3935-93C4-4BCD-93E2-E3B085C9AB24}">
-                <p16:designElem xmlns:p16="http://schemas.microsoft.com/office/powerpoint/2015/main" xmlns="" val="1"/>
+                <p16:designElem xmlns="" xmlns:p16="http://schemas.microsoft.com/office/powerpoint/2015/main" val="1"/>
               </p:ext>
             </p:extLst>
           </p:nvPr>
@@ -10580,7 +10581,7 @@
           <p:cNvPr id="25" name="Freeform 13">
             <a:extLst>
               <a:ext uri="{FF2B5EF4-FFF2-40B4-BE49-F238E27FC236}">
-                <a16:creationId xmlns:a16="http://schemas.microsoft.com/office/drawing/2014/main" xmlns="" id="{E0709AF0-24F0-4486-B189-BE6386BDB198}"/>
+                <a16:creationId xmlns="" xmlns:a16="http://schemas.microsoft.com/office/drawing/2014/main" id="{E0709AF0-24F0-4486-B189-BE6386BDB198}"/>
               </a:ext>
             </a:extLst>
           </p:cNvPr>
@@ -10590,7 +10591,7 @@
           <p:nvPr>
             <p:extLst>
               <p:ext uri="{386F3935-93C4-4BCD-93E2-E3B085C9AB24}">
-                <p16:designElem xmlns:p16="http://schemas.microsoft.com/office/powerpoint/2015/main" xmlns="" val="1"/>
+                <p16:designElem xmlns="" xmlns:p16="http://schemas.microsoft.com/office/powerpoint/2015/main" val="1"/>
               </p:ext>
             </p:extLst>
           </p:nvPr>
@@ -10714,7 +10715,7 @@
           <p:cNvPr id="27" name="Freeform 11">
             <a:extLst>
               <a:ext uri="{FF2B5EF4-FFF2-40B4-BE49-F238E27FC236}">
-                <a16:creationId xmlns:a16="http://schemas.microsoft.com/office/drawing/2014/main" xmlns="" id="{FBE3B62F-5853-4A3C-B050-6186351A7176}"/>
+                <a16:creationId xmlns="" xmlns:a16="http://schemas.microsoft.com/office/drawing/2014/main" id="{FBE3B62F-5853-4A3C-B050-6186351A7176}"/>
               </a:ext>
             </a:extLst>
           </p:cNvPr>
@@ -10724,7 +10725,7 @@
           <p:nvPr>
             <p:extLst>
               <p:ext uri="{386F3935-93C4-4BCD-93E2-E3B085C9AB24}">
-                <p16:designElem xmlns:p16="http://schemas.microsoft.com/office/powerpoint/2015/main" xmlns="" val="1"/>
+                <p16:designElem xmlns="" xmlns:p16="http://schemas.microsoft.com/office/powerpoint/2015/main" val="1"/>
               </p:ext>
             </p:extLst>
           </p:nvPr>
@@ -10850,7 +10851,7 @@
           <p:cNvPr id="2" name="Title 1">
             <a:extLst>
               <a:ext uri="{FF2B5EF4-FFF2-40B4-BE49-F238E27FC236}">
-                <a16:creationId xmlns:a16="http://schemas.microsoft.com/office/drawing/2014/main" xmlns="" id="{A5F6196D-B07E-499E-92C0-6953CE9F25D4}"/>
+                <a16:creationId xmlns="" xmlns:a16="http://schemas.microsoft.com/office/drawing/2014/main" id="{A5F6196D-B07E-499E-92C0-6953CE9F25D4}"/>
               </a:ext>
             </a:extLst>
           </p:cNvPr>
@@ -10889,7 +10890,7 @@
               <p:cNvPr id="17" name="Content Placeholder 16">
                 <a:extLst>
                   <a:ext uri="{FF2B5EF4-FFF2-40B4-BE49-F238E27FC236}">
-                    <a16:creationId xmlns:a16="http://schemas.microsoft.com/office/drawing/2014/main" xmlns="" id="{5FDBA27F-9676-4EE6-B75A-C35B42A0CD81}"/>
+                    <a16:creationId xmlns="" xmlns:a16="http://schemas.microsoft.com/office/drawing/2014/main" id="{5FDBA27F-9676-4EE6-B75A-C35B42A0CD81}"/>
                   </a:ext>
                 </a:extLst>
               </p:cNvPr>
@@ -11007,7 +11008,7 @@
           <p:cNvPr id="15" name="Content Placeholder 16">
             <a:extLst>
               <a:ext uri="{FF2B5EF4-FFF2-40B4-BE49-F238E27FC236}">
-                <a16:creationId xmlns:a16="http://schemas.microsoft.com/office/drawing/2014/main" xmlns="" id="{5FDBA27F-9676-4EE6-B75A-C35B42A0CD81}"/>
+                <a16:creationId xmlns="" xmlns:a16="http://schemas.microsoft.com/office/drawing/2014/main" id="{5FDBA27F-9676-4EE6-B75A-C35B42A0CD81}"/>
               </a:ext>
             </a:extLst>
           </p:cNvPr>
@@ -11203,7 +11204,7 @@
           <p:cNvPr id="18" name="Content Placeholder 16">
             <a:extLst>
               <a:ext uri="{FF2B5EF4-FFF2-40B4-BE49-F238E27FC236}">
-                <a16:creationId xmlns:a16="http://schemas.microsoft.com/office/drawing/2014/main" xmlns="" id="{5FDBA27F-9676-4EE6-B75A-C35B42A0CD81}"/>
+                <a16:creationId xmlns="" xmlns:a16="http://schemas.microsoft.com/office/drawing/2014/main" id="{5FDBA27F-9676-4EE6-B75A-C35B42A0CD81}"/>
               </a:ext>
             </a:extLst>
           </p:cNvPr>
@@ -11612,7 +11613,7 @@
           <p:cNvPr id="23" name="Rectangle 22">
             <a:extLst>
               <a:ext uri="{FF2B5EF4-FFF2-40B4-BE49-F238E27FC236}">
-                <a16:creationId xmlns:a16="http://schemas.microsoft.com/office/drawing/2014/main" xmlns="" id="{EE1FC7B4-E4A7-4452-B413-1A623E3A7230}"/>
+                <a16:creationId xmlns="" xmlns:a16="http://schemas.microsoft.com/office/drawing/2014/main" id="{EE1FC7B4-E4A7-4452-B413-1A623E3A7230}"/>
               </a:ext>
             </a:extLst>
           </p:cNvPr>
@@ -11622,7 +11623,7 @@
           <p:nvPr>
             <p:extLst>
               <p:ext uri="{386F3935-93C4-4BCD-93E2-E3B085C9AB24}">
-                <p16:designElem xmlns:p16="http://schemas.microsoft.com/office/powerpoint/2015/main" xmlns="" val="1"/>
+                <p16:designElem xmlns="" xmlns:p16="http://schemas.microsoft.com/office/powerpoint/2015/main" val="1"/>
               </p:ext>
             </p:extLst>
           </p:nvPr>
@@ -11703,7 +11704,7 @@
           <p:cNvPr id="25" name="Freeform 13">
             <a:extLst>
               <a:ext uri="{FF2B5EF4-FFF2-40B4-BE49-F238E27FC236}">
-                <a16:creationId xmlns:a16="http://schemas.microsoft.com/office/drawing/2014/main" xmlns="" id="{E0709AF0-24F0-4486-B189-BE6386BDB198}"/>
+                <a16:creationId xmlns="" xmlns:a16="http://schemas.microsoft.com/office/drawing/2014/main" id="{E0709AF0-24F0-4486-B189-BE6386BDB198}"/>
               </a:ext>
             </a:extLst>
           </p:cNvPr>
@@ -11713,7 +11714,7 @@
           <p:nvPr>
             <p:extLst>
               <p:ext uri="{386F3935-93C4-4BCD-93E2-E3B085C9AB24}">
-                <p16:designElem xmlns:p16="http://schemas.microsoft.com/office/powerpoint/2015/main" xmlns="" val="1"/>
+                <p16:designElem xmlns="" xmlns:p16="http://schemas.microsoft.com/office/powerpoint/2015/main" val="1"/>
               </p:ext>
             </p:extLst>
           </p:nvPr>
@@ -11837,7 +11838,7 @@
           <p:cNvPr id="27" name="Freeform 11">
             <a:extLst>
               <a:ext uri="{FF2B5EF4-FFF2-40B4-BE49-F238E27FC236}">
-                <a16:creationId xmlns:a16="http://schemas.microsoft.com/office/drawing/2014/main" xmlns="" id="{FBE3B62F-5853-4A3C-B050-6186351A7176}"/>
+                <a16:creationId xmlns="" xmlns:a16="http://schemas.microsoft.com/office/drawing/2014/main" id="{FBE3B62F-5853-4A3C-B050-6186351A7176}"/>
               </a:ext>
             </a:extLst>
           </p:cNvPr>
@@ -11847,7 +11848,7 @@
           <p:nvPr>
             <p:extLst>
               <p:ext uri="{386F3935-93C4-4BCD-93E2-E3B085C9AB24}">
-                <p16:designElem xmlns:p16="http://schemas.microsoft.com/office/powerpoint/2015/main" xmlns="" val="1"/>
+                <p16:designElem xmlns="" xmlns:p16="http://schemas.microsoft.com/office/powerpoint/2015/main" val="1"/>
               </p:ext>
             </p:extLst>
           </p:nvPr>
@@ -11973,7 +11974,7 @@
           <p:cNvPr id="2" name="Title 1">
             <a:extLst>
               <a:ext uri="{FF2B5EF4-FFF2-40B4-BE49-F238E27FC236}">
-                <a16:creationId xmlns:a16="http://schemas.microsoft.com/office/drawing/2014/main" xmlns="" id="{A5F6196D-B07E-499E-92C0-6953CE9F25D4}"/>
+                <a16:creationId xmlns="" xmlns:a16="http://schemas.microsoft.com/office/drawing/2014/main" id="{A5F6196D-B07E-499E-92C0-6953CE9F25D4}"/>
               </a:ext>
             </a:extLst>
           </p:cNvPr>
@@ -12012,7 +12013,7 @@
               <p:cNvPr id="17" name="Content Placeholder 16">
                 <a:extLst>
                   <a:ext uri="{FF2B5EF4-FFF2-40B4-BE49-F238E27FC236}">
-                    <a16:creationId xmlns:a16="http://schemas.microsoft.com/office/drawing/2014/main" xmlns="" id="{5FDBA27F-9676-4EE6-B75A-C35B42A0CD81}"/>
+                    <a16:creationId xmlns="" xmlns:a16="http://schemas.microsoft.com/office/drawing/2014/main" id="{5FDBA27F-9676-4EE6-B75A-C35B42A0CD81}"/>
                   </a:ext>
                 </a:extLst>
               </p:cNvPr>
@@ -12130,7 +12131,7 @@
           <p:cNvPr id="15" name="Content Placeholder 16">
             <a:extLst>
               <a:ext uri="{FF2B5EF4-FFF2-40B4-BE49-F238E27FC236}">
-                <a16:creationId xmlns:a16="http://schemas.microsoft.com/office/drawing/2014/main" xmlns="" id="{5FDBA27F-9676-4EE6-B75A-C35B42A0CD81}"/>
+                <a16:creationId xmlns="" xmlns:a16="http://schemas.microsoft.com/office/drawing/2014/main" id="{5FDBA27F-9676-4EE6-B75A-C35B42A0CD81}"/>
               </a:ext>
             </a:extLst>
           </p:cNvPr>
@@ -12326,7 +12327,7 @@
           <p:cNvPr id="18" name="Content Placeholder 16">
             <a:extLst>
               <a:ext uri="{FF2B5EF4-FFF2-40B4-BE49-F238E27FC236}">
-                <a16:creationId xmlns:a16="http://schemas.microsoft.com/office/drawing/2014/main" xmlns="" id="{5FDBA27F-9676-4EE6-B75A-C35B42A0CD81}"/>
+                <a16:creationId xmlns="" xmlns:a16="http://schemas.microsoft.com/office/drawing/2014/main" id="{5FDBA27F-9676-4EE6-B75A-C35B42A0CD81}"/>
               </a:ext>
             </a:extLst>
           </p:cNvPr>
@@ -13109,7 +13110,7 @@
           <p:cNvPr id="23" name="Rectangle 22">
             <a:extLst>
               <a:ext uri="{FF2B5EF4-FFF2-40B4-BE49-F238E27FC236}">
-                <a16:creationId xmlns:a16="http://schemas.microsoft.com/office/drawing/2014/main" xmlns="" id="{EE1FC7B4-E4A7-4452-B413-1A623E3A7230}"/>
+                <a16:creationId xmlns="" xmlns:a16="http://schemas.microsoft.com/office/drawing/2014/main" id="{EE1FC7B4-E4A7-4452-B413-1A623E3A7230}"/>
               </a:ext>
             </a:extLst>
           </p:cNvPr>
@@ -13119,7 +13120,7 @@
           <p:nvPr>
             <p:extLst>
               <p:ext uri="{386F3935-93C4-4BCD-93E2-E3B085C9AB24}">
-                <p16:designElem xmlns:p16="http://schemas.microsoft.com/office/powerpoint/2015/main" xmlns="" val="1"/>
+                <p16:designElem xmlns="" xmlns:p16="http://schemas.microsoft.com/office/powerpoint/2015/main" val="1"/>
               </p:ext>
             </p:extLst>
           </p:nvPr>
@@ -13200,7 +13201,7 @@
           <p:cNvPr id="25" name="Freeform 13">
             <a:extLst>
               <a:ext uri="{FF2B5EF4-FFF2-40B4-BE49-F238E27FC236}">
-                <a16:creationId xmlns:a16="http://schemas.microsoft.com/office/drawing/2014/main" xmlns="" id="{E0709AF0-24F0-4486-B189-BE6386BDB198}"/>
+                <a16:creationId xmlns="" xmlns:a16="http://schemas.microsoft.com/office/drawing/2014/main" id="{E0709AF0-24F0-4486-B189-BE6386BDB198}"/>
               </a:ext>
             </a:extLst>
           </p:cNvPr>
@@ -13210,7 +13211,7 @@
           <p:nvPr>
             <p:extLst>
               <p:ext uri="{386F3935-93C4-4BCD-93E2-E3B085C9AB24}">
-                <p16:designElem xmlns:p16="http://schemas.microsoft.com/office/powerpoint/2015/main" xmlns="" val="1"/>
+                <p16:designElem xmlns="" xmlns:p16="http://schemas.microsoft.com/office/powerpoint/2015/main" val="1"/>
               </p:ext>
             </p:extLst>
           </p:nvPr>
@@ -13334,7 +13335,7 @@
           <p:cNvPr id="27" name="Freeform 11">
             <a:extLst>
               <a:ext uri="{FF2B5EF4-FFF2-40B4-BE49-F238E27FC236}">
-                <a16:creationId xmlns:a16="http://schemas.microsoft.com/office/drawing/2014/main" xmlns="" id="{FBE3B62F-5853-4A3C-B050-6186351A7176}"/>
+                <a16:creationId xmlns="" xmlns:a16="http://schemas.microsoft.com/office/drawing/2014/main" id="{FBE3B62F-5853-4A3C-B050-6186351A7176}"/>
               </a:ext>
             </a:extLst>
           </p:cNvPr>
@@ -13344,7 +13345,7 @@
           <p:nvPr>
             <p:extLst>
               <p:ext uri="{386F3935-93C4-4BCD-93E2-E3B085C9AB24}">
-                <p16:designElem xmlns:p16="http://schemas.microsoft.com/office/powerpoint/2015/main" xmlns="" val="1"/>
+                <p16:designElem xmlns="" xmlns:p16="http://schemas.microsoft.com/office/powerpoint/2015/main" val="1"/>
               </p:ext>
             </p:extLst>
           </p:nvPr>
@@ -13470,7 +13471,7 @@
           <p:cNvPr id="2" name="Title 1">
             <a:extLst>
               <a:ext uri="{FF2B5EF4-FFF2-40B4-BE49-F238E27FC236}">
-                <a16:creationId xmlns:a16="http://schemas.microsoft.com/office/drawing/2014/main" xmlns="" id="{A5F6196D-B07E-499E-92C0-6953CE9F25D4}"/>
+                <a16:creationId xmlns="" xmlns:a16="http://schemas.microsoft.com/office/drawing/2014/main" id="{A5F6196D-B07E-499E-92C0-6953CE9F25D4}"/>
               </a:ext>
             </a:extLst>
           </p:cNvPr>
@@ -13507,7 +13508,7 @@
           <p:cNvPr id="15" name="Content Placeholder 16">
             <a:extLst>
               <a:ext uri="{FF2B5EF4-FFF2-40B4-BE49-F238E27FC236}">
-                <a16:creationId xmlns:a16="http://schemas.microsoft.com/office/drawing/2014/main" xmlns="" id="{5FDBA27F-9676-4EE6-B75A-C35B42A0CD81}"/>
+                <a16:creationId xmlns="" xmlns:a16="http://schemas.microsoft.com/office/drawing/2014/main" id="{5FDBA27F-9676-4EE6-B75A-C35B42A0CD81}"/>
               </a:ext>
             </a:extLst>
           </p:cNvPr>
@@ -13703,7 +13704,7 @@
           <p:cNvPr id="18" name="Content Placeholder 16">
             <a:extLst>
               <a:ext uri="{FF2B5EF4-FFF2-40B4-BE49-F238E27FC236}">
-                <a16:creationId xmlns:a16="http://schemas.microsoft.com/office/drawing/2014/main" xmlns="" id="{5FDBA27F-9676-4EE6-B75A-C35B42A0CD81}"/>
+                <a16:creationId xmlns="" xmlns:a16="http://schemas.microsoft.com/office/drawing/2014/main" id="{5FDBA27F-9676-4EE6-B75A-C35B42A0CD81}"/>
               </a:ext>
             </a:extLst>
           </p:cNvPr>
@@ -13974,7 +13975,7 @@
           <p:cNvPr id="39" name="Freeform: Shape 38">
             <a:extLst>
               <a:ext uri="{FF2B5EF4-FFF2-40B4-BE49-F238E27FC236}">
-                <a16:creationId xmlns:a16="http://schemas.microsoft.com/office/drawing/2014/main" xmlns="" id="{64965EAE-E41A-435F-B993-07E824B6C977}"/>
+                <a16:creationId xmlns="" xmlns:a16="http://schemas.microsoft.com/office/drawing/2014/main" id="{64965EAE-E41A-435F-B993-07E824B6C977}"/>
               </a:ext>
             </a:extLst>
           </p:cNvPr>
@@ -13984,7 +13985,7 @@
           <p:nvPr>
             <p:extLst>
               <p:ext uri="{386F3935-93C4-4BCD-93E2-E3B085C9AB24}">
-                <p16:designElem xmlns:p16="http://schemas.microsoft.com/office/powerpoint/2015/main" xmlns="" val="1"/>
+                <p16:designElem xmlns="" xmlns:p16="http://schemas.microsoft.com/office/powerpoint/2015/main" val="1"/>
               </p:ext>
             </p:extLst>
           </p:nvPr>
@@ -14083,7 +14084,7 @@
           <p:cNvPr id="41" name="Freeform: Shape 40">
             <a:extLst>
               <a:ext uri="{FF2B5EF4-FFF2-40B4-BE49-F238E27FC236}">
-                <a16:creationId xmlns:a16="http://schemas.microsoft.com/office/drawing/2014/main" xmlns="" id="{152F8994-E6D4-4311-9548-C3607BC43645}"/>
+                <a16:creationId xmlns="" xmlns:a16="http://schemas.microsoft.com/office/drawing/2014/main" id="{152F8994-E6D4-4311-9548-C3607BC43645}"/>
               </a:ext>
             </a:extLst>
           </p:cNvPr>
@@ -14093,7 +14094,7 @@
           <p:nvPr>
             <p:extLst>
               <p:ext uri="{386F3935-93C4-4BCD-93E2-E3B085C9AB24}">
-                <p16:designElem xmlns:p16="http://schemas.microsoft.com/office/powerpoint/2015/main" xmlns="" val="1"/>
+                <p16:designElem xmlns="" xmlns:p16="http://schemas.microsoft.com/office/powerpoint/2015/main" val="1"/>
               </p:ext>
             </p:extLst>
           </p:nvPr>
@@ -14191,7 +14192,7 @@
           <p:cNvPr id="2" name="Title 1">
             <a:extLst>
               <a:ext uri="{FF2B5EF4-FFF2-40B4-BE49-F238E27FC236}">
-                <a16:creationId xmlns:a16="http://schemas.microsoft.com/office/drawing/2014/main" xmlns="" id="{A5F6196D-B07E-499E-92C0-6953CE9F25D4}"/>
+                <a16:creationId xmlns="" xmlns:a16="http://schemas.microsoft.com/office/drawing/2014/main" id="{A5F6196D-B07E-499E-92C0-6953CE9F25D4}"/>
               </a:ext>
             </a:extLst>
           </p:cNvPr>
@@ -14235,7 +14236,7 @@
           <p:cNvPr id="17" name="Content Placeholder 16">
             <a:extLst>
               <a:ext uri="{FF2B5EF4-FFF2-40B4-BE49-F238E27FC236}">
-                <a16:creationId xmlns:a16="http://schemas.microsoft.com/office/drawing/2014/main" xmlns="" id="{5FDBA27F-9676-4EE6-B75A-C35B42A0CD81}"/>
+                <a16:creationId xmlns="" xmlns:a16="http://schemas.microsoft.com/office/drawing/2014/main" id="{5FDBA27F-9676-4EE6-B75A-C35B42A0CD81}"/>
               </a:ext>
             </a:extLst>
           </p:cNvPr>
@@ -14464,7 +14465,7 @@
           <p:cNvPr id="16" name="Title 1">
             <a:extLst>
               <a:ext uri="{FF2B5EF4-FFF2-40B4-BE49-F238E27FC236}">
-                <a16:creationId xmlns:a16="http://schemas.microsoft.com/office/drawing/2014/main" xmlns="" id="{A5F6196D-B07E-499E-92C0-6953CE9F25D4}"/>
+                <a16:creationId xmlns="" xmlns:a16="http://schemas.microsoft.com/office/drawing/2014/main" id="{A5F6196D-B07E-499E-92C0-6953CE9F25D4}"/>
               </a:ext>
             </a:extLst>
           </p:cNvPr>
@@ -14527,7 +14528,7 @@
           <p:cNvPr id="18" name="Content Placeholder 16">
             <a:extLst>
               <a:ext uri="{FF2B5EF4-FFF2-40B4-BE49-F238E27FC236}">
-                <a16:creationId xmlns:a16="http://schemas.microsoft.com/office/drawing/2014/main" xmlns="" id="{5FDBA27F-9676-4EE6-B75A-C35B42A0CD81}"/>
+                <a16:creationId xmlns="" xmlns:a16="http://schemas.microsoft.com/office/drawing/2014/main" id="{5FDBA27F-9676-4EE6-B75A-C35B42A0CD81}"/>
               </a:ext>
             </a:extLst>
           </p:cNvPr>
@@ -14792,7 +14793,7 @@
           <p:cNvPr id="23" name="Rectangle 22">
             <a:extLst>
               <a:ext uri="{FF2B5EF4-FFF2-40B4-BE49-F238E27FC236}">
-                <a16:creationId xmlns:a16="http://schemas.microsoft.com/office/drawing/2014/main" xmlns="" id="{EE1FC7B4-E4A7-4452-B413-1A623E3A7230}"/>
+                <a16:creationId xmlns="" xmlns:a16="http://schemas.microsoft.com/office/drawing/2014/main" id="{EE1FC7B4-E4A7-4452-B413-1A623E3A7230}"/>
               </a:ext>
             </a:extLst>
           </p:cNvPr>
@@ -14802,7 +14803,7 @@
           <p:nvPr>
             <p:extLst>
               <p:ext uri="{386F3935-93C4-4BCD-93E2-E3B085C9AB24}">
-                <p16:designElem xmlns:p16="http://schemas.microsoft.com/office/powerpoint/2015/main" xmlns="" val="1"/>
+                <p16:designElem xmlns="" xmlns:p16="http://schemas.microsoft.com/office/powerpoint/2015/main" val="1"/>
               </p:ext>
             </p:extLst>
           </p:nvPr>
@@ -14883,7 +14884,7 @@
           <p:cNvPr id="25" name="Freeform 13">
             <a:extLst>
               <a:ext uri="{FF2B5EF4-FFF2-40B4-BE49-F238E27FC236}">
-                <a16:creationId xmlns:a16="http://schemas.microsoft.com/office/drawing/2014/main" xmlns="" id="{E0709AF0-24F0-4486-B189-BE6386BDB198}"/>
+                <a16:creationId xmlns="" xmlns:a16="http://schemas.microsoft.com/office/drawing/2014/main" id="{E0709AF0-24F0-4486-B189-BE6386BDB198}"/>
               </a:ext>
             </a:extLst>
           </p:cNvPr>
@@ -14893,7 +14894,7 @@
           <p:nvPr>
             <p:extLst>
               <p:ext uri="{386F3935-93C4-4BCD-93E2-E3B085C9AB24}">
-                <p16:designElem xmlns:p16="http://schemas.microsoft.com/office/powerpoint/2015/main" xmlns="" val="1"/>
+                <p16:designElem xmlns="" xmlns:p16="http://schemas.microsoft.com/office/powerpoint/2015/main" val="1"/>
               </p:ext>
             </p:extLst>
           </p:nvPr>
@@ -15017,7 +15018,7 @@
           <p:cNvPr id="27" name="Freeform 11">
             <a:extLst>
               <a:ext uri="{FF2B5EF4-FFF2-40B4-BE49-F238E27FC236}">
-                <a16:creationId xmlns:a16="http://schemas.microsoft.com/office/drawing/2014/main" xmlns="" id="{FBE3B62F-5853-4A3C-B050-6186351A7176}"/>
+                <a16:creationId xmlns="" xmlns:a16="http://schemas.microsoft.com/office/drawing/2014/main" id="{FBE3B62F-5853-4A3C-B050-6186351A7176}"/>
               </a:ext>
             </a:extLst>
           </p:cNvPr>
@@ -15027,7 +15028,7 @@
           <p:nvPr>
             <p:extLst>
               <p:ext uri="{386F3935-93C4-4BCD-93E2-E3B085C9AB24}">
-                <p16:designElem xmlns:p16="http://schemas.microsoft.com/office/powerpoint/2015/main" xmlns="" val="1"/>
+                <p16:designElem xmlns="" xmlns:p16="http://schemas.microsoft.com/office/powerpoint/2015/main" val="1"/>
               </p:ext>
             </p:extLst>
           </p:nvPr>
@@ -15153,7 +15154,7 @@
           <p:cNvPr id="15" name="Title 1">
             <a:extLst>
               <a:ext uri="{FF2B5EF4-FFF2-40B4-BE49-F238E27FC236}">
-                <a16:creationId xmlns:a16="http://schemas.microsoft.com/office/drawing/2014/main" xmlns="" id="{48EC109C-56A4-422C-9F35-8567F8D624CE}"/>
+                <a16:creationId xmlns="" xmlns:a16="http://schemas.microsoft.com/office/drawing/2014/main" id="{48EC109C-56A4-422C-9F35-8567F8D624CE}"/>
               </a:ext>
             </a:extLst>
           </p:cNvPr>
@@ -15237,7 +15238,7 @@
           <p:cNvPr id="16" name="Picture 15">
             <a:extLst>
               <a:ext uri="{FF2B5EF4-FFF2-40B4-BE49-F238E27FC236}">
-                <a16:creationId xmlns:a16="http://schemas.microsoft.com/office/drawing/2014/main" xmlns="" id="{F6726E6B-363C-4E50-8446-79407E2AEB25}"/>
+                <a16:creationId xmlns="" xmlns:a16="http://schemas.microsoft.com/office/drawing/2014/main" id="{F6726E6B-363C-4E50-8446-79407E2AEB25}"/>
               </a:ext>
             </a:extLst>
           </p:cNvPr>
@@ -15273,7 +15274,7 @@
           <p:cNvPr id="19" name="TextBox 18">
             <a:extLst>
               <a:ext uri="{FF2B5EF4-FFF2-40B4-BE49-F238E27FC236}">
-                <a16:creationId xmlns:a16="http://schemas.microsoft.com/office/drawing/2014/main" xmlns="" id="{0853C66F-B064-4E12-9E48-5D11B374C147}"/>
+                <a16:creationId xmlns="" xmlns:a16="http://schemas.microsoft.com/office/drawing/2014/main" id="{0853C66F-B064-4E12-9E48-5D11B374C147}"/>
               </a:ext>
             </a:extLst>
           </p:cNvPr>
@@ -15338,7 +15339,7 @@
           <p:cNvPr id="7" name="Rectangle 6">
             <a:extLst>
               <a:ext uri="{FF2B5EF4-FFF2-40B4-BE49-F238E27FC236}">
-                <a16:creationId xmlns:a16="http://schemas.microsoft.com/office/drawing/2014/main" xmlns="" id="{7605F2D1-1EC6-46B5-9601-DA1C25DA0B7A}"/>
+                <a16:creationId xmlns="" xmlns:a16="http://schemas.microsoft.com/office/drawing/2014/main" id="{7605F2D1-1EC6-46B5-9601-DA1C25DA0B7A}"/>
               </a:ext>
             </a:extLst>
           </p:cNvPr>
@@ -15481,7 +15482,7 @@
           <p:cNvPr id="23" name="Rectangle 22">
             <a:extLst>
               <a:ext uri="{FF2B5EF4-FFF2-40B4-BE49-F238E27FC236}">
-                <a16:creationId xmlns:a16="http://schemas.microsoft.com/office/drawing/2014/main" xmlns="" id="{EE1FC7B4-E4A7-4452-B413-1A623E3A7230}"/>
+                <a16:creationId xmlns="" xmlns:a16="http://schemas.microsoft.com/office/drawing/2014/main" id="{EE1FC7B4-E4A7-4452-B413-1A623E3A7230}"/>
               </a:ext>
             </a:extLst>
           </p:cNvPr>
@@ -15491,7 +15492,7 @@
           <p:nvPr>
             <p:extLst>
               <p:ext uri="{386F3935-93C4-4BCD-93E2-E3B085C9AB24}">
-                <p16:designElem xmlns:p16="http://schemas.microsoft.com/office/powerpoint/2015/main" xmlns="" val="1"/>
+                <p16:designElem xmlns="" xmlns:p16="http://schemas.microsoft.com/office/powerpoint/2015/main" val="1"/>
               </p:ext>
             </p:extLst>
           </p:nvPr>
@@ -15572,7 +15573,7 @@
           <p:cNvPr id="25" name="Freeform 13">
             <a:extLst>
               <a:ext uri="{FF2B5EF4-FFF2-40B4-BE49-F238E27FC236}">
-                <a16:creationId xmlns:a16="http://schemas.microsoft.com/office/drawing/2014/main" xmlns="" id="{E0709AF0-24F0-4486-B189-BE6386BDB198}"/>
+                <a16:creationId xmlns="" xmlns:a16="http://schemas.microsoft.com/office/drawing/2014/main" id="{E0709AF0-24F0-4486-B189-BE6386BDB198}"/>
               </a:ext>
             </a:extLst>
           </p:cNvPr>
@@ -15582,7 +15583,7 @@
           <p:nvPr>
             <p:extLst>
               <p:ext uri="{386F3935-93C4-4BCD-93E2-E3B085C9AB24}">
-                <p16:designElem xmlns:p16="http://schemas.microsoft.com/office/powerpoint/2015/main" xmlns="" val="1"/>
+                <p16:designElem xmlns="" xmlns:p16="http://schemas.microsoft.com/office/powerpoint/2015/main" val="1"/>
               </p:ext>
             </p:extLst>
           </p:nvPr>
@@ -15706,7 +15707,7 @@
           <p:cNvPr id="27" name="Freeform 11">
             <a:extLst>
               <a:ext uri="{FF2B5EF4-FFF2-40B4-BE49-F238E27FC236}">
-                <a16:creationId xmlns:a16="http://schemas.microsoft.com/office/drawing/2014/main" xmlns="" id="{FBE3B62F-5853-4A3C-B050-6186351A7176}"/>
+                <a16:creationId xmlns="" xmlns:a16="http://schemas.microsoft.com/office/drawing/2014/main" id="{FBE3B62F-5853-4A3C-B050-6186351A7176}"/>
               </a:ext>
             </a:extLst>
           </p:cNvPr>
@@ -15716,7 +15717,7 @@
           <p:nvPr>
             <p:extLst>
               <p:ext uri="{386F3935-93C4-4BCD-93E2-E3B085C9AB24}">
-                <p16:designElem xmlns:p16="http://schemas.microsoft.com/office/powerpoint/2015/main" xmlns="" val="1"/>
+                <p16:designElem xmlns="" xmlns:p16="http://schemas.microsoft.com/office/powerpoint/2015/main" val="1"/>
               </p:ext>
             </p:extLst>
           </p:nvPr>
@@ -15842,7 +15843,7 @@
           <p:cNvPr id="2" name="Title 1">
             <a:extLst>
               <a:ext uri="{FF2B5EF4-FFF2-40B4-BE49-F238E27FC236}">
-                <a16:creationId xmlns:a16="http://schemas.microsoft.com/office/drawing/2014/main" xmlns="" id="{A5F6196D-B07E-499E-92C0-6953CE9F25D4}"/>
+                <a16:creationId xmlns="" xmlns:a16="http://schemas.microsoft.com/office/drawing/2014/main" id="{A5F6196D-B07E-499E-92C0-6953CE9F25D4}"/>
               </a:ext>
             </a:extLst>
           </p:cNvPr>
@@ -15879,7 +15880,7 @@
           <p:cNvPr id="18" name="Content Placeholder 16">
             <a:extLst>
               <a:ext uri="{FF2B5EF4-FFF2-40B4-BE49-F238E27FC236}">
-                <a16:creationId xmlns:a16="http://schemas.microsoft.com/office/drawing/2014/main" xmlns="" id="{5FDBA27F-9676-4EE6-B75A-C35B42A0CD81}"/>
+                <a16:creationId xmlns="" xmlns:a16="http://schemas.microsoft.com/office/drawing/2014/main" id="{5FDBA27F-9676-4EE6-B75A-C35B42A0CD81}"/>
               </a:ext>
             </a:extLst>
           </p:cNvPr>
@@ -16393,7 +16394,7 @@
           <p:cNvPr id="23" name="Rectangle 22">
             <a:extLst>
               <a:ext uri="{FF2B5EF4-FFF2-40B4-BE49-F238E27FC236}">
-                <a16:creationId xmlns:a16="http://schemas.microsoft.com/office/drawing/2014/main" xmlns="" id="{EE1FC7B4-E4A7-4452-B413-1A623E3A7230}"/>
+                <a16:creationId xmlns="" xmlns:a16="http://schemas.microsoft.com/office/drawing/2014/main" id="{EE1FC7B4-E4A7-4452-B413-1A623E3A7230}"/>
               </a:ext>
             </a:extLst>
           </p:cNvPr>
@@ -16403,7 +16404,7 @@
           <p:nvPr>
             <p:extLst>
               <p:ext uri="{386F3935-93C4-4BCD-93E2-E3B085C9AB24}">
-                <p16:designElem xmlns:p16="http://schemas.microsoft.com/office/powerpoint/2015/main" xmlns="" val="1"/>
+                <p16:designElem xmlns="" xmlns:p16="http://schemas.microsoft.com/office/powerpoint/2015/main" val="1"/>
               </p:ext>
             </p:extLst>
           </p:nvPr>
@@ -16484,7 +16485,7 @@
           <p:cNvPr id="25" name="Freeform 13">
             <a:extLst>
               <a:ext uri="{FF2B5EF4-FFF2-40B4-BE49-F238E27FC236}">
-                <a16:creationId xmlns:a16="http://schemas.microsoft.com/office/drawing/2014/main" xmlns="" id="{E0709AF0-24F0-4486-B189-BE6386BDB198}"/>
+                <a16:creationId xmlns="" xmlns:a16="http://schemas.microsoft.com/office/drawing/2014/main" id="{E0709AF0-24F0-4486-B189-BE6386BDB198}"/>
               </a:ext>
             </a:extLst>
           </p:cNvPr>
@@ -16494,7 +16495,7 @@
           <p:nvPr>
             <p:extLst>
               <p:ext uri="{386F3935-93C4-4BCD-93E2-E3B085C9AB24}">
-                <p16:designElem xmlns:p16="http://schemas.microsoft.com/office/powerpoint/2015/main" xmlns="" val="1"/>
+                <p16:designElem xmlns="" xmlns:p16="http://schemas.microsoft.com/office/powerpoint/2015/main" val="1"/>
               </p:ext>
             </p:extLst>
           </p:nvPr>
@@ -16618,7 +16619,7 @@
           <p:cNvPr id="27" name="Freeform 11">
             <a:extLst>
               <a:ext uri="{FF2B5EF4-FFF2-40B4-BE49-F238E27FC236}">
-                <a16:creationId xmlns:a16="http://schemas.microsoft.com/office/drawing/2014/main" xmlns="" id="{FBE3B62F-5853-4A3C-B050-6186351A7176}"/>
+                <a16:creationId xmlns="" xmlns:a16="http://schemas.microsoft.com/office/drawing/2014/main" id="{FBE3B62F-5853-4A3C-B050-6186351A7176}"/>
               </a:ext>
             </a:extLst>
           </p:cNvPr>
@@ -16628,7 +16629,7 @@
           <p:nvPr>
             <p:extLst>
               <p:ext uri="{386F3935-93C4-4BCD-93E2-E3B085C9AB24}">
-                <p16:designElem xmlns:p16="http://schemas.microsoft.com/office/powerpoint/2015/main" xmlns="" val="1"/>
+                <p16:designElem xmlns="" xmlns:p16="http://schemas.microsoft.com/office/powerpoint/2015/main" val="1"/>
               </p:ext>
             </p:extLst>
           </p:nvPr>
@@ -16754,7 +16755,7 @@
           <p:cNvPr id="2" name="Title 1">
             <a:extLst>
               <a:ext uri="{FF2B5EF4-FFF2-40B4-BE49-F238E27FC236}">
-                <a16:creationId xmlns:a16="http://schemas.microsoft.com/office/drawing/2014/main" xmlns="" id="{A5F6196D-B07E-499E-92C0-6953CE9F25D4}"/>
+                <a16:creationId xmlns="" xmlns:a16="http://schemas.microsoft.com/office/drawing/2014/main" id="{A5F6196D-B07E-499E-92C0-6953CE9F25D4}"/>
               </a:ext>
             </a:extLst>
           </p:cNvPr>
@@ -16791,7 +16792,7 @@
           <p:cNvPr id="15" name="Content Placeholder 16">
             <a:extLst>
               <a:ext uri="{FF2B5EF4-FFF2-40B4-BE49-F238E27FC236}">
-                <a16:creationId xmlns:a16="http://schemas.microsoft.com/office/drawing/2014/main" xmlns="" id="{5FDBA27F-9676-4EE6-B75A-C35B42A0CD81}"/>
+                <a16:creationId xmlns="" xmlns:a16="http://schemas.microsoft.com/office/drawing/2014/main" id="{5FDBA27F-9676-4EE6-B75A-C35B42A0CD81}"/>
               </a:ext>
             </a:extLst>
           </p:cNvPr>
@@ -16987,7 +16988,7 @@
           <p:cNvPr id="18" name="Content Placeholder 16">
             <a:extLst>
               <a:ext uri="{FF2B5EF4-FFF2-40B4-BE49-F238E27FC236}">
-                <a16:creationId xmlns:a16="http://schemas.microsoft.com/office/drawing/2014/main" xmlns="" id="{5FDBA27F-9676-4EE6-B75A-C35B42A0CD81}"/>
+                <a16:creationId xmlns="" xmlns:a16="http://schemas.microsoft.com/office/drawing/2014/main" id="{5FDBA27F-9676-4EE6-B75A-C35B42A0CD81}"/>
               </a:ext>
             </a:extLst>
           </p:cNvPr>
@@ -18306,7 +18307,7 @@
           <p:cNvPr id="23" name="Rectangle 22">
             <a:extLst>
               <a:ext uri="{FF2B5EF4-FFF2-40B4-BE49-F238E27FC236}">
-                <a16:creationId xmlns:a16="http://schemas.microsoft.com/office/drawing/2014/main" xmlns="" id="{EE1FC7B4-E4A7-4452-B413-1A623E3A7230}"/>
+                <a16:creationId xmlns="" xmlns:a16="http://schemas.microsoft.com/office/drawing/2014/main" id="{EE1FC7B4-E4A7-4452-B413-1A623E3A7230}"/>
               </a:ext>
             </a:extLst>
           </p:cNvPr>
@@ -18316,7 +18317,7 @@
           <p:nvPr>
             <p:extLst>
               <p:ext uri="{386F3935-93C4-4BCD-93E2-E3B085C9AB24}">
-                <p16:designElem xmlns:p16="http://schemas.microsoft.com/office/powerpoint/2015/main" xmlns="" val="1"/>
+                <p16:designElem xmlns="" xmlns:p16="http://schemas.microsoft.com/office/powerpoint/2015/main" val="1"/>
               </p:ext>
             </p:extLst>
           </p:nvPr>
@@ -18397,7 +18398,7 @@
           <p:cNvPr id="25" name="Freeform 13">
             <a:extLst>
               <a:ext uri="{FF2B5EF4-FFF2-40B4-BE49-F238E27FC236}">
-                <a16:creationId xmlns:a16="http://schemas.microsoft.com/office/drawing/2014/main" xmlns="" id="{E0709AF0-24F0-4486-B189-BE6386BDB198}"/>
+                <a16:creationId xmlns="" xmlns:a16="http://schemas.microsoft.com/office/drawing/2014/main" id="{E0709AF0-24F0-4486-B189-BE6386BDB198}"/>
               </a:ext>
             </a:extLst>
           </p:cNvPr>
@@ -18407,7 +18408,7 @@
           <p:nvPr>
             <p:extLst>
               <p:ext uri="{386F3935-93C4-4BCD-93E2-E3B085C9AB24}">
-                <p16:designElem xmlns:p16="http://schemas.microsoft.com/office/powerpoint/2015/main" xmlns="" val="1"/>
+                <p16:designElem xmlns="" xmlns:p16="http://schemas.microsoft.com/office/powerpoint/2015/main" val="1"/>
               </p:ext>
             </p:extLst>
           </p:nvPr>
@@ -18531,7 +18532,7 @@
           <p:cNvPr id="27" name="Freeform 11">
             <a:extLst>
               <a:ext uri="{FF2B5EF4-FFF2-40B4-BE49-F238E27FC236}">
-                <a16:creationId xmlns:a16="http://schemas.microsoft.com/office/drawing/2014/main" xmlns="" id="{FBE3B62F-5853-4A3C-B050-6186351A7176}"/>
+                <a16:creationId xmlns="" xmlns:a16="http://schemas.microsoft.com/office/drawing/2014/main" id="{FBE3B62F-5853-4A3C-B050-6186351A7176}"/>
               </a:ext>
             </a:extLst>
           </p:cNvPr>
@@ -18541,7 +18542,7 @@
           <p:nvPr>
             <p:extLst>
               <p:ext uri="{386F3935-93C4-4BCD-93E2-E3B085C9AB24}">
-                <p16:designElem xmlns:p16="http://schemas.microsoft.com/office/powerpoint/2015/main" xmlns="" val="1"/>
+                <p16:designElem xmlns="" xmlns:p16="http://schemas.microsoft.com/office/powerpoint/2015/main" val="1"/>
               </p:ext>
             </p:extLst>
           </p:nvPr>
@@ -18667,7 +18668,7 @@
           <p:cNvPr id="2" name="Title 1">
             <a:extLst>
               <a:ext uri="{FF2B5EF4-FFF2-40B4-BE49-F238E27FC236}">
-                <a16:creationId xmlns:a16="http://schemas.microsoft.com/office/drawing/2014/main" xmlns="" id="{A5F6196D-B07E-499E-92C0-6953CE9F25D4}"/>
+                <a16:creationId xmlns="" xmlns:a16="http://schemas.microsoft.com/office/drawing/2014/main" id="{A5F6196D-B07E-499E-92C0-6953CE9F25D4}"/>
               </a:ext>
             </a:extLst>
           </p:cNvPr>
@@ -18704,7 +18705,7 @@
           <p:cNvPr id="15" name="Content Placeholder 16">
             <a:extLst>
               <a:ext uri="{FF2B5EF4-FFF2-40B4-BE49-F238E27FC236}">
-                <a16:creationId xmlns:a16="http://schemas.microsoft.com/office/drawing/2014/main" xmlns="" id="{5FDBA27F-9676-4EE6-B75A-C35B42A0CD81}"/>
+                <a16:creationId xmlns="" xmlns:a16="http://schemas.microsoft.com/office/drawing/2014/main" id="{5FDBA27F-9676-4EE6-B75A-C35B42A0CD81}"/>
               </a:ext>
             </a:extLst>
           </p:cNvPr>
@@ -18900,7 +18901,7 @@
           <p:cNvPr id="18" name="Content Placeholder 16">
             <a:extLst>
               <a:ext uri="{FF2B5EF4-FFF2-40B4-BE49-F238E27FC236}">
-                <a16:creationId xmlns:a16="http://schemas.microsoft.com/office/drawing/2014/main" xmlns="" id="{5FDBA27F-9676-4EE6-B75A-C35B42A0CD81}"/>
+                <a16:creationId xmlns="" xmlns:a16="http://schemas.microsoft.com/office/drawing/2014/main" id="{5FDBA27F-9676-4EE6-B75A-C35B42A0CD81}"/>
               </a:ext>
             </a:extLst>
           </p:cNvPr>
@@ -20524,7 +20525,7 @@
           <p:cNvPr id="23" name="Rectangle 22">
             <a:extLst>
               <a:ext uri="{FF2B5EF4-FFF2-40B4-BE49-F238E27FC236}">
-                <a16:creationId xmlns:a16="http://schemas.microsoft.com/office/drawing/2014/main" xmlns="" id="{EE1FC7B4-E4A7-4452-B413-1A623E3A7230}"/>
+                <a16:creationId xmlns="" xmlns:a16="http://schemas.microsoft.com/office/drawing/2014/main" id="{EE1FC7B4-E4A7-4452-B413-1A623E3A7230}"/>
               </a:ext>
             </a:extLst>
           </p:cNvPr>
@@ -20534,7 +20535,7 @@
           <p:nvPr>
             <p:extLst>
               <p:ext uri="{386F3935-93C4-4BCD-93E2-E3B085C9AB24}">
-                <p16:designElem xmlns:p16="http://schemas.microsoft.com/office/powerpoint/2015/main" xmlns="" val="1"/>
+                <p16:designElem xmlns="" xmlns:p16="http://schemas.microsoft.com/office/powerpoint/2015/main" val="1"/>
               </p:ext>
             </p:extLst>
           </p:nvPr>
@@ -20615,7 +20616,7 @@
           <p:cNvPr id="25" name="Freeform 13">
             <a:extLst>
               <a:ext uri="{FF2B5EF4-FFF2-40B4-BE49-F238E27FC236}">
-                <a16:creationId xmlns:a16="http://schemas.microsoft.com/office/drawing/2014/main" xmlns="" id="{E0709AF0-24F0-4486-B189-BE6386BDB198}"/>
+                <a16:creationId xmlns="" xmlns:a16="http://schemas.microsoft.com/office/drawing/2014/main" id="{E0709AF0-24F0-4486-B189-BE6386BDB198}"/>
               </a:ext>
             </a:extLst>
           </p:cNvPr>
@@ -20625,7 +20626,7 @@
           <p:nvPr>
             <p:extLst>
               <p:ext uri="{386F3935-93C4-4BCD-93E2-E3B085C9AB24}">
-                <p16:designElem xmlns:p16="http://schemas.microsoft.com/office/powerpoint/2015/main" xmlns="" val="1"/>
+                <p16:designElem xmlns="" xmlns:p16="http://schemas.microsoft.com/office/powerpoint/2015/main" val="1"/>
               </p:ext>
             </p:extLst>
           </p:nvPr>
@@ -20749,7 +20750,7 @@
           <p:cNvPr id="27" name="Freeform 11">
             <a:extLst>
               <a:ext uri="{FF2B5EF4-FFF2-40B4-BE49-F238E27FC236}">
-                <a16:creationId xmlns:a16="http://schemas.microsoft.com/office/drawing/2014/main" xmlns="" id="{FBE3B62F-5853-4A3C-B050-6186351A7176}"/>
+                <a16:creationId xmlns="" xmlns:a16="http://schemas.microsoft.com/office/drawing/2014/main" id="{FBE3B62F-5853-4A3C-B050-6186351A7176}"/>
               </a:ext>
             </a:extLst>
           </p:cNvPr>
@@ -20759,7 +20760,7 @@
           <p:nvPr>
             <p:extLst>
               <p:ext uri="{386F3935-93C4-4BCD-93E2-E3B085C9AB24}">
-                <p16:designElem xmlns:p16="http://schemas.microsoft.com/office/powerpoint/2015/main" xmlns="" val="1"/>
+                <p16:designElem xmlns="" xmlns:p16="http://schemas.microsoft.com/office/powerpoint/2015/main" val="1"/>
               </p:ext>
             </p:extLst>
           </p:nvPr>
@@ -20885,7 +20886,7 @@
           <p:cNvPr id="2" name="Title 1">
             <a:extLst>
               <a:ext uri="{FF2B5EF4-FFF2-40B4-BE49-F238E27FC236}">
-                <a16:creationId xmlns:a16="http://schemas.microsoft.com/office/drawing/2014/main" xmlns="" id="{A5F6196D-B07E-499E-92C0-6953CE9F25D4}"/>
+                <a16:creationId xmlns="" xmlns:a16="http://schemas.microsoft.com/office/drawing/2014/main" id="{A5F6196D-B07E-499E-92C0-6953CE9F25D4}"/>
               </a:ext>
             </a:extLst>
           </p:cNvPr>
@@ -20922,7 +20923,7 @@
           <p:cNvPr id="15" name="Content Placeholder 16">
             <a:extLst>
               <a:ext uri="{FF2B5EF4-FFF2-40B4-BE49-F238E27FC236}">
-                <a16:creationId xmlns:a16="http://schemas.microsoft.com/office/drawing/2014/main" xmlns="" id="{5FDBA27F-9676-4EE6-B75A-C35B42A0CD81}"/>
+                <a16:creationId xmlns="" xmlns:a16="http://schemas.microsoft.com/office/drawing/2014/main" id="{5FDBA27F-9676-4EE6-B75A-C35B42A0CD81}"/>
               </a:ext>
             </a:extLst>
           </p:cNvPr>
@@ -21118,7 +21119,7 @@
           <p:cNvPr id="18" name="Content Placeholder 16">
             <a:extLst>
               <a:ext uri="{FF2B5EF4-FFF2-40B4-BE49-F238E27FC236}">
-                <a16:creationId xmlns:a16="http://schemas.microsoft.com/office/drawing/2014/main" xmlns="" id="{5FDBA27F-9676-4EE6-B75A-C35B42A0CD81}"/>
+                <a16:creationId xmlns="" xmlns:a16="http://schemas.microsoft.com/office/drawing/2014/main" id="{5FDBA27F-9676-4EE6-B75A-C35B42A0CD81}"/>
               </a:ext>
             </a:extLst>
           </p:cNvPr>
@@ -22800,7 +22801,7 @@
           <p:cNvPr id="23" name="Rectangle 22">
             <a:extLst>
               <a:ext uri="{FF2B5EF4-FFF2-40B4-BE49-F238E27FC236}">
-                <a16:creationId xmlns:a16="http://schemas.microsoft.com/office/drawing/2014/main" xmlns="" id="{EE1FC7B4-E4A7-4452-B413-1A623E3A7230}"/>
+                <a16:creationId xmlns="" xmlns:a16="http://schemas.microsoft.com/office/drawing/2014/main" id="{EE1FC7B4-E4A7-4452-B413-1A623E3A7230}"/>
               </a:ext>
             </a:extLst>
           </p:cNvPr>
@@ -22810,7 +22811,7 @@
           <p:nvPr>
             <p:extLst>
               <p:ext uri="{386F3935-93C4-4BCD-93E2-E3B085C9AB24}">
-                <p16:designElem xmlns:p16="http://schemas.microsoft.com/office/powerpoint/2015/main" xmlns="" val="1"/>
+                <p16:designElem xmlns="" xmlns:p16="http://schemas.microsoft.com/office/powerpoint/2015/main" val="1"/>
               </p:ext>
             </p:extLst>
           </p:nvPr>
@@ -22891,7 +22892,7 @@
           <p:cNvPr id="25" name="Freeform 13">
             <a:extLst>
               <a:ext uri="{FF2B5EF4-FFF2-40B4-BE49-F238E27FC236}">
-                <a16:creationId xmlns:a16="http://schemas.microsoft.com/office/drawing/2014/main" xmlns="" id="{E0709AF0-24F0-4486-B189-BE6386BDB198}"/>
+                <a16:creationId xmlns="" xmlns:a16="http://schemas.microsoft.com/office/drawing/2014/main" id="{E0709AF0-24F0-4486-B189-BE6386BDB198}"/>
               </a:ext>
             </a:extLst>
           </p:cNvPr>
@@ -22901,7 +22902,7 @@
           <p:nvPr>
             <p:extLst>
               <p:ext uri="{386F3935-93C4-4BCD-93E2-E3B085C9AB24}">
-                <p16:designElem xmlns:p16="http://schemas.microsoft.com/office/powerpoint/2015/main" xmlns="" val="1"/>
+                <p16:designElem xmlns="" xmlns:p16="http://schemas.microsoft.com/office/powerpoint/2015/main" val="1"/>
               </p:ext>
             </p:extLst>
           </p:nvPr>
@@ -23025,7 +23026,7 @@
           <p:cNvPr id="27" name="Freeform 11">
             <a:extLst>
               <a:ext uri="{FF2B5EF4-FFF2-40B4-BE49-F238E27FC236}">
-                <a16:creationId xmlns:a16="http://schemas.microsoft.com/office/drawing/2014/main" xmlns="" id="{FBE3B62F-5853-4A3C-B050-6186351A7176}"/>
+                <a16:creationId xmlns="" xmlns:a16="http://schemas.microsoft.com/office/drawing/2014/main" id="{FBE3B62F-5853-4A3C-B050-6186351A7176}"/>
               </a:ext>
             </a:extLst>
           </p:cNvPr>
@@ -23035,7 +23036,7 @@
           <p:nvPr>
             <p:extLst>
               <p:ext uri="{386F3935-93C4-4BCD-93E2-E3B085C9AB24}">
-                <p16:designElem xmlns:p16="http://schemas.microsoft.com/office/powerpoint/2015/main" xmlns="" val="1"/>
+                <p16:designElem xmlns="" xmlns:p16="http://schemas.microsoft.com/office/powerpoint/2015/main" val="1"/>
               </p:ext>
             </p:extLst>
           </p:nvPr>
@@ -23161,7 +23162,7 @@
           <p:cNvPr id="2" name="Title 1">
             <a:extLst>
               <a:ext uri="{FF2B5EF4-FFF2-40B4-BE49-F238E27FC236}">
-                <a16:creationId xmlns:a16="http://schemas.microsoft.com/office/drawing/2014/main" xmlns="" id="{A5F6196D-B07E-499E-92C0-6953CE9F25D4}"/>
+                <a16:creationId xmlns="" xmlns:a16="http://schemas.microsoft.com/office/drawing/2014/main" id="{A5F6196D-B07E-499E-92C0-6953CE9F25D4}"/>
               </a:ext>
             </a:extLst>
           </p:cNvPr>
@@ -23198,7 +23199,7 @@
           <p:cNvPr id="15" name="Content Placeholder 16">
             <a:extLst>
               <a:ext uri="{FF2B5EF4-FFF2-40B4-BE49-F238E27FC236}">
-                <a16:creationId xmlns:a16="http://schemas.microsoft.com/office/drawing/2014/main" xmlns="" id="{5FDBA27F-9676-4EE6-B75A-C35B42A0CD81}"/>
+                <a16:creationId xmlns="" xmlns:a16="http://schemas.microsoft.com/office/drawing/2014/main" id="{5FDBA27F-9676-4EE6-B75A-C35B42A0CD81}"/>
               </a:ext>
             </a:extLst>
           </p:cNvPr>
@@ -23394,7 +23395,7 @@
           <p:cNvPr id="18" name="Content Placeholder 16">
             <a:extLst>
               <a:ext uri="{FF2B5EF4-FFF2-40B4-BE49-F238E27FC236}">
-                <a16:creationId xmlns:a16="http://schemas.microsoft.com/office/drawing/2014/main" xmlns="" id="{5FDBA27F-9676-4EE6-B75A-C35B42A0CD81}"/>
+                <a16:creationId xmlns="" xmlns:a16="http://schemas.microsoft.com/office/drawing/2014/main" id="{5FDBA27F-9676-4EE6-B75A-C35B42A0CD81}"/>
               </a:ext>
             </a:extLst>
           </p:cNvPr>
@@ -23834,7 +23835,7 @@
           <p:cNvPr id="23" name="Rectangle 22">
             <a:extLst>
               <a:ext uri="{FF2B5EF4-FFF2-40B4-BE49-F238E27FC236}">
-                <a16:creationId xmlns:a16="http://schemas.microsoft.com/office/drawing/2014/main" xmlns="" id="{EE1FC7B4-E4A7-4452-B413-1A623E3A7230}"/>
+                <a16:creationId xmlns="" xmlns:a16="http://schemas.microsoft.com/office/drawing/2014/main" id="{EE1FC7B4-E4A7-4452-B413-1A623E3A7230}"/>
               </a:ext>
             </a:extLst>
           </p:cNvPr>
@@ -23844,7 +23845,7 @@
           <p:nvPr>
             <p:extLst>
               <p:ext uri="{386F3935-93C4-4BCD-93E2-E3B085C9AB24}">
-                <p16:designElem xmlns:p16="http://schemas.microsoft.com/office/powerpoint/2015/main" xmlns="" val="1"/>
+                <p16:designElem xmlns="" xmlns:p16="http://schemas.microsoft.com/office/powerpoint/2015/main" val="1"/>
               </p:ext>
             </p:extLst>
           </p:nvPr>
@@ -23925,7 +23926,7 @@
           <p:cNvPr id="25" name="Freeform 13">
             <a:extLst>
               <a:ext uri="{FF2B5EF4-FFF2-40B4-BE49-F238E27FC236}">
-                <a16:creationId xmlns:a16="http://schemas.microsoft.com/office/drawing/2014/main" xmlns="" id="{E0709AF0-24F0-4486-B189-BE6386BDB198}"/>
+                <a16:creationId xmlns="" xmlns:a16="http://schemas.microsoft.com/office/drawing/2014/main" id="{E0709AF0-24F0-4486-B189-BE6386BDB198}"/>
               </a:ext>
             </a:extLst>
           </p:cNvPr>
@@ -23935,7 +23936,7 @@
           <p:nvPr>
             <p:extLst>
               <p:ext uri="{386F3935-93C4-4BCD-93E2-E3B085C9AB24}">
-                <p16:designElem xmlns:p16="http://schemas.microsoft.com/office/powerpoint/2015/main" xmlns="" val="1"/>
+                <p16:designElem xmlns="" xmlns:p16="http://schemas.microsoft.com/office/powerpoint/2015/main" val="1"/>
               </p:ext>
             </p:extLst>
           </p:nvPr>
@@ -24059,7 +24060,7 @@
           <p:cNvPr id="27" name="Freeform 11">
             <a:extLst>
               <a:ext uri="{FF2B5EF4-FFF2-40B4-BE49-F238E27FC236}">
-                <a16:creationId xmlns:a16="http://schemas.microsoft.com/office/drawing/2014/main" xmlns="" id="{FBE3B62F-5853-4A3C-B050-6186351A7176}"/>
+                <a16:creationId xmlns="" xmlns:a16="http://schemas.microsoft.com/office/drawing/2014/main" id="{FBE3B62F-5853-4A3C-B050-6186351A7176}"/>
               </a:ext>
             </a:extLst>
           </p:cNvPr>
@@ -24069,7 +24070,7 @@
           <p:nvPr>
             <p:extLst>
               <p:ext uri="{386F3935-93C4-4BCD-93E2-E3B085C9AB24}">
-                <p16:designElem xmlns:p16="http://schemas.microsoft.com/office/powerpoint/2015/main" xmlns="" val="1"/>
+                <p16:designElem xmlns="" xmlns:p16="http://schemas.microsoft.com/office/powerpoint/2015/main" val="1"/>
               </p:ext>
             </p:extLst>
           </p:nvPr>
@@ -24195,7 +24196,7 @@
           <p:cNvPr id="2" name="Title 1">
             <a:extLst>
               <a:ext uri="{FF2B5EF4-FFF2-40B4-BE49-F238E27FC236}">
-                <a16:creationId xmlns:a16="http://schemas.microsoft.com/office/drawing/2014/main" xmlns="" id="{A5F6196D-B07E-499E-92C0-6953CE9F25D4}"/>
+                <a16:creationId xmlns="" xmlns:a16="http://schemas.microsoft.com/office/drawing/2014/main" id="{A5F6196D-B07E-499E-92C0-6953CE9F25D4}"/>
               </a:ext>
             </a:extLst>
           </p:cNvPr>
@@ -24221,13 +24222,197 @@
             <a:pPr algn="ctr"/>
             <a:r>
               <a:rPr lang="en-US" b="1" dirty="0" smtClean="0"/>
-              <a:t>Arduino </a:t>
+              <a:t>Links</a:t>
+            </a:r>
+            <a:endParaRPr lang="en-US" b="1" dirty="0"/>
+          </a:p>
+        </p:txBody>
+      </p:sp>
+      <p:sp>
+        <p:nvSpPr>
+          <p:cNvPr id="3" name="TextBox 2"/>
+          <p:cNvSpPr txBox="1"/>
+          <p:nvPr/>
+        </p:nvSpPr>
+        <p:spPr>
+          <a:xfrm>
+            <a:off x="833002" y="1993557"/>
+            <a:ext cx="10263366" cy="954107"/>
+          </a:xfrm>
+          <a:prstGeom prst="rect">
+            <a:avLst/>
+          </a:prstGeom>
+          <a:noFill/>
+        </p:spPr>
+        <p:txBody>
+          <a:bodyPr wrap="square" rtlCol="0">
+            <a:spAutoFit/>
+          </a:bodyPr>
+          <a:lstStyle/>
+          <a:p>
+            <a:r>
+              <a:rPr lang="en-US" sz="2800" dirty="0" smtClean="0"/>
+              <a:t>For Arduino functions and documentation (how to program it)</a:t>
+            </a:r>
+          </a:p>
+          <a:p>
+            <a:pPr marL="285750" indent="-285750">
+              <a:buFont typeface="Arial" panose="020B0604020202020204" pitchFamily="34" charset="0"/>
+              <a:buChar char="•"/>
+            </a:pPr>
+            <a:r>
+              <a:rPr lang="en-US" sz="2800" dirty="0">
+                <a:hlinkClick r:id="rId2"/>
+              </a:rPr>
+              <a:t>https://www.arduino.cc/reference/en</a:t>
             </a:r>
             <a:r>
-              <a:rPr lang="en-US" b="1" dirty="0" smtClean="0"/>
-              <a:t>Exercises</a:t>
+              <a:rPr lang="en-US" sz="2800" dirty="0" smtClean="0">
+                <a:hlinkClick r:id="rId2"/>
+              </a:rPr>
+              <a:t>/</a:t>
             </a:r>
-            <a:endParaRPr lang="en-US" b="1" dirty="0"/>
+            <a:r>
+              <a:rPr lang="en-US" sz="2800" dirty="0" smtClean="0"/>
+              <a:t>   …or </a:t>
+            </a:r>
+            <a:r>
+              <a:rPr lang="en-US" sz="2800" dirty="0" err="1" smtClean="0"/>
+              <a:t>google</a:t>
+            </a:r>
+            <a:r>
+              <a:rPr lang="en-US" sz="2800" dirty="0" smtClean="0"/>
+              <a:t> “Arduino API”</a:t>
+            </a:r>
+            <a:endParaRPr lang="en-US" sz="2800" dirty="0"/>
+          </a:p>
+        </p:txBody>
+      </p:sp>
+      <p:sp>
+        <p:nvSpPr>
+          <p:cNvPr id="7" name="TextBox 6"/>
+          <p:cNvSpPr txBox="1"/>
+          <p:nvPr/>
+        </p:nvSpPr>
+        <p:spPr>
+          <a:xfrm>
+            <a:off x="828879" y="3203702"/>
+            <a:ext cx="9777334" cy="954107"/>
+          </a:xfrm>
+          <a:prstGeom prst="rect">
+            <a:avLst/>
+          </a:prstGeom>
+          <a:noFill/>
+        </p:spPr>
+        <p:txBody>
+          <a:bodyPr wrap="square" rtlCol="0">
+            <a:spAutoFit/>
+          </a:bodyPr>
+          <a:lstStyle/>
+          <a:p>
+            <a:r>
+              <a:rPr lang="en-US" sz="2800" dirty="0" smtClean="0"/>
+              <a:t>For more C tutorials</a:t>
+            </a:r>
+          </a:p>
+          <a:p>
+            <a:pPr marL="285750" indent="-285750">
+              <a:buFont typeface="Arial" panose="020B0604020202020204" pitchFamily="34" charset="0"/>
+              <a:buChar char="•"/>
+            </a:pPr>
+            <a:r>
+              <a:rPr lang="en-US" sz="2800" dirty="0">
+                <a:hlinkClick r:id="rId3"/>
+              </a:rPr>
+              <a:t>https://</a:t>
+            </a:r>
+            <a:r>
+              <a:rPr lang="en-US" sz="2800" dirty="0" smtClean="0">
+                <a:hlinkClick r:id="rId3"/>
+              </a:rPr>
+              <a:t>www.tutorialspoint.com/cprogramming/index.htm</a:t>
+            </a:r>
+            <a:r>
+              <a:rPr lang="en-US" sz="2800" dirty="0" smtClean="0"/>
+              <a:t> </a:t>
+            </a:r>
+            <a:endParaRPr lang="en-US" sz="2800" dirty="0"/>
+          </a:p>
+        </p:txBody>
+      </p:sp>
+      <p:sp>
+        <p:nvSpPr>
+          <p:cNvPr id="8" name="TextBox 7"/>
+          <p:cNvSpPr txBox="1"/>
+          <p:nvPr/>
+        </p:nvSpPr>
+        <p:spPr>
+          <a:xfrm>
+            <a:off x="832996" y="4707110"/>
+            <a:ext cx="9777334" cy="954107"/>
+          </a:xfrm>
+          <a:prstGeom prst="rect">
+            <a:avLst/>
+          </a:prstGeom>
+          <a:noFill/>
+        </p:spPr>
+        <p:txBody>
+          <a:bodyPr wrap="square" rtlCol="0">
+            <a:spAutoFit/>
+          </a:bodyPr>
+          <a:lstStyle/>
+          <a:p>
+            <a:r>
+              <a:rPr lang="en-US" sz="2800" dirty="0" smtClean="0"/>
+              <a:t>For </a:t>
+            </a:r>
+            <a:r>
+              <a:rPr lang="en-US" sz="2800" dirty="0" err="1" smtClean="0"/>
+              <a:t>dem</a:t>
+            </a:r>
+            <a:r>
+              <a:rPr lang="en-US" sz="2800" dirty="0" smtClean="0"/>
+              <a:t> </a:t>
+            </a:r>
+            <a:r>
+              <a:rPr lang="en-US" sz="2800" dirty="0" err="1" smtClean="0"/>
+              <a:t>slidez</a:t>
+            </a:r>
+            <a:r>
+              <a:rPr lang="en-US" sz="2800" dirty="0" smtClean="0"/>
+              <a:t> (these slides and all content regarding this </a:t>
+            </a:r>
+            <a:r>
+              <a:rPr lang="en-US" sz="2800" dirty="0" err="1" smtClean="0"/>
+              <a:t>Meetup</a:t>
+            </a:r>
+            <a:r>
+              <a:rPr lang="en-US" sz="2800" dirty="0" smtClean="0"/>
+              <a:t>)</a:t>
+            </a:r>
+          </a:p>
+          <a:p>
+            <a:pPr marL="285750" indent="-285750">
+              <a:buFont typeface="Arial" panose="020B0604020202020204" pitchFamily="34" charset="0"/>
+              <a:buChar char="•"/>
+            </a:pPr>
+            <a:r>
+              <a:rPr lang="en-US" sz="2800" dirty="0">
+                <a:hlinkClick r:id="rId4"/>
+              </a:rPr>
+              <a:t>https://</a:t>
+            </a:r>
+            <a:r>
+              <a:rPr lang="en-US" sz="2800" dirty="0" smtClean="0">
+                <a:hlinkClick r:id="rId4"/>
+              </a:rPr>
+              <a:t>github.com/nico7/IoT-St-Pete</a:t>
+            </a:r>
+            <a:r>
+              <a:rPr lang="en-US" sz="2800" dirty="0" smtClean="0"/>
+              <a:t> </a:t>
+            </a:r>
+            <a:endParaRPr lang="en-US" sz="2800" dirty="0"/>
           </a:p>
         </p:txBody>
       </p:sp>
@@ -24251,7 +24436,7 @@
 </p:sld>
 </file>
 
-<file path=ppt/slides/slide3.xml><?xml version="1.0" encoding="utf-8"?>
+<file path=ppt/slides/slide26.xml><?xml version="1.0" encoding="utf-8"?>
 <p:sld xmlns:a="http://schemas.openxmlformats.org/drawingml/2006/main" xmlns:r="http://schemas.openxmlformats.org/officeDocument/2006/relationships" xmlns:p="http://schemas.openxmlformats.org/presentationml/2006/main">
   <p:cSld>
     <p:bg>
@@ -24284,7 +24469,7 @@
           <p:cNvPr id="23" name="Rectangle 22">
             <a:extLst>
               <a:ext uri="{FF2B5EF4-FFF2-40B4-BE49-F238E27FC236}">
-                <a16:creationId xmlns:a16="http://schemas.microsoft.com/office/drawing/2014/main" xmlns="" id="{EE1FC7B4-E4A7-4452-B413-1A623E3A7230}"/>
+                <a16:creationId xmlns="" xmlns:a16="http://schemas.microsoft.com/office/drawing/2014/main" id="{EE1FC7B4-E4A7-4452-B413-1A623E3A7230}"/>
               </a:ext>
             </a:extLst>
           </p:cNvPr>
@@ -24294,7 +24479,7 @@
           <p:nvPr>
             <p:extLst>
               <p:ext uri="{386F3935-93C4-4BCD-93E2-E3B085C9AB24}">
-                <p16:designElem xmlns:p16="http://schemas.microsoft.com/office/powerpoint/2015/main" xmlns="" val="1"/>
+                <p16:designElem xmlns="" xmlns:p16="http://schemas.microsoft.com/office/powerpoint/2015/main" val="1"/>
               </p:ext>
             </p:extLst>
           </p:nvPr>
@@ -24336,8 +24521,37 @@
           <a:bodyPr rtlCol="0" anchor="ctr"/>
           <a:lstStyle/>
           <a:p>
-            <a:pPr algn="ctr"/>
-            <a:endParaRPr lang="en-US"/>
+            <a:pPr marL="0" marR="0" lvl="0" indent="0" algn="ctr" defTabSz="914400" rtl="0" eaLnBrk="1" fontAlgn="auto" latinLnBrk="0" hangingPunct="1">
+              <a:lnSpc>
+                <a:spcPct val="100000"/>
+              </a:lnSpc>
+              <a:spcBef>
+                <a:spcPts val="0"/>
+              </a:spcBef>
+              <a:spcAft>
+                <a:spcPts val="0"/>
+              </a:spcAft>
+              <a:buClrTx/>
+              <a:buSzTx/>
+              <a:buFontTx/>
+              <a:buNone/>
+              <a:tabLst/>
+              <a:defRPr/>
+            </a:pPr>
+            <a:endParaRPr kumimoji="0" lang="en-US" sz="1800" b="0" i="0" u="none" strike="noStrike" kern="1200" cap="none" spc="0" normalizeH="0" baseline="0" noProof="0">
+              <a:ln>
+                <a:noFill/>
+              </a:ln>
+              <a:solidFill>
+                <a:prstClr val="white"/>
+              </a:solidFill>
+              <a:effectLst/>
+              <a:uLnTx/>
+              <a:uFillTx/>
+              <a:latin typeface="Calibri" panose="020F0502020204030204"/>
+              <a:ea typeface="+mn-ea"/>
+              <a:cs typeface="+mn-cs"/>
+            </a:endParaRPr>
           </a:p>
         </p:txBody>
       </p:sp>
@@ -24346,7 +24560,7 @@
           <p:cNvPr id="25" name="Freeform 13">
             <a:extLst>
               <a:ext uri="{FF2B5EF4-FFF2-40B4-BE49-F238E27FC236}">
-                <a16:creationId xmlns:a16="http://schemas.microsoft.com/office/drawing/2014/main" xmlns="" id="{E0709AF0-24F0-4486-B189-BE6386BDB198}"/>
+                <a16:creationId xmlns="" xmlns:a16="http://schemas.microsoft.com/office/drawing/2014/main" id="{E0709AF0-24F0-4486-B189-BE6386BDB198}"/>
               </a:ext>
             </a:extLst>
           </p:cNvPr>
@@ -24356,7 +24570,7 @@
           <p:nvPr>
             <p:extLst>
               <p:ext uri="{386F3935-93C4-4BCD-93E2-E3B085C9AB24}">
-                <p16:designElem xmlns:p16="http://schemas.microsoft.com/office/powerpoint/2015/main" xmlns="" val="1"/>
+                <p16:designElem xmlns="" xmlns:p16="http://schemas.microsoft.com/office/powerpoint/2015/main" val="1"/>
               </p:ext>
             </p:extLst>
           </p:nvPr>
@@ -24441,8 +24655,37 @@
           <a:bodyPr rtlCol="0" anchor="ctr"/>
           <a:lstStyle/>
           <a:p>
-            <a:pPr algn="ctr"/>
-            <a:endParaRPr lang="en-US"/>
+            <a:pPr marL="0" marR="0" lvl="0" indent="0" algn="ctr" defTabSz="914400" rtl="0" eaLnBrk="1" fontAlgn="auto" latinLnBrk="0" hangingPunct="1">
+              <a:lnSpc>
+                <a:spcPct val="100000"/>
+              </a:lnSpc>
+              <a:spcBef>
+                <a:spcPts val="0"/>
+              </a:spcBef>
+              <a:spcAft>
+                <a:spcPts val="0"/>
+              </a:spcAft>
+              <a:buClrTx/>
+              <a:buSzTx/>
+              <a:buFontTx/>
+              <a:buNone/>
+              <a:tabLst/>
+              <a:defRPr/>
+            </a:pPr>
+            <a:endParaRPr kumimoji="0" lang="en-US" sz="1800" b="0" i="0" u="none" strike="noStrike" kern="1200" cap="none" spc="0" normalizeH="0" baseline="0" noProof="0">
+              <a:ln>
+                <a:noFill/>
+              </a:ln>
+              <a:solidFill>
+                <a:prstClr val="white"/>
+              </a:solidFill>
+              <a:effectLst/>
+              <a:uLnTx/>
+              <a:uFillTx/>
+              <a:latin typeface="Calibri" panose="020F0502020204030204"/>
+              <a:ea typeface="+mn-ea"/>
+              <a:cs typeface="+mn-cs"/>
+            </a:endParaRPr>
           </a:p>
         </p:txBody>
       </p:sp>
@@ -24451,7 +24694,7 @@
           <p:cNvPr id="27" name="Freeform 11">
             <a:extLst>
               <a:ext uri="{FF2B5EF4-FFF2-40B4-BE49-F238E27FC236}">
-                <a16:creationId xmlns:a16="http://schemas.microsoft.com/office/drawing/2014/main" xmlns="" id="{FBE3B62F-5853-4A3C-B050-6186351A7176}"/>
+                <a16:creationId xmlns="" xmlns:a16="http://schemas.microsoft.com/office/drawing/2014/main" id="{FBE3B62F-5853-4A3C-B050-6186351A7176}"/>
               </a:ext>
             </a:extLst>
           </p:cNvPr>
@@ -24461,7 +24704,7 @@
           <p:nvPr>
             <p:extLst>
               <p:ext uri="{386F3935-93C4-4BCD-93E2-E3B085C9AB24}">
-                <p16:designElem xmlns:p16="http://schemas.microsoft.com/office/powerpoint/2015/main" xmlns="" val="1"/>
+                <p16:designElem xmlns="" xmlns:p16="http://schemas.microsoft.com/office/powerpoint/2015/main" val="1"/>
               </p:ext>
             </p:extLst>
           </p:nvPr>
@@ -24548,8 +24791,37 @@
           </a:bodyPr>
           <a:lstStyle/>
           <a:p>
-            <a:pPr algn="ctr"/>
-            <a:endParaRPr lang="en-US"/>
+            <a:pPr marL="0" marR="0" lvl="0" indent="0" algn="ctr" defTabSz="914400" rtl="0" eaLnBrk="1" fontAlgn="auto" latinLnBrk="0" hangingPunct="1">
+              <a:lnSpc>
+                <a:spcPct val="100000"/>
+              </a:lnSpc>
+              <a:spcBef>
+                <a:spcPts val="0"/>
+              </a:spcBef>
+              <a:spcAft>
+                <a:spcPts val="0"/>
+              </a:spcAft>
+              <a:buClrTx/>
+              <a:buSzTx/>
+              <a:buFontTx/>
+              <a:buNone/>
+              <a:tabLst/>
+              <a:defRPr/>
+            </a:pPr>
+            <a:endParaRPr kumimoji="0" lang="en-US" sz="1800" b="0" i="0" u="none" strike="noStrike" kern="1200" cap="none" spc="0" normalizeH="0" baseline="0" noProof="0">
+              <a:ln>
+                <a:noFill/>
+              </a:ln>
+              <a:solidFill>
+                <a:prstClr val="white"/>
+              </a:solidFill>
+              <a:effectLst/>
+              <a:uLnTx/>
+              <a:uFillTx/>
+              <a:latin typeface="Calibri" panose="020F0502020204030204"/>
+              <a:ea typeface="+mn-ea"/>
+              <a:cs typeface="+mn-cs"/>
+            </a:endParaRPr>
           </a:p>
         </p:txBody>
       </p:sp>
@@ -24558,7 +24830,7 @@
           <p:cNvPr id="2" name="Title 1">
             <a:extLst>
               <a:ext uri="{FF2B5EF4-FFF2-40B4-BE49-F238E27FC236}">
-                <a16:creationId xmlns:a16="http://schemas.microsoft.com/office/drawing/2014/main" xmlns="" id="{A5F6196D-B07E-499E-92C0-6953CE9F25D4}"/>
+                <a16:creationId xmlns="" xmlns:a16="http://schemas.microsoft.com/office/drawing/2014/main" id="{A5F6196D-B07E-499E-92C0-6953CE9F25D4}"/>
               </a:ext>
             </a:extLst>
           </p:cNvPr>
@@ -24583,165 +24855,16 @@
           <a:p>
             <a:pPr algn="ctr"/>
             <a:r>
-              <a:rPr lang="en-US" b="1" dirty="0"/>
-              <a:t>Today’s Agenda</a:t>
+              <a:rPr lang="en-US" b="1" dirty="0" smtClean="0"/>
+              <a:t>Arduino Exercises</a:t>
             </a:r>
-          </a:p>
-        </p:txBody>
-      </p:sp>
-      <p:sp>
-        <p:nvSpPr>
-          <p:cNvPr id="17" name="Content Placeholder 16">
-            <a:extLst>
-              <a:ext uri="{FF2B5EF4-FFF2-40B4-BE49-F238E27FC236}">
-                <a16:creationId xmlns:a16="http://schemas.microsoft.com/office/drawing/2014/main" xmlns="" id="{5FDBA27F-9676-4EE6-B75A-C35B42A0CD81}"/>
-              </a:ext>
-            </a:extLst>
-          </p:cNvPr>
-          <p:cNvSpPr>
-            <a:spLocks noGrp="1"/>
-          </p:cNvSpPr>
-          <p:nvPr>
-            <p:ph idx="1"/>
-          </p:nvPr>
-        </p:nvSpPr>
-        <p:spPr>
-          <a:xfrm>
-            <a:off x="838200" y="1625601"/>
-            <a:ext cx="5780314" cy="4551362"/>
-          </a:xfrm>
-        </p:spPr>
-        <p:txBody>
-          <a:bodyPr>
-            <a:normAutofit/>
-          </a:bodyPr>
-          <a:lstStyle/>
-          <a:p>
-            <a:r>
-              <a:rPr lang="en-US" dirty="0" smtClean="0"/>
-              <a:t>Data and Numbers</a:t>
-            </a:r>
-            <a:endParaRPr lang="en-US" dirty="0"/>
-          </a:p>
-          <a:p>
-            <a:pPr lvl="1"/>
-            <a:r>
-              <a:rPr lang="en-US" dirty="0" smtClean="0"/>
-              <a:t>Counting</a:t>
-            </a:r>
-            <a:endParaRPr lang="en-US" dirty="0"/>
-          </a:p>
-          <a:p>
-            <a:pPr lvl="1"/>
-            <a:r>
-              <a:rPr lang="en-US" dirty="0" smtClean="0"/>
-              <a:t>Conversions</a:t>
-            </a:r>
-            <a:endParaRPr lang="en-US" dirty="0"/>
-          </a:p>
-          <a:p>
-            <a:pPr lvl="1"/>
-            <a:r>
-              <a:rPr lang="en-US" dirty="0" smtClean="0"/>
-              <a:t>ASCII</a:t>
-            </a:r>
-            <a:endParaRPr lang="en-US" dirty="0"/>
-          </a:p>
-          <a:p>
-            <a:r>
-              <a:rPr lang="en-US" dirty="0" smtClean="0"/>
-              <a:t>Digital Logic</a:t>
-            </a:r>
-            <a:endParaRPr lang="en-US" dirty="0"/>
-          </a:p>
-          <a:p>
-            <a:pPr lvl="1"/>
-            <a:r>
-              <a:rPr lang="en-US" dirty="0" smtClean="0"/>
-              <a:t>Boolean Operators</a:t>
-            </a:r>
-            <a:endParaRPr lang="en-US" dirty="0"/>
-          </a:p>
-          <a:p>
-            <a:pPr lvl="1"/>
-            <a:r>
-              <a:rPr lang="en-US" dirty="0" smtClean="0"/>
-              <a:t>Operations</a:t>
-            </a:r>
-            <a:endParaRPr lang="en-US" dirty="0"/>
-          </a:p>
-          <a:p>
-            <a:r>
-              <a:rPr lang="en-US" dirty="0"/>
-              <a:t>Embedded Topics</a:t>
-            </a:r>
-          </a:p>
-          <a:p>
-            <a:pPr lvl="1"/>
-            <a:r>
-              <a:rPr lang="en-US" dirty="0" smtClean="0"/>
-              <a:t>Operations in C</a:t>
-            </a:r>
-            <a:endParaRPr lang="en-US" dirty="0"/>
-          </a:p>
-          <a:p>
-            <a:pPr lvl="1"/>
-            <a:r>
-              <a:rPr lang="en-US" dirty="0"/>
-              <a:t>Lets make a program</a:t>
-            </a:r>
-          </a:p>
-          <a:p>
-            <a:pPr lvl="1"/>
-            <a:endParaRPr lang="en-US" dirty="0"/>
-          </a:p>
-          <a:p>
-            <a:pPr marL="457200" lvl="1" indent="0">
-              <a:buNone/>
-            </a:pPr>
-            <a:endParaRPr lang="en-US" dirty="0"/>
-          </a:p>
-          <a:p>
-            <a:endParaRPr lang="en-US" dirty="0"/>
-          </a:p>
-        </p:txBody>
-      </p:sp>
-      <p:sp>
-        <p:nvSpPr>
-          <p:cNvPr id="3" name="TextBox 2"/>
-          <p:cNvSpPr txBox="1"/>
-          <p:nvPr/>
-        </p:nvSpPr>
-        <p:spPr>
-          <a:xfrm>
-            <a:off x="6618514" y="5415779"/>
-            <a:ext cx="3381056" cy="369332"/>
-          </a:xfrm>
-          <a:prstGeom prst="rect">
-            <a:avLst/>
-          </a:prstGeom>
-          <a:noFill/>
-        </p:spPr>
-        <p:txBody>
-          <a:bodyPr wrap="square" rtlCol="0">
-            <a:spAutoFit/>
-          </a:bodyPr>
-          <a:lstStyle/>
-          <a:p>
-            <a:r>
-              <a:rPr lang="en-US" dirty="0"/>
-              <a:t>Image from </a:t>
-            </a:r>
-            <a:r>
-              <a:rPr lang="en-US" dirty="0" smtClean="0"/>
-              <a:t>knowyourmeme.com</a:t>
-            </a:r>
+            <a:endParaRPr lang="en-US" b="1" dirty="0"/>
           </a:p>
         </p:txBody>
       </p:sp>
       <p:pic>
         <p:nvPicPr>
-          <p:cNvPr id="5" name="Picture 4"/>
+          <p:cNvPr id="3" name="Picture 2"/>
           <p:cNvPicPr>
             <a:picLocks noChangeAspect="1"/>
           </p:cNvPicPr>
@@ -24755,18 +24878,52 @@
         </p:blipFill>
         <p:spPr>
           <a:xfrm>
-            <a:off x="5724955" y="1532249"/>
-            <a:ext cx="5053571" cy="3790178"/>
+            <a:off x="3814762" y="1733550"/>
+            <a:ext cx="4562475" cy="3390900"/>
           </a:xfrm>
           <a:prstGeom prst="rect">
             <a:avLst/>
           </a:prstGeom>
         </p:spPr>
       </p:pic>
+      <p:sp>
+        <p:nvSpPr>
+          <p:cNvPr id="4" name="TextBox 3"/>
+          <p:cNvSpPr txBox="1"/>
+          <p:nvPr/>
+        </p:nvSpPr>
+        <p:spPr>
+          <a:xfrm>
+            <a:off x="4959822" y="5239265"/>
+            <a:ext cx="4562475" cy="369332"/>
+          </a:xfrm>
+          <a:prstGeom prst="rect">
+            <a:avLst/>
+          </a:prstGeom>
+          <a:noFill/>
+        </p:spPr>
+        <p:txBody>
+          <a:bodyPr wrap="square" rtlCol="0">
+            <a:spAutoFit/>
+          </a:bodyPr>
+          <a:lstStyle/>
+          <a:p>
+            <a:r>
+              <a:rPr lang="en-US" dirty="0" smtClean="0"/>
+              <a:t>Image from </a:t>
+            </a:r>
+            <a:r>
+              <a:rPr lang="en-US" dirty="0" err="1" smtClean="0"/>
+              <a:t>Futurama</a:t>
+            </a:r>
+            <a:endParaRPr lang="en-US" dirty="0"/>
+          </a:p>
+        </p:txBody>
+      </p:sp>
     </p:spTree>
     <p:extLst>
       <p:ext uri="{BB962C8B-B14F-4D97-AF65-F5344CB8AC3E}">
-        <p14:creationId xmlns:p14="http://schemas.microsoft.com/office/powerpoint/2010/main" val="4038005639"/>
+        <p14:creationId xmlns:p14="http://schemas.microsoft.com/office/powerpoint/2010/main" val="2663491189"/>
       </p:ext>
     </p:extLst>
   </p:cSld>
@@ -24783,7 +24940,7 @@
 </p:sld>
 </file>
 
-<file path=ppt/slides/slide4.xml><?xml version="1.0" encoding="utf-8"?>
+<file path=ppt/slides/slide3.xml><?xml version="1.0" encoding="utf-8"?>
 <p:sld xmlns:a="http://schemas.openxmlformats.org/drawingml/2006/main" xmlns:r="http://schemas.openxmlformats.org/officeDocument/2006/relationships" xmlns:p="http://schemas.openxmlformats.org/presentationml/2006/main">
   <p:cSld>
     <p:bg>
@@ -24816,7 +24973,7 @@
           <p:cNvPr id="23" name="Rectangle 22">
             <a:extLst>
               <a:ext uri="{FF2B5EF4-FFF2-40B4-BE49-F238E27FC236}">
-                <a16:creationId xmlns:a16="http://schemas.microsoft.com/office/drawing/2014/main" xmlns="" id="{EE1FC7B4-E4A7-4452-B413-1A623E3A7230}"/>
+                <a16:creationId xmlns="" xmlns:a16="http://schemas.microsoft.com/office/drawing/2014/main" id="{EE1FC7B4-E4A7-4452-B413-1A623E3A7230}"/>
               </a:ext>
             </a:extLst>
           </p:cNvPr>
@@ -24826,7 +24983,7 @@
           <p:nvPr>
             <p:extLst>
               <p:ext uri="{386F3935-93C4-4BCD-93E2-E3B085C9AB24}">
-                <p16:designElem xmlns:p16="http://schemas.microsoft.com/office/powerpoint/2015/main" xmlns="" val="1"/>
+                <p16:designElem xmlns="" xmlns:p16="http://schemas.microsoft.com/office/powerpoint/2015/main" val="1"/>
               </p:ext>
             </p:extLst>
           </p:nvPr>
@@ -24868,37 +25025,8 @@
           <a:bodyPr rtlCol="0" anchor="ctr"/>
           <a:lstStyle/>
           <a:p>
-            <a:pPr marL="0" marR="0" lvl="0" indent="0" algn="ctr" defTabSz="914400" rtl="0" eaLnBrk="1" fontAlgn="auto" latinLnBrk="0" hangingPunct="1">
-              <a:lnSpc>
-                <a:spcPct val="100000"/>
-              </a:lnSpc>
-              <a:spcBef>
-                <a:spcPts val="0"/>
-              </a:spcBef>
-              <a:spcAft>
-                <a:spcPts val="0"/>
-              </a:spcAft>
-              <a:buClrTx/>
-              <a:buSzTx/>
-              <a:buFontTx/>
-              <a:buNone/>
-              <a:tabLst/>
-              <a:defRPr/>
-            </a:pPr>
-            <a:endParaRPr kumimoji="0" lang="en-US" sz="1800" b="0" i="0" u="none" strike="noStrike" kern="1200" cap="none" spc="0" normalizeH="0" baseline="0" noProof="0">
-              <a:ln>
-                <a:noFill/>
-              </a:ln>
-              <a:solidFill>
-                <a:prstClr val="white"/>
-              </a:solidFill>
-              <a:effectLst/>
-              <a:uLnTx/>
-              <a:uFillTx/>
-              <a:latin typeface="Calibri" panose="020F0502020204030204"/>
-              <a:ea typeface="+mn-ea"/>
-              <a:cs typeface="+mn-cs"/>
-            </a:endParaRPr>
+            <a:pPr algn="ctr"/>
+            <a:endParaRPr lang="en-US"/>
           </a:p>
         </p:txBody>
       </p:sp>
@@ -24907,7 +25035,7 @@
           <p:cNvPr id="25" name="Freeform 13">
             <a:extLst>
               <a:ext uri="{FF2B5EF4-FFF2-40B4-BE49-F238E27FC236}">
-                <a16:creationId xmlns:a16="http://schemas.microsoft.com/office/drawing/2014/main" xmlns="" id="{E0709AF0-24F0-4486-B189-BE6386BDB198}"/>
+                <a16:creationId xmlns="" xmlns:a16="http://schemas.microsoft.com/office/drawing/2014/main" id="{E0709AF0-24F0-4486-B189-BE6386BDB198}"/>
               </a:ext>
             </a:extLst>
           </p:cNvPr>
@@ -24917,7 +25045,7 @@
           <p:nvPr>
             <p:extLst>
               <p:ext uri="{386F3935-93C4-4BCD-93E2-E3B085C9AB24}">
-                <p16:designElem xmlns:p16="http://schemas.microsoft.com/office/powerpoint/2015/main" xmlns="" val="1"/>
+                <p16:designElem xmlns="" xmlns:p16="http://schemas.microsoft.com/office/powerpoint/2015/main" val="1"/>
               </p:ext>
             </p:extLst>
           </p:nvPr>
@@ -25002,37 +25130,8 @@
           <a:bodyPr rtlCol="0" anchor="ctr"/>
           <a:lstStyle/>
           <a:p>
-            <a:pPr marL="0" marR="0" lvl="0" indent="0" algn="ctr" defTabSz="914400" rtl="0" eaLnBrk="1" fontAlgn="auto" latinLnBrk="0" hangingPunct="1">
-              <a:lnSpc>
-                <a:spcPct val="100000"/>
-              </a:lnSpc>
-              <a:spcBef>
-                <a:spcPts val="0"/>
-              </a:spcBef>
-              <a:spcAft>
-                <a:spcPts val="0"/>
-              </a:spcAft>
-              <a:buClrTx/>
-              <a:buSzTx/>
-              <a:buFontTx/>
-              <a:buNone/>
-              <a:tabLst/>
-              <a:defRPr/>
-            </a:pPr>
-            <a:endParaRPr kumimoji="0" lang="en-US" sz="1800" b="0" i="0" u="none" strike="noStrike" kern="1200" cap="none" spc="0" normalizeH="0" baseline="0" noProof="0">
-              <a:ln>
-                <a:noFill/>
-              </a:ln>
-              <a:solidFill>
-                <a:prstClr val="white"/>
-              </a:solidFill>
-              <a:effectLst/>
-              <a:uLnTx/>
-              <a:uFillTx/>
-              <a:latin typeface="Calibri" panose="020F0502020204030204"/>
-              <a:ea typeface="+mn-ea"/>
-              <a:cs typeface="+mn-cs"/>
-            </a:endParaRPr>
+            <a:pPr algn="ctr"/>
+            <a:endParaRPr lang="en-US"/>
           </a:p>
         </p:txBody>
       </p:sp>
@@ -25041,7 +25140,7 @@
           <p:cNvPr id="27" name="Freeform 11">
             <a:extLst>
               <a:ext uri="{FF2B5EF4-FFF2-40B4-BE49-F238E27FC236}">
-                <a16:creationId xmlns:a16="http://schemas.microsoft.com/office/drawing/2014/main" xmlns="" id="{FBE3B62F-5853-4A3C-B050-6186351A7176}"/>
+                <a16:creationId xmlns="" xmlns:a16="http://schemas.microsoft.com/office/drawing/2014/main" id="{FBE3B62F-5853-4A3C-B050-6186351A7176}"/>
               </a:ext>
             </a:extLst>
           </p:cNvPr>
@@ -25051,7 +25150,7 @@
           <p:nvPr>
             <p:extLst>
               <p:ext uri="{386F3935-93C4-4BCD-93E2-E3B085C9AB24}">
-                <p16:designElem xmlns:p16="http://schemas.microsoft.com/office/powerpoint/2015/main" xmlns="" val="1"/>
+                <p16:designElem xmlns="" xmlns:p16="http://schemas.microsoft.com/office/powerpoint/2015/main" val="1"/>
               </p:ext>
             </p:extLst>
           </p:nvPr>
@@ -25138,37 +25237,8 @@
           </a:bodyPr>
           <a:lstStyle/>
           <a:p>
-            <a:pPr marL="0" marR="0" lvl="0" indent="0" algn="ctr" defTabSz="914400" rtl="0" eaLnBrk="1" fontAlgn="auto" latinLnBrk="0" hangingPunct="1">
-              <a:lnSpc>
-                <a:spcPct val="100000"/>
-              </a:lnSpc>
-              <a:spcBef>
-                <a:spcPts val="0"/>
-              </a:spcBef>
-              <a:spcAft>
-                <a:spcPts val="0"/>
-              </a:spcAft>
-              <a:buClrTx/>
-              <a:buSzTx/>
-              <a:buFontTx/>
-              <a:buNone/>
-              <a:tabLst/>
-              <a:defRPr/>
-            </a:pPr>
-            <a:endParaRPr kumimoji="0" lang="en-US" sz="1800" b="0" i="0" u="none" strike="noStrike" kern="1200" cap="none" spc="0" normalizeH="0" baseline="0" noProof="0">
-              <a:ln>
-                <a:noFill/>
-              </a:ln>
-              <a:solidFill>
-                <a:prstClr val="white"/>
-              </a:solidFill>
-              <a:effectLst/>
-              <a:uLnTx/>
-              <a:uFillTx/>
-              <a:latin typeface="Calibri" panose="020F0502020204030204"/>
-              <a:ea typeface="+mn-ea"/>
-              <a:cs typeface="+mn-cs"/>
-            </a:endParaRPr>
+            <a:pPr algn="ctr"/>
+            <a:endParaRPr lang="en-US"/>
           </a:p>
         </p:txBody>
       </p:sp>
@@ -25177,7 +25247,7 @@
           <p:cNvPr id="2" name="Title 1">
             <a:extLst>
               <a:ext uri="{FF2B5EF4-FFF2-40B4-BE49-F238E27FC236}">
-                <a16:creationId xmlns:a16="http://schemas.microsoft.com/office/drawing/2014/main" xmlns="" id="{A5F6196D-B07E-499E-92C0-6953CE9F25D4}"/>
+                <a16:creationId xmlns="" xmlns:a16="http://schemas.microsoft.com/office/drawing/2014/main" id="{A5F6196D-B07E-499E-92C0-6953CE9F25D4}"/>
               </a:ext>
             </a:extLst>
           </p:cNvPr>
@@ -25200,11 +25270,11 @@
           </a:bodyPr>
           <a:lstStyle/>
           <a:p>
+            <a:pPr algn="ctr"/>
             <a:r>
-              <a:rPr lang="en-US" b="1" dirty="0" smtClean="0"/>
-              <a:t>Counting…</a:t>
+              <a:rPr lang="en-US" b="1" dirty="0"/>
+              <a:t>Today’s Agenda</a:t>
             </a:r>
-            <a:endParaRPr lang="en-US" b="1" dirty="0"/>
           </a:p>
         </p:txBody>
       </p:sp>
@@ -25213,7 +25283,7 @@
           <p:cNvPr id="17" name="Content Placeholder 16">
             <a:extLst>
               <a:ext uri="{FF2B5EF4-FFF2-40B4-BE49-F238E27FC236}">
-                <a16:creationId xmlns:a16="http://schemas.microsoft.com/office/drawing/2014/main" xmlns="" id="{5FDBA27F-9676-4EE6-B75A-C35B42A0CD81}"/>
+                <a16:creationId xmlns="" xmlns:a16="http://schemas.microsoft.com/office/drawing/2014/main" id="{5FDBA27F-9676-4EE6-B75A-C35B42A0CD81}"/>
               </a:ext>
             </a:extLst>
           </p:cNvPr>
@@ -25226,8 +25296,8 @@
         </p:nvSpPr>
         <p:spPr>
           <a:xfrm>
-            <a:off x="838200" y="2191807"/>
-            <a:ext cx="5780314" cy="3985155"/>
+            <a:off x="838200" y="1625601"/>
+            <a:ext cx="5780314" cy="4551362"/>
           </a:xfrm>
         </p:spPr>
         <p:txBody>
@@ -25238,22 +25308,154 @@
           <a:p>
             <a:r>
               <a:rPr lang="en-US" dirty="0" smtClean="0"/>
-              <a:t>0..1..2..3..4..5..6..7..8..9..10</a:t>
+              <a:t>Data and Numbers</a:t>
             </a:r>
-          </a:p>
-          <a:p>
+            <a:endParaRPr lang="en-US" dirty="0"/>
+          </a:p>
+          <a:p>
+            <a:pPr lvl="1"/>
             <a:r>
-              <a:rPr lang="en-US" sz="2800" dirty="0" smtClean="0"/>
-              <a:t>0..1..10..11..100..101..110…</a:t>
+              <a:rPr lang="en-US" dirty="0" smtClean="0"/>
+              <a:t>Counting</a:t>
             </a:r>
-            <a:endParaRPr lang="en-US" sz="2800" dirty="0"/>
+            <a:endParaRPr lang="en-US" dirty="0"/>
+          </a:p>
+          <a:p>
+            <a:pPr lvl="1"/>
+            <a:r>
+              <a:rPr lang="en-US" dirty="0" smtClean="0"/>
+              <a:t>Conversions</a:t>
+            </a:r>
+            <a:endParaRPr lang="en-US" dirty="0"/>
+          </a:p>
+          <a:p>
+            <a:pPr lvl="1"/>
+            <a:r>
+              <a:rPr lang="en-US" dirty="0" smtClean="0"/>
+              <a:t>ASCII</a:t>
+            </a:r>
+            <a:endParaRPr lang="en-US" dirty="0"/>
+          </a:p>
+          <a:p>
+            <a:r>
+              <a:rPr lang="en-US" dirty="0" smtClean="0"/>
+              <a:t>Digital Logic</a:t>
+            </a:r>
+            <a:endParaRPr lang="en-US" dirty="0"/>
+          </a:p>
+          <a:p>
+            <a:pPr lvl="1"/>
+            <a:r>
+              <a:rPr lang="en-US" dirty="0" smtClean="0"/>
+              <a:t>Boolean Operators</a:t>
+            </a:r>
+            <a:endParaRPr lang="en-US" dirty="0"/>
+          </a:p>
+          <a:p>
+            <a:pPr lvl="1"/>
+            <a:r>
+              <a:rPr lang="en-US" dirty="0" smtClean="0"/>
+              <a:t>Operations</a:t>
+            </a:r>
+            <a:endParaRPr lang="en-US" dirty="0"/>
+          </a:p>
+          <a:p>
+            <a:r>
+              <a:rPr lang="en-US" dirty="0"/>
+              <a:t>Embedded Topics</a:t>
+            </a:r>
+          </a:p>
+          <a:p>
+            <a:pPr lvl="1"/>
+            <a:r>
+              <a:rPr lang="en-US" dirty="0" smtClean="0"/>
+              <a:t>Operations in C</a:t>
+            </a:r>
+            <a:endParaRPr lang="en-US" dirty="0"/>
+          </a:p>
+          <a:p>
+            <a:pPr lvl="1"/>
+            <a:r>
+              <a:rPr lang="en-US" dirty="0"/>
+              <a:t>Lets make a program</a:t>
+            </a:r>
+          </a:p>
+          <a:p>
+            <a:pPr lvl="1"/>
+            <a:endParaRPr lang="en-US" dirty="0"/>
+          </a:p>
+          <a:p>
+            <a:pPr marL="457200" lvl="1" indent="0">
+              <a:buNone/>
+            </a:pPr>
+            <a:endParaRPr lang="en-US" dirty="0"/>
+          </a:p>
+          <a:p>
+            <a:endParaRPr lang="en-US" dirty="0"/>
           </a:p>
         </p:txBody>
       </p:sp>
+      <p:sp>
+        <p:nvSpPr>
+          <p:cNvPr id="3" name="TextBox 2"/>
+          <p:cNvSpPr txBox="1"/>
+          <p:nvPr/>
+        </p:nvSpPr>
+        <p:spPr>
+          <a:xfrm>
+            <a:off x="6618514" y="5415779"/>
+            <a:ext cx="3381056" cy="369332"/>
+          </a:xfrm>
+          <a:prstGeom prst="rect">
+            <a:avLst/>
+          </a:prstGeom>
+          <a:noFill/>
+        </p:spPr>
+        <p:txBody>
+          <a:bodyPr wrap="square" rtlCol="0">
+            <a:spAutoFit/>
+          </a:bodyPr>
+          <a:lstStyle/>
+          <a:p>
+            <a:r>
+              <a:rPr lang="en-US" dirty="0"/>
+              <a:t>Image from </a:t>
+            </a:r>
+            <a:r>
+              <a:rPr lang="en-US" dirty="0" smtClean="0"/>
+              <a:t>knowyourmeme.com</a:t>
+            </a:r>
+          </a:p>
+        </p:txBody>
+      </p:sp>
+      <p:pic>
+        <p:nvPicPr>
+          <p:cNvPr id="5" name="Picture 4"/>
+          <p:cNvPicPr>
+            <a:picLocks noChangeAspect="1"/>
+          </p:cNvPicPr>
+          <p:nvPr/>
+        </p:nvPicPr>
+        <p:blipFill>
+          <a:blip r:embed="rId2"/>
+          <a:stretch>
+            <a:fillRect/>
+          </a:stretch>
+        </p:blipFill>
+        <p:spPr>
+          <a:xfrm>
+            <a:off x="5724955" y="1532249"/>
+            <a:ext cx="5053571" cy="3790178"/>
+          </a:xfrm>
+          <a:prstGeom prst="rect">
+            <a:avLst/>
+          </a:prstGeom>
+        </p:spPr>
+      </p:pic>
     </p:spTree>
     <p:extLst>
       <p:ext uri="{BB962C8B-B14F-4D97-AF65-F5344CB8AC3E}">
-        <p14:creationId xmlns:p14="http://schemas.microsoft.com/office/powerpoint/2010/main" val="1214297482"/>
+        <p14:creationId xmlns:p14="http://schemas.microsoft.com/office/powerpoint/2010/main" val="4038005639"/>
       </p:ext>
     </p:extLst>
   </p:cSld>
@@ -25270,7 +25472,7 @@
 </p:sld>
 </file>
 
-<file path=ppt/slides/slide5.xml><?xml version="1.0" encoding="utf-8"?>
+<file path=ppt/slides/slide4.xml><?xml version="1.0" encoding="utf-8"?>
 <p:sld xmlns:a="http://schemas.openxmlformats.org/drawingml/2006/main" xmlns:r="http://schemas.openxmlformats.org/officeDocument/2006/relationships" xmlns:p="http://schemas.openxmlformats.org/presentationml/2006/main">
   <p:cSld>
     <p:bg>
@@ -25303,7 +25505,7 @@
           <p:cNvPr id="23" name="Rectangle 22">
             <a:extLst>
               <a:ext uri="{FF2B5EF4-FFF2-40B4-BE49-F238E27FC236}">
-                <a16:creationId xmlns:a16="http://schemas.microsoft.com/office/drawing/2014/main" xmlns="" id="{EE1FC7B4-E4A7-4452-B413-1A623E3A7230}"/>
+                <a16:creationId xmlns="" xmlns:a16="http://schemas.microsoft.com/office/drawing/2014/main" id="{EE1FC7B4-E4A7-4452-B413-1A623E3A7230}"/>
               </a:ext>
             </a:extLst>
           </p:cNvPr>
@@ -25313,7 +25515,7 @@
           <p:nvPr>
             <p:extLst>
               <p:ext uri="{386F3935-93C4-4BCD-93E2-E3B085C9AB24}">
-                <p16:designElem xmlns:p16="http://schemas.microsoft.com/office/powerpoint/2015/main" xmlns="" val="1"/>
+                <p16:designElem xmlns="" xmlns:p16="http://schemas.microsoft.com/office/powerpoint/2015/main" val="1"/>
               </p:ext>
             </p:extLst>
           </p:nvPr>
@@ -25394,7 +25596,7 @@
           <p:cNvPr id="25" name="Freeform 13">
             <a:extLst>
               <a:ext uri="{FF2B5EF4-FFF2-40B4-BE49-F238E27FC236}">
-                <a16:creationId xmlns:a16="http://schemas.microsoft.com/office/drawing/2014/main" xmlns="" id="{E0709AF0-24F0-4486-B189-BE6386BDB198}"/>
+                <a16:creationId xmlns="" xmlns:a16="http://schemas.microsoft.com/office/drawing/2014/main" id="{E0709AF0-24F0-4486-B189-BE6386BDB198}"/>
               </a:ext>
             </a:extLst>
           </p:cNvPr>
@@ -25404,7 +25606,7 @@
           <p:nvPr>
             <p:extLst>
               <p:ext uri="{386F3935-93C4-4BCD-93E2-E3B085C9AB24}">
-                <p16:designElem xmlns:p16="http://schemas.microsoft.com/office/powerpoint/2015/main" xmlns="" val="1"/>
+                <p16:designElem xmlns="" xmlns:p16="http://schemas.microsoft.com/office/powerpoint/2015/main" val="1"/>
               </p:ext>
             </p:extLst>
           </p:nvPr>
@@ -25528,7 +25730,7 @@
           <p:cNvPr id="27" name="Freeform 11">
             <a:extLst>
               <a:ext uri="{FF2B5EF4-FFF2-40B4-BE49-F238E27FC236}">
-                <a16:creationId xmlns:a16="http://schemas.microsoft.com/office/drawing/2014/main" xmlns="" id="{FBE3B62F-5853-4A3C-B050-6186351A7176}"/>
+                <a16:creationId xmlns="" xmlns:a16="http://schemas.microsoft.com/office/drawing/2014/main" id="{FBE3B62F-5853-4A3C-B050-6186351A7176}"/>
               </a:ext>
             </a:extLst>
           </p:cNvPr>
@@ -25538,7 +25740,7 @@
           <p:nvPr>
             <p:extLst>
               <p:ext uri="{386F3935-93C4-4BCD-93E2-E3B085C9AB24}">
-                <p16:designElem xmlns:p16="http://schemas.microsoft.com/office/powerpoint/2015/main" xmlns="" val="1"/>
+                <p16:designElem xmlns="" xmlns:p16="http://schemas.microsoft.com/office/powerpoint/2015/main" val="1"/>
               </p:ext>
             </p:extLst>
           </p:nvPr>
@@ -25664,7 +25866,7 @@
           <p:cNvPr id="2" name="Title 1">
             <a:extLst>
               <a:ext uri="{FF2B5EF4-FFF2-40B4-BE49-F238E27FC236}">
-                <a16:creationId xmlns:a16="http://schemas.microsoft.com/office/drawing/2014/main" xmlns="" id="{A5F6196D-B07E-499E-92C0-6953CE9F25D4}"/>
+                <a16:creationId xmlns="" xmlns:a16="http://schemas.microsoft.com/office/drawing/2014/main" id="{A5F6196D-B07E-499E-92C0-6953CE9F25D4}"/>
               </a:ext>
             </a:extLst>
           </p:cNvPr>
@@ -25700,7 +25902,7 @@
           <p:cNvPr id="17" name="Content Placeholder 16">
             <a:extLst>
               <a:ext uri="{FF2B5EF4-FFF2-40B4-BE49-F238E27FC236}">
-                <a16:creationId xmlns:a16="http://schemas.microsoft.com/office/drawing/2014/main" xmlns="" id="{5FDBA27F-9676-4EE6-B75A-C35B42A0CD81}"/>
+                <a16:creationId xmlns="" xmlns:a16="http://schemas.microsoft.com/office/drawing/2014/main" id="{5FDBA27F-9676-4EE6-B75A-C35B42A0CD81}"/>
               </a:ext>
             </a:extLst>
           </p:cNvPr>
@@ -25737,94 +25939,10 @@
           </a:p>
         </p:txBody>
       </p:sp>
-      <p:sp>
-        <p:nvSpPr>
-          <p:cNvPr id="5" name="TextBox 4"/>
-          <p:cNvSpPr txBox="1"/>
-          <p:nvPr/>
-        </p:nvSpPr>
-        <p:spPr>
-          <a:xfrm>
-            <a:off x="6367849" y="823784"/>
-            <a:ext cx="5321643" cy="4401205"/>
-          </a:xfrm>
-          <a:prstGeom prst="rect">
-            <a:avLst/>
-          </a:prstGeom>
-          <a:noFill/>
-        </p:spPr>
-        <p:txBody>
-          <a:bodyPr wrap="square" rtlCol="0">
-            <a:spAutoFit/>
-          </a:bodyPr>
-          <a:lstStyle/>
-          <a:p>
-            <a:r>
-              <a:rPr lang="en-US" sz="2800" dirty="0" smtClean="0"/>
-              <a:t>00000000</a:t>
-            </a:r>
-          </a:p>
-          <a:p>
-            <a:r>
-              <a:rPr lang="en-US" sz="2800" dirty="0" smtClean="0"/>
-              <a:t>00000001</a:t>
-            </a:r>
-          </a:p>
-          <a:p>
-            <a:r>
-              <a:rPr lang="en-US" sz="2800" dirty="0" smtClean="0"/>
-              <a:t>00000010</a:t>
-            </a:r>
-          </a:p>
-          <a:p>
-            <a:r>
-              <a:rPr lang="en-US" sz="2800" dirty="0" smtClean="0"/>
-              <a:t>00000011</a:t>
-            </a:r>
-          </a:p>
-          <a:p>
-            <a:r>
-              <a:rPr lang="en-US" sz="2800" dirty="0" smtClean="0"/>
-              <a:t>00000100</a:t>
-            </a:r>
-          </a:p>
-          <a:p>
-            <a:r>
-              <a:rPr lang="en-US" sz="2800" dirty="0" smtClean="0"/>
-              <a:t>00000101</a:t>
-            </a:r>
-          </a:p>
-          <a:p>
-            <a:r>
-              <a:rPr lang="en-US" sz="2800" dirty="0" smtClean="0"/>
-              <a:t>00000110</a:t>
-            </a:r>
-          </a:p>
-          <a:p>
-            <a:r>
-              <a:rPr lang="en-US" sz="2800" dirty="0" smtClean="0"/>
-              <a:t>00000111</a:t>
-            </a:r>
-          </a:p>
-          <a:p>
-            <a:r>
-              <a:rPr lang="en-US" sz="2800" dirty="0" smtClean="0"/>
-              <a:t>00001000</a:t>
-            </a:r>
-          </a:p>
-          <a:p>
-            <a:r>
-              <a:rPr lang="en-US" sz="2800" dirty="0" smtClean="0"/>
-              <a:t>00001001….</a:t>
-            </a:r>
-            <a:endParaRPr lang="en-US" sz="2800" dirty="0"/>
-          </a:p>
-        </p:txBody>
-      </p:sp>
     </p:spTree>
     <p:extLst>
       <p:ext uri="{BB962C8B-B14F-4D97-AF65-F5344CB8AC3E}">
-        <p14:creationId xmlns:p14="http://schemas.microsoft.com/office/powerpoint/2010/main" val="4180920693"/>
+        <p14:creationId xmlns:p14="http://schemas.microsoft.com/office/powerpoint/2010/main" val="1214297482"/>
       </p:ext>
     </p:extLst>
   </p:cSld>
@@ -25841,7 +25959,7 @@
 </p:sld>
 </file>
 
-<file path=ppt/slides/slide6.xml><?xml version="1.0" encoding="utf-8"?>
+<file path=ppt/slides/slide5.xml><?xml version="1.0" encoding="utf-8"?>
 <p:sld xmlns:a="http://schemas.openxmlformats.org/drawingml/2006/main" xmlns:r="http://schemas.openxmlformats.org/officeDocument/2006/relationships" xmlns:p="http://schemas.openxmlformats.org/presentationml/2006/main">
   <p:cSld>
     <p:bg>
@@ -25874,7 +25992,7 @@
           <p:cNvPr id="23" name="Rectangle 22">
             <a:extLst>
               <a:ext uri="{FF2B5EF4-FFF2-40B4-BE49-F238E27FC236}">
-                <a16:creationId xmlns:a16="http://schemas.microsoft.com/office/drawing/2014/main" xmlns="" id="{EE1FC7B4-E4A7-4452-B413-1A623E3A7230}"/>
+                <a16:creationId xmlns="" xmlns:a16="http://schemas.microsoft.com/office/drawing/2014/main" id="{EE1FC7B4-E4A7-4452-B413-1A623E3A7230}"/>
               </a:ext>
             </a:extLst>
           </p:cNvPr>
@@ -25884,7 +26002,7 @@
           <p:nvPr>
             <p:extLst>
               <p:ext uri="{386F3935-93C4-4BCD-93E2-E3B085C9AB24}">
-                <p16:designElem xmlns:p16="http://schemas.microsoft.com/office/powerpoint/2015/main" xmlns="" val="1"/>
+                <p16:designElem xmlns="" xmlns:p16="http://schemas.microsoft.com/office/powerpoint/2015/main" val="1"/>
               </p:ext>
             </p:extLst>
           </p:nvPr>
@@ -25965,7 +26083,7 @@
           <p:cNvPr id="25" name="Freeform 13">
             <a:extLst>
               <a:ext uri="{FF2B5EF4-FFF2-40B4-BE49-F238E27FC236}">
-                <a16:creationId xmlns:a16="http://schemas.microsoft.com/office/drawing/2014/main" xmlns="" id="{E0709AF0-24F0-4486-B189-BE6386BDB198}"/>
+                <a16:creationId xmlns="" xmlns:a16="http://schemas.microsoft.com/office/drawing/2014/main" id="{E0709AF0-24F0-4486-B189-BE6386BDB198}"/>
               </a:ext>
             </a:extLst>
           </p:cNvPr>
@@ -25975,7 +26093,7 @@
           <p:nvPr>
             <p:extLst>
               <p:ext uri="{386F3935-93C4-4BCD-93E2-E3B085C9AB24}">
-                <p16:designElem xmlns:p16="http://schemas.microsoft.com/office/powerpoint/2015/main" xmlns="" val="1"/>
+                <p16:designElem xmlns="" xmlns:p16="http://schemas.microsoft.com/office/powerpoint/2015/main" val="1"/>
               </p:ext>
             </p:extLst>
           </p:nvPr>
@@ -26099,7 +26217,7 @@
           <p:cNvPr id="27" name="Freeform 11">
             <a:extLst>
               <a:ext uri="{FF2B5EF4-FFF2-40B4-BE49-F238E27FC236}">
-                <a16:creationId xmlns:a16="http://schemas.microsoft.com/office/drawing/2014/main" xmlns="" id="{FBE3B62F-5853-4A3C-B050-6186351A7176}"/>
+                <a16:creationId xmlns="" xmlns:a16="http://schemas.microsoft.com/office/drawing/2014/main" id="{FBE3B62F-5853-4A3C-B050-6186351A7176}"/>
               </a:ext>
             </a:extLst>
           </p:cNvPr>
@@ -26109,7 +26227,7 @@
           <p:nvPr>
             <p:extLst>
               <p:ext uri="{386F3935-93C4-4BCD-93E2-E3B085C9AB24}">
-                <p16:designElem xmlns:p16="http://schemas.microsoft.com/office/powerpoint/2015/main" xmlns="" val="1"/>
+                <p16:designElem xmlns="" xmlns:p16="http://schemas.microsoft.com/office/powerpoint/2015/main" val="1"/>
               </p:ext>
             </p:extLst>
           </p:nvPr>
@@ -26235,7 +26353,7 @@
           <p:cNvPr id="2" name="Title 1">
             <a:extLst>
               <a:ext uri="{FF2B5EF4-FFF2-40B4-BE49-F238E27FC236}">
-                <a16:creationId xmlns:a16="http://schemas.microsoft.com/office/drawing/2014/main" xmlns="" id="{A5F6196D-B07E-499E-92C0-6953CE9F25D4}"/>
+                <a16:creationId xmlns="" xmlns:a16="http://schemas.microsoft.com/office/drawing/2014/main" id="{A5F6196D-B07E-499E-92C0-6953CE9F25D4}"/>
               </a:ext>
             </a:extLst>
           </p:cNvPr>
@@ -26271,7 +26389,7 @@
           <p:cNvPr id="17" name="Content Placeholder 16">
             <a:extLst>
               <a:ext uri="{FF2B5EF4-FFF2-40B4-BE49-F238E27FC236}">
-                <a16:creationId xmlns:a16="http://schemas.microsoft.com/office/drawing/2014/main" xmlns="" id="{5FDBA27F-9676-4EE6-B75A-C35B42A0CD81}"/>
+                <a16:creationId xmlns="" xmlns:a16="http://schemas.microsoft.com/office/drawing/2014/main" id="{5FDBA27F-9676-4EE6-B75A-C35B42A0CD81}"/>
               </a:ext>
             </a:extLst>
           </p:cNvPr>
@@ -26284,8 +26402,8 @@
         </p:nvSpPr>
         <p:spPr>
           <a:xfrm>
-            <a:off x="582822" y="2191807"/>
-            <a:ext cx="4870622" cy="3985155"/>
+            <a:off x="838200" y="2191807"/>
+            <a:ext cx="5780314" cy="3985155"/>
           </a:xfrm>
         </p:spPr>
         <p:txBody>
@@ -26300,829 +26418,102 @@
             </a:r>
           </a:p>
           <a:p>
-            <a:endParaRPr lang="en-US" dirty="0"/>
-          </a:p>
-          <a:p>
-            <a:endParaRPr lang="en-US" dirty="0" smtClean="0"/>
-          </a:p>
-          <a:p>
             <a:r>
               <a:rPr lang="en-US" sz="2800" dirty="0" smtClean="0"/>
               <a:t>0..1..10..11..100..101..110…</a:t>
             </a:r>
-          </a:p>
-          <a:p>
-            <a:endParaRPr lang="en-US" dirty="0"/>
-          </a:p>
-          <a:p>
-            <a:endParaRPr lang="en-US" sz="2800" dirty="0" smtClean="0"/>
-          </a:p>
-          <a:p>
-            <a:r>
-              <a:rPr lang="en-US" dirty="0"/>
-              <a:t>0..1..2..3..4..5..6..7..8..9..</a:t>
-            </a:r>
-            <a:r>
-              <a:rPr lang="en-US" dirty="0" smtClean="0"/>
-              <a:t>10..A</a:t>
-            </a:r>
-            <a:endParaRPr lang="en-US" dirty="0"/>
+            <a:endParaRPr lang="en-US" sz="2800" dirty="0"/>
           </a:p>
         </p:txBody>
       </p:sp>
       <p:sp>
         <p:nvSpPr>
-          <p:cNvPr id="8" name="Right Arrow 7"/>
-          <p:cNvSpPr/>
+          <p:cNvPr id="5" name="TextBox 4"/>
+          <p:cNvSpPr txBox="1"/>
           <p:nvPr/>
         </p:nvSpPr>
         <p:spPr>
           <a:xfrm>
-            <a:off x="5436973" y="2298356"/>
-            <a:ext cx="807308" cy="263611"/>
-          </a:xfrm>
-          <a:prstGeom prst="rightArrow">
-            <a:avLst/>
-          </a:prstGeom>
-          <a:solidFill>
-            <a:schemeClr val="tx1"/>
-          </a:solidFill>
-          <a:ln>
-            <a:solidFill>
-              <a:schemeClr val="tx1"/>
-            </a:solidFill>
-          </a:ln>
-        </p:spPr>
-        <p:style>
-          <a:lnRef idx="2">
-            <a:schemeClr val="accent1">
-              <a:shade val="50000"/>
-            </a:schemeClr>
-          </a:lnRef>
-          <a:fillRef idx="1">
-            <a:schemeClr val="accent1"/>
-          </a:fillRef>
-          <a:effectRef idx="0">
-            <a:schemeClr val="accent1"/>
-          </a:effectRef>
-          <a:fontRef idx="minor">
-            <a:schemeClr val="lt1"/>
-          </a:fontRef>
-        </p:style>
-        <p:txBody>
-          <a:bodyPr rtlCol="0" anchor="ctr"/>
-          <a:lstStyle/>
-          <a:p>
-            <a:pPr algn="ctr"/>
-            <a:endParaRPr lang="en-US"/>
-          </a:p>
-        </p:txBody>
-      </p:sp>
-      <p:sp>
-        <p:nvSpPr>
-          <p:cNvPr id="13" name="Right Arrow 12"/>
-          <p:cNvSpPr/>
-          <p:nvPr/>
-        </p:nvSpPr>
-        <p:spPr>
-          <a:xfrm>
-            <a:off x="5448533" y="3777049"/>
-            <a:ext cx="807308" cy="263611"/>
-          </a:xfrm>
-          <a:prstGeom prst="rightArrow">
-            <a:avLst/>
-          </a:prstGeom>
-          <a:solidFill>
-            <a:schemeClr val="tx1"/>
-          </a:solidFill>
-          <a:ln>
-            <a:solidFill>
-              <a:schemeClr val="tx1"/>
-            </a:solidFill>
-          </a:ln>
-        </p:spPr>
-        <p:style>
-          <a:lnRef idx="2">
-            <a:schemeClr val="accent1">
-              <a:shade val="50000"/>
-            </a:schemeClr>
-          </a:lnRef>
-          <a:fillRef idx="1">
-            <a:schemeClr val="accent1"/>
-          </a:fillRef>
-          <a:effectRef idx="0">
-            <a:schemeClr val="accent1"/>
-          </a:effectRef>
-          <a:fontRef idx="minor">
-            <a:schemeClr val="lt1"/>
-          </a:fontRef>
-        </p:style>
-        <p:txBody>
-          <a:bodyPr rtlCol="0" anchor="ctr"/>
-          <a:lstStyle/>
-          <a:p>
-            <a:pPr algn="ctr"/>
-            <a:endParaRPr lang="en-US"/>
-          </a:p>
-        </p:txBody>
-      </p:sp>
-      <p:sp>
-        <p:nvSpPr>
-          <p:cNvPr id="15" name="Content Placeholder 16">
-            <a:extLst>
-              <a:ext uri="{FF2B5EF4-FFF2-40B4-BE49-F238E27FC236}">
-                <a16:creationId xmlns:a16="http://schemas.microsoft.com/office/drawing/2014/main" xmlns="" id="{5FDBA27F-9676-4EE6-B75A-C35B42A0CD81}"/>
-              </a:ext>
-            </a:extLst>
-          </p:cNvPr>
-          <p:cNvSpPr txBox="1">
-            <a:spLocks/>
-          </p:cNvSpPr>
-          <p:nvPr/>
-        </p:nvSpPr>
-        <p:spPr>
-          <a:xfrm>
-            <a:off x="6231127" y="2226895"/>
-            <a:ext cx="5820828" cy="1389910"/>
+            <a:off x="6367849" y="823784"/>
+            <a:ext cx="5321643" cy="4401205"/>
           </a:xfrm>
           <a:prstGeom prst="rect">
             <a:avLst/>
           </a:prstGeom>
+          <a:noFill/>
         </p:spPr>
         <p:txBody>
-          <a:bodyPr vert="horz" lIns="91440" tIns="45720" rIns="91440" bIns="45720" rtlCol="0">
-            <a:normAutofit/>
+          <a:bodyPr wrap="square" rtlCol="0">
+            <a:spAutoFit/>
           </a:bodyPr>
-          <a:lstStyle>
-            <a:lvl1pPr marL="228600" indent="-228600" algn="l" defTabSz="914400" rtl="0" eaLnBrk="1" latinLnBrk="0" hangingPunct="1">
-              <a:lnSpc>
-                <a:spcPct val="90000"/>
-              </a:lnSpc>
-              <a:spcBef>
-                <a:spcPts val="1000"/>
-              </a:spcBef>
-              <a:buFont typeface="Arial" panose="020B0604020202020204" pitchFamily="34" charset="0"/>
-              <a:buChar char="•"/>
-              <a:defRPr sz="2800" kern="1200">
-                <a:solidFill>
-                  <a:schemeClr val="tx1"/>
-                </a:solidFill>
-                <a:latin typeface="+mn-lt"/>
-                <a:ea typeface="+mn-ea"/>
-                <a:cs typeface="+mn-cs"/>
-              </a:defRPr>
-            </a:lvl1pPr>
-            <a:lvl2pPr marL="685800" indent="-228600" algn="l" defTabSz="914400" rtl="0" eaLnBrk="1" latinLnBrk="0" hangingPunct="1">
-              <a:lnSpc>
-                <a:spcPct val="90000"/>
-              </a:lnSpc>
-              <a:spcBef>
-                <a:spcPts val="500"/>
-              </a:spcBef>
-              <a:buFont typeface="Arial" panose="020B0604020202020204" pitchFamily="34" charset="0"/>
-              <a:buChar char="•"/>
-              <a:defRPr sz="2400" kern="1200">
-                <a:solidFill>
-                  <a:schemeClr val="tx1"/>
-                </a:solidFill>
-                <a:latin typeface="+mn-lt"/>
-                <a:ea typeface="+mn-ea"/>
-                <a:cs typeface="+mn-cs"/>
-              </a:defRPr>
-            </a:lvl2pPr>
-            <a:lvl3pPr marL="1143000" indent="-228600" algn="l" defTabSz="914400" rtl="0" eaLnBrk="1" latinLnBrk="0" hangingPunct="1">
-              <a:lnSpc>
-                <a:spcPct val="90000"/>
-              </a:lnSpc>
-              <a:spcBef>
-                <a:spcPts val="500"/>
-              </a:spcBef>
-              <a:buFont typeface="Arial" panose="020B0604020202020204" pitchFamily="34" charset="0"/>
-              <a:buChar char="•"/>
-              <a:defRPr sz="2000" kern="1200">
-                <a:solidFill>
-                  <a:schemeClr val="tx1"/>
-                </a:solidFill>
-                <a:latin typeface="+mn-lt"/>
-                <a:ea typeface="+mn-ea"/>
-                <a:cs typeface="+mn-cs"/>
-              </a:defRPr>
-            </a:lvl3pPr>
-            <a:lvl4pPr marL="1600200" indent="-228600" algn="l" defTabSz="914400" rtl="0" eaLnBrk="1" latinLnBrk="0" hangingPunct="1">
-              <a:lnSpc>
-                <a:spcPct val="90000"/>
-              </a:lnSpc>
-              <a:spcBef>
-                <a:spcPts val="500"/>
-              </a:spcBef>
-              <a:buFont typeface="Arial" panose="020B0604020202020204" pitchFamily="34" charset="0"/>
-              <a:buChar char="•"/>
-              <a:defRPr sz="1800" kern="1200">
-                <a:solidFill>
-                  <a:schemeClr val="tx1"/>
-                </a:solidFill>
-                <a:latin typeface="+mn-lt"/>
-                <a:ea typeface="+mn-ea"/>
-                <a:cs typeface="+mn-cs"/>
-              </a:defRPr>
-            </a:lvl4pPr>
-            <a:lvl5pPr marL="2057400" indent="-228600" algn="l" defTabSz="914400" rtl="0" eaLnBrk="1" latinLnBrk="0" hangingPunct="1">
-              <a:lnSpc>
-                <a:spcPct val="90000"/>
-              </a:lnSpc>
-              <a:spcBef>
-                <a:spcPts val="500"/>
-              </a:spcBef>
-              <a:buFont typeface="Arial" panose="020B0604020202020204" pitchFamily="34" charset="0"/>
-              <a:buChar char="•"/>
-              <a:defRPr sz="1800" kern="1200">
-                <a:solidFill>
-                  <a:schemeClr val="tx1"/>
-                </a:solidFill>
-                <a:latin typeface="+mn-lt"/>
-                <a:ea typeface="+mn-ea"/>
-                <a:cs typeface="+mn-cs"/>
-              </a:defRPr>
-            </a:lvl5pPr>
-            <a:lvl6pPr marL="2514600" indent="-228600" algn="l" defTabSz="914400" rtl="0" eaLnBrk="1" latinLnBrk="0" hangingPunct="1">
-              <a:lnSpc>
-                <a:spcPct val="90000"/>
-              </a:lnSpc>
-              <a:spcBef>
-                <a:spcPts val="500"/>
-              </a:spcBef>
-              <a:buFont typeface="Arial" panose="020B0604020202020204" pitchFamily="34" charset="0"/>
-              <a:buChar char="•"/>
-              <a:defRPr sz="1800" kern="1200">
-                <a:solidFill>
-                  <a:schemeClr val="tx1"/>
-                </a:solidFill>
-                <a:latin typeface="+mn-lt"/>
-                <a:ea typeface="+mn-ea"/>
-                <a:cs typeface="+mn-cs"/>
-              </a:defRPr>
-            </a:lvl6pPr>
-            <a:lvl7pPr marL="2971800" indent="-228600" algn="l" defTabSz="914400" rtl="0" eaLnBrk="1" latinLnBrk="0" hangingPunct="1">
-              <a:lnSpc>
-                <a:spcPct val="90000"/>
-              </a:lnSpc>
-              <a:spcBef>
-                <a:spcPts val="500"/>
-              </a:spcBef>
-              <a:buFont typeface="Arial" panose="020B0604020202020204" pitchFamily="34" charset="0"/>
-              <a:buChar char="•"/>
-              <a:defRPr sz="1800" kern="1200">
-                <a:solidFill>
-                  <a:schemeClr val="tx1"/>
-                </a:solidFill>
-                <a:latin typeface="+mn-lt"/>
-                <a:ea typeface="+mn-ea"/>
-                <a:cs typeface="+mn-cs"/>
-              </a:defRPr>
-            </a:lvl7pPr>
-            <a:lvl8pPr marL="3429000" indent="-228600" algn="l" defTabSz="914400" rtl="0" eaLnBrk="1" latinLnBrk="0" hangingPunct="1">
-              <a:lnSpc>
-                <a:spcPct val="90000"/>
-              </a:lnSpc>
-              <a:spcBef>
-                <a:spcPts val="500"/>
-              </a:spcBef>
-              <a:buFont typeface="Arial" panose="020B0604020202020204" pitchFamily="34" charset="0"/>
-              <a:buChar char="•"/>
-              <a:defRPr sz="1800" kern="1200">
-                <a:solidFill>
-                  <a:schemeClr val="tx1"/>
-                </a:solidFill>
-                <a:latin typeface="+mn-lt"/>
-                <a:ea typeface="+mn-ea"/>
-                <a:cs typeface="+mn-cs"/>
-              </a:defRPr>
-            </a:lvl8pPr>
-            <a:lvl9pPr marL="3886200" indent="-228600" algn="l" defTabSz="914400" rtl="0" eaLnBrk="1" latinLnBrk="0" hangingPunct="1">
-              <a:lnSpc>
-                <a:spcPct val="90000"/>
-              </a:lnSpc>
-              <a:spcBef>
-                <a:spcPts val="500"/>
-              </a:spcBef>
-              <a:buFont typeface="Arial" panose="020B0604020202020204" pitchFamily="34" charset="0"/>
-              <a:buChar char="•"/>
-              <a:defRPr sz="1800" kern="1200">
-                <a:solidFill>
-                  <a:schemeClr val="tx1"/>
-                </a:solidFill>
-                <a:latin typeface="+mn-lt"/>
-                <a:ea typeface="+mn-ea"/>
-                <a:cs typeface="+mn-cs"/>
-              </a:defRPr>
-            </a:lvl9pPr>
-          </a:lstStyle>
+          <a:lstStyle/>
           <a:p>
             <a:r>
-              <a:rPr lang="en-US" dirty="0" smtClean="0"/>
-              <a:t>A decimal with N digits can represent up to 10</a:t>
+              <a:rPr lang="en-US" sz="2800" dirty="0" smtClean="0"/>
+              <a:t>00000000</a:t>
             </a:r>
+          </a:p>
+          <a:p>
             <a:r>
-              <a:rPr lang="en-US" baseline="30000" dirty="0" smtClean="0"/>
-              <a:t>N</a:t>
+              <a:rPr lang="en-US" sz="2800" dirty="0" smtClean="0"/>
+              <a:t>00000001</a:t>
             </a:r>
+          </a:p>
+          <a:p>
             <a:r>
-              <a:rPr lang="en-US" dirty="0" smtClean="0"/>
-              <a:t> values.</a:t>
+              <a:rPr lang="en-US" sz="2800" dirty="0" smtClean="0"/>
+              <a:t>00000010</a:t>
             </a:r>
-            <a:endParaRPr lang="en-US" baseline="30000" dirty="0" smtClean="0"/>
           </a:p>
           <a:p>
             <a:r>
-              <a:rPr lang="en-US" dirty="0" smtClean="0"/>
-              <a:t>_ _ _                 0…..999</a:t>
+              <a:rPr lang="en-US" sz="2800" dirty="0" smtClean="0"/>
+              <a:t>00000011</a:t>
             </a:r>
-            <a:endParaRPr lang="en-US" dirty="0"/>
-          </a:p>
-        </p:txBody>
-      </p:sp>
-      <p:sp>
-        <p:nvSpPr>
-          <p:cNvPr id="18" name="Content Placeholder 16">
-            <a:extLst>
-              <a:ext uri="{FF2B5EF4-FFF2-40B4-BE49-F238E27FC236}">
-                <a16:creationId xmlns:a16="http://schemas.microsoft.com/office/drawing/2014/main" xmlns="" id="{5FDBA27F-9676-4EE6-B75A-C35B42A0CD81}"/>
-              </a:ext>
-            </a:extLst>
-          </p:cNvPr>
-          <p:cNvSpPr txBox="1">
-            <a:spLocks/>
-          </p:cNvSpPr>
-          <p:nvPr/>
-        </p:nvSpPr>
-        <p:spPr>
-          <a:xfrm>
-            <a:off x="6227005" y="3738547"/>
-            <a:ext cx="5820828" cy="1389910"/>
-          </a:xfrm>
-          <a:prstGeom prst="rect">
-            <a:avLst/>
-          </a:prstGeom>
-        </p:spPr>
-        <p:txBody>
-          <a:bodyPr vert="horz" lIns="91440" tIns="45720" rIns="91440" bIns="45720" rtlCol="0">
-            <a:normAutofit/>
-          </a:bodyPr>
-          <a:lstStyle>
-            <a:lvl1pPr marL="228600" indent="-228600" algn="l" defTabSz="914400" rtl="0" eaLnBrk="1" latinLnBrk="0" hangingPunct="1">
-              <a:lnSpc>
-                <a:spcPct val="90000"/>
-              </a:lnSpc>
-              <a:spcBef>
-                <a:spcPts val="1000"/>
-              </a:spcBef>
-              <a:buFont typeface="Arial" panose="020B0604020202020204" pitchFamily="34" charset="0"/>
-              <a:buChar char="•"/>
-              <a:defRPr sz="2800" kern="1200">
-                <a:solidFill>
-                  <a:schemeClr val="tx1"/>
-                </a:solidFill>
-                <a:latin typeface="+mn-lt"/>
-                <a:ea typeface="+mn-ea"/>
-                <a:cs typeface="+mn-cs"/>
-              </a:defRPr>
-            </a:lvl1pPr>
-            <a:lvl2pPr marL="685800" indent="-228600" algn="l" defTabSz="914400" rtl="0" eaLnBrk="1" latinLnBrk="0" hangingPunct="1">
-              <a:lnSpc>
-                <a:spcPct val="90000"/>
-              </a:lnSpc>
-              <a:spcBef>
-                <a:spcPts val="500"/>
-              </a:spcBef>
-              <a:buFont typeface="Arial" panose="020B0604020202020204" pitchFamily="34" charset="0"/>
-              <a:buChar char="•"/>
-              <a:defRPr sz="2400" kern="1200">
-                <a:solidFill>
-                  <a:schemeClr val="tx1"/>
-                </a:solidFill>
-                <a:latin typeface="+mn-lt"/>
-                <a:ea typeface="+mn-ea"/>
-                <a:cs typeface="+mn-cs"/>
-              </a:defRPr>
-            </a:lvl2pPr>
-            <a:lvl3pPr marL="1143000" indent="-228600" algn="l" defTabSz="914400" rtl="0" eaLnBrk="1" latinLnBrk="0" hangingPunct="1">
-              <a:lnSpc>
-                <a:spcPct val="90000"/>
-              </a:lnSpc>
-              <a:spcBef>
-                <a:spcPts val="500"/>
-              </a:spcBef>
-              <a:buFont typeface="Arial" panose="020B0604020202020204" pitchFamily="34" charset="0"/>
-              <a:buChar char="•"/>
-              <a:defRPr sz="2000" kern="1200">
-                <a:solidFill>
-                  <a:schemeClr val="tx1"/>
-                </a:solidFill>
-                <a:latin typeface="+mn-lt"/>
-                <a:ea typeface="+mn-ea"/>
-                <a:cs typeface="+mn-cs"/>
-              </a:defRPr>
-            </a:lvl3pPr>
-            <a:lvl4pPr marL="1600200" indent="-228600" algn="l" defTabSz="914400" rtl="0" eaLnBrk="1" latinLnBrk="0" hangingPunct="1">
-              <a:lnSpc>
-                <a:spcPct val="90000"/>
-              </a:lnSpc>
-              <a:spcBef>
-                <a:spcPts val="500"/>
-              </a:spcBef>
-              <a:buFont typeface="Arial" panose="020B0604020202020204" pitchFamily="34" charset="0"/>
-              <a:buChar char="•"/>
-              <a:defRPr sz="1800" kern="1200">
-                <a:solidFill>
-                  <a:schemeClr val="tx1"/>
-                </a:solidFill>
-                <a:latin typeface="+mn-lt"/>
-                <a:ea typeface="+mn-ea"/>
-                <a:cs typeface="+mn-cs"/>
-              </a:defRPr>
-            </a:lvl4pPr>
-            <a:lvl5pPr marL="2057400" indent="-228600" algn="l" defTabSz="914400" rtl="0" eaLnBrk="1" latinLnBrk="0" hangingPunct="1">
-              <a:lnSpc>
-                <a:spcPct val="90000"/>
-              </a:lnSpc>
-              <a:spcBef>
-                <a:spcPts val="500"/>
-              </a:spcBef>
-              <a:buFont typeface="Arial" panose="020B0604020202020204" pitchFamily="34" charset="0"/>
-              <a:buChar char="•"/>
-              <a:defRPr sz="1800" kern="1200">
-                <a:solidFill>
-                  <a:schemeClr val="tx1"/>
-                </a:solidFill>
-                <a:latin typeface="+mn-lt"/>
-                <a:ea typeface="+mn-ea"/>
-                <a:cs typeface="+mn-cs"/>
-              </a:defRPr>
-            </a:lvl5pPr>
-            <a:lvl6pPr marL="2514600" indent="-228600" algn="l" defTabSz="914400" rtl="0" eaLnBrk="1" latinLnBrk="0" hangingPunct="1">
-              <a:lnSpc>
-                <a:spcPct val="90000"/>
-              </a:lnSpc>
-              <a:spcBef>
-                <a:spcPts val="500"/>
-              </a:spcBef>
-              <a:buFont typeface="Arial" panose="020B0604020202020204" pitchFamily="34" charset="0"/>
-              <a:buChar char="•"/>
-              <a:defRPr sz="1800" kern="1200">
-                <a:solidFill>
-                  <a:schemeClr val="tx1"/>
-                </a:solidFill>
-                <a:latin typeface="+mn-lt"/>
-                <a:ea typeface="+mn-ea"/>
-                <a:cs typeface="+mn-cs"/>
-              </a:defRPr>
-            </a:lvl6pPr>
-            <a:lvl7pPr marL="2971800" indent="-228600" algn="l" defTabSz="914400" rtl="0" eaLnBrk="1" latinLnBrk="0" hangingPunct="1">
-              <a:lnSpc>
-                <a:spcPct val="90000"/>
-              </a:lnSpc>
-              <a:spcBef>
-                <a:spcPts val="500"/>
-              </a:spcBef>
-              <a:buFont typeface="Arial" panose="020B0604020202020204" pitchFamily="34" charset="0"/>
-              <a:buChar char="•"/>
-              <a:defRPr sz="1800" kern="1200">
-                <a:solidFill>
-                  <a:schemeClr val="tx1"/>
-                </a:solidFill>
-                <a:latin typeface="+mn-lt"/>
-                <a:ea typeface="+mn-ea"/>
-                <a:cs typeface="+mn-cs"/>
-              </a:defRPr>
-            </a:lvl7pPr>
-            <a:lvl8pPr marL="3429000" indent="-228600" algn="l" defTabSz="914400" rtl="0" eaLnBrk="1" latinLnBrk="0" hangingPunct="1">
-              <a:lnSpc>
-                <a:spcPct val="90000"/>
-              </a:lnSpc>
-              <a:spcBef>
-                <a:spcPts val="500"/>
-              </a:spcBef>
-              <a:buFont typeface="Arial" panose="020B0604020202020204" pitchFamily="34" charset="0"/>
-              <a:buChar char="•"/>
-              <a:defRPr sz="1800" kern="1200">
-                <a:solidFill>
-                  <a:schemeClr val="tx1"/>
-                </a:solidFill>
-                <a:latin typeface="+mn-lt"/>
-                <a:ea typeface="+mn-ea"/>
-                <a:cs typeface="+mn-cs"/>
-              </a:defRPr>
-            </a:lvl8pPr>
-            <a:lvl9pPr marL="3886200" indent="-228600" algn="l" defTabSz="914400" rtl="0" eaLnBrk="1" latinLnBrk="0" hangingPunct="1">
-              <a:lnSpc>
-                <a:spcPct val="90000"/>
-              </a:lnSpc>
-              <a:spcBef>
-                <a:spcPts val="500"/>
-              </a:spcBef>
-              <a:buFont typeface="Arial" panose="020B0604020202020204" pitchFamily="34" charset="0"/>
-              <a:buChar char="•"/>
-              <a:defRPr sz="1800" kern="1200">
-                <a:solidFill>
-                  <a:schemeClr val="tx1"/>
-                </a:solidFill>
-                <a:latin typeface="+mn-lt"/>
-                <a:ea typeface="+mn-ea"/>
-                <a:cs typeface="+mn-cs"/>
-              </a:defRPr>
-            </a:lvl9pPr>
-          </a:lstStyle>
+          </a:p>
           <a:p>
             <a:r>
-              <a:rPr lang="en-US" dirty="0" smtClean="0"/>
-              <a:t>A binary with N digits can represent up to 2</a:t>
+              <a:rPr lang="en-US" sz="2800" dirty="0" smtClean="0"/>
+              <a:t>00000100</a:t>
             </a:r>
+          </a:p>
+          <a:p>
             <a:r>
-              <a:rPr lang="en-US" baseline="30000" dirty="0" smtClean="0"/>
-              <a:t>N</a:t>
+              <a:rPr lang="en-US" sz="2800" dirty="0" smtClean="0"/>
+              <a:t>00000101</a:t>
             </a:r>
+          </a:p>
+          <a:p>
             <a:r>
-              <a:rPr lang="en-US" dirty="0" smtClean="0"/>
-              <a:t> values.</a:t>
+              <a:rPr lang="en-US" sz="2800" dirty="0" smtClean="0"/>
+              <a:t>00000110</a:t>
             </a:r>
-            <a:endParaRPr lang="en-US" baseline="30000" dirty="0" smtClean="0"/>
           </a:p>
           <a:p>
             <a:r>
-              <a:rPr lang="en-US" dirty="0" smtClean="0"/>
-              <a:t>_ _ _                 0…..111</a:t>
+              <a:rPr lang="en-US" sz="2800" dirty="0" smtClean="0"/>
+              <a:t>00000111</a:t>
             </a:r>
-            <a:endParaRPr lang="en-US" dirty="0"/>
-          </a:p>
-        </p:txBody>
-      </p:sp>
-      <p:sp>
-        <p:nvSpPr>
-          <p:cNvPr id="19" name="Right Arrow 18"/>
-          <p:cNvSpPr/>
-          <p:nvPr/>
-        </p:nvSpPr>
-        <p:spPr>
-          <a:xfrm>
-            <a:off x="5444416" y="5362833"/>
-            <a:ext cx="807308" cy="263611"/>
-          </a:xfrm>
-          <a:prstGeom prst="rightArrow">
-            <a:avLst/>
-          </a:prstGeom>
-          <a:solidFill>
-            <a:schemeClr val="tx1"/>
-          </a:solidFill>
-          <a:ln>
-            <a:solidFill>
-              <a:schemeClr val="tx1"/>
-            </a:solidFill>
-          </a:ln>
-        </p:spPr>
-        <p:style>
-          <a:lnRef idx="2">
-            <a:schemeClr val="accent1">
-              <a:shade val="50000"/>
-            </a:schemeClr>
-          </a:lnRef>
-          <a:fillRef idx="1">
-            <a:schemeClr val="accent1"/>
-          </a:fillRef>
-          <a:effectRef idx="0">
-            <a:schemeClr val="accent1"/>
-          </a:effectRef>
-          <a:fontRef idx="minor">
-            <a:schemeClr val="lt1"/>
-          </a:fontRef>
-        </p:style>
-        <p:txBody>
-          <a:bodyPr rtlCol="0" anchor="ctr"/>
-          <a:lstStyle/>
-          <a:p>
-            <a:pPr algn="ctr"/>
-            <a:endParaRPr lang="en-US"/>
-          </a:p>
-        </p:txBody>
-      </p:sp>
-      <p:sp>
-        <p:nvSpPr>
-          <p:cNvPr id="20" name="Content Placeholder 16">
-            <a:extLst>
-              <a:ext uri="{FF2B5EF4-FFF2-40B4-BE49-F238E27FC236}">
-                <a16:creationId xmlns:a16="http://schemas.microsoft.com/office/drawing/2014/main" xmlns="" id="{5FDBA27F-9676-4EE6-B75A-C35B42A0CD81}"/>
-              </a:ext>
-            </a:extLst>
-          </p:cNvPr>
-          <p:cNvSpPr txBox="1">
-            <a:spLocks/>
-          </p:cNvSpPr>
-          <p:nvPr/>
-        </p:nvSpPr>
-        <p:spPr>
-          <a:xfrm>
-            <a:off x="6231123" y="5299621"/>
-            <a:ext cx="5820828" cy="1389910"/>
-          </a:xfrm>
-          <a:prstGeom prst="rect">
-            <a:avLst/>
-          </a:prstGeom>
-        </p:spPr>
-        <p:txBody>
-          <a:bodyPr vert="horz" lIns="91440" tIns="45720" rIns="91440" bIns="45720" rtlCol="0">
-            <a:normAutofit/>
-          </a:bodyPr>
-          <a:lstStyle>
-            <a:lvl1pPr marL="228600" indent="-228600" algn="l" defTabSz="914400" rtl="0" eaLnBrk="1" latinLnBrk="0" hangingPunct="1">
-              <a:lnSpc>
-                <a:spcPct val="90000"/>
-              </a:lnSpc>
-              <a:spcBef>
-                <a:spcPts val="1000"/>
-              </a:spcBef>
-              <a:buFont typeface="Arial" panose="020B0604020202020204" pitchFamily="34" charset="0"/>
-              <a:buChar char="•"/>
-              <a:defRPr sz="2800" kern="1200">
-                <a:solidFill>
-                  <a:schemeClr val="tx1"/>
-                </a:solidFill>
-                <a:latin typeface="+mn-lt"/>
-                <a:ea typeface="+mn-ea"/>
-                <a:cs typeface="+mn-cs"/>
-              </a:defRPr>
-            </a:lvl1pPr>
-            <a:lvl2pPr marL="685800" indent="-228600" algn="l" defTabSz="914400" rtl="0" eaLnBrk="1" latinLnBrk="0" hangingPunct="1">
-              <a:lnSpc>
-                <a:spcPct val="90000"/>
-              </a:lnSpc>
-              <a:spcBef>
-                <a:spcPts val="500"/>
-              </a:spcBef>
-              <a:buFont typeface="Arial" panose="020B0604020202020204" pitchFamily="34" charset="0"/>
-              <a:buChar char="•"/>
-              <a:defRPr sz="2400" kern="1200">
-                <a:solidFill>
-                  <a:schemeClr val="tx1"/>
-                </a:solidFill>
-                <a:latin typeface="+mn-lt"/>
-                <a:ea typeface="+mn-ea"/>
-                <a:cs typeface="+mn-cs"/>
-              </a:defRPr>
-            </a:lvl2pPr>
-            <a:lvl3pPr marL="1143000" indent="-228600" algn="l" defTabSz="914400" rtl="0" eaLnBrk="1" latinLnBrk="0" hangingPunct="1">
-              <a:lnSpc>
-                <a:spcPct val="90000"/>
-              </a:lnSpc>
-              <a:spcBef>
-                <a:spcPts val="500"/>
-              </a:spcBef>
-              <a:buFont typeface="Arial" panose="020B0604020202020204" pitchFamily="34" charset="0"/>
-              <a:buChar char="•"/>
-              <a:defRPr sz="2000" kern="1200">
-                <a:solidFill>
-                  <a:schemeClr val="tx1"/>
-                </a:solidFill>
-                <a:latin typeface="+mn-lt"/>
-                <a:ea typeface="+mn-ea"/>
-                <a:cs typeface="+mn-cs"/>
-              </a:defRPr>
-            </a:lvl3pPr>
-            <a:lvl4pPr marL="1600200" indent="-228600" algn="l" defTabSz="914400" rtl="0" eaLnBrk="1" latinLnBrk="0" hangingPunct="1">
-              <a:lnSpc>
-                <a:spcPct val="90000"/>
-              </a:lnSpc>
-              <a:spcBef>
-                <a:spcPts val="500"/>
-              </a:spcBef>
-              <a:buFont typeface="Arial" panose="020B0604020202020204" pitchFamily="34" charset="0"/>
-              <a:buChar char="•"/>
-              <a:defRPr sz="1800" kern="1200">
-                <a:solidFill>
-                  <a:schemeClr val="tx1"/>
-                </a:solidFill>
-                <a:latin typeface="+mn-lt"/>
-                <a:ea typeface="+mn-ea"/>
-                <a:cs typeface="+mn-cs"/>
-              </a:defRPr>
-            </a:lvl4pPr>
-            <a:lvl5pPr marL="2057400" indent="-228600" algn="l" defTabSz="914400" rtl="0" eaLnBrk="1" latinLnBrk="0" hangingPunct="1">
-              <a:lnSpc>
-                <a:spcPct val="90000"/>
-              </a:lnSpc>
-              <a:spcBef>
-                <a:spcPts val="500"/>
-              </a:spcBef>
-              <a:buFont typeface="Arial" panose="020B0604020202020204" pitchFamily="34" charset="0"/>
-              <a:buChar char="•"/>
-              <a:defRPr sz="1800" kern="1200">
-                <a:solidFill>
-                  <a:schemeClr val="tx1"/>
-                </a:solidFill>
-                <a:latin typeface="+mn-lt"/>
-                <a:ea typeface="+mn-ea"/>
-                <a:cs typeface="+mn-cs"/>
-              </a:defRPr>
-            </a:lvl5pPr>
-            <a:lvl6pPr marL="2514600" indent="-228600" algn="l" defTabSz="914400" rtl="0" eaLnBrk="1" latinLnBrk="0" hangingPunct="1">
-              <a:lnSpc>
-                <a:spcPct val="90000"/>
-              </a:lnSpc>
-              <a:spcBef>
-                <a:spcPts val="500"/>
-              </a:spcBef>
-              <a:buFont typeface="Arial" panose="020B0604020202020204" pitchFamily="34" charset="0"/>
-              <a:buChar char="•"/>
-              <a:defRPr sz="1800" kern="1200">
-                <a:solidFill>
-                  <a:schemeClr val="tx1"/>
-                </a:solidFill>
-                <a:latin typeface="+mn-lt"/>
-                <a:ea typeface="+mn-ea"/>
-                <a:cs typeface="+mn-cs"/>
-              </a:defRPr>
-            </a:lvl6pPr>
-            <a:lvl7pPr marL="2971800" indent="-228600" algn="l" defTabSz="914400" rtl="0" eaLnBrk="1" latinLnBrk="0" hangingPunct="1">
-              <a:lnSpc>
-                <a:spcPct val="90000"/>
-              </a:lnSpc>
-              <a:spcBef>
-                <a:spcPts val="500"/>
-              </a:spcBef>
-              <a:buFont typeface="Arial" panose="020B0604020202020204" pitchFamily="34" charset="0"/>
-              <a:buChar char="•"/>
-              <a:defRPr sz="1800" kern="1200">
-                <a:solidFill>
-                  <a:schemeClr val="tx1"/>
-                </a:solidFill>
-                <a:latin typeface="+mn-lt"/>
-                <a:ea typeface="+mn-ea"/>
-                <a:cs typeface="+mn-cs"/>
-              </a:defRPr>
-            </a:lvl7pPr>
-            <a:lvl8pPr marL="3429000" indent="-228600" algn="l" defTabSz="914400" rtl="0" eaLnBrk="1" latinLnBrk="0" hangingPunct="1">
-              <a:lnSpc>
-                <a:spcPct val="90000"/>
-              </a:lnSpc>
-              <a:spcBef>
-                <a:spcPts val="500"/>
-              </a:spcBef>
-              <a:buFont typeface="Arial" panose="020B0604020202020204" pitchFamily="34" charset="0"/>
-              <a:buChar char="•"/>
-              <a:defRPr sz="1800" kern="1200">
-                <a:solidFill>
-                  <a:schemeClr val="tx1"/>
-                </a:solidFill>
-                <a:latin typeface="+mn-lt"/>
-                <a:ea typeface="+mn-ea"/>
-                <a:cs typeface="+mn-cs"/>
-              </a:defRPr>
-            </a:lvl8pPr>
-            <a:lvl9pPr marL="3886200" indent="-228600" algn="l" defTabSz="914400" rtl="0" eaLnBrk="1" latinLnBrk="0" hangingPunct="1">
-              <a:lnSpc>
-                <a:spcPct val="90000"/>
-              </a:lnSpc>
-              <a:spcBef>
-                <a:spcPts val="500"/>
-              </a:spcBef>
-              <a:buFont typeface="Arial" panose="020B0604020202020204" pitchFamily="34" charset="0"/>
-              <a:buChar char="•"/>
-              <a:defRPr sz="1800" kern="1200">
-                <a:solidFill>
-                  <a:schemeClr val="tx1"/>
-                </a:solidFill>
-                <a:latin typeface="+mn-lt"/>
-                <a:ea typeface="+mn-ea"/>
-                <a:cs typeface="+mn-cs"/>
-              </a:defRPr>
-            </a:lvl9pPr>
-          </a:lstStyle>
+          </a:p>
           <a:p>
             <a:r>
-              <a:rPr lang="en-US" dirty="0" smtClean="0"/>
-              <a:t>A hex with N digits can represent up to 16</a:t>
+              <a:rPr lang="en-US" sz="2800" dirty="0" smtClean="0"/>
+              <a:t>00001000</a:t>
             </a:r>
+          </a:p>
+          <a:p>
             <a:r>
-              <a:rPr lang="en-US" baseline="30000" dirty="0" smtClean="0"/>
-              <a:t>N</a:t>
+              <a:rPr lang="en-US" sz="2800" dirty="0" smtClean="0"/>
+              <a:t>00001001….</a:t>
             </a:r>
-            <a:r>
-              <a:rPr lang="en-US" dirty="0" smtClean="0"/>
-              <a:t> values.</a:t>
-            </a:r>
-            <a:endParaRPr lang="en-US" baseline="30000" dirty="0" smtClean="0"/>
-          </a:p>
-          <a:p>
-            <a:r>
-              <a:rPr lang="en-US" dirty="0" smtClean="0"/>
-              <a:t>_ _ _                 0…..FFF</a:t>
-            </a:r>
-            <a:endParaRPr lang="en-US" dirty="0"/>
+            <a:endParaRPr lang="en-US" sz="2800" dirty="0"/>
           </a:p>
         </p:txBody>
       </p:sp>
     </p:spTree>
     <p:extLst>
       <p:ext uri="{BB962C8B-B14F-4D97-AF65-F5344CB8AC3E}">
-        <p14:creationId xmlns:p14="http://schemas.microsoft.com/office/powerpoint/2010/main" val="2801780264"/>
+        <p14:creationId xmlns:p14="http://schemas.microsoft.com/office/powerpoint/2010/main" val="4180920693"/>
       </p:ext>
     </p:extLst>
   </p:cSld>
@@ -27139,7 +26530,7 @@
 </p:sld>
 </file>
 
-<file path=ppt/slides/slide7.xml><?xml version="1.0" encoding="utf-8"?>
+<file path=ppt/slides/slide6.xml><?xml version="1.0" encoding="utf-8"?>
 <p:sld xmlns:a="http://schemas.openxmlformats.org/drawingml/2006/main" xmlns:r="http://schemas.openxmlformats.org/officeDocument/2006/relationships" xmlns:p="http://schemas.openxmlformats.org/presentationml/2006/main">
   <p:cSld>
     <p:bg>
@@ -27172,7 +26563,7 @@
           <p:cNvPr id="23" name="Rectangle 22">
             <a:extLst>
               <a:ext uri="{FF2B5EF4-FFF2-40B4-BE49-F238E27FC236}">
-                <a16:creationId xmlns:a16="http://schemas.microsoft.com/office/drawing/2014/main" xmlns="" id="{EE1FC7B4-E4A7-4452-B413-1A623E3A7230}"/>
+                <a16:creationId xmlns="" xmlns:a16="http://schemas.microsoft.com/office/drawing/2014/main" id="{EE1FC7B4-E4A7-4452-B413-1A623E3A7230}"/>
               </a:ext>
             </a:extLst>
           </p:cNvPr>
@@ -27182,7 +26573,7 @@
           <p:nvPr>
             <p:extLst>
               <p:ext uri="{386F3935-93C4-4BCD-93E2-E3B085C9AB24}">
-                <p16:designElem xmlns:p16="http://schemas.microsoft.com/office/powerpoint/2015/main" xmlns="" val="1"/>
+                <p16:designElem xmlns="" xmlns:p16="http://schemas.microsoft.com/office/powerpoint/2015/main" val="1"/>
               </p:ext>
             </p:extLst>
           </p:nvPr>
@@ -27263,7 +26654,7 @@
           <p:cNvPr id="25" name="Freeform 13">
             <a:extLst>
               <a:ext uri="{FF2B5EF4-FFF2-40B4-BE49-F238E27FC236}">
-                <a16:creationId xmlns:a16="http://schemas.microsoft.com/office/drawing/2014/main" xmlns="" id="{E0709AF0-24F0-4486-B189-BE6386BDB198}"/>
+                <a16:creationId xmlns="" xmlns:a16="http://schemas.microsoft.com/office/drawing/2014/main" id="{E0709AF0-24F0-4486-B189-BE6386BDB198}"/>
               </a:ext>
             </a:extLst>
           </p:cNvPr>
@@ -27273,7 +26664,7 @@
           <p:nvPr>
             <p:extLst>
               <p:ext uri="{386F3935-93C4-4BCD-93E2-E3B085C9AB24}">
-                <p16:designElem xmlns:p16="http://schemas.microsoft.com/office/powerpoint/2015/main" xmlns="" val="1"/>
+                <p16:designElem xmlns="" xmlns:p16="http://schemas.microsoft.com/office/powerpoint/2015/main" val="1"/>
               </p:ext>
             </p:extLst>
           </p:nvPr>
@@ -27397,7 +26788,7 @@
           <p:cNvPr id="27" name="Freeform 11">
             <a:extLst>
               <a:ext uri="{FF2B5EF4-FFF2-40B4-BE49-F238E27FC236}">
-                <a16:creationId xmlns:a16="http://schemas.microsoft.com/office/drawing/2014/main" xmlns="" id="{FBE3B62F-5853-4A3C-B050-6186351A7176}"/>
+                <a16:creationId xmlns="" xmlns:a16="http://schemas.microsoft.com/office/drawing/2014/main" id="{FBE3B62F-5853-4A3C-B050-6186351A7176}"/>
               </a:ext>
             </a:extLst>
           </p:cNvPr>
@@ -27407,7 +26798,7 @@
           <p:nvPr>
             <p:extLst>
               <p:ext uri="{386F3935-93C4-4BCD-93E2-E3B085C9AB24}">
-                <p16:designElem xmlns:p16="http://schemas.microsoft.com/office/powerpoint/2015/main" xmlns="" val="1"/>
+                <p16:designElem xmlns="" xmlns:p16="http://schemas.microsoft.com/office/powerpoint/2015/main" val="1"/>
               </p:ext>
             </p:extLst>
           </p:nvPr>
@@ -27533,7 +26924,7 @@
           <p:cNvPr id="2" name="Title 1">
             <a:extLst>
               <a:ext uri="{FF2B5EF4-FFF2-40B4-BE49-F238E27FC236}">
-                <a16:creationId xmlns:a16="http://schemas.microsoft.com/office/drawing/2014/main" xmlns="" id="{A5F6196D-B07E-499E-92C0-6953CE9F25D4}"/>
+                <a16:creationId xmlns="" xmlns:a16="http://schemas.microsoft.com/office/drawing/2014/main" id="{A5F6196D-B07E-499E-92C0-6953CE9F25D4}"/>
               </a:ext>
             </a:extLst>
           </p:cNvPr>
@@ -27569,7 +26960,7 @@
           <p:cNvPr id="17" name="Content Placeholder 16">
             <a:extLst>
               <a:ext uri="{FF2B5EF4-FFF2-40B4-BE49-F238E27FC236}">
-                <a16:creationId xmlns:a16="http://schemas.microsoft.com/office/drawing/2014/main" xmlns="" id="{5FDBA27F-9676-4EE6-B75A-C35B42A0CD81}"/>
+                <a16:creationId xmlns="" xmlns:a16="http://schemas.microsoft.com/office/drawing/2014/main" id="{5FDBA27F-9676-4EE6-B75A-C35B42A0CD81}"/>
               </a:ext>
             </a:extLst>
           </p:cNvPr>
@@ -27582,212 +26973,145 @@
         </p:nvSpPr>
         <p:spPr>
           <a:xfrm>
-            <a:off x="2372262" y="1773816"/>
-            <a:ext cx="7051825" cy="4602270"/>
+            <a:off x="582822" y="2191807"/>
+            <a:ext cx="4870622" cy="3985155"/>
           </a:xfrm>
         </p:spPr>
         <p:txBody>
           <a:bodyPr>
-            <a:normAutofit fontScale="92500" lnSpcReduction="10000"/>
+            <a:normAutofit/>
           </a:bodyPr>
           <a:lstStyle/>
           <a:p>
             <a:r>
               <a:rPr lang="en-US" dirty="0" smtClean="0"/>
-              <a:t>Decimal example:</a:t>
+              <a:t>0..1..2..3..4..5..6..7..8..9..10</a:t>
             </a:r>
-            <a:br>
-              <a:rPr lang="en-US" dirty="0" smtClean="0"/>
-            </a:br>
+          </a:p>
+          <a:p>
+            <a:endParaRPr lang="en-US" dirty="0"/>
+          </a:p>
+          <a:p>
+            <a:endParaRPr lang="en-US" dirty="0" smtClean="0"/>
+          </a:p>
+          <a:p>
             <a:r>
-              <a:rPr lang="en-US" dirty="0" smtClean="0"/>
-              <a:t/>
+              <a:rPr lang="en-US" sz="2800" dirty="0" smtClean="0"/>
+              <a:t>0..1..10..11..100..101..110…</a:t>
             </a:r>
-            <a:br>
-              <a:rPr lang="en-US" dirty="0" smtClean="0"/>
-            </a:br>
+          </a:p>
+          <a:p>
+            <a:endParaRPr lang="en-US" dirty="0"/>
+          </a:p>
+          <a:p>
+            <a:endParaRPr lang="en-US" sz="2800" dirty="0" smtClean="0"/>
+          </a:p>
+          <a:p>
             <a:r>
-              <a:rPr lang="en-US" dirty="0" smtClean="0"/>
-              <a:t>578 = 5x(10</a:t>
-            </a:r>
-            <a:r>
-              <a:rPr lang="en-US" baseline="30000" dirty="0" smtClean="0"/>
-              <a:t>2</a:t>
+              <a:rPr lang="en-US" dirty="0"/>
+              <a:t>0..1..2..3..4..5..6..7..8..9..</a:t>
             </a:r>
             <a:r>
               <a:rPr lang="en-US" dirty="0" smtClean="0"/>
-              <a:t>) + 7x(10</a:t>
+              <a:t>10..A</a:t>
             </a:r>
-            <a:r>
-              <a:rPr lang="en-US" baseline="30000" dirty="0" smtClean="0"/>
-              <a:t>1</a:t>
-            </a:r>
-            <a:r>
-              <a:rPr lang="en-US" dirty="0" smtClean="0"/>
-              <a:t>) + 8x(10</a:t>
-            </a:r>
-            <a:r>
-              <a:rPr lang="en-US" baseline="30000" dirty="0" smtClean="0"/>
-              <a:t>0</a:t>
-            </a:r>
-            <a:r>
-              <a:rPr lang="en-US" dirty="0" smtClean="0"/>
-              <a:t>)</a:t>
-            </a:r>
-          </a:p>
-          <a:p>
-            <a:pPr marL="0" indent="0">
-              <a:buNone/>
-            </a:pPr>
-            <a:endParaRPr lang="en-US" dirty="0" smtClean="0"/>
-          </a:p>
-          <a:p>
-            <a:r>
-              <a:rPr lang="en-US" sz="2800" dirty="0" smtClean="0"/>
-              <a:t>Binary </a:t>
-            </a:r>
-            <a:r>
-              <a:rPr lang="en-US" dirty="0" smtClean="0"/>
-              <a:t>e</a:t>
-            </a:r>
-            <a:r>
-              <a:rPr lang="en-US" sz="2800" dirty="0" smtClean="0"/>
-              <a:t>xample:</a:t>
-            </a:r>
-          </a:p>
-          <a:p>
-            <a:pPr marL="0" indent="0">
-              <a:buNone/>
-            </a:pPr>
-            <a:r>
-              <a:rPr lang="en-US" dirty="0"/>
-              <a:t> </a:t>
-            </a:r>
-          </a:p>
-          <a:p>
-            <a:pPr marL="0" indent="0">
-              <a:buNone/>
-            </a:pPr>
-            <a:r>
-              <a:rPr lang="en-US" dirty="0" smtClean="0"/>
-              <a:t>  101 = 1x(2</a:t>
-            </a:r>
-            <a:r>
-              <a:rPr lang="en-US" baseline="30000" dirty="0" smtClean="0"/>
-              <a:t>2</a:t>
-            </a:r>
-            <a:r>
-              <a:rPr lang="en-US" dirty="0" smtClean="0"/>
-              <a:t>) + 0x(2</a:t>
-            </a:r>
-            <a:r>
-              <a:rPr lang="en-US" baseline="30000" dirty="0" smtClean="0"/>
-              <a:t>1</a:t>
-            </a:r>
-            <a:r>
-              <a:rPr lang="en-US" dirty="0" smtClean="0"/>
-              <a:t>) + 1x(2</a:t>
-            </a:r>
-            <a:r>
-              <a:rPr lang="en-US" baseline="30000" dirty="0" smtClean="0"/>
-              <a:t>0</a:t>
-            </a:r>
-            <a:r>
-              <a:rPr lang="en-US" dirty="0" smtClean="0"/>
-              <a:t>)</a:t>
-            </a:r>
-          </a:p>
-          <a:p>
-            <a:pPr marL="0" indent="0">
-              <a:buNone/>
-            </a:pPr>
             <a:endParaRPr lang="en-US" dirty="0"/>
           </a:p>
-          <a:p>
-            <a:r>
-              <a:rPr lang="en-US" dirty="0" smtClean="0"/>
-              <a:t>Hex </a:t>
-            </a:r>
-            <a:r>
-              <a:rPr lang="en-US" dirty="0"/>
-              <a:t>example:</a:t>
-            </a:r>
-          </a:p>
-          <a:p>
-            <a:pPr marL="0" indent="0">
-              <a:buNone/>
-            </a:pPr>
-            <a:r>
-              <a:rPr lang="en-US" dirty="0"/>
-              <a:t> </a:t>
-            </a:r>
-          </a:p>
-          <a:p>
-            <a:pPr marL="0" indent="0">
-              <a:buNone/>
-            </a:pPr>
-            <a:r>
-              <a:rPr lang="en-US"/>
-              <a:t>  </a:t>
-            </a:r>
-            <a:r>
-              <a:rPr lang="en-US" smtClean="0"/>
-              <a:t>FA9 </a:t>
-            </a:r>
-            <a:r>
-              <a:rPr lang="en-US"/>
-              <a:t>= </a:t>
-            </a:r>
-            <a:r>
-              <a:rPr lang="en-US" smtClean="0"/>
-              <a:t>15x(16</a:t>
-            </a:r>
-            <a:r>
-              <a:rPr lang="en-US" baseline="30000" smtClean="0"/>
-              <a:t>2</a:t>
-            </a:r>
-            <a:r>
-              <a:rPr lang="en-US" dirty="0"/>
-              <a:t>) </a:t>
-            </a:r>
-            <a:r>
-              <a:rPr lang="en-US"/>
-              <a:t>+ </a:t>
-            </a:r>
-            <a:r>
-              <a:rPr lang="en-US" smtClean="0"/>
-              <a:t>10x(16</a:t>
-            </a:r>
-            <a:r>
-              <a:rPr lang="en-US" baseline="30000" smtClean="0"/>
-              <a:t>1</a:t>
-            </a:r>
-            <a:r>
-              <a:rPr lang="en-US" dirty="0"/>
-              <a:t>) </a:t>
-            </a:r>
-            <a:r>
-              <a:rPr lang="en-US"/>
-              <a:t>+ </a:t>
-            </a:r>
-            <a:r>
-              <a:rPr lang="en-US" smtClean="0"/>
-              <a:t>9x(16</a:t>
-            </a:r>
-            <a:r>
-              <a:rPr lang="en-US" baseline="30000" smtClean="0"/>
-              <a:t>0</a:t>
-            </a:r>
-            <a:r>
-              <a:rPr lang="en-US" dirty="0"/>
-              <a:t>)</a:t>
-            </a:r>
-          </a:p>
-          <a:p>
-            <a:pPr marL="0" indent="0">
-              <a:buNone/>
-            </a:pPr>
-            <a:endParaRPr lang="en-US" dirty="0"/>
+        </p:txBody>
+      </p:sp>
+      <p:sp>
+        <p:nvSpPr>
+          <p:cNvPr id="8" name="Right Arrow 7"/>
+          <p:cNvSpPr/>
+          <p:nvPr/>
+        </p:nvSpPr>
+        <p:spPr>
+          <a:xfrm>
+            <a:off x="5436973" y="2298356"/>
+            <a:ext cx="807308" cy="263611"/>
+          </a:xfrm>
+          <a:prstGeom prst="rightArrow">
+            <a:avLst/>
+          </a:prstGeom>
+          <a:solidFill>
+            <a:schemeClr val="tx1"/>
+          </a:solidFill>
+          <a:ln>
+            <a:solidFill>
+              <a:schemeClr val="tx1"/>
+            </a:solidFill>
+          </a:ln>
+        </p:spPr>
+        <p:style>
+          <a:lnRef idx="2">
+            <a:schemeClr val="accent1">
+              <a:shade val="50000"/>
+            </a:schemeClr>
+          </a:lnRef>
+          <a:fillRef idx="1">
+            <a:schemeClr val="accent1"/>
+          </a:fillRef>
+          <a:effectRef idx="0">
+            <a:schemeClr val="accent1"/>
+          </a:effectRef>
+          <a:fontRef idx="minor">
+            <a:schemeClr val="lt1"/>
+          </a:fontRef>
+        </p:style>
+        <p:txBody>
+          <a:bodyPr rtlCol="0" anchor="ctr"/>
+          <a:lstStyle/>
+          <a:p>
+            <a:pPr algn="ctr"/>
+            <a:endParaRPr lang="en-US"/>
+          </a:p>
+        </p:txBody>
+      </p:sp>
+      <p:sp>
+        <p:nvSpPr>
+          <p:cNvPr id="13" name="Right Arrow 12"/>
+          <p:cNvSpPr/>
+          <p:nvPr/>
+        </p:nvSpPr>
+        <p:spPr>
+          <a:xfrm>
+            <a:off x="5448533" y="3777049"/>
+            <a:ext cx="807308" cy="263611"/>
+          </a:xfrm>
+          <a:prstGeom prst="rightArrow">
+            <a:avLst/>
+          </a:prstGeom>
+          <a:solidFill>
+            <a:schemeClr val="tx1"/>
+          </a:solidFill>
+          <a:ln>
+            <a:solidFill>
+              <a:schemeClr val="tx1"/>
+            </a:solidFill>
+          </a:ln>
+        </p:spPr>
+        <p:style>
+          <a:lnRef idx="2">
+            <a:schemeClr val="accent1">
+              <a:shade val="50000"/>
+            </a:schemeClr>
+          </a:lnRef>
+          <a:fillRef idx="1">
+            <a:schemeClr val="accent1"/>
+          </a:fillRef>
+          <a:effectRef idx="0">
+            <a:schemeClr val="accent1"/>
+          </a:effectRef>
+          <a:fontRef idx="minor">
+            <a:schemeClr val="lt1"/>
+          </a:fontRef>
+        </p:style>
+        <p:txBody>
+          <a:bodyPr rtlCol="0" anchor="ctr"/>
+          <a:lstStyle/>
+          <a:p>
+            <a:pPr algn="ctr"/>
+            <a:endParaRPr lang="en-US"/>
           </a:p>
         </p:txBody>
       </p:sp>
@@ -27796,7 +27120,7 @@
           <p:cNvPr id="15" name="Content Placeholder 16">
             <a:extLst>
               <a:ext uri="{FF2B5EF4-FFF2-40B4-BE49-F238E27FC236}">
-                <a16:creationId xmlns:a16="http://schemas.microsoft.com/office/drawing/2014/main" xmlns="" id="{5FDBA27F-9676-4EE6-B75A-C35B42A0CD81}"/>
+                <a16:creationId xmlns="" xmlns:a16="http://schemas.microsoft.com/office/drawing/2014/main" id="{5FDBA27F-9676-4EE6-B75A-C35B42A0CD81}"/>
               </a:ext>
             </a:extLst>
           </p:cNvPr>
@@ -27983,6 +27307,25 @@
             </a:lvl9pPr>
           </a:lstStyle>
           <a:p>
+            <a:r>
+              <a:rPr lang="en-US" dirty="0" smtClean="0"/>
+              <a:t>A decimal with N digits can represent up to 10</a:t>
+            </a:r>
+            <a:r>
+              <a:rPr lang="en-US" baseline="30000" dirty="0" smtClean="0"/>
+              <a:t>N</a:t>
+            </a:r>
+            <a:r>
+              <a:rPr lang="en-US" dirty="0" smtClean="0"/>
+              <a:t> values.</a:t>
+            </a:r>
+            <a:endParaRPr lang="en-US" baseline="30000" dirty="0" smtClean="0"/>
+          </a:p>
+          <a:p>
+            <a:r>
+              <a:rPr lang="en-US" dirty="0" smtClean="0"/>
+              <a:t>_ _ _                 0…..999</a:t>
+            </a:r>
             <a:endParaRPr lang="en-US" dirty="0"/>
           </a:p>
         </p:txBody>
@@ -27992,7 +27335,7 @@
           <p:cNvPr id="18" name="Content Placeholder 16">
             <a:extLst>
               <a:ext uri="{FF2B5EF4-FFF2-40B4-BE49-F238E27FC236}">
-                <a16:creationId xmlns:a16="http://schemas.microsoft.com/office/drawing/2014/main" xmlns="" id="{5FDBA27F-9676-4EE6-B75A-C35B42A0CD81}"/>
+                <a16:creationId xmlns="" xmlns:a16="http://schemas.microsoft.com/office/drawing/2014/main" id="{5FDBA27F-9676-4EE6-B75A-C35B42A0CD81}"/>
               </a:ext>
             </a:extLst>
           </p:cNvPr>
@@ -28179,6 +27522,288 @@
             </a:lvl9pPr>
           </a:lstStyle>
           <a:p>
+            <a:r>
+              <a:rPr lang="en-US" dirty="0" smtClean="0"/>
+              <a:t>A binary with N digits can represent up to 2</a:t>
+            </a:r>
+            <a:r>
+              <a:rPr lang="en-US" baseline="30000" dirty="0" smtClean="0"/>
+              <a:t>N</a:t>
+            </a:r>
+            <a:r>
+              <a:rPr lang="en-US" dirty="0" smtClean="0"/>
+              <a:t> values.</a:t>
+            </a:r>
+            <a:endParaRPr lang="en-US" baseline="30000" dirty="0" smtClean="0"/>
+          </a:p>
+          <a:p>
+            <a:r>
+              <a:rPr lang="en-US" dirty="0" smtClean="0"/>
+              <a:t>_ _ _                 0…..111</a:t>
+            </a:r>
+            <a:endParaRPr lang="en-US" dirty="0"/>
+          </a:p>
+        </p:txBody>
+      </p:sp>
+      <p:sp>
+        <p:nvSpPr>
+          <p:cNvPr id="19" name="Right Arrow 18"/>
+          <p:cNvSpPr/>
+          <p:nvPr/>
+        </p:nvSpPr>
+        <p:spPr>
+          <a:xfrm>
+            <a:off x="5444416" y="5362833"/>
+            <a:ext cx="807308" cy="263611"/>
+          </a:xfrm>
+          <a:prstGeom prst="rightArrow">
+            <a:avLst/>
+          </a:prstGeom>
+          <a:solidFill>
+            <a:schemeClr val="tx1"/>
+          </a:solidFill>
+          <a:ln>
+            <a:solidFill>
+              <a:schemeClr val="tx1"/>
+            </a:solidFill>
+          </a:ln>
+        </p:spPr>
+        <p:style>
+          <a:lnRef idx="2">
+            <a:schemeClr val="accent1">
+              <a:shade val="50000"/>
+            </a:schemeClr>
+          </a:lnRef>
+          <a:fillRef idx="1">
+            <a:schemeClr val="accent1"/>
+          </a:fillRef>
+          <a:effectRef idx="0">
+            <a:schemeClr val="accent1"/>
+          </a:effectRef>
+          <a:fontRef idx="minor">
+            <a:schemeClr val="lt1"/>
+          </a:fontRef>
+        </p:style>
+        <p:txBody>
+          <a:bodyPr rtlCol="0" anchor="ctr"/>
+          <a:lstStyle/>
+          <a:p>
+            <a:pPr algn="ctr"/>
+            <a:endParaRPr lang="en-US"/>
+          </a:p>
+        </p:txBody>
+      </p:sp>
+      <p:sp>
+        <p:nvSpPr>
+          <p:cNvPr id="20" name="Content Placeholder 16">
+            <a:extLst>
+              <a:ext uri="{FF2B5EF4-FFF2-40B4-BE49-F238E27FC236}">
+                <a16:creationId xmlns="" xmlns:a16="http://schemas.microsoft.com/office/drawing/2014/main" id="{5FDBA27F-9676-4EE6-B75A-C35B42A0CD81}"/>
+              </a:ext>
+            </a:extLst>
+          </p:cNvPr>
+          <p:cNvSpPr txBox="1">
+            <a:spLocks/>
+          </p:cNvSpPr>
+          <p:nvPr/>
+        </p:nvSpPr>
+        <p:spPr>
+          <a:xfrm>
+            <a:off x="6231123" y="5299621"/>
+            <a:ext cx="5820828" cy="1389910"/>
+          </a:xfrm>
+          <a:prstGeom prst="rect">
+            <a:avLst/>
+          </a:prstGeom>
+        </p:spPr>
+        <p:txBody>
+          <a:bodyPr vert="horz" lIns="91440" tIns="45720" rIns="91440" bIns="45720" rtlCol="0">
+            <a:normAutofit/>
+          </a:bodyPr>
+          <a:lstStyle>
+            <a:lvl1pPr marL="228600" indent="-228600" algn="l" defTabSz="914400" rtl="0" eaLnBrk="1" latinLnBrk="0" hangingPunct="1">
+              <a:lnSpc>
+                <a:spcPct val="90000"/>
+              </a:lnSpc>
+              <a:spcBef>
+                <a:spcPts val="1000"/>
+              </a:spcBef>
+              <a:buFont typeface="Arial" panose="020B0604020202020204" pitchFamily="34" charset="0"/>
+              <a:buChar char="•"/>
+              <a:defRPr sz="2800" kern="1200">
+                <a:solidFill>
+                  <a:schemeClr val="tx1"/>
+                </a:solidFill>
+                <a:latin typeface="+mn-lt"/>
+                <a:ea typeface="+mn-ea"/>
+                <a:cs typeface="+mn-cs"/>
+              </a:defRPr>
+            </a:lvl1pPr>
+            <a:lvl2pPr marL="685800" indent="-228600" algn="l" defTabSz="914400" rtl="0" eaLnBrk="1" latinLnBrk="0" hangingPunct="1">
+              <a:lnSpc>
+                <a:spcPct val="90000"/>
+              </a:lnSpc>
+              <a:spcBef>
+                <a:spcPts val="500"/>
+              </a:spcBef>
+              <a:buFont typeface="Arial" panose="020B0604020202020204" pitchFamily="34" charset="0"/>
+              <a:buChar char="•"/>
+              <a:defRPr sz="2400" kern="1200">
+                <a:solidFill>
+                  <a:schemeClr val="tx1"/>
+                </a:solidFill>
+                <a:latin typeface="+mn-lt"/>
+                <a:ea typeface="+mn-ea"/>
+                <a:cs typeface="+mn-cs"/>
+              </a:defRPr>
+            </a:lvl2pPr>
+            <a:lvl3pPr marL="1143000" indent="-228600" algn="l" defTabSz="914400" rtl="0" eaLnBrk="1" latinLnBrk="0" hangingPunct="1">
+              <a:lnSpc>
+                <a:spcPct val="90000"/>
+              </a:lnSpc>
+              <a:spcBef>
+                <a:spcPts val="500"/>
+              </a:spcBef>
+              <a:buFont typeface="Arial" panose="020B0604020202020204" pitchFamily="34" charset="0"/>
+              <a:buChar char="•"/>
+              <a:defRPr sz="2000" kern="1200">
+                <a:solidFill>
+                  <a:schemeClr val="tx1"/>
+                </a:solidFill>
+                <a:latin typeface="+mn-lt"/>
+                <a:ea typeface="+mn-ea"/>
+                <a:cs typeface="+mn-cs"/>
+              </a:defRPr>
+            </a:lvl3pPr>
+            <a:lvl4pPr marL="1600200" indent="-228600" algn="l" defTabSz="914400" rtl="0" eaLnBrk="1" latinLnBrk="0" hangingPunct="1">
+              <a:lnSpc>
+                <a:spcPct val="90000"/>
+              </a:lnSpc>
+              <a:spcBef>
+                <a:spcPts val="500"/>
+              </a:spcBef>
+              <a:buFont typeface="Arial" panose="020B0604020202020204" pitchFamily="34" charset="0"/>
+              <a:buChar char="•"/>
+              <a:defRPr sz="1800" kern="1200">
+                <a:solidFill>
+                  <a:schemeClr val="tx1"/>
+                </a:solidFill>
+                <a:latin typeface="+mn-lt"/>
+                <a:ea typeface="+mn-ea"/>
+                <a:cs typeface="+mn-cs"/>
+              </a:defRPr>
+            </a:lvl4pPr>
+            <a:lvl5pPr marL="2057400" indent="-228600" algn="l" defTabSz="914400" rtl="0" eaLnBrk="1" latinLnBrk="0" hangingPunct="1">
+              <a:lnSpc>
+                <a:spcPct val="90000"/>
+              </a:lnSpc>
+              <a:spcBef>
+                <a:spcPts val="500"/>
+              </a:spcBef>
+              <a:buFont typeface="Arial" panose="020B0604020202020204" pitchFamily="34" charset="0"/>
+              <a:buChar char="•"/>
+              <a:defRPr sz="1800" kern="1200">
+                <a:solidFill>
+                  <a:schemeClr val="tx1"/>
+                </a:solidFill>
+                <a:latin typeface="+mn-lt"/>
+                <a:ea typeface="+mn-ea"/>
+                <a:cs typeface="+mn-cs"/>
+              </a:defRPr>
+            </a:lvl5pPr>
+            <a:lvl6pPr marL="2514600" indent="-228600" algn="l" defTabSz="914400" rtl="0" eaLnBrk="1" latinLnBrk="0" hangingPunct="1">
+              <a:lnSpc>
+                <a:spcPct val="90000"/>
+              </a:lnSpc>
+              <a:spcBef>
+                <a:spcPts val="500"/>
+              </a:spcBef>
+              <a:buFont typeface="Arial" panose="020B0604020202020204" pitchFamily="34" charset="0"/>
+              <a:buChar char="•"/>
+              <a:defRPr sz="1800" kern="1200">
+                <a:solidFill>
+                  <a:schemeClr val="tx1"/>
+                </a:solidFill>
+                <a:latin typeface="+mn-lt"/>
+                <a:ea typeface="+mn-ea"/>
+                <a:cs typeface="+mn-cs"/>
+              </a:defRPr>
+            </a:lvl6pPr>
+            <a:lvl7pPr marL="2971800" indent="-228600" algn="l" defTabSz="914400" rtl="0" eaLnBrk="1" latinLnBrk="0" hangingPunct="1">
+              <a:lnSpc>
+                <a:spcPct val="90000"/>
+              </a:lnSpc>
+              <a:spcBef>
+                <a:spcPts val="500"/>
+              </a:spcBef>
+              <a:buFont typeface="Arial" panose="020B0604020202020204" pitchFamily="34" charset="0"/>
+              <a:buChar char="•"/>
+              <a:defRPr sz="1800" kern="1200">
+                <a:solidFill>
+                  <a:schemeClr val="tx1"/>
+                </a:solidFill>
+                <a:latin typeface="+mn-lt"/>
+                <a:ea typeface="+mn-ea"/>
+                <a:cs typeface="+mn-cs"/>
+              </a:defRPr>
+            </a:lvl7pPr>
+            <a:lvl8pPr marL="3429000" indent="-228600" algn="l" defTabSz="914400" rtl="0" eaLnBrk="1" latinLnBrk="0" hangingPunct="1">
+              <a:lnSpc>
+                <a:spcPct val="90000"/>
+              </a:lnSpc>
+              <a:spcBef>
+                <a:spcPts val="500"/>
+              </a:spcBef>
+              <a:buFont typeface="Arial" panose="020B0604020202020204" pitchFamily="34" charset="0"/>
+              <a:buChar char="•"/>
+              <a:defRPr sz="1800" kern="1200">
+                <a:solidFill>
+                  <a:schemeClr val="tx1"/>
+                </a:solidFill>
+                <a:latin typeface="+mn-lt"/>
+                <a:ea typeface="+mn-ea"/>
+                <a:cs typeface="+mn-cs"/>
+              </a:defRPr>
+            </a:lvl8pPr>
+            <a:lvl9pPr marL="3886200" indent="-228600" algn="l" defTabSz="914400" rtl="0" eaLnBrk="1" latinLnBrk="0" hangingPunct="1">
+              <a:lnSpc>
+                <a:spcPct val="90000"/>
+              </a:lnSpc>
+              <a:spcBef>
+                <a:spcPts val="500"/>
+              </a:spcBef>
+              <a:buFont typeface="Arial" panose="020B0604020202020204" pitchFamily="34" charset="0"/>
+              <a:buChar char="•"/>
+              <a:defRPr sz="1800" kern="1200">
+                <a:solidFill>
+                  <a:schemeClr val="tx1"/>
+                </a:solidFill>
+                <a:latin typeface="+mn-lt"/>
+                <a:ea typeface="+mn-ea"/>
+                <a:cs typeface="+mn-cs"/>
+              </a:defRPr>
+            </a:lvl9pPr>
+          </a:lstStyle>
+          <a:p>
+            <a:r>
+              <a:rPr lang="en-US" dirty="0" smtClean="0"/>
+              <a:t>A hex with N digits can represent up to 16</a:t>
+            </a:r>
+            <a:r>
+              <a:rPr lang="en-US" baseline="30000" dirty="0" smtClean="0"/>
+              <a:t>N</a:t>
+            </a:r>
+            <a:r>
+              <a:rPr lang="en-US" dirty="0" smtClean="0"/>
+              <a:t> values.</a:t>
+            </a:r>
+            <a:endParaRPr lang="en-US" baseline="30000" dirty="0" smtClean="0"/>
+          </a:p>
+          <a:p>
+            <a:r>
+              <a:rPr lang="en-US" dirty="0" smtClean="0"/>
+              <a:t>_ _ _                 0…..FFF</a:t>
+            </a:r>
             <a:endParaRPr lang="en-US" dirty="0"/>
           </a:p>
         </p:txBody>
@@ -28186,7 +27811,7 @@
     </p:spTree>
     <p:extLst>
       <p:ext uri="{BB962C8B-B14F-4D97-AF65-F5344CB8AC3E}">
-        <p14:creationId xmlns:p14="http://schemas.microsoft.com/office/powerpoint/2010/main" val="2818798194"/>
+        <p14:creationId xmlns:p14="http://schemas.microsoft.com/office/powerpoint/2010/main" val="2801780264"/>
       </p:ext>
     </p:extLst>
   </p:cSld>
@@ -28203,7 +27828,7 @@
 </p:sld>
 </file>
 
-<file path=ppt/slides/slide8.xml><?xml version="1.0" encoding="utf-8"?>
+<file path=ppt/slides/slide7.xml><?xml version="1.0" encoding="utf-8"?>
 <p:sld xmlns:a="http://schemas.openxmlformats.org/drawingml/2006/main" xmlns:r="http://schemas.openxmlformats.org/officeDocument/2006/relationships" xmlns:p="http://schemas.openxmlformats.org/presentationml/2006/main">
   <p:cSld>
     <p:bg>
@@ -28236,7 +27861,7 @@
           <p:cNvPr id="23" name="Rectangle 22">
             <a:extLst>
               <a:ext uri="{FF2B5EF4-FFF2-40B4-BE49-F238E27FC236}">
-                <a16:creationId xmlns:a16="http://schemas.microsoft.com/office/drawing/2014/main" xmlns="" id="{EE1FC7B4-E4A7-4452-B413-1A623E3A7230}"/>
+                <a16:creationId xmlns="" xmlns:a16="http://schemas.microsoft.com/office/drawing/2014/main" id="{EE1FC7B4-E4A7-4452-B413-1A623E3A7230}"/>
               </a:ext>
             </a:extLst>
           </p:cNvPr>
@@ -28246,7 +27871,7 @@
           <p:nvPr>
             <p:extLst>
               <p:ext uri="{386F3935-93C4-4BCD-93E2-E3B085C9AB24}">
-                <p16:designElem xmlns:p16="http://schemas.microsoft.com/office/powerpoint/2015/main" xmlns="" val="1"/>
+                <p16:designElem xmlns="" xmlns:p16="http://schemas.microsoft.com/office/powerpoint/2015/main" val="1"/>
               </p:ext>
             </p:extLst>
           </p:nvPr>
@@ -28327,7 +27952,7 @@
           <p:cNvPr id="25" name="Freeform 13">
             <a:extLst>
               <a:ext uri="{FF2B5EF4-FFF2-40B4-BE49-F238E27FC236}">
-                <a16:creationId xmlns:a16="http://schemas.microsoft.com/office/drawing/2014/main" xmlns="" id="{E0709AF0-24F0-4486-B189-BE6386BDB198}"/>
+                <a16:creationId xmlns="" xmlns:a16="http://schemas.microsoft.com/office/drawing/2014/main" id="{E0709AF0-24F0-4486-B189-BE6386BDB198}"/>
               </a:ext>
             </a:extLst>
           </p:cNvPr>
@@ -28337,7 +27962,7 @@
           <p:nvPr>
             <p:extLst>
               <p:ext uri="{386F3935-93C4-4BCD-93E2-E3B085C9AB24}">
-                <p16:designElem xmlns:p16="http://schemas.microsoft.com/office/powerpoint/2015/main" xmlns="" val="1"/>
+                <p16:designElem xmlns="" xmlns:p16="http://schemas.microsoft.com/office/powerpoint/2015/main" val="1"/>
               </p:ext>
             </p:extLst>
           </p:nvPr>
@@ -28461,7 +28086,7 @@
           <p:cNvPr id="27" name="Freeform 11">
             <a:extLst>
               <a:ext uri="{FF2B5EF4-FFF2-40B4-BE49-F238E27FC236}">
-                <a16:creationId xmlns:a16="http://schemas.microsoft.com/office/drawing/2014/main" xmlns="" id="{FBE3B62F-5853-4A3C-B050-6186351A7176}"/>
+                <a16:creationId xmlns="" xmlns:a16="http://schemas.microsoft.com/office/drawing/2014/main" id="{FBE3B62F-5853-4A3C-B050-6186351A7176}"/>
               </a:ext>
             </a:extLst>
           </p:cNvPr>
@@ -28471,7 +28096,7 @@
           <p:nvPr>
             <p:extLst>
               <p:ext uri="{386F3935-93C4-4BCD-93E2-E3B085C9AB24}">
-                <p16:designElem xmlns:p16="http://schemas.microsoft.com/office/powerpoint/2015/main" xmlns="" val="1"/>
+                <p16:designElem xmlns="" xmlns:p16="http://schemas.microsoft.com/office/powerpoint/2015/main" val="1"/>
               </p:ext>
             </p:extLst>
           </p:nvPr>
@@ -28597,7 +28222,7 @@
           <p:cNvPr id="2" name="Title 1">
             <a:extLst>
               <a:ext uri="{FF2B5EF4-FFF2-40B4-BE49-F238E27FC236}">
-                <a16:creationId xmlns:a16="http://schemas.microsoft.com/office/drawing/2014/main" xmlns="" id="{A5F6196D-B07E-499E-92C0-6953CE9F25D4}"/>
+                <a16:creationId xmlns="" xmlns:a16="http://schemas.microsoft.com/office/drawing/2014/main" id="{A5F6196D-B07E-499E-92C0-6953CE9F25D4}"/>
               </a:ext>
             </a:extLst>
           </p:cNvPr>
@@ -28622,367 +28247,245 @@
           <a:p>
             <a:r>
               <a:rPr lang="en-US" b="1" dirty="0" smtClean="0"/>
-              <a:t>Counting… (Unsigned)</a:t>
+              <a:t>Counting…</a:t>
             </a:r>
             <a:endParaRPr lang="en-US" b="1" dirty="0"/>
           </a:p>
         </p:txBody>
       </p:sp>
-      <p:graphicFrame>
-        <p:nvGraphicFramePr>
-          <p:cNvPr id="3" name="Content Placeholder 2"/>
-          <p:cNvGraphicFramePr>
-            <a:graphicFrameLocks noGrp="1"/>
-          </p:cNvGraphicFramePr>
+      <p:sp>
+        <p:nvSpPr>
+          <p:cNvPr id="17" name="Content Placeholder 16">
+            <a:extLst>
+              <a:ext uri="{FF2B5EF4-FFF2-40B4-BE49-F238E27FC236}">
+                <a16:creationId xmlns="" xmlns:a16="http://schemas.microsoft.com/office/drawing/2014/main" id="{5FDBA27F-9676-4EE6-B75A-C35B42A0CD81}"/>
+              </a:ext>
+            </a:extLst>
+          </p:cNvPr>
+          <p:cNvSpPr>
+            <a:spLocks noGrp="1"/>
+          </p:cNvSpPr>
           <p:nvPr>
             <p:ph idx="1"/>
-            <p:extLst>
-              <p:ext uri="{D42A27DB-BD31-4B8C-83A1-F6EECF244321}">
-                <p14:modId xmlns:p14="http://schemas.microsoft.com/office/powerpoint/2010/main" val="1496684391"/>
-              </p:ext>
-            </p:extLst>
           </p:nvPr>
-        </p:nvGraphicFramePr>
-        <p:xfrm>
-          <a:off x="2421151" y="3546578"/>
-          <a:ext cx="7051672" cy="1112520"/>
-        </p:xfrm>
-        <a:graphic>
-          <a:graphicData uri="http://schemas.openxmlformats.org/drawingml/2006/table">
-            <a:tbl>
-              <a:tblPr firstRow="1" bandRow="1">
-                <a:tableStyleId>{5C22544A-7EE6-4342-B048-85BDC9FD1C3A}</a:tableStyleId>
-              </a:tblPr>
-              <a:tblGrid>
-                <a:gridCol w="881459"/>
-                <a:gridCol w="881459"/>
-                <a:gridCol w="881459"/>
-                <a:gridCol w="881459"/>
-                <a:gridCol w="881459"/>
-                <a:gridCol w="881459"/>
-                <a:gridCol w="881459"/>
-                <a:gridCol w="881459"/>
-              </a:tblGrid>
-              <a:tr h="370840">
-                <a:tc>
-                  <a:txBody>
-                    <a:bodyPr/>
-                    <a:lstStyle/>
-                    <a:p>
-                      <a:r>
-                        <a:rPr lang="en-US" dirty="0" smtClean="0"/>
-                        <a:t>7</a:t>
-                      </a:r>
-                      <a:endParaRPr lang="en-US" dirty="0"/>
-                    </a:p>
-                  </a:txBody>
-                  <a:tcPr/>
-                </a:tc>
-                <a:tc>
-                  <a:txBody>
-                    <a:bodyPr/>
-                    <a:lstStyle/>
-                    <a:p>
-                      <a:r>
-                        <a:rPr lang="en-US" dirty="0" smtClean="0"/>
-                        <a:t>6</a:t>
-                      </a:r>
-                      <a:endParaRPr lang="en-US" dirty="0"/>
-                    </a:p>
-                  </a:txBody>
-                  <a:tcPr/>
-                </a:tc>
-                <a:tc>
-                  <a:txBody>
-                    <a:bodyPr/>
-                    <a:lstStyle/>
-                    <a:p>
-                      <a:r>
-                        <a:rPr lang="en-US" dirty="0" smtClean="0"/>
-                        <a:t>5</a:t>
-                      </a:r>
-                      <a:endParaRPr lang="en-US" dirty="0"/>
-                    </a:p>
-                  </a:txBody>
-                  <a:tcPr/>
-                </a:tc>
-                <a:tc>
-                  <a:txBody>
-                    <a:bodyPr/>
-                    <a:lstStyle/>
-                    <a:p>
-                      <a:r>
-                        <a:rPr lang="en-US" dirty="0" smtClean="0"/>
-                        <a:t>4</a:t>
-                      </a:r>
-                      <a:endParaRPr lang="en-US" dirty="0"/>
-                    </a:p>
-                  </a:txBody>
-                  <a:tcPr/>
-                </a:tc>
-                <a:tc>
-                  <a:txBody>
-                    <a:bodyPr/>
-                    <a:lstStyle/>
-                    <a:p>
-                      <a:r>
-                        <a:rPr lang="en-US" dirty="0" smtClean="0"/>
-                        <a:t>3</a:t>
-                      </a:r>
-                      <a:endParaRPr lang="en-US" dirty="0"/>
-                    </a:p>
-                  </a:txBody>
-                  <a:tcPr/>
-                </a:tc>
-                <a:tc>
-                  <a:txBody>
-                    <a:bodyPr/>
-                    <a:lstStyle/>
-                    <a:p>
-                      <a:r>
-                        <a:rPr lang="en-US" dirty="0" smtClean="0"/>
-                        <a:t>2</a:t>
-                      </a:r>
-                      <a:endParaRPr lang="en-US" dirty="0"/>
-                    </a:p>
-                  </a:txBody>
-                  <a:tcPr/>
-                </a:tc>
-                <a:tc>
-                  <a:txBody>
-                    <a:bodyPr/>
-                    <a:lstStyle/>
-                    <a:p>
-                      <a:r>
-                        <a:rPr lang="en-US" dirty="0" smtClean="0"/>
-                        <a:t>1</a:t>
-                      </a:r>
-                      <a:endParaRPr lang="en-US" dirty="0"/>
-                    </a:p>
-                  </a:txBody>
-                  <a:tcPr/>
-                </a:tc>
-                <a:tc>
-                  <a:txBody>
-                    <a:bodyPr/>
-                    <a:lstStyle/>
-                    <a:p>
-                      <a:r>
-                        <a:rPr lang="en-US" dirty="0" smtClean="0"/>
-                        <a:t>0</a:t>
-                      </a:r>
-                      <a:endParaRPr lang="en-US" dirty="0"/>
-                    </a:p>
-                  </a:txBody>
-                  <a:tcPr/>
-                </a:tc>
-              </a:tr>
-              <a:tr h="370840">
-                <a:tc>
-                  <a:txBody>
-                    <a:bodyPr/>
-                    <a:lstStyle/>
-                    <a:p>
-                      <a:r>
-                        <a:rPr lang="en-US" dirty="0" smtClean="0"/>
-                        <a:t>128</a:t>
-                      </a:r>
-                      <a:endParaRPr lang="en-US" dirty="0"/>
-                    </a:p>
-                  </a:txBody>
-                  <a:tcPr/>
-                </a:tc>
-                <a:tc>
-                  <a:txBody>
-                    <a:bodyPr/>
-                    <a:lstStyle/>
-                    <a:p>
-                      <a:r>
-                        <a:rPr lang="en-US" dirty="0" smtClean="0"/>
-                        <a:t>64</a:t>
-                      </a:r>
-                      <a:endParaRPr lang="en-US" dirty="0"/>
-                    </a:p>
-                  </a:txBody>
-                  <a:tcPr/>
-                </a:tc>
-                <a:tc>
-                  <a:txBody>
-                    <a:bodyPr/>
-                    <a:lstStyle/>
-                    <a:p>
-                      <a:r>
-                        <a:rPr lang="en-US" dirty="0" smtClean="0"/>
-                        <a:t>32</a:t>
-                      </a:r>
-                      <a:endParaRPr lang="en-US" dirty="0"/>
-                    </a:p>
-                  </a:txBody>
-                  <a:tcPr/>
-                </a:tc>
-                <a:tc>
-                  <a:txBody>
-                    <a:bodyPr/>
-                    <a:lstStyle/>
-                    <a:p>
-                      <a:r>
-                        <a:rPr lang="en-US" dirty="0" smtClean="0"/>
-                        <a:t>16</a:t>
-                      </a:r>
-                      <a:endParaRPr lang="en-US" dirty="0"/>
-                    </a:p>
-                  </a:txBody>
-                  <a:tcPr/>
-                </a:tc>
-                <a:tc>
-                  <a:txBody>
-                    <a:bodyPr/>
-                    <a:lstStyle/>
-                    <a:p>
-                      <a:r>
-                        <a:rPr lang="en-US" dirty="0" smtClean="0"/>
-                        <a:t>8</a:t>
-                      </a:r>
-                      <a:endParaRPr lang="en-US" dirty="0"/>
-                    </a:p>
-                  </a:txBody>
-                  <a:tcPr/>
-                </a:tc>
-                <a:tc>
-                  <a:txBody>
-                    <a:bodyPr/>
-                    <a:lstStyle/>
-                    <a:p>
-                      <a:r>
-                        <a:rPr lang="en-US" dirty="0" smtClean="0"/>
-                        <a:t>4</a:t>
-                      </a:r>
-                      <a:endParaRPr lang="en-US" dirty="0"/>
-                    </a:p>
-                  </a:txBody>
-                  <a:tcPr/>
-                </a:tc>
-                <a:tc>
-                  <a:txBody>
-                    <a:bodyPr/>
-                    <a:lstStyle/>
-                    <a:p>
-                      <a:r>
-                        <a:rPr lang="en-US" dirty="0" smtClean="0"/>
-                        <a:t>2</a:t>
-                      </a:r>
-                      <a:endParaRPr lang="en-US" dirty="0"/>
-                    </a:p>
-                  </a:txBody>
-                  <a:tcPr/>
-                </a:tc>
-                <a:tc>
-                  <a:txBody>
-                    <a:bodyPr/>
-                    <a:lstStyle/>
-                    <a:p>
-                      <a:r>
-                        <a:rPr lang="en-US" dirty="0" smtClean="0"/>
-                        <a:t>1</a:t>
-                      </a:r>
-                      <a:endParaRPr lang="en-US" dirty="0"/>
-                    </a:p>
-                  </a:txBody>
-                  <a:tcPr/>
-                </a:tc>
-              </a:tr>
-              <a:tr h="370840">
-                <a:tc>
-                  <a:txBody>
-                    <a:bodyPr/>
-                    <a:lstStyle/>
-                    <a:p>
-                      <a:endParaRPr lang="en-US" dirty="0"/>
-                    </a:p>
-                  </a:txBody>
-                  <a:tcPr/>
-                </a:tc>
-                <a:tc>
-                  <a:txBody>
-                    <a:bodyPr/>
-                    <a:lstStyle/>
-                    <a:p>
-                      <a:endParaRPr lang="en-US" dirty="0"/>
-                    </a:p>
-                  </a:txBody>
-                  <a:tcPr/>
-                </a:tc>
-                <a:tc>
-                  <a:txBody>
-                    <a:bodyPr/>
-                    <a:lstStyle/>
-                    <a:p>
-                      <a:endParaRPr lang="en-US" dirty="0"/>
-                    </a:p>
-                  </a:txBody>
-                  <a:tcPr/>
-                </a:tc>
-                <a:tc>
-                  <a:txBody>
-                    <a:bodyPr/>
-                    <a:lstStyle/>
-                    <a:p>
-                      <a:endParaRPr lang="en-US"/>
-                    </a:p>
-                  </a:txBody>
-                  <a:tcPr/>
-                </a:tc>
-                <a:tc>
-                  <a:txBody>
-                    <a:bodyPr/>
-                    <a:lstStyle/>
-                    <a:p>
-                      <a:endParaRPr lang="en-US"/>
-                    </a:p>
-                  </a:txBody>
-                  <a:tcPr/>
-                </a:tc>
-                <a:tc>
-                  <a:txBody>
-                    <a:bodyPr/>
-                    <a:lstStyle/>
-                    <a:p>
-                      <a:endParaRPr lang="en-US"/>
-                    </a:p>
-                  </a:txBody>
-                  <a:tcPr/>
-                </a:tc>
-                <a:tc>
-                  <a:txBody>
-                    <a:bodyPr/>
-                    <a:lstStyle/>
-                    <a:p>
-                      <a:endParaRPr lang="en-US"/>
-                    </a:p>
-                  </a:txBody>
-                  <a:tcPr/>
-                </a:tc>
-                <a:tc>
-                  <a:txBody>
-                    <a:bodyPr/>
-                    <a:lstStyle/>
-                    <a:p>
-                      <a:endParaRPr lang="en-US" dirty="0"/>
-                    </a:p>
-                  </a:txBody>
-                  <a:tcPr/>
-                </a:tc>
-              </a:tr>
-            </a:tbl>
-          </a:graphicData>
-        </a:graphic>
-      </p:graphicFrame>
+        </p:nvSpPr>
+        <p:spPr>
+          <a:xfrm>
+            <a:off x="2372262" y="1773816"/>
+            <a:ext cx="7051825" cy="4602270"/>
+          </a:xfrm>
+        </p:spPr>
+        <p:txBody>
+          <a:bodyPr>
+            <a:normAutofit fontScale="92500" lnSpcReduction="10000"/>
+          </a:bodyPr>
+          <a:lstStyle/>
+          <a:p>
+            <a:r>
+              <a:rPr lang="en-US" dirty="0" smtClean="0"/>
+              <a:t>Decimal example:</a:t>
+            </a:r>
+            <a:br>
+              <a:rPr lang="en-US" dirty="0" smtClean="0"/>
+            </a:br>
+            <a:r>
+              <a:rPr lang="en-US" dirty="0" smtClean="0"/>
+              <a:t/>
+            </a:r>
+            <a:br>
+              <a:rPr lang="en-US" dirty="0" smtClean="0"/>
+            </a:br>
+            <a:r>
+              <a:rPr lang="en-US" dirty="0" smtClean="0"/>
+              <a:t>578 = 5x(10</a:t>
+            </a:r>
+            <a:r>
+              <a:rPr lang="en-US" baseline="30000" dirty="0" smtClean="0"/>
+              <a:t>2</a:t>
+            </a:r>
+            <a:r>
+              <a:rPr lang="en-US" dirty="0" smtClean="0"/>
+              <a:t>) + 7x(10</a:t>
+            </a:r>
+            <a:r>
+              <a:rPr lang="en-US" baseline="30000" dirty="0" smtClean="0"/>
+              <a:t>1</a:t>
+            </a:r>
+            <a:r>
+              <a:rPr lang="en-US" dirty="0" smtClean="0"/>
+              <a:t>) + 8x(10</a:t>
+            </a:r>
+            <a:r>
+              <a:rPr lang="en-US" baseline="30000" dirty="0" smtClean="0"/>
+              <a:t>0</a:t>
+            </a:r>
+            <a:r>
+              <a:rPr lang="en-US" dirty="0" smtClean="0"/>
+              <a:t>)</a:t>
+            </a:r>
+          </a:p>
+          <a:p>
+            <a:pPr marL="0" indent="0">
+              <a:buNone/>
+            </a:pPr>
+            <a:endParaRPr lang="en-US" dirty="0" smtClean="0"/>
+          </a:p>
+          <a:p>
+            <a:r>
+              <a:rPr lang="en-US" sz="2800" dirty="0" smtClean="0"/>
+              <a:t>Binary </a:t>
+            </a:r>
+            <a:r>
+              <a:rPr lang="en-US" dirty="0" smtClean="0"/>
+              <a:t>e</a:t>
+            </a:r>
+            <a:r>
+              <a:rPr lang="en-US" sz="2800" dirty="0" smtClean="0"/>
+              <a:t>xample:</a:t>
+            </a:r>
+          </a:p>
+          <a:p>
+            <a:pPr marL="0" indent="0">
+              <a:buNone/>
+            </a:pPr>
+            <a:r>
+              <a:rPr lang="en-US" dirty="0"/>
+              <a:t> </a:t>
+            </a:r>
+          </a:p>
+          <a:p>
+            <a:pPr marL="0" indent="0">
+              <a:buNone/>
+            </a:pPr>
+            <a:r>
+              <a:rPr lang="en-US" dirty="0" smtClean="0"/>
+              <a:t>  101 = 1x(2</a:t>
+            </a:r>
+            <a:r>
+              <a:rPr lang="en-US" baseline="30000" dirty="0" smtClean="0"/>
+              <a:t>2</a:t>
+            </a:r>
+            <a:r>
+              <a:rPr lang="en-US" dirty="0" smtClean="0"/>
+              <a:t>) + 0x(2</a:t>
+            </a:r>
+            <a:r>
+              <a:rPr lang="en-US" baseline="30000" dirty="0" smtClean="0"/>
+              <a:t>1</a:t>
+            </a:r>
+            <a:r>
+              <a:rPr lang="en-US" dirty="0" smtClean="0"/>
+              <a:t>) + 1x(2</a:t>
+            </a:r>
+            <a:r>
+              <a:rPr lang="en-US" baseline="30000" dirty="0" smtClean="0"/>
+              <a:t>0</a:t>
+            </a:r>
+            <a:r>
+              <a:rPr lang="en-US" dirty="0" smtClean="0"/>
+              <a:t>)</a:t>
+            </a:r>
+          </a:p>
+          <a:p>
+            <a:pPr marL="0" indent="0">
+              <a:buNone/>
+            </a:pPr>
+            <a:endParaRPr lang="en-US" dirty="0"/>
+          </a:p>
+          <a:p>
+            <a:r>
+              <a:rPr lang="en-US" dirty="0" smtClean="0"/>
+              <a:t>Hex </a:t>
+            </a:r>
+            <a:r>
+              <a:rPr lang="en-US" dirty="0"/>
+              <a:t>example:</a:t>
+            </a:r>
+          </a:p>
+          <a:p>
+            <a:pPr marL="0" indent="0">
+              <a:buNone/>
+            </a:pPr>
+            <a:r>
+              <a:rPr lang="en-US" dirty="0"/>
+              <a:t> </a:t>
+            </a:r>
+          </a:p>
+          <a:p>
+            <a:pPr marL="0" indent="0">
+              <a:buNone/>
+            </a:pPr>
+            <a:r>
+              <a:rPr lang="en-US"/>
+              <a:t>  </a:t>
+            </a:r>
+            <a:r>
+              <a:rPr lang="en-US" smtClean="0"/>
+              <a:t>FA9 </a:t>
+            </a:r>
+            <a:r>
+              <a:rPr lang="en-US"/>
+              <a:t>= </a:t>
+            </a:r>
+            <a:r>
+              <a:rPr lang="en-US" smtClean="0"/>
+              <a:t>15x(16</a:t>
+            </a:r>
+            <a:r>
+              <a:rPr lang="en-US" baseline="30000" smtClean="0"/>
+              <a:t>2</a:t>
+            </a:r>
+            <a:r>
+              <a:rPr lang="en-US" dirty="0"/>
+              <a:t>) </a:t>
+            </a:r>
+            <a:r>
+              <a:rPr lang="en-US"/>
+              <a:t>+ </a:t>
+            </a:r>
+            <a:r>
+              <a:rPr lang="en-US" smtClean="0"/>
+              <a:t>10x(16</a:t>
+            </a:r>
+            <a:r>
+              <a:rPr lang="en-US" baseline="30000" smtClean="0"/>
+              <a:t>1</a:t>
+            </a:r>
+            <a:r>
+              <a:rPr lang="en-US" dirty="0"/>
+              <a:t>) </a:t>
+            </a:r>
+            <a:r>
+              <a:rPr lang="en-US"/>
+              <a:t>+ </a:t>
+            </a:r>
+            <a:r>
+              <a:rPr lang="en-US" smtClean="0"/>
+              <a:t>9x(16</a:t>
+            </a:r>
+            <a:r>
+              <a:rPr lang="en-US" baseline="30000" smtClean="0"/>
+              <a:t>0</a:t>
+            </a:r>
+            <a:r>
+              <a:rPr lang="en-US" dirty="0"/>
+              <a:t>)</a:t>
+            </a:r>
+          </a:p>
+          <a:p>
+            <a:pPr marL="0" indent="0">
+              <a:buNone/>
+            </a:pPr>
+            <a:endParaRPr lang="en-US" dirty="0"/>
+          </a:p>
+        </p:txBody>
+      </p:sp>
       <p:sp>
         <p:nvSpPr>
           <p:cNvPr id="15" name="Content Placeholder 16">
             <a:extLst>
               <a:ext uri="{FF2B5EF4-FFF2-40B4-BE49-F238E27FC236}">
-                <a16:creationId xmlns:a16="http://schemas.microsoft.com/office/drawing/2014/main" xmlns="" id="{5FDBA27F-9676-4EE6-B75A-C35B42A0CD81}"/>
+                <a16:creationId xmlns="" xmlns:a16="http://schemas.microsoft.com/office/drawing/2014/main" id="{5FDBA27F-9676-4EE6-B75A-C35B42A0CD81}"/>
               </a:ext>
             </a:extLst>
           </p:cNvPr>
@@ -29178,7 +28681,7 @@
           <p:cNvPr id="18" name="Content Placeholder 16">
             <a:extLst>
               <a:ext uri="{FF2B5EF4-FFF2-40B4-BE49-F238E27FC236}">
-                <a16:creationId xmlns:a16="http://schemas.microsoft.com/office/drawing/2014/main" xmlns="" id="{5FDBA27F-9676-4EE6-B75A-C35B42A0CD81}"/>
+                <a16:creationId xmlns="" xmlns:a16="http://schemas.microsoft.com/office/drawing/2014/main" id="{5FDBA27F-9676-4EE6-B75A-C35B42A0CD81}"/>
               </a:ext>
             </a:extLst>
           </p:cNvPr>
@@ -29369,130 +28872,10 @@
           </a:p>
         </p:txBody>
       </p:sp>
-      <p:sp>
-        <p:nvSpPr>
-          <p:cNvPr id="4" name="TextBox 3"/>
-          <p:cNvSpPr txBox="1"/>
-          <p:nvPr/>
-        </p:nvSpPr>
-        <p:spPr>
-          <a:xfrm>
-            <a:off x="1087394" y="3501082"/>
-            <a:ext cx="1178011" cy="378940"/>
-          </a:xfrm>
-          <a:prstGeom prst="rect">
-            <a:avLst/>
-          </a:prstGeom>
-          <a:noFill/>
-        </p:spPr>
-        <p:txBody>
-          <a:bodyPr wrap="square" rtlCol="0">
-            <a:spAutoFit/>
-          </a:bodyPr>
-          <a:lstStyle/>
-          <a:p>
-            <a:r>
-              <a:rPr lang="en-US" dirty="0" smtClean="0"/>
-              <a:t>Index</a:t>
-            </a:r>
-            <a:endParaRPr lang="en-US" dirty="0"/>
-          </a:p>
-        </p:txBody>
-      </p:sp>
-      <p:sp>
-        <p:nvSpPr>
-          <p:cNvPr id="11" name="TextBox 10"/>
-          <p:cNvSpPr txBox="1"/>
-          <p:nvPr/>
-        </p:nvSpPr>
-        <p:spPr>
-          <a:xfrm>
-            <a:off x="1083272" y="3859432"/>
-            <a:ext cx="1178011" cy="378940"/>
-          </a:xfrm>
-          <a:prstGeom prst="rect">
-            <a:avLst/>
-          </a:prstGeom>
-          <a:noFill/>
-        </p:spPr>
-        <p:txBody>
-          <a:bodyPr wrap="square" rtlCol="0">
-            <a:spAutoFit/>
-          </a:bodyPr>
-          <a:lstStyle/>
-          <a:p>
-            <a:r>
-              <a:rPr lang="en-US" dirty="0" smtClean="0"/>
-              <a:t>Bit value</a:t>
-            </a:r>
-            <a:endParaRPr lang="en-US" dirty="0"/>
-          </a:p>
-        </p:txBody>
-      </p:sp>
-      <p:sp>
-        <p:nvSpPr>
-          <p:cNvPr id="12" name="TextBox 11"/>
-          <p:cNvSpPr txBox="1"/>
-          <p:nvPr/>
-        </p:nvSpPr>
-        <p:spPr>
-          <a:xfrm>
-            <a:off x="1079153" y="4283684"/>
-            <a:ext cx="1178011" cy="378940"/>
-          </a:xfrm>
-          <a:prstGeom prst="rect">
-            <a:avLst/>
-          </a:prstGeom>
-          <a:noFill/>
-        </p:spPr>
-        <p:txBody>
-          <a:bodyPr wrap="square" rtlCol="0">
-            <a:spAutoFit/>
-          </a:bodyPr>
-          <a:lstStyle/>
-          <a:p>
-            <a:r>
-              <a:rPr lang="en-US" dirty="0" smtClean="0"/>
-              <a:t>Bits</a:t>
-            </a:r>
-            <a:endParaRPr lang="en-US" dirty="0"/>
-          </a:p>
-        </p:txBody>
-      </p:sp>
-      <p:sp>
-        <p:nvSpPr>
-          <p:cNvPr id="5" name="TextBox 4"/>
-          <p:cNvSpPr txBox="1"/>
-          <p:nvPr/>
-        </p:nvSpPr>
-        <p:spPr>
-          <a:xfrm>
-            <a:off x="2397211" y="5128457"/>
-            <a:ext cx="7084540" cy="369332"/>
-          </a:xfrm>
-          <a:prstGeom prst="rect">
-            <a:avLst/>
-          </a:prstGeom>
-          <a:noFill/>
-        </p:spPr>
-        <p:txBody>
-          <a:bodyPr wrap="square" rtlCol="0">
-            <a:spAutoFit/>
-          </a:bodyPr>
-          <a:lstStyle/>
-          <a:p>
-            <a:r>
-              <a:rPr lang="en-US" dirty="0" smtClean="0"/>
-              <a:t>8 bits can give you any number from 0 to 255</a:t>
-            </a:r>
-            <a:endParaRPr lang="en-US" dirty="0"/>
-          </a:p>
-        </p:txBody>
-      </p:sp>
     </p:spTree>
     <p:extLst>
       <p:ext uri="{BB962C8B-B14F-4D97-AF65-F5344CB8AC3E}">
-        <p14:creationId xmlns:p14="http://schemas.microsoft.com/office/powerpoint/2010/main" val="4202605687"/>
+        <p14:creationId xmlns:p14="http://schemas.microsoft.com/office/powerpoint/2010/main" val="2818798194"/>
       </p:ext>
     </p:extLst>
   </p:cSld>
@@ -29509,7 +28892,7 @@
 </p:sld>
 </file>
 
-<file path=ppt/slides/slide9.xml><?xml version="1.0" encoding="utf-8"?>
+<file path=ppt/slides/slide8.xml><?xml version="1.0" encoding="utf-8"?>
 <p:sld xmlns:a="http://schemas.openxmlformats.org/drawingml/2006/main" xmlns:r="http://schemas.openxmlformats.org/officeDocument/2006/relationships" xmlns:p="http://schemas.openxmlformats.org/presentationml/2006/main">
   <p:cSld>
     <p:bg>
@@ -29542,7 +28925,7 @@
           <p:cNvPr id="23" name="Rectangle 22">
             <a:extLst>
               <a:ext uri="{FF2B5EF4-FFF2-40B4-BE49-F238E27FC236}">
-                <a16:creationId xmlns:a16="http://schemas.microsoft.com/office/drawing/2014/main" xmlns="" id="{EE1FC7B4-E4A7-4452-B413-1A623E3A7230}"/>
+                <a16:creationId xmlns="" xmlns:a16="http://schemas.microsoft.com/office/drawing/2014/main" id="{EE1FC7B4-E4A7-4452-B413-1A623E3A7230}"/>
               </a:ext>
             </a:extLst>
           </p:cNvPr>
@@ -29552,7 +28935,7 @@
           <p:nvPr>
             <p:extLst>
               <p:ext uri="{386F3935-93C4-4BCD-93E2-E3B085C9AB24}">
-                <p16:designElem xmlns:p16="http://schemas.microsoft.com/office/powerpoint/2015/main" xmlns="" val="1"/>
+                <p16:designElem xmlns="" xmlns:p16="http://schemas.microsoft.com/office/powerpoint/2015/main" val="1"/>
               </p:ext>
             </p:extLst>
           </p:nvPr>
@@ -29633,7 +29016,7 @@
           <p:cNvPr id="25" name="Freeform 13">
             <a:extLst>
               <a:ext uri="{FF2B5EF4-FFF2-40B4-BE49-F238E27FC236}">
-                <a16:creationId xmlns:a16="http://schemas.microsoft.com/office/drawing/2014/main" xmlns="" id="{E0709AF0-24F0-4486-B189-BE6386BDB198}"/>
+                <a16:creationId xmlns="" xmlns:a16="http://schemas.microsoft.com/office/drawing/2014/main" id="{E0709AF0-24F0-4486-B189-BE6386BDB198}"/>
               </a:ext>
             </a:extLst>
           </p:cNvPr>
@@ -29643,7 +29026,7 @@
           <p:nvPr>
             <p:extLst>
               <p:ext uri="{386F3935-93C4-4BCD-93E2-E3B085C9AB24}">
-                <p16:designElem xmlns:p16="http://schemas.microsoft.com/office/powerpoint/2015/main" xmlns="" val="1"/>
+                <p16:designElem xmlns="" xmlns:p16="http://schemas.microsoft.com/office/powerpoint/2015/main" val="1"/>
               </p:ext>
             </p:extLst>
           </p:nvPr>
@@ -29767,7 +29150,7 @@
           <p:cNvPr id="27" name="Freeform 11">
             <a:extLst>
               <a:ext uri="{FF2B5EF4-FFF2-40B4-BE49-F238E27FC236}">
-                <a16:creationId xmlns:a16="http://schemas.microsoft.com/office/drawing/2014/main" xmlns="" id="{FBE3B62F-5853-4A3C-B050-6186351A7176}"/>
+                <a16:creationId xmlns="" xmlns:a16="http://schemas.microsoft.com/office/drawing/2014/main" id="{FBE3B62F-5853-4A3C-B050-6186351A7176}"/>
               </a:ext>
             </a:extLst>
           </p:cNvPr>
@@ -29777,7 +29160,7 @@
           <p:nvPr>
             <p:extLst>
               <p:ext uri="{386F3935-93C4-4BCD-93E2-E3B085C9AB24}">
-                <p16:designElem xmlns:p16="http://schemas.microsoft.com/office/powerpoint/2015/main" xmlns="" val="1"/>
+                <p16:designElem xmlns="" xmlns:p16="http://schemas.microsoft.com/office/powerpoint/2015/main" val="1"/>
               </p:ext>
             </p:extLst>
           </p:nvPr>
@@ -29903,7 +29286,1313 @@
           <p:cNvPr id="2" name="Title 1">
             <a:extLst>
               <a:ext uri="{FF2B5EF4-FFF2-40B4-BE49-F238E27FC236}">
-                <a16:creationId xmlns:a16="http://schemas.microsoft.com/office/drawing/2014/main" xmlns="" id="{A5F6196D-B07E-499E-92C0-6953CE9F25D4}"/>
+                <a16:creationId xmlns="" xmlns:a16="http://schemas.microsoft.com/office/drawing/2014/main" id="{A5F6196D-B07E-499E-92C0-6953CE9F25D4}"/>
+              </a:ext>
+            </a:extLst>
+          </p:cNvPr>
+          <p:cNvSpPr>
+            <a:spLocks noGrp="1"/>
+          </p:cNvSpPr>
+          <p:nvPr>
+            <p:ph type="title"/>
+          </p:nvPr>
+        </p:nvSpPr>
+        <p:spPr>
+          <a:xfrm>
+            <a:off x="833002" y="448253"/>
+            <a:ext cx="10520702" cy="1325563"/>
+          </a:xfrm>
+        </p:spPr>
+        <p:txBody>
+          <a:bodyPr>
+            <a:normAutofit/>
+          </a:bodyPr>
+          <a:lstStyle/>
+          <a:p>
+            <a:r>
+              <a:rPr lang="en-US" b="1" dirty="0" smtClean="0"/>
+              <a:t>Counting… (Unsigned)</a:t>
+            </a:r>
+            <a:endParaRPr lang="en-US" b="1" dirty="0"/>
+          </a:p>
+        </p:txBody>
+      </p:sp>
+      <p:graphicFrame>
+        <p:nvGraphicFramePr>
+          <p:cNvPr id="3" name="Content Placeholder 2"/>
+          <p:cNvGraphicFramePr>
+            <a:graphicFrameLocks noGrp="1"/>
+          </p:cNvGraphicFramePr>
+          <p:nvPr>
+            <p:ph idx="1"/>
+            <p:extLst>
+              <p:ext uri="{D42A27DB-BD31-4B8C-83A1-F6EECF244321}">
+                <p14:modId xmlns:p14="http://schemas.microsoft.com/office/powerpoint/2010/main" val="1496684391"/>
+              </p:ext>
+            </p:extLst>
+          </p:nvPr>
+        </p:nvGraphicFramePr>
+        <p:xfrm>
+          <a:off x="2421151" y="3546578"/>
+          <a:ext cx="7051672" cy="1112520"/>
+        </p:xfrm>
+        <a:graphic>
+          <a:graphicData uri="http://schemas.openxmlformats.org/drawingml/2006/table">
+            <a:tbl>
+              <a:tblPr firstRow="1" bandRow="1">
+                <a:tableStyleId>{5C22544A-7EE6-4342-B048-85BDC9FD1C3A}</a:tableStyleId>
+              </a:tblPr>
+              <a:tblGrid>
+                <a:gridCol w="881459"/>
+                <a:gridCol w="881459"/>
+                <a:gridCol w="881459"/>
+                <a:gridCol w="881459"/>
+                <a:gridCol w="881459"/>
+                <a:gridCol w="881459"/>
+                <a:gridCol w="881459"/>
+                <a:gridCol w="881459"/>
+              </a:tblGrid>
+              <a:tr h="370840">
+                <a:tc>
+                  <a:txBody>
+                    <a:bodyPr/>
+                    <a:lstStyle/>
+                    <a:p>
+                      <a:r>
+                        <a:rPr lang="en-US" dirty="0" smtClean="0"/>
+                        <a:t>7</a:t>
+                      </a:r>
+                      <a:endParaRPr lang="en-US" dirty="0"/>
+                    </a:p>
+                  </a:txBody>
+                  <a:tcPr/>
+                </a:tc>
+                <a:tc>
+                  <a:txBody>
+                    <a:bodyPr/>
+                    <a:lstStyle/>
+                    <a:p>
+                      <a:r>
+                        <a:rPr lang="en-US" dirty="0" smtClean="0"/>
+                        <a:t>6</a:t>
+                      </a:r>
+                      <a:endParaRPr lang="en-US" dirty="0"/>
+                    </a:p>
+                  </a:txBody>
+                  <a:tcPr/>
+                </a:tc>
+                <a:tc>
+                  <a:txBody>
+                    <a:bodyPr/>
+                    <a:lstStyle/>
+                    <a:p>
+                      <a:r>
+                        <a:rPr lang="en-US" dirty="0" smtClean="0"/>
+                        <a:t>5</a:t>
+                      </a:r>
+                      <a:endParaRPr lang="en-US" dirty="0"/>
+                    </a:p>
+                  </a:txBody>
+                  <a:tcPr/>
+                </a:tc>
+                <a:tc>
+                  <a:txBody>
+                    <a:bodyPr/>
+                    <a:lstStyle/>
+                    <a:p>
+                      <a:r>
+                        <a:rPr lang="en-US" dirty="0" smtClean="0"/>
+                        <a:t>4</a:t>
+                      </a:r>
+                      <a:endParaRPr lang="en-US" dirty="0"/>
+                    </a:p>
+                  </a:txBody>
+                  <a:tcPr/>
+                </a:tc>
+                <a:tc>
+                  <a:txBody>
+                    <a:bodyPr/>
+                    <a:lstStyle/>
+                    <a:p>
+                      <a:r>
+                        <a:rPr lang="en-US" dirty="0" smtClean="0"/>
+                        <a:t>3</a:t>
+                      </a:r>
+                      <a:endParaRPr lang="en-US" dirty="0"/>
+                    </a:p>
+                  </a:txBody>
+                  <a:tcPr/>
+                </a:tc>
+                <a:tc>
+                  <a:txBody>
+                    <a:bodyPr/>
+                    <a:lstStyle/>
+                    <a:p>
+                      <a:r>
+                        <a:rPr lang="en-US" dirty="0" smtClean="0"/>
+                        <a:t>2</a:t>
+                      </a:r>
+                      <a:endParaRPr lang="en-US" dirty="0"/>
+                    </a:p>
+                  </a:txBody>
+                  <a:tcPr/>
+                </a:tc>
+                <a:tc>
+                  <a:txBody>
+                    <a:bodyPr/>
+                    <a:lstStyle/>
+                    <a:p>
+                      <a:r>
+                        <a:rPr lang="en-US" dirty="0" smtClean="0"/>
+                        <a:t>1</a:t>
+                      </a:r>
+                      <a:endParaRPr lang="en-US" dirty="0"/>
+                    </a:p>
+                  </a:txBody>
+                  <a:tcPr/>
+                </a:tc>
+                <a:tc>
+                  <a:txBody>
+                    <a:bodyPr/>
+                    <a:lstStyle/>
+                    <a:p>
+                      <a:r>
+                        <a:rPr lang="en-US" dirty="0" smtClean="0"/>
+                        <a:t>0</a:t>
+                      </a:r>
+                      <a:endParaRPr lang="en-US" dirty="0"/>
+                    </a:p>
+                  </a:txBody>
+                  <a:tcPr/>
+                </a:tc>
+              </a:tr>
+              <a:tr h="370840">
+                <a:tc>
+                  <a:txBody>
+                    <a:bodyPr/>
+                    <a:lstStyle/>
+                    <a:p>
+                      <a:r>
+                        <a:rPr lang="en-US" dirty="0" smtClean="0"/>
+                        <a:t>128</a:t>
+                      </a:r>
+                      <a:endParaRPr lang="en-US" dirty="0"/>
+                    </a:p>
+                  </a:txBody>
+                  <a:tcPr/>
+                </a:tc>
+                <a:tc>
+                  <a:txBody>
+                    <a:bodyPr/>
+                    <a:lstStyle/>
+                    <a:p>
+                      <a:r>
+                        <a:rPr lang="en-US" dirty="0" smtClean="0"/>
+                        <a:t>64</a:t>
+                      </a:r>
+                      <a:endParaRPr lang="en-US" dirty="0"/>
+                    </a:p>
+                  </a:txBody>
+                  <a:tcPr/>
+                </a:tc>
+                <a:tc>
+                  <a:txBody>
+                    <a:bodyPr/>
+                    <a:lstStyle/>
+                    <a:p>
+                      <a:r>
+                        <a:rPr lang="en-US" dirty="0" smtClean="0"/>
+                        <a:t>32</a:t>
+                      </a:r>
+                      <a:endParaRPr lang="en-US" dirty="0"/>
+                    </a:p>
+                  </a:txBody>
+                  <a:tcPr/>
+                </a:tc>
+                <a:tc>
+                  <a:txBody>
+                    <a:bodyPr/>
+                    <a:lstStyle/>
+                    <a:p>
+                      <a:r>
+                        <a:rPr lang="en-US" dirty="0" smtClean="0"/>
+                        <a:t>16</a:t>
+                      </a:r>
+                      <a:endParaRPr lang="en-US" dirty="0"/>
+                    </a:p>
+                  </a:txBody>
+                  <a:tcPr/>
+                </a:tc>
+                <a:tc>
+                  <a:txBody>
+                    <a:bodyPr/>
+                    <a:lstStyle/>
+                    <a:p>
+                      <a:r>
+                        <a:rPr lang="en-US" dirty="0" smtClean="0"/>
+                        <a:t>8</a:t>
+                      </a:r>
+                      <a:endParaRPr lang="en-US" dirty="0"/>
+                    </a:p>
+                  </a:txBody>
+                  <a:tcPr/>
+                </a:tc>
+                <a:tc>
+                  <a:txBody>
+                    <a:bodyPr/>
+                    <a:lstStyle/>
+                    <a:p>
+                      <a:r>
+                        <a:rPr lang="en-US" dirty="0" smtClean="0"/>
+                        <a:t>4</a:t>
+                      </a:r>
+                      <a:endParaRPr lang="en-US" dirty="0"/>
+                    </a:p>
+                  </a:txBody>
+                  <a:tcPr/>
+                </a:tc>
+                <a:tc>
+                  <a:txBody>
+                    <a:bodyPr/>
+                    <a:lstStyle/>
+                    <a:p>
+                      <a:r>
+                        <a:rPr lang="en-US" dirty="0" smtClean="0"/>
+                        <a:t>2</a:t>
+                      </a:r>
+                      <a:endParaRPr lang="en-US" dirty="0"/>
+                    </a:p>
+                  </a:txBody>
+                  <a:tcPr/>
+                </a:tc>
+                <a:tc>
+                  <a:txBody>
+                    <a:bodyPr/>
+                    <a:lstStyle/>
+                    <a:p>
+                      <a:r>
+                        <a:rPr lang="en-US" dirty="0" smtClean="0"/>
+                        <a:t>1</a:t>
+                      </a:r>
+                      <a:endParaRPr lang="en-US" dirty="0"/>
+                    </a:p>
+                  </a:txBody>
+                  <a:tcPr/>
+                </a:tc>
+              </a:tr>
+              <a:tr h="370840">
+                <a:tc>
+                  <a:txBody>
+                    <a:bodyPr/>
+                    <a:lstStyle/>
+                    <a:p>
+                      <a:endParaRPr lang="en-US" dirty="0"/>
+                    </a:p>
+                  </a:txBody>
+                  <a:tcPr/>
+                </a:tc>
+                <a:tc>
+                  <a:txBody>
+                    <a:bodyPr/>
+                    <a:lstStyle/>
+                    <a:p>
+                      <a:endParaRPr lang="en-US" dirty="0"/>
+                    </a:p>
+                  </a:txBody>
+                  <a:tcPr/>
+                </a:tc>
+                <a:tc>
+                  <a:txBody>
+                    <a:bodyPr/>
+                    <a:lstStyle/>
+                    <a:p>
+                      <a:endParaRPr lang="en-US" dirty="0"/>
+                    </a:p>
+                  </a:txBody>
+                  <a:tcPr/>
+                </a:tc>
+                <a:tc>
+                  <a:txBody>
+                    <a:bodyPr/>
+                    <a:lstStyle/>
+                    <a:p>
+                      <a:endParaRPr lang="en-US"/>
+                    </a:p>
+                  </a:txBody>
+                  <a:tcPr/>
+                </a:tc>
+                <a:tc>
+                  <a:txBody>
+                    <a:bodyPr/>
+                    <a:lstStyle/>
+                    <a:p>
+                      <a:endParaRPr lang="en-US"/>
+                    </a:p>
+                  </a:txBody>
+                  <a:tcPr/>
+                </a:tc>
+                <a:tc>
+                  <a:txBody>
+                    <a:bodyPr/>
+                    <a:lstStyle/>
+                    <a:p>
+                      <a:endParaRPr lang="en-US"/>
+                    </a:p>
+                  </a:txBody>
+                  <a:tcPr/>
+                </a:tc>
+                <a:tc>
+                  <a:txBody>
+                    <a:bodyPr/>
+                    <a:lstStyle/>
+                    <a:p>
+                      <a:endParaRPr lang="en-US"/>
+                    </a:p>
+                  </a:txBody>
+                  <a:tcPr/>
+                </a:tc>
+                <a:tc>
+                  <a:txBody>
+                    <a:bodyPr/>
+                    <a:lstStyle/>
+                    <a:p>
+                      <a:endParaRPr lang="en-US" dirty="0"/>
+                    </a:p>
+                  </a:txBody>
+                  <a:tcPr/>
+                </a:tc>
+              </a:tr>
+            </a:tbl>
+          </a:graphicData>
+        </a:graphic>
+      </p:graphicFrame>
+      <p:sp>
+        <p:nvSpPr>
+          <p:cNvPr id="15" name="Content Placeholder 16">
+            <a:extLst>
+              <a:ext uri="{FF2B5EF4-FFF2-40B4-BE49-F238E27FC236}">
+                <a16:creationId xmlns="" xmlns:a16="http://schemas.microsoft.com/office/drawing/2014/main" id="{5FDBA27F-9676-4EE6-B75A-C35B42A0CD81}"/>
+              </a:ext>
+            </a:extLst>
+          </p:cNvPr>
+          <p:cNvSpPr txBox="1">
+            <a:spLocks/>
+          </p:cNvSpPr>
+          <p:nvPr/>
+        </p:nvSpPr>
+        <p:spPr>
+          <a:xfrm>
+            <a:off x="6231127" y="2226895"/>
+            <a:ext cx="5820828" cy="1389910"/>
+          </a:xfrm>
+          <a:prstGeom prst="rect">
+            <a:avLst/>
+          </a:prstGeom>
+        </p:spPr>
+        <p:txBody>
+          <a:bodyPr vert="horz" lIns="91440" tIns="45720" rIns="91440" bIns="45720" rtlCol="0">
+            <a:normAutofit/>
+          </a:bodyPr>
+          <a:lstStyle>
+            <a:lvl1pPr marL="228600" indent="-228600" algn="l" defTabSz="914400" rtl="0" eaLnBrk="1" latinLnBrk="0" hangingPunct="1">
+              <a:lnSpc>
+                <a:spcPct val="90000"/>
+              </a:lnSpc>
+              <a:spcBef>
+                <a:spcPts val="1000"/>
+              </a:spcBef>
+              <a:buFont typeface="Arial" panose="020B0604020202020204" pitchFamily="34" charset="0"/>
+              <a:buChar char="•"/>
+              <a:defRPr sz="2800" kern="1200">
+                <a:solidFill>
+                  <a:schemeClr val="tx1"/>
+                </a:solidFill>
+                <a:latin typeface="+mn-lt"/>
+                <a:ea typeface="+mn-ea"/>
+                <a:cs typeface="+mn-cs"/>
+              </a:defRPr>
+            </a:lvl1pPr>
+            <a:lvl2pPr marL="685800" indent="-228600" algn="l" defTabSz="914400" rtl="0" eaLnBrk="1" latinLnBrk="0" hangingPunct="1">
+              <a:lnSpc>
+                <a:spcPct val="90000"/>
+              </a:lnSpc>
+              <a:spcBef>
+                <a:spcPts val="500"/>
+              </a:spcBef>
+              <a:buFont typeface="Arial" panose="020B0604020202020204" pitchFamily="34" charset="0"/>
+              <a:buChar char="•"/>
+              <a:defRPr sz="2400" kern="1200">
+                <a:solidFill>
+                  <a:schemeClr val="tx1"/>
+                </a:solidFill>
+                <a:latin typeface="+mn-lt"/>
+                <a:ea typeface="+mn-ea"/>
+                <a:cs typeface="+mn-cs"/>
+              </a:defRPr>
+            </a:lvl2pPr>
+            <a:lvl3pPr marL="1143000" indent="-228600" algn="l" defTabSz="914400" rtl="0" eaLnBrk="1" latinLnBrk="0" hangingPunct="1">
+              <a:lnSpc>
+                <a:spcPct val="90000"/>
+              </a:lnSpc>
+              <a:spcBef>
+                <a:spcPts val="500"/>
+              </a:spcBef>
+              <a:buFont typeface="Arial" panose="020B0604020202020204" pitchFamily="34" charset="0"/>
+              <a:buChar char="•"/>
+              <a:defRPr sz="2000" kern="1200">
+                <a:solidFill>
+                  <a:schemeClr val="tx1"/>
+                </a:solidFill>
+                <a:latin typeface="+mn-lt"/>
+                <a:ea typeface="+mn-ea"/>
+                <a:cs typeface="+mn-cs"/>
+              </a:defRPr>
+            </a:lvl3pPr>
+            <a:lvl4pPr marL="1600200" indent="-228600" algn="l" defTabSz="914400" rtl="0" eaLnBrk="1" latinLnBrk="0" hangingPunct="1">
+              <a:lnSpc>
+                <a:spcPct val="90000"/>
+              </a:lnSpc>
+              <a:spcBef>
+                <a:spcPts val="500"/>
+              </a:spcBef>
+              <a:buFont typeface="Arial" panose="020B0604020202020204" pitchFamily="34" charset="0"/>
+              <a:buChar char="•"/>
+              <a:defRPr sz="1800" kern="1200">
+                <a:solidFill>
+                  <a:schemeClr val="tx1"/>
+                </a:solidFill>
+                <a:latin typeface="+mn-lt"/>
+                <a:ea typeface="+mn-ea"/>
+                <a:cs typeface="+mn-cs"/>
+              </a:defRPr>
+            </a:lvl4pPr>
+            <a:lvl5pPr marL="2057400" indent="-228600" algn="l" defTabSz="914400" rtl="0" eaLnBrk="1" latinLnBrk="0" hangingPunct="1">
+              <a:lnSpc>
+                <a:spcPct val="90000"/>
+              </a:lnSpc>
+              <a:spcBef>
+                <a:spcPts val="500"/>
+              </a:spcBef>
+              <a:buFont typeface="Arial" panose="020B0604020202020204" pitchFamily="34" charset="0"/>
+              <a:buChar char="•"/>
+              <a:defRPr sz="1800" kern="1200">
+                <a:solidFill>
+                  <a:schemeClr val="tx1"/>
+                </a:solidFill>
+                <a:latin typeface="+mn-lt"/>
+                <a:ea typeface="+mn-ea"/>
+                <a:cs typeface="+mn-cs"/>
+              </a:defRPr>
+            </a:lvl5pPr>
+            <a:lvl6pPr marL="2514600" indent="-228600" algn="l" defTabSz="914400" rtl="0" eaLnBrk="1" latinLnBrk="0" hangingPunct="1">
+              <a:lnSpc>
+                <a:spcPct val="90000"/>
+              </a:lnSpc>
+              <a:spcBef>
+                <a:spcPts val="500"/>
+              </a:spcBef>
+              <a:buFont typeface="Arial" panose="020B0604020202020204" pitchFamily="34" charset="0"/>
+              <a:buChar char="•"/>
+              <a:defRPr sz="1800" kern="1200">
+                <a:solidFill>
+                  <a:schemeClr val="tx1"/>
+                </a:solidFill>
+                <a:latin typeface="+mn-lt"/>
+                <a:ea typeface="+mn-ea"/>
+                <a:cs typeface="+mn-cs"/>
+              </a:defRPr>
+            </a:lvl6pPr>
+            <a:lvl7pPr marL="2971800" indent="-228600" algn="l" defTabSz="914400" rtl="0" eaLnBrk="1" latinLnBrk="0" hangingPunct="1">
+              <a:lnSpc>
+                <a:spcPct val="90000"/>
+              </a:lnSpc>
+              <a:spcBef>
+                <a:spcPts val="500"/>
+              </a:spcBef>
+              <a:buFont typeface="Arial" panose="020B0604020202020204" pitchFamily="34" charset="0"/>
+              <a:buChar char="•"/>
+              <a:defRPr sz="1800" kern="1200">
+                <a:solidFill>
+                  <a:schemeClr val="tx1"/>
+                </a:solidFill>
+                <a:latin typeface="+mn-lt"/>
+                <a:ea typeface="+mn-ea"/>
+                <a:cs typeface="+mn-cs"/>
+              </a:defRPr>
+            </a:lvl7pPr>
+            <a:lvl8pPr marL="3429000" indent="-228600" algn="l" defTabSz="914400" rtl="0" eaLnBrk="1" latinLnBrk="0" hangingPunct="1">
+              <a:lnSpc>
+                <a:spcPct val="90000"/>
+              </a:lnSpc>
+              <a:spcBef>
+                <a:spcPts val="500"/>
+              </a:spcBef>
+              <a:buFont typeface="Arial" panose="020B0604020202020204" pitchFamily="34" charset="0"/>
+              <a:buChar char="•"/>
+              <a:defRPr sz="1800" kern="1200">
+                <a:solidFill>
+                  <a:schemeClr val="tx1"/>
+                </a:solidFill>
+                <a:latin typeface="+mn-lt"/>
+                <a:ea typeface="+mn-ea"/>
+                <a:cs typeface="+mn-cs"/>
+              </a:defRPr>
+            </a:lvl8pPr>
+            <a:lvl9pPr marL="3886200" indent="-228600" algn="l" defTabSz="914400" rtl="0" eaLnBrk="1" latinLnBrk="0" hangingPunct="1">
+              <a:lnSpc>
+                <a:spcPct val="90000"/>
+              </a:lnSpc>
+              <a:spcBef>
+                <a:spcPts val="500"/>
+              </a:spcBef>
+              <a:buFont typeface="Arial" panose="020B0604020202020204" pitchFamily="34" charset="0"/>
+              <a:buChar char="•"/>
+              <a:defRPr sz="1800" kern="1200">
+                <a:solidFill>
+                  <a:schemeClr val="tx1"/>
+                </a:solidFill>
+                <a:latin typeface="+mn-lt"/>
+                <a:ea typeface="+mn-ea"/>
+                <a:cs typeface="+mn-cs"/>
+              </a:defRPr>
+            </a:lvl9pPr>
+          </a:lstStyle>
+          <a:p>
+            <a:endParaRPr lang="en-US" dirty="0"/>
+          </a:p>
+        </p:txBody>
+      </p:sp>
+      <p:sp>
+        <p:nvSpPr>
+          <p:cNvPr id="18" name="Content Placeholder 16">
+            <a:extLst>
+              <a:ext uri="{FF2B5EF4-FFF2-40B4-BE49-F238E27FC236}">
+                <a16:creationId xmlns="" xmlns:a16="http://schemas.microsoft.com/office/drawing/2014/main" id="{5FDBA27F-9676-4EE6-B75A-C35B42A0CD81}"/>
+              </a:ext>
+            </a:extLst>
+          </p:cNvPr>
+          <p:cNvSpPr txBox="1">
+            <a:spLocks/>
+          </p:cNvSpPr>
+          <p:nvPr/>
+        </p:nvSpPr>
+        <p:spPr>
+          <a:xfrm>
+            <a:off x="6227005" y="3738547"/>
+            <a:ext cx="5820828" cy="1389910"/>
+          </a:xfrm>
+          <a:prstGeom prst="rect">
+            <a:avLst/>
+          </a:prstGeom>
+        </p:spPr>
+        <p:txBody>
+          <a:bodyPr vert="horz" lIns="91440" tIns="45720" rIns="91440" bIns="45720" rtlCol="0">
+            <a:normAutofit/>
+          </a:bodyPr>
+          <a:lstStyle>
+            <a:lvl1pPr marL="228600" indent="-228600" algn="l" defTabSz="914400" rtl="0" eaLnBrk="1" latinLnBrk="0" hangingPunct="1">
+              <a:lnSpc>
+                <a:spcPct val="90000"/>
+              </a:lnSpc>
+              <a:spcBef>
+                <a:spcPts val="1000"/>
+              </a:spcBef>
+              <a:buFont typeface="Arial" panose="020B0604020202020204" pitchFamily="34" charset="0"/>
+              <a:buChar char="•"/>
+              <a:defRPr sz="2800" kern="1200">
+                <a:solidFill>
+                  <a:schemeClr val="tx1"/>
+                </a:solidFill>
+                <a:latin typeface="+mn-lt"/>
+                <a:ea typeface="+mn-ea"/>
+                <a:cs typeface="+mn-cs"/>
+              </a:defRPr>
+            </a:lvl1pPr>
+            <a:lvl2pPr marL="685800" indent="-228600" algn="l" defTabSz="914400" rtl="0" eaLnBrk="1" latinLnBrk="0" hangingPunct="1">
+              <a:lnSpc>
+                <a:spcPct val="90000"/>
+              </a:lnSpc>
+              <a:spcBef>
+                <a:spcPts val="500"/>
+              </a:spcBef>
+              <a:buFont typeface="Arial" panose="020B0604020202020204" pitchFamily="34" charset="0"/>
+              <a:buChar char="•"/>
+              <a:defRPr sz="2400" kern="1200">
+                <a:solidFill>
+                  <a:schemeClr val="tx1"/>
+                </a:solidFill>
+                <a:latin typeface="+mn-lt"/>
+                <a:ea typeface="+mn-ea"/>
+                <a:cs typeface="+mn-cs"/>
+              </a:defRPr>
+            </a:lvl2pPr>
+            <a:lvl3pPr marL="1143000" indent="-228600" algn="l" defTabSz="914400" rtl="0" eaLnBrk="1" latinLnBrk="0" hangingPunct="1">
+              <a:lnSpc>
+                <a:spcPct val="90000"/>
+              </a:lnSpc>
+              <a:spcBef>
+                <a:spcPts val="500"/>
+              </a:spcBef>
+              <a:buFont typeface="Arial" panose="020B0604020202020204" pitchFamily="34" charset="0"/>
+              <a:buChar char="•"/>
+              <a:defRPr sz="2000" kern="1200">
+                <a:solidFill>
+                  <a:schemeClr val="tx1"/>
+                </a:solidFill>
+                <a:latin typeface="+mn-lt"/>
+                <a:ea typeface="+mn-ea"/>
+                <a:cs typeface="+mn-cs"/>
+              </a:defRPr>
+            </a:lvl3pPr>
+            <a:lvl4pPr marL="1600200" indent="-228600" algn="l" defTabSz="914400" rtl="0" eaLnBrk="1" latinLnBrk="0" hangingPunct="1">
+              <a:lnSpc>
+                <a:spcPct val="90000"/>
+              </a:lnSpc>
+              <a:spcBef>
+                <a:spcPts val="500"/>
+              </a:spcBef>
+              <a:buFont typeface="Arial" panose="020B0604020202020204" pitchFamily="34" charset="0"/>
+              <a:buChar char="•"/>
+              <a:defRPr sz="1800" kern="1200">
+                <a:solidFill>
+                  <a:schemeClr val="tx1"/>
+                </a:solidFill>
+                <a:latin typeface="+mn-lt"/>
+                <a:ea typeface="+mn-ea"/>
+                <a:cs typeface="+mn-cs"/>
+              </a:defRPr>
+            </a:lvl4pPr>
+            <a:lvl5pPr marL="2057400" indent="-228600" algn="l" defTabSz="914400" rtl="0" eaLnBrk="1" latinLnBrk="0" hangingPunct="1">
+              <a:lnSpc>
+                <a:spcPct val="90000"/>
+              </a:lnSpc>
+              <a:spcBef>
+                <a:spcPts val="500"/>
+              </a:spcBef>
+              <a:buFont typeface="Arial" panose="020B0604020202020204" pitchFamily="34" charset="0"/>
+              <a:buChar char="•"/>
+              <a:defRPr sz="1800" kern="1200">
+                <a:solidFill>
+                  <a:schemeClr val="tx1"/>
+                </a:solidFill>
+                <a:latin typeface="+mn-lt"/>
+                <a:ea typeface="+mn-ea"/>
+                <a:cs typeface="+mn-cs"/>
+              </a:defRPr>
+            </a:lvl5pPr>
+            <a:lvl6pPr marL="2514600" indent="-228600" algn="l" defTabSz="914400" rtl="0" eaLnBrk="1" latinLnBrk="0" hangingPunct="1">
+              <a:lnSpc>
+                <a:spcPct val="90000"/>
+              </a:lnSpc>
+              <a:spcBef>
+                <a:spcPts val="500"/>
+              </a:spcBef>
+              <a:buFont typeface="Arial" panose="020B0604020202020204" pitchFamily="34" charset="0"/>
+              <a:buChar char="•"/>
+              <a:defRPr sz="1800" kern="1200">
+                <a:solidFill>
+                  <a:schemeClr val="tx1"/>
+                </a:solidFill>
+                <a:latin typeface="+mn-lt"/>
+                <a:ea typeface="+mn-ea"/>
+                <a:cs typeface="+mn-cs"/>
+              </a:defRPr>
+            </a:lvl6pPr>
+            <a:lvl7pPr marL="2971800" indent="-228600" algn="l" defTabSz="914400" rtl="0" eaLnBrk="1" latinLnBrk="0" hangingPunct="1">
+              <a:lnSpc>
+                <a:spcPct val="90000"/>
+              </a:lnSpc>
+              <a:spcBef>
+                <a:spcPts val="500"/>
+              </a:spcBef>
+              <a:buFont typeface="Arial" panose="020B0604020202020204" pitchFamily="34" charset="0"/>
+              <a:buChar char="•"/>
+              <a:defRPr sz="1800" kern="1200">
+                <a:solidFill>
+                  <a:schemeClr val="tx1"/>
+                </a:solidFill>
+                <a:latin typeface="+mn-lt"/>
+                <a:ea typeface="+mn-ea"/>
+                <a:cs typeface="+mn-cs"/>
+              </a:defRPr>
+            </a:lvl7pPr>
+            <a:lvl8pPr marL="3429000" indent="-228600" algn="l" defTabSz="914400" rtl="0" eaLnBrk="1" latinLnBrk="0" hangingPunct="1">
+              <a:lnSpc>
+                <a:spcPct val="90000"/>
+              </a:lnSpc>
+              <a:spcBef>
+                <a:spcPts val="500"/>
+              </a:spcBef>
+              <a:buFont typeface="Arial" panose="020B0604020202020204" pitchFamily="34" charset="0"/>
+              <a:buChar char="•"/>
+              <a:defRPr sz="1800" kern="1200">
+                <a:solidFill>
+                  <a:schemeClr val="tx1"/>
+                </a:solidFill>
+                <a:latin typeface="+mn-lt"/>
+                <a:ea typeface="+mn-ea"/>
+                <a:cs typeface="+mn-cs"/>
+              </a:defRPr>
+            </a:lvl8pPr>
+            <a:lvl9pPr marL="3886200" indent="-228600" algn="l" defTabSz="914400" rtl="0" eaLnBrk="1" latinLnBrk="0" hangingPunct="1">
+              <a:lnSpc>
+                <a:spcPct val="90000"/>
+              </a:lnSpc>
+              <a:spcBef>
+                <a:spcPts val="500"/>
+              </a:spcBef>
+              <a:buFont typeface="Arial" panose="020B0604020202020204" pitchFamily="34" charset="0"/>
+              <a:buChar char="•"/>
+              <a:defRPr sz="1800" kern="1200">
+                <a:solidFill>
+                  <a:schemeClr val="tx1"/>
+                </a:solidFill>
+                <a:latin typeface="+mn-lt"/>
+                <a:ea typeface="+mn-ea"/>
+                <a:cs typeface="+mn-cs"/>
+              </a:defRPr>
+            </a:lvl9pPr>
+          </a:lstStyle>
+          <a:p>
+            <a:endParaRPr lang="en-US" dirty="0"/>
+          </a:p>
+        </p:txBody>
+      </p:sp>
+      <p:sp>
+        <p:nvSpPr>
+          <p:cNvPr id="4" name="TextBox 3"/>
+          <p:cNvSpPr txBox="1"/>
+          <p:nvPr/>
+        </p:nvSpPr>
+        <p:spPr>
+          <a:xfrm>
+            <a:off x="1087394" y="3501082"/>
+            <a:ext cx="1178011" cy="378940"/>
+          </a:xfrm>
+          <a:prstGeom prst="rect">
+            <a:avLst/>
+          </a:prstGeom>
+          <a:noFill/>
+        </p:spPr>
+        <p:txBody>
+          <a:bodyPr wrap="square" rtlCol="0">
+            <a:spAutoFit/>
+          </a:bodyPr>
+          <a:lstStyle/>
+          <a:p>
+            <a:r>
+              <a:rPr lang="en-US" dirty="0" smtClean="0"/>
+              <a:t>Index</a:t>
+            </a:r>
+            <a:endParaRPr lang="en-US" dirty="0"/>
+          </a:p>
+        </p:txBody>
+      </p:sp>
+      <p:sp>
+        <p:nvSpPr>
+          <p:cNvPr id="11" name="TextBox 10"/>
+          <p:cNvSpPr txBox="1"/>
+          <p:nvPr/>
+        </p:nvSpPr>
+        <p:spPr>
+          <a:xfrm>
+            <a:off x="1083272" y="3859432"/>
+            <a:ext cx="1178011" cy="378940"/>
+          </a:xfrm>
+          <a:prstGeom prst="rect">
+            <a:avLst/>
+          </a:prstGeom>
+          <a:noFill/>
+        </p:spPr>
+        <p:txBody>
+          <a:bodyPr wrap="square" rtlCol="0">
+            <a:spAutoFit/>
+          </a:bodyPr>
+          <a:lstStyle/>
+          <a:p>
+            <a:r>
+              <a:rPr lang="en-US" dirty="0" smtClean="0"/>
+              <a:t>Bit value</a:t>
+            </a:r>
+            <a:endParaRPr lang="en-US" dirty="0"/>
+          </a:p>
+        </p:txBody>
+      </p:sp>
+      <p:sp>
+        <p:nvSpPr>
+          <p:cNvPr id="12" name="TextBox 11"/>
+          <p:cNvSpPr txBox="1"/>
+          <p:nvPr/>
+        </p:nvSpPr>
+        <p:spPr>
+          <a:xfrm>
+            <a:off x="1079153" y="4283684"/>
+            <a:ext cx="1178011" cy="378940"/>
+          </a:xfrm>
+          <a:prstGeom prst="rect">
+            <a:avLst/>
+          </a:prstGeom>
+          <a:noFill/>
+        </p:spPr>
+        <p:txBody>
+          <a:bodyPr wrap="square" rtlCol="0">
+            <a:spAutoFit/>
+          </a:bodyPr>
+          <a:lstStyle/>
+          <a:p>
+            <a:r>
+              <a:rPr lang="en-US" dirty="0" smtClean="0"/>
+              <a:t>Bits</a:t>
+            </a:r>
+            <a:endParaRPr lang="en-US" dirty="0"/>
+          </a:p>
+        </p:txBody>
+      </p:sp>
+      <p:sp>
+        <p:nvSpPr>
+          <p:cNvPr id="5" name="TextBox 4"/>
+          <p:cNvSpPr txBox="1"/>
+          <p:nvPr/>
+        </p:nvSpPr>
+        <p:spPr>
+          <a:xfrm>
+            <a:off x="2397211" y="5128457"/>
+            <a:ext cx="7084540" cy="369332"/>
+          </a:xfrm>
+          <a:prstGeom prst="rect">
+            <a:avLst/>
+          </a:prstGeom>
+          <a:noFill/>
+        </p:spPr>
+        <p:txBody>
+          <a:bodyPr wrap="square" rtlCol="0">
+            <a:spAutoFit/>
+          </a:bodyPr>
+          <a:lstStyle/>
+          <a:p>
+            <a:r>
+              <a:rPr lang="en-US" dirty="0" smtClean="0"/>
+              <a:t>8 bits can give you any number from 0 to 255</a:t>
+            </a:r>
+            <a:endParaRPr lang="en-US" dirty="0"/>
+          </a:p>
+        </p:txBody>
+      </p:sp>
+    </p:spTree>
+    <p:extLst>
+      <p:ext uri="{BB962C8B-B14F-4D97-AF65-F5344CB8AC3E}">
+        <p14:creationId xmlns:p14="http://schemas.microsoft.com/office/powerpoint/2010/main" val="4202605687"/>
+      </p:ext>
+    </p:extLst>
+  </p:cSld>
+  <p:clrMapOvr>
+    <a:overrideClrMapping bg1="dk1" tx1="lt1" bg2="dk2" tx2="lt2" accent1="accent1" accent2="accent2" accent3="accent3" accent4="accent4" accent5="accent5" accent6="accent6" hlink="hlink" folHlink="folHlink"/>
+  </p:clrMapOvr>
+  <p:timing>
+    <p:tnLst>
+      <p:par>
+        <p:cTn id="1" dur="indefinite" restart="never" nodeType="tmRoot"/>
+      </p:par>
+    </p:tnLst>
+  </p:timing>
+</p:sld>
+</file>
+
+<file path=ppt/slides/slide9.xml><?xml version="1.0" encoding="utf-8"?>
+<p:sld xmlns:a="http://schemas.openxmlformats.org/drawingml/2006/main" xmlns:r="http://schemas.openxmlformats.org/officeDocument/2006/relationships" xmlns:p="http://schemas.openxmlformats.org/presentationml/2006/main">
+  <p:cSld>
+    <p:bg>
+      <p:bgPr>
+        <a:solidFill>
+          <a:schemeClr val="bg1">
+            <a:tint val="95000"/>
+            <a:satMod val="170000"/>
+          </a:schemeClr>
+        </a:solidFill>
+        <a:effectLst/>
+      </p:bgPr>
+    </p:bg>
+    <p:spTree>
+      <p:nvGrpSpPr>
+        <p:cNvPr id="1" name=""/>
+        <p:cNvGrpSpPr/>
+        <p:nvPr/>
+      </p:nvGrpSpPr>
+      <p:grpSpPr>
+        <a:xfrm>
+          <a:off x="0" y="0"/>
+          <a:ext cx="0" cy="0"/>
+          <a:chOff x="0" y="0"/>
+          <a:chExt cx="0" cy="0"/>
+        </a:xfrm>
+      </p:grpSpPr>
+      <p:sp>
+        <p:nvSpPr>
+          <p:cNvPr id="23" name="Rectangle 22">
+            <a:extLst>
+              <a:ext uri="{FF2B5EF4-FFF2-40B4-BE49-F238E27FC236}">
+                <a16:creationId xmlns="" xmlns:a16="http://schemas.microsoft.com/office/drawing/2014/main" id="{EE1FC7B4-E4A7-4452-B413-1A623E3A7230}"/>
+              </a:ext>
+            </a:extLst>
+          </p:cNvPr>
+          <p:cNvSpPr>
+            <a:spLocks noGrp="1" noRot="1" noChangeAspect="1" noMove="1" noResize="1" noEditPoints="1" noAdjustHandles="1" noChangeArrowheads="1" noChangeShapeType="1" noTextEdit="1"/>
+          </p:cNvSpPr>
+          <p:nvPr>
+            <p:extLst>
+              <p:ext uri="{386F3935-93C4-4BCD-93E2-E3B085C9AB24}">
+                <p16:designElem xmlns="" xmlns:p16="http://schemas.microsoft.com/office/powerpoint/2015/main" val="1"/>
+              </p:ext>
+            </p:extLst>
+          </p:nvPr>
+        </p:nvSpPr>
+        <p:spPr>
+          <a:xfrm>
+            <a:off x="0" y="-3324"/>
+            <a:ext cx="12192000" cy="6861324"/>
+          </a:xfrm>
+          <a:prstGeom prst="rect">
+            <a:avLst/>
+          </a:prstGeom>
+          <a:solidFill>
+            <a:schemeClr val="bg1">
+              <a:alpha val="9000"/>
+            </a:schemeClr>
+          </a:solidFill>
+          <a:ln>
+            <a:noFill/>
+          </a:ln>
+        </p:spPr>
+        <p:style>
+          <a:lnRef idx="2">
+            <a:schemeClr val="accent1">
+              <a:shade val="50000"/>
+            </a:schemeClr>
+          </a:lnRef>
+          <a:fillRef idx="1">
+            <a:schemeClr val="accent1"/>
+          </a:fillRef>
+          <a:effectRef idx="0">
+            <a:schemeClr val="accent1"/>
+          </a:effectRef>
+          <a:fontRef idx="minor">
+            <a:schemeClr val="lt1"/>
+          </a:fontRef>
+        </p:style>
+        <p:txBody>
+          <a:bodyPr rtlCol="0" anchor="ctr"/>
+          <a:lstStyle/>
+          <a:p>
+            <a:pPr marL="0" marR="0" lvl="0" indent="0" algn="ctr" defTabSz="914400" rtl="0" eaLnBrk="1" fontAlgn="auto" latinLnBrk="0" hangingPunct="1">
+              <a:lnSpc>
+                <a:spcPct val="100000"/>
+              </a:lnSpc>
+              <a:spcBef>
+                <a:spcPts val="0"/>
+              </a:spcBef>
+              <a:spcAft>
+                <a:spcPts val="0"/>
+              </a:spcAft>
+              <a:buClrTx/>
+              <a:buSzTx/>
+              <a:buFontTx/>
+              <a:buNone/>
+              <a:tabLst/>
+              <a:defRPr/>
+            </a:pPr>
+            <a:endParaRPr kumimoji="0" lang="en-US" sz="1800" b="0" i="0" u="none" strike="noStrike" kern="1200" cap="none" spc="0" normalizeH="0" baseline="0" noProof="0">
+              <a:ln>
+                <a:noFill/>
+              </a:ln>
+              <a:solidFill>
+                <a:prstClr val="white"/>
+              </a:solidFill>
+              <a:effectLst/>
+              <a:uLnTx/>
+              <a:uFillTx/>
+              <a:latin typeface="Calibri" panose="020F0502020204030204"/>
+              <a:ea typeface="+mn-ea"/>
+              <a:cs typeface="+mn-cs"/>
+            </a:endParaRPr>
+          </a:p>
+        </p:txBody>
+      </p:sp>
+      <p:sp>
+        <p:nvSpPr>
+          <p:cNvPr id="25" name="Freeform 13">
+            <a:extLst>
+              <a:ext uri="{FF2B5EF4-FFF2-40B4-BE49-F238E27FC236}">
+                <a16:creationId xmlns="" xmlns:a16="http://schemas.microsoft.com/office/drawing/2014/main" id="{E0709AF0-24F0-4486-B189-BE6386BDB198}"/>
+              </a:ext>
+            </a:extLst>
+          </p:cNvPr>
+          <p:cNvSpPr>
+            <a:spLocks noGrp="1" noRot="1" noChangeAspect="1" noMove="1" noResize="1" noEditPoints="1" noAdjustHandles="1" noChangeArrowheads="1" noChangeShapeType="1" noTextEdit="1"/>
+          </p:cNvSpPr>
+          <p:nvPr>
+            <p:extLst>
+              <p:ext uri="{386F3935-93C4-4BCD-93E2-E3B085C9AB24}">
+                <p16:designElem xmlns="" xmlns:p16="http://schemas.microsoft.com/office/powerpoint/2015/main" val="1"/>
+              </p:ext>
+            </p:extLst>
+          </p:nvPr>
+        </p:nvSpPr>
+        <p:spPr>
+          <a:xfrm>
+            <a:off x="0" y="0"/>
+            <a:ext cx="11786754" cy="6858000"/>
+          </a:xfrm>
+          <a:custGeom>
+            <a:avLst/>
+            <a:gdLst>
+              <a:gd name="connsiteX0" fmla="*/ 0 w 11786754"/>
+              <a:gd name="connsiteY0" fmla="*/ 0 h 6858000"/>
+              <a:gd name="connsiteX1" fmla="*/ 8610600 w 11786754"/>
+              <a:gd name="connsiteY1" fmla="*/ 0 h 6858000"/>
+              <a:gd name="connsiteX2" fmla="*/ 11786754 w 11786754"/>
+              <a:gd name="connsiteY2" fmla="*/ 6858000 h 6858000"/>
+              <a:gd name="connsiteX3" fmla="*/ 0 w 11786754"/>
+              <a:gd name="connsiteY3" fmla="*/ 6858000 h 6858000"/>
+            </a:gdLst>
+            <a:ahLst/>
+            <a:cxnLst>
+              <a:cxn ang="0">
+                <a:pos x="connsiteX0" y="connsiteY0"/>
+              </a:cxn>
+              <a:cxn ang="0">
+                <a:pos x="connsiteX1" y="connsiteY1"/>
+              </a:cxn>
+              <a:cxn ang="0">
+                <a:pos x="connsiteX2" y="connsiteY2"/>
+              </a:cxn>
+              <a:cxn ang="0">
+                <a:pos x="connsiteX3" y="connsiteY3"/>
+              </a:cxn>
+            </a:cxnLst>
+            <a:rect l="l" t="t" r="r" b="b"/>
+            <a:pathLst>
+              <a:path w="11786754" h="6858000">
+                <a:moveTo>
+                  <a:pt x="0" y="0"/>
+                </a:moveTo>
+                <a:lnTo>
+                  <a:pt x="8610600" y="0"/>
+                </a:lnTo>
+                <a:lnTo>
+                  <a:pt x="11786754" y="6858000"/>
+                </a:lnTo>
+                <a:lnTo>
+                  <a:pt x="0" y="6858000"/>
+                </a:lnTo>
+                <a:close/>
+              </a:path>
+            </a:pathLst>
+          </a:custGeom>
+          <a:solidFill>
+            <a:schemeClr val="bg1">
+              <a:alpha val="30000"/>
+            </a:schemeClr>
+          </a:solidFill>
+          <a:ln>
+            <a:noFill/>
+          </a:ln>
+        </p:spPr>
+        <p:style>
+          <a:lnRef idx="2">
+            <a:schemeClr val="accent1">
+              <a:shade val="50000"/>
+            </a:schemeClr>
+          </a:lnRef>
+          <a:fillRef idx="1">
+            <a:schemeClr val="accent1"/>
+          </a:fillRef>
+          <a:effectRef idx="0">
+            <a:schemeClr val="accent1"/>
+          </a:effectRef>
+          <a:fontRef idx="minor">
+            <a:schemeClr val="lt1"/>
+          </a:fontRef>
+        </p:style>
+        <p:txBody>
+          <a:bodyPr rtlCol="0" anchor="ctr"/>
+          <a:lstStyle/>
+          <a:p>
+            <a:pPr marL="0" marR="0" lvl="0" indent="0" algn="ctr" defTabSz="914400" rtl="0" eaLnBrk="1" fontAlgn="auto" latinLnBrk="0" hangingPunct="1">
+              <a:lnSpc>
+                <a:spcPct val="100000"/>
+              </a:lnSpc>
+              <a:spcBef>
+                <a:spcPts val="0"/>
+              </a:spcBef>
+              <a:spcAft>
+                <a:spcPts val="0"/>
+              </a:spcAft>
+              <a:buClrTx/>
+              <a:buSzTx/>
+              <a:buFontTx/>
+              <a:buNone/>
+              <a:tabLst/>
+              <a:defRPr/>
+            </a:pPr>
+            <a:endParaRPr kumimoji="0" lang="en-US" sz="1800" b="0" i="0" u="none" strike="noStrike" kern="1200" cap="none" spc="0" normalizeH="0" baseline="0" noProof="0">
+              <a:ln>
+                <a:noFill/>
+              </a:ln>
+              <a:solidFill>
+                <a:prstClr val="white"/>
+              </a:solidFill>
+              <a:effectLst/>
+              <a:uLnTx/>
+              <a:uFillTx/>
+              <a:latin typeface="Calibri" panose="020F0502020204030204"/>
+              <a:ea typeface="+mn-ea"/>
+              <a:cs typeface="+mn-cs"/>
+            </a:endParaRPr>
+          </a:p>
+        </p:txBody>
+      </p:sp>
+      <p:sp>
+        <p:nvSpPr>
+          <p:cNvPr id="27" name="Freeform 11">
+            <a:extLst>
+              <a:ext uri="{FF2B5EF4-FFF2-40B4-BE49-F238E27FC236}">
+                <a16:creationId xmlns="" xmlns:a16="http://schemas.microsoft.com/office/drawing/2014/main" id="{FBE3B62F-5853-4A3C-B050-6186351A7176}"/>
+              </a:ext>
+            </a:extLst>
+          </p:cNvPr>
+          <p:cNvSpPr>
+            <a:spLocks noGrp="1" noRot="1" noChangeAspect="1" noMove="1" noResize="1" noEditPoints="1" noAdjustHandles="1" noChangeArrowheads="1" noChangeShapeType="1" noTextEdit="1"/>
+          </p:cNvSpPr>
+          <p:nvPr>
+            <p:extLst>
+              <p:ext uri="{386F3935-93C4-4BCD-93E2-E3B085C9AB24}">
+                <p16:designElem xmlns="" xmlns:p16="http://schemas.microsoft.com/office/powerpoint/2015/main" val="1"/>
+              </p:ext>
+            </p:extLst>
+          </p:nvPr>
+        </p:nvSpPr>
+        <p:spPr>
+          <a:xfrm>
+            <a:off x="0" y="0"/>
+            <a:ext cx="3581400" cy="6858000"/>
+          </a:xfrm>
+          <a:custGeom>
+            <a:avLst/>
+            <a:gdLst>
+              <a:gd name="connsiteX0" fmla="*/ 0 w 3581400"/>
+              <a:gd name="connsiteY0" fmla="*/ 0 h 6858000"/>
+              <a:gd name="connsiteX1" fmla="*/ 405246 w 3581400"/>
+              <a:gd name="connsiteY1" fmla="*/ 0 h 6858000"/>
+              <a:gd name="connsiteX2" fmla="*/ 3581400 w 3581400"/>
+              <a:gd name="connsiteY2" fmla="*/ 6858000 h 6858000"/>
+              <a:gd name="connsiteX3" fmla="*/ 0 w 3581400"/>
+              <a:gd name="connsiteY3" fmla="*/ 6858000 h 6858000"/>
+            </a:gdLst>
+            <a:ahLst/>
+            <a:cxnLst>
+              <a:cxn ang="0">
+                <a:pos x="connsiteX0" y="connsiteY0"/>
+              </a:cxn>
+              <a:cxn ang="0">
+                <a:pos x="connsiteX1" y="connsiteY1"/>
+              </a:cxn>
+              <a:cxn ang="0">
+                <a:pos x="connsiteX2" y="connsiteY2"/>
+              </a:cxn>
+              <a:cxn ang="0">
+                <a:pos x="connsiteX3" y="connsiteY3"/>
+              </a:cxn>
+            </a:cxnLst>
+            <a:rect l="l" t="t" r="r" b="b"/>
+            <a:pathLst>
+              <a:path w="3581400" h="6858000">
+                <a:moveTo>
+                  <a:pt x="0" y="0"/>
+                </a:moveTo>
+                <a:lnTo>
+                  <a:pt x="405246" y="0"/>
+                </a:lnTo>
+                <a:lnTo>
+                  <a:pt x="3581400" y="6858000"/>
+                </a:lnTo>
+                <a:lnTo>
+                  <a:pt x="0" y="6858000"/>
+                </a:lnTo>
+                <a:close/>
+              </a:path>
+            </a:pathLst>
+          </a:custGeom>
+          <a:solidFill>
+            <a:schemeClr val="bg1">
+              <a:alpha val="30000"/>
+            </a:schemeClr>
+          </a:solidFill>
+          <a:ln>
+            <a:noFill/>
+          </a:ln>
+        </p:spPr>
+        <p:style>
+          <a:lnRef idx="2">
+            <a:schemeClr val="accent1">
+              <a:shade val="50000"/>
+            </a:schemeClr>
+          </a:lnRef>
+          <a:fillRef idx="1">
+            <a:schemeClr val="accent1"/>
+          </a:fillRef>
+          <a:effectRef idx="0">
+            <a:schemeClr val="accent1"/>
+          </a:effectRef>
+          <a:fontRef idx="minor">
+            <a:schemeClr val="lt1"/>
+          </a:fontRef>
+        </p:style>
+        <p:txBody>
+          <a:bodyPr wrap="square" rtlCol="0" anchor="ctr">
+            <a:noAutofit/>
+          </a:bodyPr>
+          <a:lstStyle/>
+          <a:p>
+            <a:pPr marL="0" marR="0" lvl="0" indent="0" algn="ctr" defTabSz="914400" rtl="0" eaLnBrk="1" fontAlgn="auto" latinLnBrk="0" hangingPunct="1">
+              <a:lnSpc>
+                <a:spcPct val="100000"/>
+              </a:lnSpc>
+              <a:spcBef>
+                <a:spcPts val="0"/>
+              </a:spcBef>
+              <a:spcAft>
+                <a:spcPts val="0"/>
+              </a:spcAft>
+              <a:buClrTx/>
+              <a:buSzTx/>
+              <a:buFontTx/>
+              <a:buNone/>
+              <a:tabLst/>
+              <a:defRPr/>
+            </a:pPr>
+            <a:endParaRPr kumimoji="0" lang="en-US" sz="1800" b="0" i="0" u="none" strike="noStrike" kern="1200" cap="none" spc="0" normalizeH="0" baseline="0" noProof="0">
+              <a:ln>
+                <a:noFill/>
+              </a:ln>
+              <a:solidFill>
+                <a:prstClr val="white"/>
+              </a:solidFill>
+              <a:effectLst/>
+              <a:uLnTx/>
+              <a:uFillTx/>
+              <a:latin typeface="Calibri" panose="020F0502020204030204"/>
+              <a:ea typeface="+mn-ea"/>
+              <a:cs typeface="+mn-cs"/>
+            </a:endParaRPr>
+          </a:p>
+        </p:txBody>
+      </p:sp>
+      <p:sp>
+        <p:nvSpPr>
+          <p:cNvPr id="2" name="Title 1">
+            <a:extLst>
+              <a:ext uri="{FF2B5EF4-FFF2-40B4-BE49-F238E27FC236}">
+                <a16:creationId xmlns="" xmlns:a16="http://schemas.microsoft.com/office/drawing/2014/main" id="{A5F6196D-B07E-499E-92C0-6953CE9F25D4}"/>
               </a:ext>
             </a:extLst>
           </p:cNvPr>
@@ -30288,7 +30977,7 @@
           <p:cNvPr id="15" name="Content Placeholder 16">
             <a:extLst>
               <a:ext uri="{FF2B5EF4-FFF2-40B4-BE49-F238E27FC236}">
-                <a16:creationId xmlns:a16="http://schemas.microsoft.com/office/drawing/2014/main" xmlns="" id="{5FDBA27F-9676-4EE6-B75A-C35B42A0CD81}"/>
+                <a16:creationId xmlns="" xmlns:a16="http://schemas.microsoft.com/office/drawing/2014/main" id="{5FDBA27F-9676-4EE6-B75A-C35B42A0CD81}"/>
               </a:ext>
             </a:extLst>
           </p:cNvPr>
@@ -30484,7 +31173,7 @@
           <p:cNvPr id="18" name="Content Placeholder 16">
             <a:extLst>
               <a:ext uri="{FF2B5EF4-FFF2-40B4-BE49-F238E27FC236}">
-                <a16:creationId xmlns:a16="http://schemas.microsoft.com/office/drawing/2014/main" xmlns="" id="{5FDBA27F-9676-4EE6-B75A-C35B42A0CD81}"/>
+                <a16:creationId xmlns="" xmlns:a16="http://schemas.microsoft.com/office/drawing/2014/main" id="{5FDBA27F-9676-4EE6-B75A-C35B42A0CD81}"/>
               </a:ext>
             </a:extLst>
           </p:cNvPr>
